--- a/2020s_w6998/lecs/08_modalities.pptx
+++ b/2020s_w6998/lecs/08_modalities.pptx
@@ -5,14 +5,31 @@
     <p:sldMasterId id="2147483648" r:id="rId1"/>
   </p:sldMasterIdLst>
   <p:notesMasterIdLst>
-    <p:notesMasterId r:id="rId7"/>
+    <p:notesMasterId r:id="rId24"/>
   </p:notesMasterIdLst>
   <p:sldIdLst>
     <p:sldId id="256" r:id="rId2"/>
     <p:sldId id="257" r:id="rId3"/>
     <p:sldId id="259" r:id="rId4"/>
-    <p:sldId id="306" r:id="rId5"/>
-    <p:sldId id="262" r:id="rId6"/>
+    <p:sldId id="309" r:id="rId5"/>
+    <p:sldId id="308" r:id="rId6"/>
+    <p:sldId id="314" r:id="rId7"/>
+    <p:sldId id="307" r:id="rId8"/>
+    <p:sldId id="311" r:id="rId9"/>
+    <p:sldId id="310" r:id="rId10"/>
+    <p:sldId id="315" r:id="rId11"/>
+    <p:sldId id="316" r:id="rId12"/>
+    <p:sldId id="313" r:id="rId13"/>
+    <p:sldId id="317" r:id="rId14"/>
+    <p:sldId id="312" r:id="rId15"/>
+    <p:sldId id="318" r:id="rId16"/>
+    <p:sldId id="319" r:id="rId17"/>
+    <p:sldId id="324" r:id="rId18"/>
+    <p:sldId id="306" r:id="rId19"/>
+    <p:sldId id="262" r:id="rId20"/>
+    <p:sldId id="320" r:id="rId21"/>
+    <p:sldId id="323" r:id="rId22"/>
+    <p:sldId id="322" r:id="rId23"/>
   </p:sldIdLst>
   <p:sldSz cx="12192000" cy="6858000"/>
   <p:notesSz cx="6858000" cy="9144000"/>
@@ -576,7 +593,7 @@
           <a:p>
             <a:fld id="{2E4A8955-ECBC-A647-A56E-6EF1E83FE798}" type="slidenum">
               <a:rPr lang="en-US" smtClean="0"/>
-              <a:t>5</a:t>
+              <a:t>19</a:t>
             </a:fld>
             <a:endParaRPr lang="en-US"/>
           </a:p>
@@ -3893,6 +3910,1869 @@
 </p:sld>
 </file>
 
+<file path=ppt/slides/slide10.xml><?xml version="1.0" encoding="utf-8"?>
+<p:sld xmlns:a="http://schemas.openxmlformats.org/drawingml/2006/main" xmlns:r="http://schemas.openxmlformats.org/officeDocument/2006/relationships" xmlns:p="http://schemas.openxmlformats.org/presentationml/2006/main">
+  <p:cSld>
+    <p:spTree>
+      <p:nvGrpSpPr>
+        <p:cNvPr id="1" name=""/>
+        <p:cNvGrpSpPr/>
+        <p:nvPr/>
+      </p:nvGrpSpPr>
+      <p:grpSpPr>
+        <a:xfrm>
+          <a:off x="0" y="0"/>
+          <a:ext cx="0" cy="0"/>
+          <a:chOff x="0" y="0"/>
+          <a:chExt cx="0" cy="0"/>
+        </a:xfrm>
+      </p:grpSpPr>
+      <p:sp>
+        <p:nvSpPr>
+          <p:cNvPr id="2" name="Title 1">
+            <a:extLst>
+              <a:ext uri="{FF2B5EF4-FFF2-40B4-BE49-F238E27FC236}">
+                <a16:creationId xmlns:a16="http://schemas.microsoft.com/office/drawing/2014/main" id="{84FA4894-EC48-0C4A-82A9-81E82F73A42B}"/>
+              </a:ext>
+            </a:extLst>
+          </p:cNvPr>
+          <p:cNvSpPr>
+            <a:spLocks noGrp="1"/>
+          </p:cNvSpPr>
+          <p:nvPr>
+            <p:ph type="title"/>
+          </p:nvPr>
+        </p:nvSpPr>
+        <p:spPr/>
+        <p:txBody>
+          <a:bodyPr/>
+          <a:lstStyle/>
+          <a:p>
+            <a:r>
+              <a:rPr lang="en-US" dirty="0"/>
+              <a:t>Offline</a:t>
+            </a:r>
+          </a:p>
+        </p:txBody>
+      </p:sp>
+      <p:sp>
+        <p:nvSpPr>
+          <p:cNvPr id="3" name="Content Placeholder 2">
+            <a:extLst>
+              <a:ext uri="{FF2B5EF4-FFF2-40B4-BE49-F238E27FC236}">
+                <a16:creationId xmlns:a16="http://schemas.microsoft.com/office/drawing/2014/main" id="{C9646EBB-5AAF-2840-8CA8-B49B71313979}"/>
+              </a:ext>
+            </a:extLst>
+          </p:cNvPr>
+          <p:cNvSpPr>
+            <a:spLocks noGrp="1"/>
+          </p:cNvSpPr>
+          <p:nvPr>
+            <p:ph idx="1"/>
+          </p:nvPr>
+        </p:nvSpPr>
+        <p:spPr/>
+        <p:txBody>
+          <a:bodyPr/>
+          <a:lstStyle/>
+          <a:p>
+            <a:pPr marL="0" indent="0">
+              <a:buNone/>
+            </a:pPr>
+            <a:r>
+              <a:rPr lang="en-US" dirty="0"/>
+              <a:t>Generate all queries &lt;=50 tokens</a:t>
+            </a:r>
+          </a:p>
+          <a:p>
+            <a:pPr marL="0" indent="0">
+              <a:buNone/>
+            </a:pPr>
+            <a:r>
+              <a:rPr lang="en-US" dirty="0"/>
+              <a:t>Build </a:t>
+            </a:r>
+            <a:r>
+              <a:rPr lang="en-US" dirty="0" err="1"/>
+              <a:t>trie</a:t>
+            </a:r>
+            <a:r>
+              <a:rPr lang="en-US" dirty="0"/>
+              <a:t> for queries of same length</a:t>
+            </a:r>
+          </a:p>
+          <a:p>
+            <a:pPr marL="0" indent="0">
+              <a:buNone/>
+            </a:pPr>
+            <a:endParaRPr lang="en-US" dirty="0"/>
+          </a:p>
+        </p:txBody>
+      </p:sp>
+      <p:pic>
+        <p:nvPicPr>
+          <p:cNvPr id="4" name="Picture 3">
+            <a:extLst>
+              <a:ext uri="{FF2B5EF4-FFF2-40B4-BE49-F238E27FC236}">
+                <a16:creationId xmlns:a16="http://schemas.microsoft.com/office/drawing/2014/main" id="{24AA7DF4-D14C-5741-B69B-71425D551A98}"/>
+              </a:ext>
+            </a:extLst>
+          </p:cNvPr>
+          <p:cNvPicPr>
+            <a:picLocks noChangeAspect="1"/>
+          </p:cNvPicPr>
+          <p:nvPr/>
+        </p:nvPicPr>
+        <p:blipFill>
+          <a:blip r:embed="rId2"/>
+          <a:stretch>
+            <a:fillRect/>
+          </a:stretch>
+        </p:blipFill>
+        <p:spPr>
+          <a:xfrm>
+            <a:off x="6580909" y="0"/>
+            <a:ext cx="5611091" cy="6858000"/>
+          </a:xfrm>
+          <a:prstGeom prst="rect">
+            <a:avLst/>
+          </a:prstGeom>
+        </p:spPr>
+      </p:pic>
+      <p:sp>
+        <p:nvSpPr>
+          <p:cNvPr id="5" name="Rectangle 4">
+            <a:extLst>
+              <a:ext uri="{FF2B5EF4-FFF2-40B4-BE49-F238E27FC236}">
+                <a16:creationId xmlns:a16="http://schemas.microsoft.com/office/drawing/2014/main" id="{EC20C855-4C84-8544-897A-03CA437C0BEA}"/>
+              </a:ext>
+            </a:extLst>
+          </p:cNvPr>
+          <p:cNvSpPr/>
+          <p:nvPr/>
+        </p:nvSpPr>
+        <p:spPr>
+          <a:xfrm>
+            <a:off x="6651321" y="3795386"/>
+            <a:ext cx="1384126" cy="319414"/>
+          </a:xfrm>
+          <a:prstGeom prst="rect">
+            <a:avLst/>
+          </a:prstGeom>
+          <a:noFill/>
+          <a:ln w="57150">
+            <a:solidFill>
+              <a:srgbClr val="FF0000"/>
+            </a:solidFill>
+          </a:ln>
+        </p:spPr>
+        <p:style>
+          <a:lnRef idx="2">
+            <a:schemeClr val="accent1">
+              <a:shade val="50000"/>
+            </a:schemeClr>
+          </a:lnRef>
+          <a:fillRef idx="1">
+            <a:schemeClr val="accent1"/>
+          </a:fillRef>
+          <a:effectRef idx="0">
+            <a:schemeClr val="accent1"/>
+          </a:effectRef>
+          <a:fontRef idx="minor">
+            <a:schemeClr val="lt1"/>
+          </a:fontRef>
+        </p:style>
+        <p:txBody>
+          <a:bodyPr rtlCol="0" anchor="ctr"/>
+          <a:lstStyle/>
+          <a:p>
+            <a:pPr algn="ctr"/>
+            <a:endParaRPr lang="en-US"/>
+          </a:p>
+        </p:txBody>
+      </p:sp>
+    </p:spTree>
+    <p:extLst>
+      <p:ext uri="{BB962C8B-B14F-4D97-AF65-F5344CB8AC3E}">
+        <p14:creationId xmlns:p14="http://schemas.microsoft.com/office/powerpoint/2010/main" val="224655649"/>
+      </p:ext>
+    </p:extLst>
+  </p:cSld>
+  <p:clrMapOvr>
+    <a:masterClrMapping/>
+  </p:clrMapOvr>
+</p:sld>
+</file>
+
+<file path=ppt/slides/slide11.xml><?xml version="1.0" encoding="utf-8"?>
+<p:sld xmlns:a="http://schemas.openxmlformats.org/drawingml/2006/main" xmlns:r="http://schemas.openxmlformats.org/officeDocument/2006/relationships" xmlns:p="http://schemas.openxmlformats.org/presentationml/2006/main">
+  <p:cSld>
+    <p:spTree>
+      <p:nvGrpSpPr>
+        <p:cNvPr id="1" name=""/>
+        <p:cNvGrpSpPr/>
+        <p:nvPr/>
+      </p:nvGrpSpPr>
+      <p:grpSpPr>
+        <a:xfrm>
+          <a:off x="0" y="0"/>
+          <a:ext cx="0" cy="0"/>
+          <a:chOff x="0" y="0"/>
+          <a:chExt cx="0" cy="0"/>
+        </a:xfrm>
+      </p:grpSpPr>
+      <p:sp>
+        <p:nvSpPr>
+          <p:cNvPr id="2" name="Title 1">
+            <a:extLst>
+              <a:ext uri="{FF2B5EF4-FFF2-40B4-BE49-F238E27FC236}">
+                <a16:creationId xmlns:a16="http://schemas.microsoft.com/office/drawing/2014/main" id="{1E87F607-37ED-5142-931E-FE2C83DA84BA}"/>
+              </a:ext>
+            </a:extLst>
+          </p:cNvPr>
+          <p:cNvSpPr>
+            <a:spLocks noGrp="1"/>
+          </p:cNvSpPr>
+          <p:nvPr>
+            <p:ph type="title"/>
+          </p:nvPr>
+        </p:nvSpPr>
+        <p:spPr/>
+        <p:txBody>
+          <a:bodyPr/>
+          <a:lstStyle/>
+          <a:p>
+            <a:r>
+              <a:rPr lang="en-US" dirty="0"/>
+              <a:t>Online</a:t>
+            </a:r>
+          </a:p>
+        </p:txBody>
+      </p:sp>
+      <p:sp>
+        <p:nvSpPr>
+          <p:cNvPr id="3" name="Content Placeholder 2">
+            <a:extLst>
+              <a:ext uri="{FF2B5EF4-FFF2-40B4-BE49-F238E27FC236}">
+                <a16:creationId xmlns:a16="http://schemas.microsoft.com/office/drawing/2014/main" id="{6F897CB9-91EF-C640-988D-73D01459A535}"/>
+              </a:ext>
+            </a:extLst>
+          </p:cNvPr>
+          <p:cNvSpPr>
+            <a:spLocks noGrp="1"/>
+          </p:cNvSpPr>
+          <p:nvPr>
+            <p:ph idx="1"/>
+          </p:nvPr>
+        </p:nvSpPr>
+        <p:spPr/>
+        <p:txBody>
+          <a:bodyPr/>
+          <a:lstStyle/>
+          <a:p>
+            <a:pPr marL="0" indent="0">
+              <a:buNone/>
+            </a:pPr>
+            <a:r>
+              <a:rPr lang="en-US" sz="2400" dirty="0"/>
+              <a:t>Find template that matches</a:t>
+            </a:r>
+          </a:p>
+          <a:p>
+            <a:pPr marL="0" indent="0" algn="ctr">
+              <a:buNone/>
+            </a:pPr>
+            <a:r>
+              <a:rPr lang="en-US" sz="2400" dirty="0">
+                <a:latin typeface="Consolas" panose="020B0609020204030204" pitchFamily="49" charset="0"/>
+                <a:cs typeface="Consolas" panose="020B0609020204030204" pitchFamily="49" charset="0"/>
+              </a:rPr>
+              <a:t>“select first name from employers wear col one two equal </a:t>
+            </a:r>
+            <a:r>
+              <a:rPr lang="en-US" sz="2400" dirty="0" err="1">
+                <a:latin typeface="Consolas" panose="020B0609020204030204" pitchFamily="49" charset="0"/>
+                <a:cs typeface="Consolas" panose="020B0609020204030204" pitchFamily="49" charset="0"/>
+              </a:rPr>
+              <a:t>jon</a:t>
+            </a:r>
+            <a:r>
+              <a:rPr lang="en-US" sz="2400" dirty="0">
+                <a:latin typeface="Consolas" panose="020B0609020204030204" pitchFamily="49" charset="0"/>
+                <a:cs typeface="Consolas" panose="020B0609020204030204" pitchFamily="49" charset="0"/>
+              </a:rPr>
+              <a:t>”</a:t>
+            </a:r>
+          </a:p>
+          <a:p>
+            <a:pPr marL="0" indent="0" algn="ctr">
+              <a:buNone/>
+            </a:pPr>
+            <a:r>
+              <a:rPr lang="en-US" sz="2400" dirty="0">
+                <a:latin typeface="Consolas" panose="020B0609020204030204" pitchFamily="49" charset="0"/>
+                <a:cs typeface="Consolas" panose="020B0609020204030204" pitchFamily="49" charset="0"/>
+              </a:rPr>
+              <a:t>to</a:t>
+            </a:r>
+            <a:endParaRPr lang="en-US" dirty="0"/>
+          </a:p>
+          <a:p>
+            <a:pPr marL="0" indent="0" algn="ctr">
+              <a:buNone/>
+            </a:pPr>
+            <a:r>
+              <a:rPr lang="en-US" sz="2400" dirty="0">
+                <a:latin typeface="Consolas" panose="020B0609020204030204" pitchFamily="49" charset="0"/>
+                <a:cs typeface="Consolas" panose="020B0609020204030204" pitchFamily="49" charset="0"/>
+              </a:rPr>
+              <a:t>SELECT v1 FROM v2 WHERE v3 = v4</a:t>
+            </a:r>
+          </a:p>
+          <a:p>
+            <a:pPr marL="0" indent="0">
+              <a:buNone/>
+            </a:pPr>
+            <a:endParaRPr lang="en-US" dirty="0"/>
+          </a:p>
+          <a:p>
+            <a:pPr marL="0" indent="0">
+              <a:buNone/>
+            </a:pPr>
+            <a:r>
+              <a:rPr lang="en-US" dirty="0"/>
+              <a:t>Match by edit distance</a:t>
+            </a:r>
+          </a:p>
+          <a:p>
+            <a:pPr marL="0" indent="0">
+              <a:buNone/>
+            </a:pPr>
+            <a:r>
+              <a:rPr lang="en-US" dirty="0"/>
+              <a:t>Bound &amp; prune trick to speed up</a:t>
+            </a:r>
+          </a:p>
+        </p:txBody>
+      </p:sp>
+      <p:pic>
+        <p:nvPicPr>
+          <p:cNvPr id="4" name="Picture 3">
+            <a:extLst>
+              <a:ext uri="{FF2B5EF4-FFF2-40B4-BE49-F238E27FC236}">
+                <a16:creationId xmlns:a16="http://schemas.microsoft.com/office/drawing/2014/main" id="{6F3446F1-DFA7-3746-8B82-A7A8DC6CFACF}"/>
+              </a:ext>
+            </a:extLst>
+          </p:cNvPr>
+          <p:cNvPicPr>
+            <a:picLocks noChangeAspect="1"/>
+          </p:cNvPicPr>
+          <p:nvPr/>
+        </p:nvPicPr>
+        <p:blipFill>
+          <a:blip r:embed="rId2"/>
+          <a:stretch>
+            <a:fillRect/>
+          </a:stretch>
+        </p:blipFill>
+        <p:spPr>
+          <a:xfrm>
+            <a:off x="7171150" y="3817808"/>
+            <a:ext cx="4680037" cy="2813854"/>
+          </a:xfrm>
+          <a:prstGeom prst="rect">
+            <a:avLst/>
+          </a:prstGeom>
+        </p:spPr>
+      </p:pic>
+    </p:spTree>
+    <p:extLst>
+      <p:ext uri="{BB962C8B-B14F-4D97-AF65-F5344CB8AC3E}">
+        <p14:creationId xmlns:p14="http://schemas.microsoft.com/office/powerpoint/2010/main" val="4278425214"/>
+      </p:ext>
+    </p:extLst>
+  </p:cSld>
+  <p:clrMapOvr>
+    <a:masterClrMapping/>
+  </p:clrMapOvr>
+</p:sld>
+</file>
+
+<file path=ppt/slides/slide12.xml><?xml version="1.0" encoding="utf-8"?>
+<p:sld xmlns:a="http://schemas.openxmlformats.org/drawingml/2006/main" xmlns:r="http://schemas.openxmlformats.org/officeDocument/2006/relationships" xmlns:p="http://schemas.openxmlformats.org/presentationml/2006/main">
+  <p:cSld>
+    <p:spTree>
+      <p:nvGrpSpPr>
+        <p:cNvPr id="1" name=""/>
+        <p:cNvGrpSpPr/>
+        <p:nvPr/>
+      </p:nvGrpSpPr>
+      <p:grpSpPr>
+        <a:xfrm>
+          <a:off x="0" y="0"/>
+          <a:ext cx="0" cy="0"/>
+          <a:chOff x="0" y="0"/>
+          <a:chExt cx="0" cy="0"/>
+        </a:xfrm>
+      </p:grpSpPr>
+      <p:sp>
+        <p:nvSpPr>
+          <p:cNvPr id="2" name="Title 1">
+            <a:extLst>
+              <a:ext uri="{FF2B5EF4-FFF2-40B4-BE49-F238E27FC236}">
+                <a16:creationId xmlns:a16="http://schemas.microsoft.com/office/drawing/2014/main" id="{9003DC3E-7A4E-5D4A-A75F-4A8720C2058C}"/>
+              </a:ext>
+            </a:extLst>
+          </p:cNvPr>
+          <p:cNvSpPr>
+            <a:spLocks noGrp="1"/>
+          </p:cNvSpPr>
+          <p:nvPr>
+            <p:ph type="title"/>
+          </p:nvPr>
+        </p:nvSpPr>
+        <p:spPr/>
+        <p:txBody>
+          <a:bodyPr/>
+          <a:lstStyle/>
+          <a:p>
+            <a:r>
+              <a:rPr lang="en-US" dirty="0"/>
+              <a:t>Literal Determination</a:t>
+            </a:r>
+          </a:p>
+        </p:txBody>
+      </p:sp>
+      <p:sp>
+        <p:nvSpPr>
+          <p:cNvPr id="3" name="Content Placeholder 2">
+            <a:extLst>
+              <a:ext uri="{FF2B5EF4-FFF2-40B4-BE49-F238E27FC236}">
+                <a16:creationId xmlns:a16="http://schemas.microsoft.com/office/drawing/2014/main" id="{911D92FC-4ECD-8444-A037-19D59D869246}"/>
+              </a:ext>
+            </a:extLst>
+          </p:cNvPr>
+          <p:cNvSpPr>
+            <a:spLocks noGrp="1"/>
+          </p:cNvSpPr>
+          <p:nvPr>
+            <p:ph idx="1"/>
+          </p:nvPr>
+        </p:nvSpPr>
+        <p:spPr/>
+        <p:txBody>
+          <a:bodyPr>
+            <a:normAutofit/>
+          </a:bodyPr>
+          <a:lstStyle/>
+          <a:p>
+            <a:pPr marL="0" indent="0">
+              <a:buNone/>
+            </a:pPr>
+            <a:r>
+              <a:rPr lang="en-US" sz="2400" dirty="0"/>
+              <a:t>Fill in variables in query template based on sounds-like-ness</a:t>
+            </a:r>
+          </a:p>
+          <a:p>
+            <a:pPr marL="0" indent="0" algn="ctr">
+              <a:buNone/>
+            </a:pPr>
+            <a:r>
+              <a:rPr lang="en-US" sz="2000" dirty="0">
+                <a:latin typeface="Consolas" panose="020B0609020204030204" pitchFamily="49" charset="0"/>
+                <a:cs typeface="Consolas" panose="020B0609020204030204" pitchFamily="49" charset="0"/>
+              </a:rPr>
+              <a:t>“select first name from employers wear col one two equal </a:t>
+            </a:r>
+            <a:r>
+              <a:rPr lang="en-US" sz="2000" dirty="0" err="1">
+                <a:latin typeface="Consolas" panose="020B0609020204030204" pitchFamily="49" charset="0"/>
+                <a:cs typeface="Consolas" panose="020B0609020204030204" pitchFamily="49" charset="0"/>
+              </a:rPr>
+              <a:t>jon</a:t>
+            </a:r>
+            <a:r>
+              <a:rPr lang="en-US" sz="2000" dirty="0">
+                <a:latin typeface="Consolas" panose="020B0609020204030204" pitchFamily="49" charset="0"/>
+                <a:cs typeface="Consolas" panose="020B0609020204030204" pitchFamily="49" charset="0"/>
+              </a:rPr>
+              <a:t>”</a:t>
+            </a:r>
+          </a:p>
+          <a:p>
+            <a:pPr marL="0" indent="0" algn="ctr">
+              <a:buNone/>
+            </a:pPr>
+            <a:r>
+              <a:rPr lang="en-US" sz="2000" dirty="0">
+                <a:latin typeface="Consolas" panose="020B0609020204030204" pitchFamily="49" charset="0"/>
+                <a:cs typeface="Consolas" panose="020B0609020204030204" pitchFamily="49" charset="0"/>
+              </a:rPr>
+              <a:t>SELECT v1 FROM v2 WHERE v3 = v4</a:t>
+            </a:r>
+          </a:p>
+          <a:p>
+            <a:pPr marL="0" indent="0">
+              <a:buNone/>
+            </a:pPr>
+            <a:endParaRPr lang="en-US" sz="2400" dirty="0"/>
+          </a:p>
+          <a:p>
+            <a:pPr marL="0" indent="0">
+              <a:buNone/>
+            </a:pPr>
+            <a:r>
+              <a:rPr lang="en-US" sz="2400" dirty="0"/>
+              <a:t>Ideas</a:t>
+            </a:r>
+          </a:p>
+          <a:p>
+            <a:pPr marL="514350" indent="-514350">
+              <a:buAutoNum type="arabicPeriod"/>
+            </a:pPr>
+            <a:r>
+              <a:rPr lang="en-US" sz="2400" dirty="0"/>
+              <a:t>Translate all tokens &amp; values into phonemes. </a:t>
+            </a:r>
+            <a:r>
+              <a:rPr lang="en-US" sz="2400" dirty="0">
+                <a:solidFill>
+                  <a:schemeClr val="bg1">
+                    <a:lumMod val="50000"/>
+                  </a:schemeClr>
+                </a:solidFill>
+              </a:rPr>
+              <a:t>Employees </a:t>
+            </a:r>
+            <a:r>
+              <a:rPr lang="en-US" sz="2400" dirty="0">
+                <a:solidFill>
+                  <a:schemeClr val="bg1">
+                    <a:lumMod val="50000"/>
+                  </a:schemeClr>
+                </a:solidFill>
+                <a:sym typeface="Wingdings" pitchFamily="2" charset="2"/>
+              </a:rPr>
+              <a:t> EMPLYS</a:t>
+            </a:r>
+          </a:p>
+          <a:p>
+            <a:pPr marL="514350" indent="-514350">
+              <a:buAutoNum type="arabicPeriod"/>
+            </a:pPr>
+            <a:r>
+              <a:rPr lang="en-US" sz="2400" dirty="0">
+                <a:sym typeface="Wingdings" pitchFamily="2" charset="2"/>
+              </a:rPr>
+              <a:t>Infer variable types from grammar.  </a:t>
+            </a:r>
+            <a:r>
+              <a:rPr lang="en-US" sz="2400" dirty="0">
+                <a:solidFill>
+                  <a:schemeClr val="bg1">
+                    <a:lumMod val="50000"/>
+                  </a:schemeClr>
+                </a:solidFill>
+                <a:sym typeface="Wingdings" pitchFamily="2" charset="2"/>
+              </a:rPr>
+              <a:t>v1 is </a:t>
+            </a:r>
+            <a:r>
+              <a:rPr lang="en-US" sz="2400" dirty="0" err="1">
+                <a:solidFill>
+                  <a:schemeClr val="bg1">
+                    <a:lumMod val="50000"/>
+                  </a:schemeClr>
+                </a:solidFill>
+                <a:sym typeface="Wingdings" pitchFamily="2" charset="2"/>
+              </a:rPr>
+              <a:t>attr</a:t>
+            </a:r>
+            <a:r>
+              <a:rPr lang="en-US" sz="2400" dirty="0">
+                <a:solidFill>
+                  <a:schemeClr val="bg1">
+                    <a:lumMod val="50000"/>
+                  </a:schemeClr>
+                </a:solidFill>
+                <a:sym typeface="Wingdings" pitchFamily="2" charset="2"/>
+              </a:rPr>
+              <a:t>, v2 is table</a:t>
+            </a:r>
+          </a:p>
+          <a:p>
+            <a:pPr marL="514350" indent="-514350">
+              <a:buAutoNum type="arabicPeriod"/>
+            </a:pPr>
+            <a:r>
+              <a:rPr lang="en-US" sz="2400" dirty="0">
+                <a:sym typeface="Wingdings" pitchFamily="2" charset="2"/>
+              </a:rPr>
+              <a:t>Know tokens to variable mappings.  </a:t>
+            </a:r>
+            <a:r>
+              <a:rPr lang="en-US" sz="2400" dirty="0">
+                <a:solidFill>
+                  <a:schemeClr val="bg1">
+                    <a:lumMod val="50000"/>
+                  </a:schemeClr>
+                </a:solidFill>
+                <a:sym typeface="Wingdings" pitchFamily="2" charset="2"/>
+              </a:rPr>
+              <a:t>“first name”  v1</a:t>
+            </a:r>
+          </a:p>
+          <a:p>
+            <a:pPr marL="0" indent="0">
+              <a:buNone/>
+            </a:pPr>
+            <a:endParaRPr lang="en-US" sz="2400" dirty="0"/>
+          </a:p>
+        </p:txBody>
+      </p:sp>
+    </p:spTree>
+    <p:extLst>
+      <p:ext uri="{BB962C8B-B14F-4D97-AF65-F5344CB8AC3E}">
+        <p14:creationId xmlns:p14="http://schemas.microsoft.com/office/powerpoint/2010/main" val="2033292324"/>
+      </p:ext>
+    </p:extLst>
+  </p:cSld>
+  <p:clrMapOvr>
+    <a:masterClrMapping/>
+  </p:clrMapOvr>
+</p:sld>
+</file>
+
+<file path=ppt/slides/slide13.xml><?xml version="1.0" encoding="utf-8"?>
+<p:sld xmlns:a="http://schemas.openxmlformats.org/drawingml/2006/main" xmlns:r="http://schemas.openxmlformats.org/officeDocument/2006/relationships" xmlns:p="http://schemas.openxmlformats.org/presentationml/2006/main">
+  <p:cSld>
+    <p:spTree>
+      <p:nvGrpSpPr>
+        <p:cNvPr id="1" name=""/>
+        <p:cNvGrpSpPr/>
+        <p:nvPr/>
+      </p:nvGrpSpPr>
+      <p:grpSpPr>
+        <a:xfrm>
+          <a:off x="0" y="0"/>
+          <a:ext cx="0" cy="0"/>
+          <a:chOff x="0" y="0"/>
+          <a:chExt cx="0" cy="0"/>
+        </a:xfrm>
+      </p:grpSpPr>
+      <p:sp>
+        <p:nvSpPr>
+          <p:cNvPr id="2" name="Title 1">
+            <a:extLst>
+              <a:ext uri="{FF2B5EF4-FFF2-40B4-BE49-F238E27FC236}">
+                <a16:creationId xmlns:a16="http://schemas.microsoft.com/office/drawing/2014/main" id="{E06E78FB-10EB-FC42-ABEE-004CDF41B040}"/>
+              </a:ext>
+            </a:extLst>
+          </p:cNvPr>
+          <p:cNvSpPr>
+            <a:spLocks noGrp="1"/>
+          </p:cNvSpPr>
+          <p:nvPr>
+            <p:ph type="title"/>
+          </p:nvPr>
+        </p:nvSpPr>
+        <p:spPr/>
+        <p:txBody>
+          <a:bodyPr/>
+          <a:lstStyle/>
+          <a:p>
+            <a:r>
+              <a:rPr lang="en-US" dirty="0"/>
+              <a:t>Literal Determination</a:t>
+            </a:r>
+          </a:p>
+        </p:txBody>
+      </p:sp>
+      <p:sp>
+        <p:nvSpPr>
+          <p:cNvPr id="3" name="Content Placeholder 2">
+            <a:extLst>
+              <a:ext uri="{FF2B5EF4-FFF2-40B4-BE49-F238E27FC236}">
+                <a16:creationId xmlns:a16="http://schemas.microsoft.com/office/drawing/2014/main" id="{7305FDB0-BAF6-6C41-8942-B987D7FE5988}"/>
+              </a:ext>
+            </a:extLst>
+          </p:cNvPr>
+          <p:cNvSpPr>
+            <a:spLocks noGrp="1"/>
+          </p:cNvSpPr>
+          <p:nvPr>
+            <p:ph idx="1"/>
+          </p:nvPr>
+        </p:nvSpPr>
+        <p:spPr/>
+        <p:txBody>
+          <a:bodyPr>
+            <a:normAutofit fontScale="92500" lnSpcReduction="20000"/>
+          </a:bodyPr>
+          <a:lstStyle/>
+          <a:p>
+            <a:pPr marL="0" indent="0">
+              <a:buNone/>
+            </a:pPr>
+            <a:r>
+              <a:rPr lang="en-US" dirty="0"/>
+              <a:t>Tricky part: picking the attribute name/values</a:t>
+            </a:r>
+          </a:p>
+          <a:p>
+            <a:r>
+              <a:rPr lang="en-US" dirty="0"/>
+              <a:t>“first name” </a:t>
+            </a:r>
+            <a:r>
+              <a:rPr lang="en-US" dirty="0">
+                <a:sym typeface="Wingdings" pitchFamily="2" charset="2"/>
+              </a:rPr>
+              <a:t> “</a:t>
+            </a:r>
+            <a:r>
+              <a:rPr lang="en-US" dirty="0" err="1">
+                <a:sym typeface="Wingdings" pitchFamily="2" charset="2"/>
+              </a:rPr>
+              <a:t>firstname</a:t>
+            </a:r>
+            <a:r>
+              <a:rPr lang="en-US" dirty="0">
+                <a:sym typeface="Wingdings" pitchFamily="2" charset="2"/>
+              </a:rPr>
+              <a:t>”</a:t>
+            </a:r>
+            <a:endParaRPr lang="en-US" dirty="0"/>
+          </a:p>
+          <a:p>
+            <a:r>
+              <a:rPr lang="en-US" dirty="0"/>
+              <a:t>“col one two” </a:t>
+            </a:r>
+            <a:r>
+              <a:rPr lang="en-US" dirty="0">
+                <a:sym typeface="Wingdings" pitchFamily="2" charset="2"/>
+              </a:rPr>
+              <a:t> “col_12”</a:t>
+            </a:r>
+          </a:p>
+          <a:p>
+            <a:pPr marL="0" indent="0">
+              <a:buNone/>
+            </a:pPr>
+            <a:endParaRPr lang="en-US" dirty="0">
+              <a:sym typeface="Wingdings" pitchFamily="2" charset="2"/>
+            </a:endParaRPr>
+          </a:p>
+          <a:p>
+            <a:pPr marL="0" indent="0">
+              <a:buNone/>
+            </a:pPr>
+            <a:r>
+              <a:rPr lang="en-US" dirty="0">
+                <a:sym typeface="Wingdings" pitchFamily="2" charset="2"/>
+              </a:rPr>
+              <a:t>What </a:t>
+            </a:r>
+            <a:r>
+              <a:rPr lang="en-US" dirty="0" err="1">
+                <a:sym typeface="Wingdings" pitchFamily="2" charset="2"/>
+              </a:rPr>
+              <a:t>SpeakQL</a:t>
+            </a:r>
+            <a:r>
+              <a:rPr lang="en-US" dirty="0">
+                <a:sym typeface="Wingdings" pitchFamily="2" charset="2"/>
+              </a:rPr>
+              <a:t> does</a:t>
+            </a:r>
+          </a:p>
+          <a:p>
+            <a:r>
+              <a:rPr lang="en-US" dirty="0">
+                <a:sym typeface="Wingdings" pitchFamily="2" charset="2"/>
+              </a:rPr>
+              <a:t>Enumerate all concatenations of tokens: ”first” “name” “</a:t>
+            </a:r>
+            <a:r>
+              <a:rPr lang="en-US" dirty="0" err="1">
+                <a:sym typeface="Wingdings" pitchFamily="2" charset="2"/>
+              </a:rPr>
+              <a:t>firstname</a:t>
+            </a:r>
+            <a:r>
+              <a:rPr lang="en-US" dirty="0">
+                <a:sym typeface="Wingdings" pitchFamily="2" charset="2"/>
+              </a:rPr>
+              <a:t>”</a:t>
+            </a:r>
+          </a:p>
+          <a:p>
+            <a:r>
+              <a:rPr lang="en-US" dirty="0">
+                <a:sym typeface="Wingdings" pitchFamily="2" charset="2"/>
+              </a:rPr>
+              <a:t>Compute phoneme distance with attributes “</a:t>
+            </a:r>
+            <a:r>
+              <a:rPr lang="en-US" dirty="0" err="1">
+                <a:sym typeface="Wingdings" pitchFamily="2" charset="2"/>
+              </a:rPr>
+              <a:t>firstname</a:t>
+            </a:r>
+            <a:r>
+              <a:rPr lang="en-US" dirty="0">
+                <a:sym typeface="Wingdings" pitchFamily="2" charset="2"/>
+              </a:rPr>
+              <a:t>”, “</a:t>
+            </a:r>
+            <a:r>
+              <a:rPr lang="en-US" dirty="0" err="1">
+                <a:sym typeface="Wingdings" pitchFamily="2" charset="2"/>
+              </a:rPr>
+              <a:t>forestname</a:t>
+            </a:r>
+            <a:r>
+              <a:rPr lang="en-US" dirty="0">
+                <a:sym typeface="Wingdings" pitchFamily="2" charset="2"/>
+              </a:rPr>
+              <a:t>”</a:t>
+            </a:r>
+          </a:p>
+          <a:p>
+            <a:r>
+              <a:rPr lang="en-US" dirty="0">
+                <a:sym typeface="Wingdings" pitchFamily="2" charset="2"/>
+              </a:rPr>
+              <a:t>All tokens get a “vote”</a:t>
+            </a:r>
+          </a:p>
+          <a:p>
+            <a:pPr marL="0" indent="0">
+              <a:buNone/>
+            </a:pPr>
+            <a:endParaRPr lang="en-US" dirty="0">
+              <a:sym typeface="Wingdings" pitchFamily="2" charset="2"/>
+            </a:endParaRPr>
+          </a:p>
+          <a:p>
+            <a:pPr marL="0" indent="0">
+              <a:buNone/>
+            </a:pPr>
+            <a:r>
+              <a:rPr lang="en-US" dirty="0">
+                <a:sym typeface="Wingdings" pitchFamily="2" charset="2"/>
+              </a:rPr>
+              <a:t>Thoughts on their method?</a:t>
+            </a:r>
+          </a:p>
+        </p:txBody>
+      </p:sp>
+    </p:spTree>
+    <p:extLst>
+      <p:ext uri="{BB962C8B-B14F-4D97-AF65-F5344CB8AC3E}">
+        <p14:creationId xmlns:p14="http://schemas.microsoft.com/office/powerpoint/2010/main" val="1877404889"/>
+      </p:ext>
+    </p:extLst>
+  </p:cSld>
+  <p:clrMapOvr>
+    <a:masterClrMapping/>
+  </p:clrMapOvr>
+</p:sld>
+</file>
+
+<file path=ppt/slides/slide14.xml><?xml version="1.0" encoding="utf-8"?>
+<p:sld xmlns:a="http://schemas.openxmlformats.org/drawingml/2006/main" xmlns:r="http://schemas.openxmlformats.org/officeDocument/2006/relationships" xmlns:p="http://schemas.openxmlformats.org/presentationml/2006/main">
+  <p:cSld>
+    <p:spTree>
+      <p:nvGrpSpPr>
+        <p:cNvPr id="1" name=""/>
+        <p:cNvGrpSpPr/>
+        <p:nvPr/>
+      </p:nvGrpSpPr>
+      <p:grpSpPr>
+        <a:xfrm>
+          <a:off x="0" y="0"/>
+          <a:ext cx="0" cy="0"/>
+          <a:chOff x="0" y="0"/>
+          <a:chExt cx="0" cy="0"/>
+        </a:xfrm>
+      </p:grpSpPr>
+      <p:sp>
+        <p:nvSpPr>
+          <p:cNvPr id="2" name="Title 1">
+            <a:extLst>
+              <a:ext uri="{FF2B5EF4-FFF2-40B4-BE49-F238E27FC236}">
+                <a16:creationId xmlns:a16="http://schemas.microsoft.com/office/drawing/2014/main" id="{E19B0345-EA7F-4347-804C-EFA7DDA9625F}"/>
+              </a:ext>
+            </a:extLst>
+          </p:cNvPr>
+          <p:cNvSpPr>
+            <a:spLocks noGrp="1"/>
+          </p:cNvSpPr>
+          <p:nvPr>
+            <p:ph type="title"/>
+          </p:nvPr>
+        </p:nvSpPr>
+        <p:spPr/>
+        <p:txBody>
+          <a:bodyPr/>
+          <a:lstStyle/>
+          <a:p>
+            <a:r>
+              <a:rPr lang="en-US" dirty="0"/>
+              <a:t>Experiments</a:t>
+            </a:r>
+          </a:p>
+        </p:txBody>
+      </p:sp>
+      <p:sp>
+        <p:nvSpPr>
+          <p:cNvPr id="3" name="Content Placeholder 2">
+            <a:extLst>
+              <a:ext uri="{FF2B5EF4-FFF2-40B4-BE49-F238E27FC236}">
+                <a16:creationId xmlns:a16="http://schemas.microsoft.com/office/drawing/2014/main" id="{746470B6-78D0-064D-8851-E00263A31ECF}"/>
+              </a:ext>
+            </a:extLst>
+          </p:cNvPr>
+          <p:cNvSpPr>
+            <a:spLocks noGrp="1"/>
+          </p:cNvSpPr>
+          <p:nvPr>
+            <p:ph idx="1"/>
+          </p:nvPr>
+        </p:nvSpPr>
+        <p:spPr/>
+        <p:txBody>
+          <a:bodyPr/>
+          <a:lstStyle/>
+          <a:p>
+            <a:pPr marL="0" indent="0">
+              <a:buNone/>
+            </a:pPr>
+            <a:r>
+              <a:rPr lang="en-US" dirty="0"/>
+              <a:t>Metrics</a:t>
+            </a:r>
+          </a:p>
+          <a:p>
+            <a:r>
+              <a:rPr lang="en-US" dirty="0"/>
+              <a:t>How accurate?</a:t>
+            </a:r>
+          </a:p>
+          <a:p>
+            <a:pPr lvl="1"/>
+            <a:r>
+              <a:rPr lang="en-US" dirty="0"/>
+              <a:t>Did it get the tokens right?</a:t>
+            </a:r>
+          </a:p>
+          <a:p>
+            <a:pPr lvl="1"/>
+            <a:r>
+              <a:rPr lang="en-US" dirty="0"/>
+              <a:t>Token edit distance</a:t>
+            </a:r>
+          </a:p>
+          <a:p>
+            <a:r>
+              <a:rPr lang="en-US" dirty="0"/>
+              <a:t>Easy to use?</a:t>
+            </a:r>
+          </a:p>
+          <a:p>
+            <a:pPr lvl="1"/>
+            <a:r>
+              <a:rPr lang="en-US" dirty="0"/>
+              <a:t>Token edit distance</a:t>
+            </a:r>
+          </a:p>
+          <a:p>
+            <a:pPr lvl="1"/>
+            <a:r>
+              <a:rPr lang="en-US" dirty="0"/>
+              <a:t>Time</a:t>
+            </a:r>
+          </a:p>
+          <a:p>
+            <a:pPr marL="457200" lvl="1" indent="0">
+              <a:buNone/>
+            </a:pPr>
+            <a:endParaRPr lang="en-US" dirty="0"/>
+          </a:p>
+        </p:txBody>
+      </p:sp>
+      <p:pic>
+        <p:nvPicPr>
+          <p:cNvPr id="4" name="Picture 3">
+            <a:extLst>
+              <a:ext uri="{FF2B5EF4-FFF2-40B4-BE49-F238E27FC236}">
+                <a16:creationId xmlns:a16="http://schemas.microsoft.com/office/drawing/2014/main" id="{45732DB6-4ED8-F147-BA56-2897EEE50AE5}"/>
+              </a:ext>
+            </a:extLst>
+          </p:cNvPr>
+          <p:cNvPicPr>
+            <a:picLocks noChangeAspect="1"/>
+          </p:cNvPicPr>
+          <p:nvPr/>
+        </p:nvPicPr>
+        <p:blipFill>
+          <a:blip r:embed="rId2"/>
+          <a:stretch>
+            <a:fillRect/>
+          </a:stretch>
+        </p:blipFill>
+        <p:spPr>
+          <a:xfrm>
+            <a:off x="4558012" y="3695178"/>
+            <a:ext cx="7571358" cy="2973047"/>
+          </a:xfrm>
+          <a:prstGeom prst="rect">
+            <a:avLst/>
+          </a:prstGeom>
+        </p:spPr>
+      </p:pic>
+    </p:spTree>
+    <p:extLst>
+      <p:ext uri="{BB962C8B-B14F-4D97-AF65-F5344CB8AC3E}">
+        <p14:creationId xmlns:p14="http://schemas.microsoft.com/office/powerpoint/2010/main" val="2679661685"/>
+      </p:ext>
+    </p:extLst>
+  </p:cSld>
+  <p:clrMapOvr>
+    <a:masterClrMapping/>
+  </p:clrMapOvr>
+</p:sld>
+</file>
+
+<file path=ppt/slides/slide15.xml><?xml version="1.0" encoding="utf-8"?>
+<p:sld xmlns:a="http://schemas.openxmlformats.org/drawingml/2006/main" xmlns:r="http://schemas.openxmlformats.org/officeDocument/2006/relationships" xmlns:p="http://schemas.openxmlformats.org/presentationml/2006/main">
+  <p:cSld>
+    <p:spTree>
+      <p:nvGrpSpPr>
+        <p:cNvPr id="1" name=""/>
+        <p:cNvGrpSpPr/>
+        <p:nvPr/>
+      </p:nvGrpSpPr>
+      <p:grpSpPr>
+        <a:xfrm>
+          <a:off x="0" y="0"/>
+          <a:ext cx="0" cy="0"/>
+          <a:chOff x="0" y="0"/>
+          <a:chExt cx="0" cy="0"/>
+        </a:xfrm>
+      </p:grpSpPr>
+      <p:sp>
+        <p:nvSpPr>
+          <p:cNvPr id="2" name="Title 1">
+            <a:extLst>
+              <a:ext uri="{FF2B5EF4-FFF2-40B4-BE49-F238E27FC236}">
+                <a16:creationId xmlns:a16="http://schemas.microsoft.com/office/drawing/2014/main" id="{C043B376-104B-0D40-81DF-A09D07675E69}"/>
+              </a:ext>
+            </a:extLst>
+          </p:cNvPr>
+          <p:cNvSpPr>
+            <a:spLocks noGrp="1"/>
+          </p:cNvSpPr>
+          <p:nvPr>
+            <p:ph type="title"/>
+          </p:nvPr>
+        </p:nvSpPr>
+        <p:spPr/>
+        <p:txBody>
+          <a:bodyPr/>
+          <a:lstStyle/>
+          <a:p>
+            <a:r>
+              <a:rPr lang="en-US" dirty="0"/>
+              <a:t>Synthetic Speech</a:t>
+            </a:r>
+          </a:p>
+        </p:txBody>
+      </p:sp>
+      <p:sp>
+        <p:nvSpPr>
+          <p:cNvPr id="3" name="Content Placeholder 2">
+            <a:extLst>
+              <a:ext uri="{FF2B5EF4-FFF2-40B4-BE49-F238E27FC236}">
+                <a16:creationId xmlns:a16="http://schemas.microsoft.com/office/drawing/2014/main" id="{B4B17E19-A2CC-DD44-960C-008FCE10514F}"/>
+              </a:ext>
+            </a:extLst>
+          </p:cNvPr>
+          <p:cNvSpPr>
+            <a:spLocks noGrp="1"/>
+          </p:cNvSpPr>
+          <p:nvPr>
+            <p:ph idx="1"/>
+          </p:nvPr>
+        </p:nvSpPr>
+        <p:spPr/>
+        <p:txBody>
+          <a:bodyPr/>
+          <a:lstStyle/>
+          <a:p>
+            <a:pPr marL="0" indent="0">
+              <a:buNone/>
+            </a:pPr>
+            <a:r>
+              <a:rPr lang="en-US" dirty="0"/>
+              <a:t>Most within 5 tokens away from truth.  Some within 25-30.</a:t>
+            </a:r>
+          </a:p>
+          <a:p>
+            <a:pPr marL="0" indent="0">
+              <a:buNone/>
+            </a:pPr>
+            <a:endParaRPr lang="en-US" dirty="0"/>
+          </a:p>
+          <a:p>
+            <a:pPr marL="0" indent="0">
+              <a:buNone/>
+            </a:pPr>
+            <a:endParaRPr lang="en-US" dirty="0"/>
+          </a:p>
+          <a:p>
+            <a:pPr marL="0" indent="0">
+              <a:buNone/>
+            </a:pPr>
+            <a:endParaRPr lang="en-US" dirty="0"/>
+          </a:p>
+          <a:p>
+            <a:pPr marL="0" indent="0">
+              <a:buNone/>
+            </a:pPr>
+            <a:endParaRPr lang="en-US" dirty="0"/>
+          </a:p>
+          <a:p>
+            <a:pPr marL="0" indent="0">
+              <a:buNone/>
+            </a:pPr>
+            <a:endParaRPr lang="en-US" dirty="0"/>
+          </a:p>
+          <a:p>
+            <a:pPr marL="0" indent="0">
+              <a:buNone/>
+            </a:pPr>
+            <a:endParaRPr lang="en-US" dirty="0"/>
+          </a:p>
+          <a:p>
+            <a:pPr marL="0" indent="0">
+              <a:buNone/>
+            </a:pPr>
+            <a:r>
+              <a:rPr lang="en-US" dirty="0"/>
+              <a:t>How complex are the queries?  Does that matter?</a:t>
+            </a:r>
+          </a:p>
+          <a:p>
+            <a:pPr marL="0" indent="0">
+              <a:buNone/>
+            </a:pPr>
+            <a:endParaRPr lang="en-US" dirty="0"/>
+          </a:p>
+        </p:txBody>
+      </p:sp>
+      <p:pic>
+        <p:nvPicPr>
+          <p:cNvPr id="5" name="Picture 4">
+            <a:extLst>
+              <a:ext uri="{FF2B5EF4-FFF2-40B4-BE49-F238E27FC236}">
+                <a16:creationId xmlns:a16="http://schemas.microsoft.com/office/drawing/2014/main" id="{1C3C25D1-B4CF-C543-BB16-C0A5ED4D5C21}"/>
+              </a:ext>
+            </a:extLst>
+          </p:cNvPr>
+          <p:cNvPicPr>
+            <a:picLocks noChangeAspect="1"/>
+          </p:cNvPicPr>
+          <p:nvPr/>
+        </p:nvPicPr>
+        <p:blipFill>
+          <a:blip r:embed="rId2"/>
+          <a:stretch>
+            <a:fillRect/>
+          </a:stretch>
+        </p:blipFill>
+        <p:spPr>
+          <a:xfrm>
+            <a:off x="1390389" y="2487980"/>
+            <a:ext cx="9000994" cy="2672830"/>
+          </a:xfrm>
+          <a:prstGeom prst="rect">
+            <a:avLst/>
+          </a:prstGeom>
+        </p:spPr>
+      </p:pic>
+      <p:pic>
+        <p:nvPicPr>
+          <p:cNvPr id="6" name="Picture 5">
+            <a:extLst>
+              <a:ext uri="{FF2B5EF4-FFF2-40B4-BE49-F238E27FC236}">
+                <a16:creationId xmlns:a16="http://schemas.microsoft.com/office/drawing/2014/main" id="{B8E9FE36-1D85-2244-BA48-4FFCAC020379}"/>
+              </a:ext>
+            </a:extLst>
+          </p:cNvPr>
+          <p:cNvPicPr>
+            <a:picLocks noChangeAspect="1"/>
+          </p:cNvPicPr>
+          <p:nvPr/>
+        </p:nvPicPr>
+        <p:blipFill>
+          <a:blip r:embed="rId3"/>
+          <a:stretch>
+            <a:fillRect/>
+          </a:stretch>
+        </p:blipFill>
+        <p:spPr>
+          <a:xfrm>
+            <a:off x="6096000" y="2557972"/>
+            <a:ext cx="4206658" cy="2659381"/>
+          </a:xfrm>
+          <a:prstGeom prst="rect">
+            <a:avLst/>
+          </a:prstGeom>
+        </p:spPr>
+      </p:pic>
+    </p:spTree>
+    <p:extLst>
+      <p:ext uri="{BB962C8B-B14F-4D97-AF65-F5344CB8AC3E}">
+        <p14:creationId xmlns:p14="http://schemas.microsoft.com/office/powerpoint/2010/main" val="3759372973"/>
+      </p:ext>
+    </p:extLst>
+  </p:cSld>
+  <p:clrMapOvr>
+    <a:masterClrMapping/>
+  </p:clrMapOvr>
+</p:sld>
+</file>
+
+<file path=ppt/slides/slide16.xml><?xml version="1.0" encoding="utf-8"?>
+<p:sld xmlns:a="http://schemas.openxmlformats.org/drawingml/2006/main" xmlns:r="http://schemas.openxmlformats.org/officeDocument/2006/relationships" xmlns:p="http://schemas.openxmlformats.org/presentationml/2006/main">
+  <p:cSld>
+    <p:spTree>
+      <p:nvGrpSpPr>
+        <p:cNvPr id="1" name=""/>
+        <p:cNvGrpSpPr/>
+        <p:nvPr/>
+      </p:nvGrpSpPr>
+      <p:grpSpPr>
+        <a:xfrm>
+          <a:off x="0" y="0"/>
+          <a:ext cx="0" cy="0"/>
+          <a:chOff x="0" y="0"/>
+          <a:chExt cx="0" cy="0"/>
+        </a:xfrm>
+      </p:grpSpPr>
+      <p:sp>
+        <p:nvSpPr>
+          <p:cNvPr id="2" name="Title 1">
+            <a:extLst>
+              <a:ext uri="{FF2B5EF4-FFF2-40B4-BE49-F238E27FC236}">
+                <a16:creationId xmlns:a16="http://schemas.microsoft.com/office/drawing/2014/main" id="{4D89B7E8-87F0-B84A-A406-12A4A8B47866}"/>
+              </a:ext>
+            </a:extLst>
+          </p:cNvPr>
+          <p:cNvSpPr>
+            <a:spLocks noGrp="1"/>
+          </p:cNvSpPr>
+          <p:nvPr>
+            <p:ph type="title"/>
+          </p:nvPr>
+        </p:nvSpPr>
+        <p:spPr/>
+        <p:txBody>
+          <a:bodyPr/>
+          <a:lstStyle/>
+          <a:p>
+            <a:r>
+              <a:rPr lang="en-US" dirty="0"/>
+              <a:t>User Study</a:t>
+            </a:r>
+          </a:p>
+        </p:txBody>
+      </p:sp>
+      <p:sp>
+        <p:nvSpPr>
+          <p:cNvPr id="3" name="Content Placeholder 2">
+            <a:extLst>
+              <a:ext uri="{FF2B5EF4-FFF2-40B4-BE49-F238E27FC236}">
+                <a16:creationId xmlns:a16="http://schemas.microsoft.com/office/drawing/2014/main" id="{78C77DF0-49D3-A246-AAB8-AF4F5BCFD75A}"/>
+              </a:ext>
+            </a:extLst>
+          </p:cNvPr>
+          <p:cNvSpPr>
+            <a:spLocks noGrp="1"/>
+          </p:cNvSpPr>
+          <p:nvPr>
+            <p:ph idx="1"/>
+          </p:nvPr>
+        </p:nvSpPr>
+        <p:spPr/>
+        <p:txBody>
+          <a:bodyPr/>
+          <a:lstStyle/>
+          <a:p>
+            <a:pPr marL="0" indent="0">
+              <a:buNone/>
+            </a:pPr>
+            <a:r>
+              <a:rPr lang="en-US" dirty="0"/>
+              <a:t>12 queries per user.  15 users</a:t>
+            </a:r>
+          </a:p>
+          <a:p>
+            <a:r>
+              <a:rPr lang="en-US" dirty="0"/>
+              <a:t>Simple: &lt;20 token query</a:t>
+            </a:r>
+          </a:p>
+          <a:p>
+            <a:r>
+              <a:rPr lang="en-US" dirty="0"/>
+              <a:t>Complex: &gt;= 20</a:t>
+            </a:r>
+          </a:p>
+          <a:p>
+            <a:endParaRPr lang="en-US" dirty="0"/>
+          </a:p>
+          <a:p>
+            <a:pPr marL="0" indent="0">
+              <a:buNone/>
+            </a:pPr>
+            <a:r>
+              <a:rPr lang="en-US" dirty="0"/>
+              <a:t>Methods</a:t>
+            </a:r>
+          </a:p>
+          <a:p>
+            <a:r>
+              <a:rPr lang="en-US" dirty="0" err="1"/>
+              <a:t>SpeakQL</a:t>
+            </a:r>
+            <a:endParaRPr lang="en-US" dirty="0"/>
+          </a:p>
+          <a:p>
+            <a:r>
+              <a:rPr lang="en-US" dirty="0"/>
+              <a:t>Mobile typing</a:t>
+            </a:r>
+          </a:p>
+          <a:p>
+            <a:endParaRPr lang="en-US" dirty="0"/>
+          </a:p>
+          <a:p>
+            <a:endParaRPr lang="en-US" dirty="0"/>
+          </a:p>
+        </p:txBody>
+      </p:sp>
+      <p:pic>
+        <p:nvPicPr>
+          <p:cNvPr id="4" name="Picture 3">
+            <a:extLst>
+              <a:ext uri="{FF2B5EF4-FFF2-40B4-BE49-F238E27FC236}">
+                <a16:creationId xmlns:a16="http://schemas.microsoft.com/office/drawing/2014/main" id="{2537344A-AB5B-DC48-A65C-3A9578222EA4}"/>
+              </a:ext>
+            </a:extLst>
+          </p:cNvPr>
+          <p:cNvPicPr>
+            <a:picLocks noChangeAspect="1"/>
+          </p:cNvPicPr>
+          <p:nvPr/>
+        </p:nvPicPr>
+        <p:blipFill>
+          <a:blip r:embed="rId2"/>
+          <a:stretch>
+            <a:fillRect/>
+          </a:stretch>
+        </p:blipFill>
+        <p:spPr>
+          <a:xfrm>
+            <a:off x="6096000" y="2028619"/>
+            <a:ext cx="5807962" cy="1972675"/>
+          </a:xfrm>
+          <a:prstGeom prst="rect">
+            <a:avLst/>
+          </a:prstGeom>
+        </p:spPr>
+      </p:pic>
+      <p:cxnSp>
+        <p:nvCxnSpPr>
+          <p:cNvPr id="6" name="Straight Connector 5">
+            <a:extLst>
+              <a:ext uri="{FF2B5EF4-FFF2-40B4-BE49-F238E27FC236}">
+                <a16:creationId xmlns:a16="http://schemas.microsoft.com/office/drawing/2014/main" id="{B7F6AF65-724C-E640-8A98-1DC107CF59E5}"/>
+              </a:ext>
+            </a:extLst>
+          </p:cNvPr>
+          <p:cNvCxnSpPr>
+            <a:cxnSpLocks/>
+          </p:cNvCxnSpPr>
+          <p:nvPr/>
+        </p:nvCxnSpPr>
+        <p:spPr>
+          <a:xfrm>
+            <a:off x="9425836" y="3375764"/>
+            <a:ext cx="2636728" cy="0"/>
+          </a:xfrm>
+          <a:prstGeom prst="line">
+            <a:avLst/>
+          </a:prstGeom>
+          <a:ln w="28575">
+            <a:solidFill>
+              <a:schemeClr val="bg1">
+                <a:lumMod val="50000"/>
+              </a:schemeClr>
+            </a:solidFill>
+          </a:ln>
+        </p:spPr>
+        <p:style>
+          <a:lnRef idx="1">
+            <a:schemeClr val="accent1"/>
+          </a:lnRef>
+          <a:fillRef idx="0">
+            <a:schemeClr val="accent1"/>
+          </a:fillRef>
+          <a:effectRef idx="0">
+            <a:schemeClr val="accent1"/>
+          </a:effectRef>
+          <a:fontRef idx="minor">
+            <a:schemeClr val="tx1"/>
+          </a:fontRef>
+        </p:style>
+      </p:cxnSp>
+    </p:spTree>
+    <p:extLst>
+      <p:ext uri="{BB962C8B-B14F-4D97-AF65-F5344CB8AC3E}">
+        <p14:creationId xmlns:p14="http://schemas.microsoft.com/office/powerpoint/2010/main" val="1569143927"/>
+      </p:ext>
+    </p:extLst>
+  </p:cSld>
+  <p:clrMapOvr>
+    <a:masterClrMapping/>
+  </p:clrMapOvr>
+</p:sld>
+</file>
+
+<file path=ppt/slides/slide17.xml><?xml version="1.0" encoding="utf-8"?>
+<p:sld xmlns:a="http://schemas.openxmlformats.org/drawingml/2006/main" xmlns:r="http://schemas.openxmlformats.org/officeDocument/2006/relationships" xmlns:p="http://schemas.openxmlformats.org/presentationml/2006/main">
+  <p:cSld>
+    <p:spTree>
+      <p:nvGrpSpPr>
+        <p:cNvPr id="1" name=""/>
+        <p:cNvGrpSpPr/>
+        <p:nvPr/>
+      </p:nvGrpSpPr>
+      <p:grpSpPr>
+        <a:xfrm>
+          <a:off x="0" y="0"/>
+          <a:ext cx="0" cy="0"/>
+          <a:chOff x="0" y="0"/>
+          <a:chExt cx="0" cy="0"/>
+        </a:xfrm>
+      </p:grpSpPr>
+      <p:sp>
+        <p:nvSpPr>
+          <p:cNvPr id="2" name="Title 1">
+            <a:extLst>
+              <a:ext uri="{FF2B5EF4-FFF2-40B4-BE49-F238E27FC236}">
+                <a16:creationId xmlns:a16="http://schemas.microsoft.com/office/drawing/2014/main" id="{265AFA25-BD29-CE4F-87BA-9ACE2C495EFA}"/>
+              </a:ext>
+            </a:extLst>
+          </p:cNvPr>
+          <p:cNvSpPr>
+            <a:spLocks noGrp="1"/>
+          </p:cNvSpPr>
+          <p:nvPr>
+            <p:ph type="title"/>
+          </p:nvPr>
+        </p:nvSpPr>
+        <p:spPr/>
+        <p:txBody>
+          <a:bodyPr/>
+          <a:lstStyle/>
+          <a:p>
+            <a:r>
+              <a:rPr lang="en-US" dirty="0"/>
+              <a:t>Conclusions</a:t>
+            </a:r>
+          </a:p>
+        </p:txBody>
+      </p:sp>
+      <p:sp>
+        <p:nvSpPr>
+          <p:cNvPr id="3" name="Content Placeholder 2">
+            <a:extLst>
+              <a:ext uri="{FF2B5EF4-FFF2-40B4-BE49-F238E27FC236}">
+                <a16:creationId xmlns:a16="http://schemas.microsoft.com/office/drawing/2014/main" id="{ED688E06-46D7-3B4F-B191-D10136816594}"/>
+              </a:ext>
+            </a:extLst>
+          </p:cNvPr>
+          <p:cNvSpPr>
+            <a:spLocks noGrp="1"/>
+          </p:cNvSpPr>
+          <p:nvPr>
+            <p:ph idx="1"/>
+          </p:nvPr>
+        </p:nvSpPr>
+        <p:spPr/>
+        <p:txBody>
+          <a:bodyPr/>
+          <a:lstStyle/>
+          <a:p>
+            <a:pPr marL="0" indent="0">
+              <a:buNone/>
+            </a:pPr>
+            <a:r>
+              <a:rPr lang="en-US" dirty="0" err="1"/>
+              <a:t>SpeakQL</a:t>
+            </a:r>
+            <a:r>
+              <a:rPr lang="en-US" dirty="0"/>
+              <a:t> works</a:t>
+            </a:r>
+          </a:p>
+          <a:p>
+            <a:pPr marL="0" indent="0">
+              <a:buNone/>
+            </a:pPr>
+            <a:r>
+              <a:rPr lang="en-US" dirty="0"/>
+              <a:t>Hard to compose entire query at once.  Users think in “clauses”</a:t>
+            </a:r>
+          </a:p>
+          <a:p>
+            <a:pPr marL="0" indent="0">
+              <a:buNone/>
+            </a:pPr>
+            <a:r>
+              <a:rPr lang="en-US" dirty="0"/>
+              <a:t>Hard to disambiguate values – </a:t>
+            </a:r>
+            <a:r>
+              <a:rPr lang="en-US" dirty="0" err="1"/>
+              <a:t>esp</a:t>
+            </a:r>
+            <a:r>
+              <a:rPr lang="en-US" dirty="0"/>
+              <a:t> numbers and dates</a:t>
+            </a:r>
+          </a:p>
+          <a:p>
+            <a:pPr marL="0" indent="0">
+              <a:buNone/>
+            </a:pPr>
+            <a:r>
+              <a:rPr lang="en-US" dirty="0"/>
+              <a:t>Better than mobile keyboard typing.  </a:t>
+            </a:r>
+          </a:p>
+        </p:txBody>
+      </p:sp>
+    </p:spTree>
+    <p:extLst>
+      <p:ext uri="{BB962C8B-B14F-4D97-AF65-F5344CB8AC3E}">
+        <p14:creationId xmlns:p14="http://schemas.microsoft.com/office/powerpoint/2010/main" val="45419394"/>
+      </p:ext>
+    </p:extLst>
+  </p:cSld>
+  <p:clrMapOvr>
+    <a:masterClrMapping/>
+  </p:clrMapOvr>
+</p:sld>
+</file>
+
+<file path=ppt/slides/slide18.xml><?xml version="1.0" encoding="utf-8"?>
+<p:sld xmlns:a="http://schemas.openxmlformats.org/drawingml/2006/main" xmlns:r="http://schemas.openxmlformats.org/officeDocument/2006/relationships" xmlns:p="http://schemas.openxmlformats.org/presentationml/2006/main">
+  <p:cSld>
+    <p:spTree>
+      <p:nvGrpSpPr>
+        <p:cNvPr id="1" name=""/>
+        <p:cNvGrpSpPr/>
+        <p:nvPr/>
+      </p:nvGrpSpPr>
+      <p:grpSpPr>
+        <a:xfrm>
+          <a:off x="0" y="0"/>
+          <a:ext cx="0" cy="0"/>
+          <a:chOff x="0" y="0"/>
+          <a:chExt cx="0" cy="0"/>
+        </a:xfrm>
+      </p:grpSpPr>
+      <p:sp>
+        <p:nvSpPr>
+          <p:cNvPr id="4" name="Title 3"/>
+          <p:cNvSpPr>
+            <a:spLocks noGrp="1"/>
+          </p:cNvSpPr>
+          <p:nvPr>
+            <p:ph type="ctrTitle"/>
+          </p:nvPr>
+        </p:nvSpPr>
+        <p:spPr/>
+        <p:txBody>
+          <a:bodyPr/>
+          <a:lstStyle/>
+          <a:p>
+            <a:r>
+              <a:rPr lang="en-US" dirty="0" err="1"/>
+              <a:t>SpeakQL</a:t>
+            </a:r>
+            <a:br>
+              <a:rPr lang="en-US" dirty="0"/>
+            </a:br>
+            <a:r>
+              <a:rPr lang="en-US" dirty="0"/>
+              <a:t>Discussion</a:t>
+            </a:r>
+          </a:p>
+        </p:txBody>
+      </p:sp>
+      <p:sp>
+        <p:nvSpPr>
+          <p:cNvPr id="5" name="Subtitle 4"/>
+          <p:cNvSpPr>
+            <a:spLocks noGrp="1"/>
+          </p:cNvSpPr>
+          <p:nvPr>
+            <p:ph type="subTitle" idx="1"/>
+          </p:nvPr>
+        </p:nvSpPr>
+        <p:spPr/>
+        <p:txBody>
+          <a:bodyPr/>
+          <a:lstStyle/>
+          <a:p>
+            <a:endParaRPr lang="en-US"/>
+          </a:p>
+        </p:txBody>
+      </p:sp>
+    </p:spTree>
+    <p:extLst>
+      <p:ext uri="{BB962C8B-B14F-4D97-AF65-F5344CB8AC3E}">
+        <p14:creationId xmlns:p14="http://schemas.microsoft.com/office/powerpoint/2010/main" val="3587159258"/>
+      </p:ext>
+    </p:extLst>
+  </p:cSld>
+  <p:clrMapOvr>
+    <a:masterClrMapping/>
+  </p:clrMapOvr>
+</p:sld>
+</file>
+
+<file path=ppt/slides/slide19.xml><?xml version="1.0" encoding="utf-8"?>
+<p:sld xmlns:a="http://schemas.openxmlformats.org/drawingml/2006/main" xmlns:r="http://schemas.openxmlformats.org/officeDocument/2006/relationships" xmlns:p="http://schemas.openxmlformats.org/presentationml/2006/main">
+  <p:cSld>
+    <p:spTree>
+      <p:nvGrpSpPr>
+        <p:cNvPr id="1" name=""/>
+        <p:cNvGrpSpPr/>
+        <p:nvPr/>
+      </p:nvGrpSpPr>
+      <p:grpSpPr>
+        <a:xfrm>
+          <a:off x="0" y="0"/>
+          <a:ext cx="0" cy="0"/>
+          <a:chOff x="0" y="0"/>
+          <a:chExt cx="0" cy="0"/>
+        </a:xfrm>
+      </p:grpSpPr>
+      <p:sp>
+        <p:nvSpPr>
+          <p:cNvPr id="2" name="Title 1"/>
+          <p:cNvSpPr>
+            <a:spLocks noGrp="1"/>
+          </p:cNvSpPr>
+          <p:nvPr>
+            <p:ph type="title"/>
+          </p:nvPr>
+        </p:nvSpPr>
+        <p:spPr/>
+        <p:txBody>
+          <a:bodyPr/>
+          <a:lstStyle/>
+          <a:p>
+            <a:r>
+              <a:rPr lang="en-US" dirty="0"/>
+              <a:t>4 classes of questions</a:t>
+            </a:r>
+          </a:p>
+        </p:txBody>
+      </p:sp>
+      <p:pic>
+        <p:nvPicPr>
+          <p:cNvPr id="4" name="Content Placeholder 3"/>
+          <p:cNvPicPr>
+            <a:picLocks noGrp="1" noChangeAspect="1"/>
+          </p:cNvPicPr>
+          <p:nvPr>
+            <p:ph idx="1"/>
+          </p:nvPr>
+        </p:nvPicPr>
+        <p:blipFill>
+          <a:blip r:embed="rId3"/>
+          <a:stretch>
+            <a:fillRect/>
+          </a:stretch>
+        </p:blipFill>
+        <p:spPr>
+          <a:xfrm>
+            <a:off x="77442" y="1778972"/>
+            <a:ext cx="6264635" cy="4351338"/>
+          </a:xfrm>
+          <a:prstGeom prst="rect">
+            <a:avLst/>
+          </a:prstGeom>
+        </p:spPr>
+      </p:pic>
+      <p:sp>
+        <p:nvSpPr>
+          <p:cNvPr id="5" name="TextBox 4"/>
+          <p:cNvSpPr txBox="1"/>
+          <p:nvPr/>
+        </p:nvSpPr>
+        <p:spPr>
+          <a:xfrm>
+            <a:off x="6719198" y="2136710"/>
+            <a:ext cx="4668907" cy="369332"/>
+          </a:xfrm>
+          <a:prstGeom prst="rect">
+            <a:avLst/>
+          </a:prstGeom>
+          <a:noFill/>
+        </p:spPr>
+        <p:txBody>
+          <a:bodyPr wrap="none" rtlCol="0">
+            <a:spAutoFit/>
+          </a:bodyPr>
+          <a:lstStyle/>
+          <a:p>
+            <a:r>
+              <a:rPr lang="en-US" dirty="0">
+                <a:latin typeface="Arial" panose="020B0604020202020204" pitchFamily="34" charset="0"/>
+                <a:cs typeface="Arial" panose="020B0604020202020204" pitchFamily="34" charset="0"/>
+              </a:rPr>
+              <a:t>Wrong problem.  Misunderstood user needs</a:t>
+            </a:r>
+          </a:p>
+        </p:txBody>
+      </p:sp>
+      <p:sp>
+        <p:nvSpPr>
+          <p:cNvPr id="6" name="TextBox 5"/>
+          <p:cNvSpPr txBox="1"/>
+          <p:nvPr/>
+        </p:nvSpPr>
+        <p:spPr>
+          <a:xfrm>
+            <a:off x="6719198" y="2910349"/>
+            <a:ext cx="5073734" cy="369332"/>
+          </a:xfrm>
+          <a:prstGeom prst="rect">
+            <a:avLst/>
+          </a:prstGeom>
+          <a:noFill/>
+        </p:spPr>
+        <p:txBody>
+          <a:bodyPr wrap="square" rtlCol="0">
+            <a:spAutoFit/>
+          </a:bodyPr>
+          <a:lstStyle/>
+          <a:p>
+            <a:pPr algn="l"/>
+            <a:r>
+              <a:rPr lang="en-US" dirty="0">
+                <a:latin typeface="Arial" panose="020B0604020202020204" pitchFamily="34" charset="0"/>
+                <a:cs typeface="Arial" panose="020B0604020202020204" pitchFamily="34" charset="0"/>
+              </a:rPr>
+              <a:t>Wrong abstraction.  Showing the wrong thing</a:t>
+            </a:r>
+          </a:p>
+        </p:txBody>
+      </p:sp>
+      <p:sp>
+        <p:nvSpPr>
+          <p:cNvPr id="7" name="TextBox 6"/>
+          <p:cNvSpPr txBox="1"/>
+          <p:nvPr/>
+        </p:nvSpPr>
+        <p:spPr>
+          <a:xfrm>
+            <a:off x="6712786" y="3638748"/>
+            <a:ext cx="3758401" cy="369332"/>
+          </a:xfrm>
+          <a:prstGeom prst="rect">
+            <a:avLst/>
+          </a:prstGeom>
+          <a:noFill/>
+        </p:spPr>
+        <p:txBody>
+          <a:bodyPr wrap="none" rtlCol="0">
+            <a:spAutoFit/>
+          </a:bodyPr>
+          <a:lstStyle/>
+          <a:p>
+            <a:pPr algn="l"/>
+            <a:r>
+              <a:rPr lang="en-US" dirty="0">
+                <a:latin typeface="Arial" panose="020B0604020202020204" pitchFamily="34" charset="0"/>
+                <a:cs typeface="Arial" panose="020B0604020202020204" pitchFamily="34" charset="0"/>
+              </a:rPr>
+              <a:t>The way to show data is ineffective</a:t>
+            </a:r>
+            <a:endParaRPr lang="en-US" i="1" dirty="0">
+              <a:latin typeface="Arial" panose="020B0604020202020204" pitchFamily="34" charset="0"/>
+              <a:cs typeface="Arial" panose="020B0604020202020204" pitchFamily="34" charset="0"/>
+            </a:endParaRPr>
+          </a:p>
+        </p:txBody>
+      </p:sp>
+      <p:sp>
+        <p:nvSpPr>
+          <p:cNvPr id="8" name="TextBox 7"/>
+          <p:cNvSpPr txBox="1"/>
+          <p:nvPr/>
+        </p:nvSpPr>
+        <p:spPr>
+          <a:xfrm>
+            <a:off x="6712786" y="4331551"/>
+            <a:ext cx="2185214" cy="369332"/>
+          </a:xfrm>
+          <a:prstGeom prst="rect">
+            <a:avLst/>
+          </a:prstGeom>
+          <a:noFill/>
+        </p:spPr>
+        <p:txBody>
+          <a:bodyPr wrap="none" rtlCol="0">
+            <a:spAutoFit/>
+          </a:bodyPr>
+          <a:lstStyle/>
+          <a:p>
+            <a:pPr algn="l"/>
+            <a:r>
+              <a:rPr lang="en-US" dirty="0">
+                <a:latin typeface="Arial" panose="020B0604020202020204" pitchFamily="34" charset="0"/>
+                <a:cs typeface="Arial" panose="020B0604020202020204" pitchFamily="34" charset="0"/>
+              </a:rPr>
+              <a:t>Code is slow/buggy</a:t>
+            </a:r>
+          </a:p>
+        </p:txBody>
+      </p:sp>
+    </p:spTree>
+    <p:extLst>
+      <p:ext uri="{BB962C8B-B14F-4D97-AF65-F5344CB8AC3E}">
+        <p14:creationId xmlns:p14="http://schemas.microsoft.com/office/powerpoint/2010/main" val="1192279575"/>
+      </p:ext>
+    </p:extLst>
+  </p:cSld>
+  <p:clrMapOvr>
+    <a:masterClrMapping/>
+  </p:clrMapOvr>
+</p:sld>
+</file>
+
 <file path=ppt/slides/slide2.xml><?xml version="1.0" encoding="utf-8"?>
 <p:sld xmlns:a="http://schemas.openxmlformats.org/drawingml/2006/main" xmlns:r="http://schemas.openxmlformats.org/officeDocument/2006/relationships" xmlns:p="http://schemas.openxmlformats.org/presentationml/2006/main">
   <p:cSld>
@@ -3956,6 +5836,484 @@
     <p:extLst>
       <p:ext uri="{BB962C8B-B14F-4D97-AF65-F5344CB8AC3E}">
         <p14:creationId xmlns:p14="http://schemas.microsoft.com/office/powerpoint/2010/main" val="60281693"/>
+      </p:ext>
+    </p:extLst>
+  </p:cSld>
+  <p:clrMapOvr>
+    <a:masterClrMapping/>
+  </p:clrMapOvr>
+</p:sld>
+</file>
+
+<file path=ppt/slides/slide20.xml><?xml version="1.0" encoding="utf-8"?>
+<p:sld xmlns:a="http://schemas.openxmlformats.org/drawingml/2006/main" xmlns:r="http://schemas.openxmlformats.org/officeDocument/2006/relationships" xmlns:p="http://schemas.openxmlformats.org/presentationml/2006/main">
+  <p:cSld>
+    <p:spTree>
+      <p:nvGrpSpPr>
+        <p:cNvPr id="1" name=""/>
+        <p:cNvGrpSpPr/>
+        <p:nvPr/>
+      </p:nvGrpSpPr>
+      <p:grpSpPr>
+        <a:xfrm>
+          <a:off x="0" y="0"/>
+          <a:ext cx="0" cy="0"/>
+          <a:chOff x="0" y="0"/>
+          <a:chExt cx="0" cy="0"/>
+        </a:xfrm>
+      </p:grpSpPr>
+      <p:sp>
+        <p:nvSpPr>
+          <p:cNvPr id="2" name="Title 1">
+            <a:extLst>
+              <a:ext uri="{FF2B5EF4-FFF2-40B4-BE49-F238E27FC236}">
+                <a16:creationId xmlns:a16="http://schemas.microsoft.com/office/drawing/2014/main" id="{26AD56F2-CFA3-8C4D-9E3C-71D30B60BC69}"/>
+              </a:ext>
+            </a:extLst>
+          </p:cNvPr>
+          <p:cNvSpPr>
+            <a:spLocks noGrp="1"/>
+          </p:cNvSpPr>
+          <p:nvPr>
+            <p:ph type="title"/>
+          </p:nvPr>
+        </p:nvSpPr>
+        <p:spPr/>
+        <p:txBody>
+          <a:bodyPr/>
+          <a:lstStyle/>
+          <a:p>
+            <a:r>
+              <a:rPr lang="en-US" dirty="0"/>
+              <a:t>Thoughts on problem &amp; abstraction?</a:t>
+            </a:r>
+          </a:p>
+        </p:txBody>
+      </p:sp>
+      <p:sp>
+        <p:nvSpPr>
+          <p:cNvPr id="3" name="Content Placeholder 2">
+            <a:extLst>
+              <a:ext uri="{FF2B5EF4-FFF2-40B4-BE49-F238E27FC236}">
+                <a16:creationId xmlns:a16="http://schemas.microsoft.com/office/drawing/2014/main" id="{1291255F-522E-8643-B521-7C2FF9D092AA}"/>
+              </a:ext>
+            </a:extLst>
+          </p:cNvPr>
+          <p:cNvSpPr>
+            <a:spLocks noGrp="1"/>
+          </p:cNvSpPr>
+          <p:nvPr>
+            <p:ph idx="1"/>
+          </p:nvPr>
+        </p:nvSpPr>
+        <p:spPr/>
+        <p:txBody>
+          <a:bodyPr/>
+          <a:lstStyle/>
+          <a:p>
+            <a:pPr marL="0" indent="0">
+              <a:buNone/>
+            </a:pPr>
+            <a:r>
+              <a:rPr lang="en-US" dirty="0"/>
+              <a:t>Use case: </a:t>
+            </a:r>
+          </a:p>
+          <a:p>
+            <a:r>
+              <a:rPr lang="en-US" dirty="0"/>
+              <a:t>what do people want when querying data on-the-go?</a:t>
+            </a:r>
+          </a:p>
+          <a:p>
+            <a:pPr marL="0" indent="0">
+              <a:buNone/>
+            </a:pPr>
+            <a:endParaRPr lang="en-US" dirty="0"/>
+          </a:p>
+          <a:p>
+            <a:pPr marL="0" indent="0">
+              <a:buNone/>
+            </a:pPr>
+            <a:r>
+              <a:rPr lang="en-US" dirty="0"/>
+              <a:t>Is speaking SQL the best way to query on-the-go?</a:t>
+            </a:r>
+          </a:p>
+          <a:p>
+            <a:pPr marL="0" indent="0">
+              <a:buNone/>
+            </a:pPr>
+            <a:endParaRPr lang="en-US" dirty="0"/>
+          </a:p>
+          <a:p>
+            <a:pPr marL="0" indent="0">
+              <a:buNone/>
+            </a:pPr>
+            <a:r>
+              <a:rPr lang="en-US" dirty="0"/>
+              <a:t>Improvements/Alternatives?</a:t>
+            </a:r>
+          </a:p>
+          <a:p>
+            <a:r>
+              <a:rPr lang="en-US" dirty="0"/>
+              <a:t>Mobile-friendly SQL keyboard?</a:t>
+            </a:r>
+          </a:p>
+          <a:p>
+            <a:r>
+              <a:rPr lang="en-US" dirty="0"/>
+              <a:t>Custom app/visual analytics</a:t>
+            </a:r>
+          </a:p>
+          <a:p>
+            <a:endParaRPr lang="en-US" dirty="0"/>
+          </a:p>
+        </p:txBody>
+      </p:sp>
+    </p:spTree>
+    <p:extLst>
+      <p:ext uri="{BB962C8B-B14F-4D97-AF65-F5344CB8AC3E}">
+        <p14:creationId xmlns:p14="http://schemas.microsoft.com/office/powerpoint/2010/main" val="2392439923"/>
+      </p:ext>
+    </p:extLst>
+  </p:cSld>
+  <p:clrMapOvr>
+    <a:masterClrMapping/>
+  </p:clrMapOvr>
+</p:sld>
+</file>
+
+<file path=ppt/slides/slide21.xml><?xml version="1.0" encoding="utf-8"?>
+<p:sld xmlns:a="http://schemas.openxmlformats.org/drawingml/2006/main" xmlns:r="http://schemas.openxmlformats.org/officeDocument/2006/relationships" xmlns:p="http://schemas.openxmlformats.org/presentationml/2006/main">
+  <p:cSld>
+    <p:spTree>
+      <p:nvGrpSpPr>
+        <p:cNvPr id="1" name=""/>
+        <p:cNvGrpSpPr/>
+        <p:nvPr/>
+      </p:nvGrpSpPr>
+      <p:grpSpPr>
+        <a:xfrm>
+          <a:off x="0" y="0"/>
+          <a:ext cx="0" cy="0"/>
+          <a:chOff x="0" y="0"/>
+          <a:chExt cx="0" cy="0"/>
+        </a:xfrm>
+      </p:grpSpPr>
+      <p:sp>
+        <p:nvSpPr>
+          <p:cNvPr id="2" name="Title 1">
+            <a:extLst>
+              <a:ext uri="{FF2B5EF4-FFF2-40B4-BE49-F238E27FC236}">
+                <a16:creationId xmlns:a16="http://schemas.microsoft.com/office/drawing/2014/main" id="{F1DA22FF-F88B-264C-80F2-DA4D5E1B8563}"/>
+              </a:ext>
+            </a:extLst>
+          </p:cNvPr>
+          <p:cNvSpPr>
+            <a:spLocks noGrp="1"/>
+          </p:cNvSpPr>
+          <p:nvPr>
+            <p:ph type="title"/>
+          </p:nvPr>
+        </p:nvSpPr>
+        <p:spPr/>
+        <p:txBody>
+          <a:bodyPr/>
+          <a:lstStyle/>
+          <a:p>
+            <a:r>
+              <a:rPr lang="en-US" dirty="0"/>
+              <a:t>Issues with </a:t>
+            </a:r>
+            <a:r>
+              <a:rPr lang="en-US" dirty="0" err="1"/>
+              <a:t>SpeakQL</a:t>
+            </a:r>
+            <a:endParaRPr lang="en-US" dirty="0"/>
+          </a:p>
+        </p:txBody>
+      </p:sp>
+      <p:sp>
+        <p:nvSpPr>
+          <p:cNvPr id="3" name="Content Placeholder 2">
+            <a:extLst>
+              <a:ext uri="{FF2B5EF4-FFF2-40B4-BE49-F238E27FC236}">
+                <a16:creationId xmlns:a16="http://schemas.microsoft.com/office/drawing/2014/main" id="{E4F9C65B-5D94-F142-8581-48EB1A4A232C}"/>
+              </a:ext>
+            </a:extLst>
+          </p:cNvPr>
+          <p:cNvSpPr>
+            <a:spLocks noGrp="1"/>
+          </p:cNvSpPr>
+          <p:nvPr>
+            <p:ph idx="1"/>
+          </p:nvPr>
+        </p:nvSpPr>
+        <p:spPr/>
+        <p:txBody>
+          <a:bodyPr>
+            <a:normAutofit/>
+          </a:bodyPr>
+          <a:lstStyle/>
+          <a:p>
+            <a:pPr marL="0" indent="0">
+              <a:buNone/>
+            </a:pPr>
+            <a:r>
+              <a:rPr lang="en-US" sz="2400" dirty="0"/>
+              <a:t>Expressiveness</a:t>
+            </a:r>
+          </a:p>
+          <a:p>
+            <a:r>
+              <a:rPr lang="en-US" sz="2400" dirty="0"/>
+              <a:t>Select-Project-Join-Aggregate (up to 50 tokens)</a:t>
+            </a:r>
+          </a:p>
+          <a:p>
+            <a:r>
+              <a:rPr lang="en-US" sz="2400" dirty="0"/>
+              <a:t>Challenges if richer language?</a:t>
+            </a:r>
+          </a:p>
+          <a:p>
+            <a:pPr lvl="1"/>
+            <a:r>
+              <a:rPr lang="en-US" sz="2000" dirty="0"/>
+              <a:t>debugging query structure harder if nesting is wrong</a:t>
+            </a:r>
+          </a:p>
+          <a:p>
+            <a:pPr marL="0" indent="0">
+              <a:buNone/>
+            </a:pPr>
+            <a:endParaRPr lang="en-US" sz="2400" dirty="0"/>
+          </a:p>
+          <a:p>
+            <a:pPr marL="0" indent="0">
+              <a:buNone/>
+            </a:pPr>
+            <a:r>
+              <a:rPr lang="en-US" sz="2400" dirty="0"/>
+              <a:t>Intuitiveness</a:t>
+            </a:r>
+          </a:p>
+          <a:p>
+            <a:r>
+              <a:rPr lang="en-US" sz="2400" dirty="0"/>
+              <a:t>Easy to “debug” query?</a:t>
+            </a:r>
+          </a:p>
+          <a:p>
+            <a:r>
+              <a:rPr lang="en-US" sz="2400" dirty="0"/>
+              <a:t>Need to say “comma” in “SELECT a, b”</a:t>
+            </a:r>
+          </a:p>
+          <a:p>
+            <a:pPr marL="0" indent="0">
+              <a:buNone/>
+            </a:pPr>
+            <a:endParaRPr lang="en-US" sz="2400" dirty="0"/>
+          </a:p>
+          <a:p>
+            <a:pPr marL="0" indent="0">
+              <a:buNone/>
+            </a:pPr>
+            <a:endParaRPr lang="en-US" sz="2400" dirty="0"/>
+          </a:p>
+        </p:txBody>
+      </p:sp>
+      <p:pic>
+        <p:nvPicPr>
+          <p:cNvPr id="4" name="Picture 3">
+            <a:extLst>
+              <a:ext uri="{FF2B5EF4-FFF2-40B4-BE49-F238E27FC236}">
+                <a16:creationId xmlns:a16="http://schemas.microsoft.com/office/drawing/2014/main" id="{5DDAC664-B095-5844-851D-DCA999A048B8}"/>
+              </a:ext>
+            </a:extLst>
+          </p:cNvPr>
+          <p:cNvPicPr>
+            <a:picLocks noChangeAspect="1"/>
+          </p:cNvPicPr>
+          <p:nvPr/>
+        </p:nvPicPr>
+        <p:blipFill rotWithShape="1">
+          <a:blip r:embed="rId2"/>
+          <a:srcRect l="10027"/>
+          <a:stretch/>
+        </p:blipFill>
+        <p:spPr>
+          <a:xfrm>
+            <a:off x="8204022" y="3429000"/>
+            <a:ext cx="3876286" cy="3277731"/>
+          </a:xfrm>
+          <a:prstGeom prst="rect">
+            <a:avLst/>
+          </a:prstGeom>
+        </p:spPr>
+      </p:pic>
+      <p:sp>
+        <p:nvSpPr>
+          <p:cNvPr id="5" name="TextBox 4">
+            <a:extLst>
+              <a:ext uri="{FF2B5EF4-FFF2-40B4-BE49-F238E27FC236}">
+                <a16:creationId xmlns:a16="http://schemas.microsoft.com/office/drawing/2014/main" id="{705D16F0-3C0C-0743-AE3B-9FE0F1DFC382}"/>
+              </a:ext>
+            </a:extLst>
+          </p:cNvPr>
+          <p:cNvSpPr txBox="1"/>
+          <p:nvPr/>
+        </p:nvSpPr>
+        <p:spPr>
+          <a:xfrm>
+            <a:off x="8606280" y="3094008"/>
+            <a:ext cx="3474028" cy="400110"/>
+          </a:xfrm>
+          <a:prstGeom prst="rect">
+            <a:avLst/>
+          </a:prstGeom>
+          <a:noFill/>
+        </p:spPr>
+        <p:txBody>
+          <a:bodyPr wrap="none" rtlCol="0">
+            <a:spAutoFit/>
+          </a:bodyPr>
+          <a:lstStyle/>
+          <a:p>
+            <a:pPr algn="l"/>
+            <a:r>
+              <a:rPr lang="en-US" sz="2000" dirty="0">
+                <a:latin typeface="Arial" panose="020B0604020202020204" pitchFamily="34" charset="0"/>
+                <a:cs typeface="Arial" panose="020B0604020202020204" pitchFamily="34" charset="0"/>
+              </a:rPr>
+              <a:t>% time spent using keyboard</a:t>
+            </a:r>
+          </a:p>
+        </p:txBody>
+      </p:sp>
+    </p:spTree>
+    <p:extLst>
+      <p:ext uri="{BB962C8B-B14F-4D97-AF65-F5344CB8AC3E}">
+        <p14:creationId xmlns:p14="http://schemas.microsoft.com/office/powerpoint/2010/main" val="2218323273"/>
+      </p:ext>
+    </p:extLst>
+  </p:cSld>
+  <p:clrMapOvr>
+    <a:masterClrMapping/>
+  </p:clrMapOvr>
+</p:sld>
+</file>
+
+<file path=ppt/slides/slide22.xml><?xml version="1.0" encoding="utf-8"?>
+<p:sld xmlns:a="http://schemas.openxmlformats.org/drawingml/2006/main" xmlns:r="http://schemas.openxmlformats.org/officeDocument/2006/relationships" xmlns:p="http://schemas.openxmlformats.org/presentationml/2006/main">
+  <p:cSld>
+    <p:spTree>
+      <p:nvGrpSpPr>
+        <p:cNvPr id="1" name=""/>
+        <p:cNvGrpSpPr/>
+        <p:nvPr/>
+      </p:nvGrpSpPr>
+      <p:grpSpPr>
+        <a:xfrm>
+          <a:off x="0" y="0"/>
+          <a:ext cx="0" cy="0"/>
+          <a:chOff x="0" y="0"/>
+          <a:chExt cx="0" cy="0"/>
+        </a:xfrm>
+      </p:grpSpPr>
+      <p:sp>
+        <p:nvSpPr>
+          <p:cNvPr id="2" name="Title 1">
+            <a:extLst>
+              <a:ext uri="{FF2B5EF4-FFF2-40B4-BE49-F238E27FC236}">
+                <a16:creationId xmlns:a16="http://schemas.microsoft.com/office/drawing/2014/main" id="{BF2B8CB8-398D-1242-8468-5B36737ECCE5}"/>
+              </a:ext>
+            </a:extLst>
+          </p:cNvPr>
+          <p:cNvSpPr>
+            <a:spLocks noGrp="1"/>
+          </p:cNvSpPr>
+          <p:nvPr>
+            <p:ph type="title"/>
+          </p:nvPr>
+        </p:nvSpPr>
+        <p:spPr/>
+        <p:txBody>
+          <a:bodyPr/>
+          <a:lstStyle/>
+          <a:p>
+            <a:r>
+              <a:rPr lang="en-US" dirty="0"/>
+              <a:t>Experiments</a:t>
+            </a:r>
+          </a:p>
+        </p:txBody>
+      </p:sp>
+      <p:sp>
+        <p:nvSpPr>
+          <p:cNvPr id="3" name="Content Placeholder 2">
+            <a:extLst>
+              <a:ext uri="{FF2B5EF4-FFF2-40B4-BE49-F238E27FC236}">
+                <a16:creationId xmlns:a16="http://schemas.microsoft.com/office/drawing/2014/main" id="{CEEF0D17-0EB9-8941-9855-0B82E7E15612}"/>
+              </a:ext>
+            </a:extLst>
+          </p:cNvPr>
+          <p:cNvSpPr>
+            <a:spLocks noGrp="1"/>
+          </p:cNvSpPr>
+          <p:nvPr>
+            <p:ph idx="1"/>
+          </p:nvPr>
+        </p:nvSpPr>
+        <p:spPr/>
+        <p:txBody>
+          <a:bodyPr/>
+          <a:lstStyle/>
+          <a:p>
+            <a:pPr marL="0" indent="0">
+              <a:buNone/>
+            </a:pPr>
+            <a:r>
+              <a:rPr lang="en-US" dirty="0"/>
+              <a:t>Were the experiments “fair”?</a:t>
+            </a:r>
+          </a:p>
+          <a:p>
+            <a:r>
+              <a:rPr lang="en-US" dirty="0"/>
+              <a:t>Ran a pilot study – good idea!</a:t>
+            </a:r>
+          </a:p>
+          <a:p>
+            <a:r>
+              <a:rPr lang="en-US" dirty="0"/>
+              <a:t>Not clear what queries/tasks are evaluated</a:t>
+            </a:r>
+          </a:p>
+          <a:p>
+            <a:r>
+              <a:rPr lang="en-US" dirty="0"/>
+              <a:t>Type SQL using phone keyboard (hard!)</a:t>
+            </a:r>
+          </a:p>
+          <a:p>
+            <a:endParaRPr lang="en-US" dirty="0"/>
+          </a:p>
+          <a:p>
+            <a:pPr marL="0" indent="0">
+              <a:buNone/>
+            </a:pPr>
+            <a:endParaRPr lang="en-US" dirty="0"/>
+          </a:p>
+        </p:txBody>
+      </p:sp>
+    </p:spTree>
+    <p:extLst>
+      <p:ext uri="{BB962C8B-B14F-4D97-AF65-F5344CB8AC3E}">
+        <p14:creationId xmlns:p14="http://schemas.microsoft.com/office/powerpoint/2010/main" val="422553386"/>
       </p:ext>
     </p:extLst>
   </p:cSld>
@@ -4079,13 +6437,7 @@
               <a:rPr lang="en-US" dirty="0" err="1"/>
               <a:t>SpeakQL</a:t>
             </a:r>
-            <a:br>
-              <a:rPr lang="en-US" dirty="0"/>
-            </a:br>
-            <a:r>
-              <a:rPr lang="en-US" dirty="0"/>
-              <a:t>Discussion</a:t>
-            </a:r>
+            <a:endParaRPr lang="en-US" dirty="0"/>
           </a:p>
         </p:txBody>
       </p:sp>
@@ -4111,7 +6463,7 @@
     </p:spTree>
     <p:extLst>
       <p:ext uri="{BB962C8B-B14F-4D97-AF65-F5344CB8AC3E}">
-        <p14:creationId xmlns:p14="http://schemas.microsoft.com/office/powerpoint/2010/main" val="3587159258"/>
+        <p14:creationId xmlns:p14="http://schemas.microsoft.com/office/powerpoint/2010/main" val="501767838"/>
       </p:ext>
     </p:extLst>
   </p:cSld>
@@ -4140,7 +6492,13 @@
       </p:grpSpPr>
       <p:sp>
         <p:nvSpPr>
-          <p:cNvPr id="2" name="Title 1"/>
+          <p:cNvPr id="2" name="Title 1">
+            <a:extLst>
+              <a:ext uri="{FF2B5EF4-FFF2-40B4-BE49-F238E27FC236}">
+                <a16:creationId xmlns:a16="http://schemas.microsoft.com/office/drawing/2014/main" id="{7284945E-085F-1C4A-908A-89FD303D059E}"/>
+              </a:ext>
+            </a:extLst>
+          </p:cNvPr>
           <p:cNvSpPr>
             <a:spLocks noGrp="1"/>
           </p:cNvSpPr>
@@ -4155,20 +6513,406 @@
           <a:p>
             <a:r>
               <a:rPr lang="en-US" dirty="0"/>
-              <a:t>Chapter  4: The Nested Model</a:t>
-            </a:r>
+              <a:t>The </a:t>
+            </a:r>
+            <a:r>
+              <a:rPr lang="en-US" dirty="0" err="1"/>
+              <a:t>SpeakQL</a:t>
+            </a:r>
+            <a:r>
+              <a:rPr lang="en-US" dirty="0"/>
+              <a:t> argument</a:t>
+            </a:r>
+          </a:p>
+        </p:txBody>
+      </p:sp>
+      <p:sp>
+        <p:nvSpPr>
+          <p:cNvPr id="3" name="Content Placeholder 2">
+            <a:extLst>
+              <a:ext uri="{FF2B5EF4-FFF2-40B4-BE49-F238E27FC236}">
+                <a16:creationId xmlns:a16="http://schemas.microsoft.com/office/drawing/2014/main" id="{2ED8A43B-A725-FD42-BB9E-332CDD8B572D}"/>
+              </a:ext>
+            </a:extLst>
+          </p:cNvPr>
+          <p:cNvSpPr>
+            <a:spLocks noGrp="1"/>
+          </p:cNvSpPr>
+          <p:nvPr>
+            <p:ph idx="1"/>
+          </p:nvPr>
+        </p:nvSpPr>
+        <p:spPr>
+          <a:xfrm>
+            <a:off x="838200" y="1825625"/>
+            <a:ext cx="6007274" cy="4351338"/>
+          </a:xfrm>
+        </p:spPr>
+        <p:txBody>
+          <a:bodyPr/>
+          <a:lstStyle/>
+          <a:p>
+            <a:pPr marL="0" indent="0">
+              <a:buNone/>
+            </a:pPr>
+            <a:r>
+              <a:rPr lang="en-US" dirty="0"/>
+              <a:t>People</a:t>
+            </a:r>
+          </a:p>
+          <a:p>
+            <a:r>
+              <a:rPr lang="en-US" dirty="0"/>
+              <a:t>know SQL.  May even be experts</a:t>
+            </a:r>
+          </a:p>
+          <a:p>
+            <a:r>
+              <a:rPr lang="en-US" dirty="0"/>
+              <a:t>want to write SQL on-the-go</a:t>
+            </a:r>
+          </a:p>
+          <a:p>
+            <a:r>
+              <a:rPr lang="en-US" dirty="0"/>
+              <a:t>have a phone/tablet</a:t>
+            </a:r>
+          </a:p>
+          <a:p>
+            <a:pPr marL="0" indent="0">
+              <a:buNone/>
+            </a:pPr>
+            <a:endParaRPr lang="en-US" dirty="0"/>
+          </a:p>
+          <a:p>
+            <a:pPr marL="0" indent="0">
+              <a:buNone/>
+            </a:pPr>
+            <a:r>
+              <a:rPr lang="en-US" dirty="0"/>
+              <a:t>Thus speech interface is best</a:t>
+            </a:r>
+          </a:p>
+        </p:txBody>
+      </p:sp>
+    </p:spTree>
+    <p:extLst>
+      <p:ext uri="{BB962C8B-B14F-4D97-AF65-F5344CB8AC3E}">
+        <p14:creationId xmlns:p14="http://schemas.microsoft.com/office/powerpoint/2010/main" val="1886082678"/>
+      </p:ext>
+    </p:extLst>
+  </p:cSld>
+  <p:clrMapOvr>
+    <a:masterClrMapping/>
+  </p:clrMapOvr>
+</p:sld>
+</file>
+
+<file path=ppt/slides/slide6.xml><?xml version="1.0" encoding="utf-8"?>
+<p:sld xmlns:a="http://schemas.openxmlformats.org/drawingml/2006/main" xmlns:r="http://schemas.openxmlformats.org/officeDocument/2006/relationships" xmlns:p="http://schemas.openxmlformats.org/presentationml/2006/main">
+  <p:cSld>
+    <p:spTree>
+      <p:nvGrpSpPr>
+        <p:cNvPr id="1" name=""/>
+        <p:cNvGrpSpPr/>
+        <p:nvPr/>
+      </p:nvGrpSpPr>
+      <p:grpSpPr>
+        <a:xfrm>
+          <a:off x="0" y="0"/>
+          <a:ext cx="0" cy="0"/>
+          <a:chOff x="0" y="0"/>
+          <a:chExt cx="0" cy="0"/>
+        </a:xfrm>
+      </p:grpSpPr>
+      <p:sp>
+        <p:nvSpPr>
+          <p:cNvPr id="2" name="Title 1">
+            <a:extLst>
+              <a:ext uri="{FF2B5EF4-FFF2-40B4-BE49-F238E27FC236}">
+                <a16:creationId xmlns:a16="http://schemas.microsoft.com/office/drawing/2014/main" id="{A1ACE1D2-B2AA-794C-8741-5AC1339B9E4E}"/>
+              </a:ext>
+            </a:extLst>
+          </p:cNvPr>
+          <p:cNvSpPr>
+            <a:spLocks noGrp="1"/>
+          </p:cNvSpPr>
+          <p:nvPr>
+            <p:ph type="title"/>
+          </p:nvPr>
+        </p:nvSpPr>
+        <p:spPr/>
+        <p:txBody>
+          <a:bodyPr/>
+          <a:lstStyle/>
+          <a:p>
+            <a:r>
+              <a:rPr lang="en-US" dirty="0"/>
+              <a:t>Use Cases</a:t>
+            </a:r>
+          </a:p>
+        </p:txBody>
+      </p:sp>
+      <p:sp>
+        <p:nvSpPr>
+          <p:cNvPr id="3" name="Content Placeholder 2">
+            <a:extLst>
+              <a:ext uri="{FF2B5EF4-FFF2-40B4-BE49-F238E27FC236}">
+                <a16:creationId xmlns:a16="http://schemas.microsoft.com/office/drawing/2014/main" id="{B083CCA7-B6DD-F24F-A434-7CFEA4C14600}"/>
+              </a:ext>
+            </a:extLst>
+          </p:cNvPr>
+          <p:cNvSpPr>
+            <a:spLocks noGrp="1"/>
+          </p:cNvSpPr>
+          <p:nvPr>
+            <p:ph idx="1"/>
+          </p:nvPr>
+        </p:nvSpPr>
+        <p:spPr/>
+        <p:txBody>
+          <a:bodyPr/>
+          <a:lstStyle/>
+          <a:p>
+            <a:r>
+              <a:rPr lang="en-US" dirty="0"/>
+              <a:t>DBA debugging system while on the road</a:t>
+            </a:r>
+          </a:p>
+          <a:p>
+            <a:r>
+              <a:rPr lang="en-US" dirty="0"/>
+              <a:t>Nurse accesses patient record away from his desk</a:t>
+            </a:r>
+          </a:p>
+          <a:p>
+            <a:r>
+              <a:rPr lang="en-US" dirty="0"/>
+              <a:t>Analyst answers customer sales question in a meeting</a:t>
+            </a:r>
+          </a:p>
+          <a:p>
+            <a:endParaRPr lang="en-US" dirty="0"/>
+          </a:p>
+          <a:p>
+            <a:pPr marL="0" indent="0">
+              <a:buNone/>
+            </a:pPr>
+            <a:endParaRPr lang="en-US" dirty="0"/>
+          </a:p>
+        </p:txBody>
+      </p:sp>
+    </p:spTree>
+    <p:extLst>
+      <p:ext uri="{BB962C8B-B14F-4D97-AF65-F5344CB8AC3E}">
+        <p14:creationId xmlns:p14="http://schemas.microsoft.com/office/powerpoint/2010/main" val="2228590226"/>
+      </p:ext>
+    </p:extLst>
+  </p:cSld>
+  <p:clrMapOvr>
+    <a:masterClrMapping/>
+  </p:clrMapOvr>
+</p:sld>
+</file>
+
+<file path=ppt/slides/slide7.xml><?xml version="1.0" encoding="utf-8"?>
+<p:sld xmlns:a="http://schemas.openxmlformats.org/drawingml/2006/main" xmlns:r="http://schemas.openxmlformats.org/officeDocument/2006/relationships" xmlns:p="http://schemas.openxmlformats.org/presentationml/2006/main">
+  <p:cSld>
+    <p:spTree>
+      <p:nvGrpSpPr>
+        <p:cNvPr id="1" name=""/>
+        <p:cNvGrpSpPr/>
+        <p:nvPr/>
+      </p:nvGrpSpPr>
+      <p:grpSpPr>
+        <a:xfrm>
+          <a:off x="0" y="0"/>
+          <a:ext cx="0" cy="0"/>
+          <a:chOff x="0" y="0"/>
+          <a:chExt cx="0" cy="0"/>
+        </a:xfrm>
+      </p:grpSpPr>
+      <p:sp>
+        <p:nvSpPr>
+          <p:cNvPr id="2" name="Title 1">
+            <a:extLst>
+              <a:ext uri="{FF2B5EF4-FFF2-40B4-BE49-F238E27FC236}">
+                <a16:creationId xmlns:a16="http://schemas.microsoft.com/office/drawing/2014/main" id="{08C61B8B-BAD6-3B46-AA47-3499BA6D9C92}"/>
+              </a:ext>
+            </a:extLst>
+          </p:cNvPr>
+          <p:cNvSpPr>
+            <a:spLocks noGrp="1"/>
+          </p:cNvSpPr>
+          <p:nvPr>
+            <p:ph type="title"/>
+          </p:nvPr>
+        </p:nvSpPr>
+        <p:spPr/>
+        <p:txBody>
+          <a:bodyPr/>
+          <a:lstStyle/>
+          <a:p>
+            <a:r>
+              <a:rPr lang="en-US" dirty="0"/>
+              <a:t>Why Not Existing Approaches?</a:t>
+            </a:r>
+          </a:p>
+        </p:txBody>
+      </p:sp>
+      <p:sp>
+        <p:nvSpPr>
+          <p:cNvPr id="3" name="Content Placeholder 2">
+            <a:extLst>
+              <a:ext uri="{FF2B5EF4-FFF2-40B4-BE49-F238E27FC236}">
+                <a16:creationId xmlns:a16="http://schemas.microsoft.com/office/drawing/2014/main" id="{7AA71E47-024F-B543-903F-C75E727878B4}"/>
+              </a:ext>
+            </a:extLst>
+          </p:cNvPr>
+          <p:cNvSpPr>
+            <a:spLocks noGrp="1"/>
+          </p:cNvSpPr>
+          <p:nvPr>
+            <p:ph idx="1"/>
+          </p:nvPr>
+        </p:nvSpPr>
+        <p:spPr/>
+        <p:txBody>
+          <a:bodyPr/>
+          <a:lstStyle/>
+          <a:p>
+            <a:pPr marL="0" indent="0">
+              <a:buNone/>
+            </a:pPr>
+            <a:r>
+              <a:rPr lang="en-US" dirty="0"/>
+              <a:t>Natural Language Interfaces (NLI)</a:t>
+            </a:r>
+          </a:p>
+          <a:p>
+            <a:r>
+              <a:rPr lang="en-US" dirty="0"/>
+              <a:t>User speech </a:t>
+            </a:r>
+            <a:r>
+              <a:rPr lang="en-US" dirty="0">
+                <a:sym typeface="Wingdings" pitchFamily="2" charset="2"/>
+              </a:rPr>
+              <a:t> </a:t>
+            </a:r>
+            <a:r>
+              <a:rPr lang="en-US" dirty="0"/>
+              <a:t>ASR </a:t>
+            </a:r>
+            <a:r>
+              <a:rPr lang="en-US" dirty="0">
+                <a:sym typeface="Wingdings" pitchFamily="2" charset="2"/>
+              </a:rPr>
+              <a:t> NLI  SQL  result</a:t>
+            </a:r>
+          </a:p>
+          <a:p>
+            <a:r>
+              <a:rPr lang="en-US" dirty="0">
+                <a:sym typeface="Wingdings" pitchFamily="2" charset="2"/>
+              </a:rPr>
+              <a:t>Errors propagate in each step</a:t>
+            </a:r>
+          </a:p>
+          <a:p>
+            <a:endParaRPr lang="en-US" dirty="0">
+              <a:sym typeface="Wingdings" pitchFamily="2" charset="2"/>
+            </a:endParaRPr>
+          </a:p>
+          <a:p>
+            <a:pPr marL="0" indent="0">
+              <a:buNone/>
+            </a:pPr>
+            <a:r>
+              <a:rPr lang="en-US" dirty="0">
+                <a:sym typeface="Wingdings" pitchFamily="2" charset="2"/>
+              </a:rPr>
+              <a:t>Touch interfaces</a:t>
+            </a:r>
+          </a:p>
+          <a:p>
+            <a:r>
+              <a:rPr lang="en-US" dirty="0">
+                <a:sym typeface="Wingdings" pitchFamily="2" charset="2"/>
+              </a:rPr>
+              <a:t>Paper argues they “obviate” SQL</a:t>
+            </a:r>
+          </a:p>
+          <a:p>
+            <a:endParaRPr lang="en-US" dirty="0">
+              <a:sym typeface="Wingdings" pitchFamily="2" charset="2"/>
+            </a:endParaRPr>
+          </a:p>
+          <a:p>
+            <a:pPr marL="0" indent="0">
+              <a:buNone/>
+            </a:pPr>
+            <a:r>
+              <a:rPr lang="en-US" dirty="0">
+                <a:sym typeface="Wingdings" pitchFamily="2" charset="2"/>
+              </a:rPr>
+              <a:t>Template-based Interfaces </a:t>
+            </a:r>
+          </a:p>
+          <a:p>
+            <a:pPr marL="0" indent="0">
+              <a:buNone/>
+            </a:pPr>
+            <a:endParaRPr lang="en-US" dirty="0"/>
+          </a:p>
+          <a:p>
+            <a:endParaRPr lang="en-US" dirty="0"/>
           </a:p>
         </p:txBody>
       </p:sp>
       <p:pic>
         <p:nvPicPr>
-          <p:cNvPr id="4" name="Content Placeholder 3"/>
+          <p:cNvPr id="4" name="Picture 3">
+            <a:extLst>
+              <a:ext uri="{FF2B5EF4-FFF2-40B4-BE49-F238E27FC236}">
+                <a16:creationId xmlns:a16="http://schemas.microsoft.com/office/drawing/2014/main" id="{B98BBCDD-FDF8-374B-B435-9E48C5586D1E}"/>
+              </a:ext>
+            </a:extLst>
+          </p:cNvPr>
           <p:cNvPicPr>
-            <a:picLocks noGrp="1" noChangeAspect="1"/>
+            <a:picLocks noChangeAspect="1"/>
           </p:cNvPicPr>
-          <p:nvPr>
-            <p:ph idx="1"/>
-          </p:nvPr>
+          <p:nvPr/>
+        </p:nvPicPr>
+        <p:blipFill>
+          <a:blip r:embed="rId2"/>
+          <a:stretch>
+            <a:fillRect/>
+          </a:stretch>
+        </p:blipFill>
+        <p:spPr>
+          <a:xfrm>
+            <a:off x="9693670" y="1195089"/>
+            <a:ext cx="2415420" cy="640736"/>
+          </a:xfrm>
+          <a:prstGeom prst="rect">
+            <a:avLst/>
+          </a:prstGeom>
+        </p:spPr>
+      </p:pic>
+      <p:pic>
+        <p:nvPicPr>
+          <p:cNvPr id="5" name="Picture 4">
+            <a:extLst>
+              <a:ext uri="{FF2B5EF4-FFF2-40B4-BE49-F238E27FC236}">
+                <a16:creationId xmlns:a16="http://schemas.microsoft.com/office/drawing/2014/main" id="{30619E84-DD5C-5D4D-B9B7-56B11D1DF4EE}"/>
+              </a:ext>
+            </a:extLst>
+          </p:cNvPr>
+          <p:cNvPicPr>
+            <a:picLocks noChangeAspect="1"/>
+          </p:cNvPicPr>
+          <p:nvPr/>
         </p:nvPicPr>
         <p:blipFill>
           <a:blip r:embed="rId3"/>
@@ -4178,8 +6922,8 @@
         </p:blipFill>
         <p:spPr>
           <a:xfrm>
-            <a:off x="77442" y="1778972"/>
-            <a:ext cx="6264635" cy="4351338"/>
+            <a:off x="9877510" y="2195616"/>
+            <a:ext cx="2079251" cy="808833"/>
           </a:xfrm>
           <a:prstGeom prst="rect">
             <a:avLst/>
@@ -4188,14 +6932,20 @@
       </p:pic>
       <p:sp>
         <p:nvSpPr>
-          <p:cNvPr id="5" name="TextBox 4"/>
+          <p:cNvPr id="6" name="TextBox 5">
+            <a:extLst>
+              <a:ext uri="{FF2B5EF4-FFF2-40B4-BE49-F238E27FC236}">
+                <a16:creationId xmlns:a16="http://schemas.microsoft.com/office/drawing/2014/main" id="{C74355A4-E167-714B-97FC-971C8AAB0B5D}"/>
+              </a:ext>
+            </a:extLst>
+          </p:cNvPr>
           <p:cNvSpPr txBox="1"/>
           <p:nvPr/>
         </p:nvSpPr>
         <p:spPr>
           <a:xfrm>
-            <a:off x="6719198" y="2136710"/>
-            <a:ext cx="4668907" cy="369332"/>
+            <a:off x="10308910" y="2935095"/>
+            <a:ext cx="1184940" cy="369332"/>
           </a:xfrm>
           <a:prstGeom prst="rect">
             <a:avLst/>
@@ -4208,26 +6958,93 @@
           </a:bodyPr>
           <a:lstStyle/>
           <a:p>
+            <a:pPr algn="l"/>
             <a:r>
               <a:rPr lang="en-US" dirty="0">
                 <a:latin typeface="Arial" panose="020B0604020202020204" pitchFamily="34" charset="0"/>
                 <a:cs typeface="Arial" panose="020B0604020202020204" pitchFamily="34" charset="0"/>
               </a:rPr>
-              <a:t>Wrong problem.  Misunderstood user needs</a:t>
-            </a:r>
-          </a:p>
-        </p:txBody>
-      </p:sp>
-      <p:sp>
-        <p:nvSpPr>
-          <p:cNvPr id="6" name="TextBox 5"/>
+              <a:t>Seq2SQL</a:t>
+            </a:r>
+          </a:p>
+        </p:txBody>
+      </p:sp>
+      <p:pic>
+        <p:nvPicPr>
+          <p:cNvPr id="7" name="Picture 6">
+            <a:extLst>
+              <a:ext uri="{FF2B5EF4-FFF2-40B4-BE49-F238E27FC236}">
+                <a16:creationId xmlns:a16="http://schemas.microsoft.com/office/drawing/2014/main" id="{3D84FA06-E387-114C-8751-7C94BC580F3B}"/>
+              </a:ext>
+            </a:extLst>
+          </p:cNvPr>
+          <p:cNvPicPr>
+            <a:picLocks noChangeAspect="1"/>
+          </p:cNvPicPr>
+          <p:nvPr/>
+        </p:nvPicPr>
+        <p:blipFill>
+          <a:blip r:embed="rId4"/>
+          <a:stretch>
+            <a:fillRect/>
+          </a:stretch>
+        </p:blipFill>
+        <p:spPr>
+          <a:xfrm>
+            <a:off x="10112919" y="3582746"/>
+            <a:ext cx="1848847" cy="1047154"/>
+          </a:xfrm>
+          <a:prstGeom prst="rect">
+            <a:avLst/>
+          </a:prstGeom>
+        </p:spPr>
+      </p:pic>
+      <p:pic>
+        <p:nvPicPr>
+          <p:cNvPr id="8" name="Picture 7">
+            <a:extLst>
+              <a:ext uri="{FF2B5EF4-FFF2-40B4-BE49-F238E27FC236}">
+                <a16:creationId xmlns:a16="http://schemas.microsoft.com/office/drawing/2014/main" id="{27DE0D5C-39BA-BC4C-83CD-49B1EAB78A80}"/>
+              </a:ext>
+            </a:extLst>
+          </p:cNvPr>
+          <p:cNvPicPr>
+            <a:picLocks noChangeAspect="1"/>
+          </p:cNvPicPr>
+          <p:nvPr/>
+        </p:nvPicPr>
+        <p:blipFill>
+          <a:blip r:embed="rId5"/>
+          <a:stretch>
+            <a:fillRect/>
+          </a:stretch>
+        </p:blipFill>
+        <p:spPr>
+          <a:xfrm>
+            <a:off x="8250913" y="3639250"/>
+            <a:ext cx="1771912" cy="934146"/>
+          </a:xfrm>
+          <a:prstGeom prst="rect">
+            <a:avLst/>
+          </a:prstGeom>
+        </p:spPr>
+      </p:pic>
+      <p:sp>
+        <p:nvSpPr>
+          <p:cNvPr id="9" name="TextBox 8">
+            <a:extLst>
+              <a:ext uri="{FF2B5EF4-FFF2-40B4-BE49-F238E27FC236}">
+                <a16:creationId xmlns:a16="http://schemas.microsoft.com/office/drawing/2014/main" id="{4ACE242F-67A6-D84B-A823-315DB0139BEB}"/>
+              </a:ext>
+            </a:extLst>
+          </p:cNvPr>
           <p:cNvSpPr txBox="1"/>
           <p:nvPr/>
         </p:nvSpPr>
         <p:spPr>
           <a:xfrm>
-            <a:off x="6719198" y="2910349"/>
-            <a:ext cx="5073734" cy="369332"/>
+            <a:off x="10271748" y="4631613"/>
+            <a:ext cx="1531188" cy="369332"/>
           </a:xfrm>
           <a:prstGeom prst="rect">
             <a:avLst/>
@@ -4235,32 +7052,42 @@
           <a:noFill/>
         </p:spPr>
         <p:txBody>
-          <a:bodyPr wrap="square" rtlCol="0">
+          <a:bodyPr wrap="none" rtlCol="0">
             <a:spAutoFit/>
           </a:bodyPr>
           <a:lstStyle/>
           <a:p>
             <a:pPr algn="l"/>
             <a:r>
-              <a:rPr lang="en-US" dirty="0">
+              <a:rPr lang="en-US" dirty="0" err="1">
                 <a:latin typeface="Arial" panose="020B0604020202020204" pitchFamily="34" charset="0"/>
                 <a:cs typeface="Arial" panose="020B0604020202020204" pitchFamily="34" charset="0"/>
               </a:rPr>
-              <a:t>Wrong abstraction.  Showing the wrong thing</a:t>
-            </a:r>
-          </a:p>
-        </p:txBody>
-      </p:sp>
-      <p:sp>
-        <p:nvSpPr>
-          <p:cNvPr id="7" name="TextBox 6"/>
+              <a:t>gesturequery</a:t>
+            </a:r>
+            <a:endParaRPr lang="en-US" dirty="0">
+              <a:latin typeface="Arial" panose="020B0604020202020204" pitchFamily="34" charset="0"/>
+              <a:cs typeface="Arial" panose="020B0604020202020204" pitchFamily="34" charset="0"/>
+            </a:endParaRPr>
+          </a:p>
+        </p:txBody>
+      </p:sp>
+      <p:sp>
+        <p:nvSpPr>
+          <p:cNvPr id="10" name="TextBox 9">
+            <a:extLst>
+              <a:ext uri="{FF2B5EF4-FFF2-40B4-BE49-F238E27FC236}">
+                <a16:creationId xmlns:a16="http://schemas.microsoft.com/office/drawing/2014/main" id="{08E9166E-8B12-B34C-AFCA-07E9A9CE496F}"/>
+              </a:ext>
+            </a:extLst>
+          </p:cNvPr>
           <p:cNvSpPr txBox="1"/>
           <p:nvPr/>
         </p:nvSpPr>
         <p:spPr>
           <a:xfrm>
-            <a:off x="6712786" y="3638748"/>
-            <a:ext cx="3758401" cy="369332"/>
+            <a:off x="8679052" y="4631613"/>
+            <a:ext cx="915635" cy="369332"/>
           </a:xfrm>
           <a:prstGeom prst="rect">
             <a:avLst/>
@@ -4275,29 +7102,65 @@
           <a:p>
             <a:pPr algn="l"/>
             <a:r>
-              <a:rPr lang="en-US" dirty="0">
+              <a:rPr lang="en-US" dirty="0" err="1">
                 <a:latin typeface="Arial" panose="020B0604020202020204" pitchFamily="34" charset="0"/>
                 <a:cs typeface="Arial" panose="020B0604020202020204" pitchFamily="34" charset="0"/>
               </a:rPr>
-              <a:t>The way to show data is ineffective</a:t>
-            </a:r>
-            <a:endParaRPr lang="en-US" i="1" dirty="0">
+              <a:t>vizdom</a:t>
+            </a:r>
+            <a:endParaRPr lang="en-US" dirty="0">
               <a:latin typeface="Arial" panose="020B0604020202020204" pitchFamily="34" charset="0"/>
               <a:cs typeface="Arial" panose="020B0604020202020204" pitchFamily="34" charset="0"/>
             </a:endParaRPr>
           </a:p>
         </p:txBody>
       </p:sp>
-      <p:sp>
-        <p:nvSpPr>
-          <p:cNvPr id="8" name="TextBox 7"/>
+      <p:pic>
+        <p:nvPicPr>
+          <p:cNvPr id="11" name="Picture 10">
+            <a:extLst>
+              <a:ext uri="{FF2B5EF4-FFF2-40B4-BE49-F238E27FC236}">
+                <a16:creationId xmlns:a16="http://schemas.microsoft.com/office/drawing/2014/main" id="{D5A28457-40E6-4D40-B5CA-292725A4A891}"/>
+              </a:ext>
+            </a:extLst>
+          </p:cNvPr>
+          <p:cNvPicPr>
+            <a:picLocks noChangeAspect="1"/>
+          </p:cNvPicPr>
+          <p:nvPr/>
+        </p:nvPicPr>
+        <p:blipFill>
+          <a:blip r:embed="rId6"/>
+          <a:stretch>
+            <a:fillRect/>
+          </a:stretch>
+        </p:blipFill>
+        <p:spPr>
+          <a:xfrm>
+            <a:off x="9594687" y="5316004"/>
+            <a:ext cx="2340494" cy="1448968"/>
+          </a:xfrm>
+          <a:prstGeom prst="rect">
+            <a:avLst/>
+          </a:prstGeom>
+        </p:spPr>
+      </p:pic>
+      <p:sp>
+        <p:nvSpPr>
+          <p:cNvPr id="12" name="TextBox 11">
+            <a:extLst>
+              <a:ext uri="{FF2B5EF4-FFF2-40B4-BE49-F238E27FC236}">
+                <a16:creationId xmlns:a16="http://schemas.microsoft.com/office/drawing/2014/main" id="{82A57DC3-3931-4149-9F96-08078598FCB0}"/>
+              </a:ext>
+            </a:extLst>
+          </p:cNvPr>
           <p:cNvSpPr txBox="1"/>
           <p:nvPr/>
         </p:nvSpPr>
         <p:spPr>
           <a:xfrm>
-            <a:off x="6712786" y="4331551"/>
-            <a:ext cx="2185214" cy="369332"/>
+            <a:off x="8407075" y="5840730"/>
+            <a:ext cx="1159292" cy="369332"/>
           </a:xfrm>
           <a:prstGeom prst="rect">
             <a:avLst/>
@@ -4312,19 +7175,252 @@
           <a:p>
             <a:pPr algn="l"/>
             <a:r>
-              <a:rPr lang="en-US" dirty="0">
+              <a:rPr lang="en-US" dirty="0" err="1">
                 <a:latin typeface="Arial" panose="020B0604020202020204" pitchFamily="34" charset="0"/>
                 <a:cs typeface="Arial" panose="020B0604020202020204" pitchFamily="34" charset="0"/>
               </a:rPr>
-              <a:t>Code is slow/buggy</a:t>
-            </a:r>
+              <a:t>DataChat</a:t>
+            </a:r>
+            <a:endParaRPr lang="en-US" dirty="0">
+              <a:latin typeface="Arial" panose="020B0604020202020204" pitchFamily="34" charset="0"/>
+              <a:cs typeface="Arial" panose="020B0604020202020204" pitchFamily="34" charset="0"/>
+            </a:endParaRPr>
           </a:p>
         </p:txBody>
       </p:sp>
     </p:spTree>
     <p:extLst>
       <p:ext uri="{BB962C8B-B14F-4D97-AF65-F5344CB8AC3E}">
-        <p14:creationId xmlns:p14="http://schemas.microsoft.com/office/powerpoint/2010/main" val="1192279575"/>
+        <p14:creationId xmlns:p14="http://schemas.microsoft.com/office/powerpoint/2010/main" val="2790257416"/>
+      </p:ext>
+    </p:extLst>
+  </p:cSld>
+  <p:clrMapOvr>
+    <a:masterClrMapping/>
+  </p:clrMapOvr>
+</p:sld>
+</file>
+
+<file path=ppt/slides/slide8.xml><?xml version="1.0" encoding="utf-8"?>
+<p:sld xmlns:a="http://schemas.openxmlformats.org/drawingml/2006/main" xmlns:r="http://schemas.openxmlformats.org/officeDocument/2006/relationships" xmlns:p="http://schemas.openxmlformats.org/presentationml/2006/main">
+  <p:cSld>
+    <p:spTree>
+      <p:nvGrpSpPr>
+        <p:cNvPr id="1" name=""/>
+        <p:cNvGrpSpPr/>
+        <p:nvPr/>
+      </p:nvGrpSpPr>
+      <p:grpSpPr>
+        <a:xfrm>
+          <a:off x="0" y="0"/>
+          <a:ext cx="0" cy="0"/>
+          <a:chOff x="0" y="0"/>
+          <a:chExt cx="0" cy="0"/>
+        </a:xfrm>
+      </p:grpSpPr>
+      <p:sp>
+        <p:nvSpPr>
+          <p:cNvPr id="2" name="Title 1">
+            <a:extLst>
+              <a:ext uri="{FF2B5EF4-FFF2-40B4-BE49-F238E27FC236}">
+                <a16:creationId xmlns:a16="http://schemas.microsoft.com/office/drawing/2014/main" id="{088E6758-0116-5C44-942E-9ECE9E84C815}"/>
+              </a:ext>
+            </a:extLst>
+          </p:cNvPr>
+          <p:cNvSpPr>
+            <a:spLocks noGrp="1"/>
+          </p:cNvSpPr>
+          <p:nvPr>
+            <p:ph type="title"/>
+          </p:nvPr>
+        </p:nvSpPr>
+        <p:spPr/>
+        <p:txBody>
+          <a:bodyPr/>
+          <a:lstStyle/>
+          <a:p>
+            <a:r>
+              <a:rPr lang="en-US" dirty="0"/>
+              <a:t>Approach Overview</a:t>
+            </a:r>
+          </a:p>
+        </p:txBody>
+      </p:sp>
+      <p:sp>
+        <p:nvSpPr>
+          <p:cNvPr id="3" name="Content Placeholder 2">
+            <a:extLst>
+              <a:ext uri="{FF2B5EF4-FFF2-40B4-BE49-F238E27FC236}">
+                <a16:creationId xmlns:a16="http://schemas.microsoft.com/office/drawing/2014/main" id="{5669DAD4-44D7-534C-A413-EE06B8DC4027}"/>
+              </a:ext>
+            </a:extLst>
+          </p:cNvPr>
+          <p:cNvSpPr>
+            <a:spLocks noGrp="1"/>
+          </p:cNvSpPr>
+          <p:nvPr>
+            <p:ph idx="1"/>
+          </p:nvPr>
+        </p:nvSpPr>
+        <p:spPr/>
+        <p:txBody>
+          <a:bodyPr/>
+          <a:lstStyle/>
+          <a:p>
+            <a:r>
+              <a:rPr lang="en-US" dirty="0"/>
+              <a:t>Match speech tokens to SQL template (struct determination)</a:t>
+            </a:r>
+          </a:p>
+          <a:p>
+            <a:r>
+              <a:rPr lang="en-US" dirty="0"/>
+              <a:t>Fill in literals, address homophones (literal determination)</a:t>
+            </a:r>
+          </a:p>
+        </p:txBody>
+      </p:sp>
+      <p:pic>
+        <p:nvPicPr>
+          <p:cNvPr id="4" name="Picture 3">
+            <a:extLst>
+              <a:ext uri="{FF2B5EF4-FFF2-40B4-BE49-F238E27FC236}">
+                <a16:creationId xmlns:a16="http://schemas.microsoft.com/office/drawing/2014/main" id="{2FEF31A9-8774-2347-AED8-CA741B8ACCBE}"/>
+              </a:ext>
+            </a:extLst>
+          </p:cNvPr>
+          <p:cNvPicPr>
+            <a:picLocks noChangeAspect="1"/>
+          </p:cNvPicPr>
+          <p:nvPr/>
+        </p:nvPicPr>
+        <p:blipFill>
+          <a:blip r:embed="rId2"/>
+          <a:stretch>
+            <a:fillRect/>
+          </a:stretch>
+        </p:blipFill>
+        <p:spPr>
+          <a:xfrm>
+            <a:off x="1130474" y="3429000"/>
+            <a:ext cx="9931052" cy="2646516"/>
+          </a:xfrm>
+          <a:prstGeom prst="rect">
+            <a:avLst/>
+          </a:prstGeom>
+        </p:spPr>
+      </p:pic>
+    </p:spTree>
+    <p:extLst>
+      <p:ext uri="{BB962C8B-B14F-4D97-AF65-F5344CB8AC3E}">
+        <p14:creationId xmlns:p14="http://schemas.microsoft.com/office/powerpoint/2010/main" val="4193222936"/>
+      </p:ext>
+    </p:extLst>
+  </p:cSld>
+  <p:clrMapOvr>
+    <a:masterClrMapping/>
+  </p:clrMapOvr>
+</p:sld>
+</file>
+
+<file path=ppt/slides/slide9.xml><?xml version="1.0" encoding="utf-8"?>
+<p:sld xmlns:a="http://schemas.openxmlformats.org/drawingml/2006/main" xmlns:r="http://schemas.openxmlformats.org/officeDocument/2006/relationships" xmlns:p="http://schemas.openxmlformats.org/presentationml/2006/main">
+  <p:cSld>
+    <p:spTree>
+      <p:nvGrpSpPr>
+        <p:cNvPr id="1" name=""/>
+        <p:cNvGrpSpPr/>
+        <p:nvPr/>
+      </p:nvGrpSpPr>
+      <p:grpSpPr>
+        <a:xfrm>
+          <a:off x="0" y="0"/>
+          <a:ext cx="0" cy="0"/>
+          <a:chOff x="0" y="0"/>
+          <a:chExt cx="0" cy="0"/>
+        </a:xfrm>
+      </p:grpSpPr>
+      <p:sp>
+        <p:nvSpPr>
+          <p:cNvPr id="2" name="Title 1">
+            <a:extLst>
+              <a:ext uri="{FF2B5EF4-FFF2-40B4-BE49-F238E27FC236}">
+                <a16:creationId xmlns:a16="http://schemas.microsoft.com/office/drawing/2014/main" id="{9003DC3E-7A4E-5D4A-A75F-4A8720C2058C}"/>
+              </a:ext>
+            </a:extLst>
+          </p:cNvPr>
+          <p:cNvSpPr>
+            <a:spLocks noGrp="1"/>
+          </p:cNvSpPr>
+          <p:nvPr>
+            <p:ph type="title"/>
+          </p:nvPr>
+        </p:nvSpPr>
+        <p:spPr/>
+        <p:txBody>
+          <a:bodyPr/>
+          <a:lstStyle/>
+          <a:p>
+            <a:r>
+              <a:rPr lang="en-US" dirty="0"/>
+              <a:t>Structure Determination</a:t>
+            </a:r>
+          </a:p>
+        </p:txBody>
+      </p:sp>
+      <p:sp>
+        <p:nvSpPr>
+          <p:cNvPr id="3" name="Content Placeholder 2">
+            <a:extLst>
+              <a:ext uri="{FF2B5EF4-FFF2-40B4-BE49-F238E27FC236}">
+                <a16:creationId xmlns:a16="http://schemas.microsoft.com/office/drawing/2014/main" id="{911D92FC-4ECD-8444-A037-19D59D869246}"/>
+              </a:ext>
+            </a:extLst>
+          </p:cNvPr>
+          <p:cNvSpPr>
+            <a:spLocks noGrp="1"/>
+          </p:cNvSpPr>
+          <p:nvPr>
+            <p:ph idx="1"/>
+          </p:nvPr>
+        </p:nvSpPr>
+        <p:spPr/>
+        <p:txBody>
+          <a:bodyPr/>
+          <a:lstStyle/>
+          <a:p>
+            <a:pPr marL="0" indent="0">
+              <a:buNone/>
+            </a:pPr>
+            <a:r>
+              <a:rPr lang="en-US" dirty="0"/>
+              <a:t>Goal: find matching query template</a:t>
+            </a:r>
+          </a:p>
+          <a:p>
+            <a:pPr marL="0" indent="0">
+              <a:buNone/>
+            </a:pPr>
+            <a:r>
+              <a:rPr lang="en-US" dirty="0"/>
+              <a:t>Offline: build index of all possible query templates</a:t>
+            </a:r>
+          </a:p>
+          <a:p>
+            <a:pPr marL="0" indent="0">
+              <a:buNone/>
+            </a:pPr>
+            <a:r>
+              <a:rPr lang="en-US" dirty="0"/>
+              <a:t>Online: find minimum edit distance query template</a:t>
+            </a:r>
+          </a:p>
+        </p:txBody>
+      </p:sp>
+    </p:spTree>
+    <p:extLst>
+      <p:ext uri="{BB962C8B-B14F-4D97-AF65-F5344CB8AC3E}">
+        <p14:creationId xmlns:p14="http://schemas.microsoft.com/office/powerpoint/2010/main" val="4097716968"/>
       </p:ext>
     </p:extLst>
   </p:cSld>

--- a/2020s_w6998/lecs/08_modalities.pptx
+++ b/2020s_w6998/lecs/08_modalities.pptx
@@ -5,31 +5,33 @@
     <p:sldMasterId id="2147483648" r:id="rId1"/>
   </p:sldMasterIdLst>
   <p:notesMasterIdLst>
-    <p:notesMasterId r:id="rId24"/>
+    <p:notesMasterId r:id="rId26"/>
   </p:notesMasterIdLst>
   <p:sldIdLst>
     <p:sldId id="256" r:id="rId2"/>
     <p:sldId id="257" r:id="rId3"/>
     <p:sldId id="259" r:id="rId4"/>
-    <p:sldId id="309" r:id="rId5"/>
-    <p:sldId id="308" r:id="rId6"/>
-    <p:sldId id="314" r:id="rId7"/>
-    <p:sldId id="307" r:id="rId8"/>
-    <p:sldId id="311" r:id="rId9"/>
-    <p:sldId id="310" r:id="rId10"/>
-    <p:sldId id="315" r:id="rId11"/>
-    <p:sldId id="316" r:id="rId12"/>
-    <p:sldId id="313" r:id="rId13"/>
-    <p:sldId id="317" r:id="rId14"/>
-    <p:sldId id="312" r:id="rId15"/>
-    <p:sldId id="318" r:id="rId16"/>
-    <p:sldId id="319" r:id="rId17"/>
-    <p:sldId id="324" r:id="rId18"/>
-    <p:sldId id="306" r:id="rId19"/>
-    <p:sldId id="262" r:id="rId20"/>
-    <p:sldId id="320" r:id="rId21"/>
-    <p:sldId id="323" r:id="rId22"/>
-    <p:sldId id="322" r:id="rId23"/>
+    <p:sldId id="326" r:id="rId5"/>
+    <p:sldId id="309" r:id="rId6"/>
+    <p:sldId id="308" r:id="rId7"/>
+    <p:sldId id="314" r:id="rId8"/>
+    <p:sldId id="307" r:id="rId9"/>
+    <p:sldId id="311" r:id="rId10"/>
+    <p:sldId id="310" r:id="rId11"/>
+    <p:sldId id="315" r:id="rId12"/>
+    <p:sldId id="316" r:id="rId13"/>
+    <p:sldId id="313" r:id="rId14"/>
+    <p:sldId id="317" r:id="rId15"/>
+    <p:sldId id="312" r:id="rId16"/>
+    <p:sldId id="318" r:id="rId17"/>
+    <p:sldId id="319" r:id="rId18"/>
+    <p:sldId id="324" r:id="rId19"/>
+    <p:sldId id="306" r:id="rId20"/>
+    <p:sldId id="262" r:id="rId21"/>
+    <p:sldId id="320" r:id="rId22"/>
+    <p:sldId id="323" r:id="rId23"/>
+    <p:sldId id="322" r:id="rId24"/>
+    <p:sldId id="325" r:id="rId25"/>
   </p:sldIdLst>
   <p:sldSz cx="12192000" cy="6858000"/>
   <p:notesSz cx="6858000" cy="9144000"/>
@@ -593,7 +595,7 @@
           <a:p>
             <a:fld id="{2E4A8955-ECBC-A647-A56E-6EF1E83FE798}" type="slidenum">
               <a:rPr lang="en-US" smtClean="0"/>
-              <a:t>19</a:t>
+              <a:t>20</a:t>
             </a:fld>
             <a:endParaRPr lang="en-US"/>
           </a:p>
@@ -3932,6 +3934,113 @@
           <p:cNvPr id="2" name="Title 1">
             <a:extLst>
               <a:ext uri="{FF2B5EF4-FFF2-40B4-BE49-F238E27FC236}">
+                <a16:creationId xmlns:a16="http://schemas.microsoft.com/office/drawing/2014/main" id="{9003DC3E-7A4E-5D4A-A75F-4A8720C2058C}"/>
+              </a:ext>
+            </a:extLst>
+          </p:cNvPr>
+          <p:cNvSpPr>
+            <a:spLocks noGrp="1"/>
+          </p:cNvSpPr>
+          <p:nvPr>
+            <p:ph type="title"/>
+          </p:nvPr>
+        </p:nvSpPr>
+        <p:spPr/>
+        <p:txBody>
+          <a:bodyPr/>
+          <a:lstStyle/>
+          <a:p>
+            <a:r>
+              <a:rPr lang="en-US" dirty="0"/>
+              <a:t>Structure Determination</a:t>
+            </a:r>
+          </a:p>
+        </p:txBody>
+      </p:sp>
+      <p:sp>
+        <p:nvSpPr>
+          <p:cNvPr id="3" name="Content Placeholder 2">
+            <a:extLst>
+              <a:ext uri="{FF2B5EF4-FFF2-40B4-BE49-F238E27FC236}">
+                <a16:creationId xmlns:a16="http://schemas.microsoft.com/office/drawing/2014/main" id="{911D92FC-4ECD-8444-A037-19D59D869246}"/>
+              </a:ext>
+            </a:extLst>
+          </p:cNvPr>
+          <p:cNvSpPr>
+            <a:spLocks noGrp="1"/>
+          </p:cNvSpPr>
+          <p:nvPr>
+            <p:ph idx="1"/>
+          </p:nvPr>
+        </p:nvSpPr>
+        <p:spPr/>
+        <p:txBody>
+          <a:bodyPr/>
+          <a:lstStyle/>
+          <a:p>
+            <a:pPr marL="0" indent="0">
+              <a:buNone/>
+            </a:pPr>
+            <a:r>
+              <a:rPr lang="en-US" dirty="0"/>
+              <a:t>Goal: find matching query template</a:t>
+            </a:r>
+          </a:p>
+          <a:p>
+            <a:pPr marL="0" indent="0">
+              <a:buNone/>
+            </a:pPr>
+            <a:r>
+              <a:rPr lang="en-US" dirty="0"/>
+              <a:t>Offline: build index of all possible query templates</a:t>
+            </a:r>
+          </a:p>
+          <a:p>
+            <a:pPr marL="0" indent="0">
+              <a:buNone/>
+            </a:pPr>
+            <a:r>
+              <a:rPr lang="en-US" dirty="0"/>
+              <a:t>Online: find minimum edit distance query template</a:t>
+            </a:r>
+          </a:p>
+        </p:txBody>
+      </p:sp>
+    </p:spTree>
+    <p:extLst>
+      <p:ext uri="{BB962C8B-B14F-4D97-AF65-F5344CB8AC3E}">
+        <p14:creationId xmlns:p14="http://schemas.microsoft.com/office/powerpoint/2010/main" val="4097716968"/>
+      </p:ext>
+    </p:extLst>
+  </p:cSld>
+  <p:clrMapOvr>
+    <a:masterClrMapping/>
+  </p:clrMapOvr>
+</p:sld>
+</file>
+
+<file path=ppt/slides/slide11.xml><?xml version="1.0" encoding="utf-8"?>
+<p:sld xmlns:a="http://schemas.openxmlformats.org/drawingml/2006/main" xmlns:r="http://schemas.openxmlformats.org/officeDocument/2006/relationships" xmlns:p="http://schemas.openxmlformats.org/presentationml/2006/main">
+  <p:cSld>
+    <p:spTree>
+      <p:nvGrpSpPr>
+        <p:cNvPr id="1" name=""/>
+        <p:cNvGrpSpPr/>
+        <p:nvPr/>
+      </p:nvGrpSpPr>
+      <p:grpSpPr>
+        <a:xfrm>
+          <a:off x="0" y="0"/>
+          <a:ext cx="0" cy="0"/>
+          <a:chOff x="0" y="0"/>
+          <a:chExt cx="0" cy="0"/>
+        </a:xfrm>
+      </p:grpSpPr>
+      <p:sp>
+        <p:nvSpPr>
+          <p:cNvPr id="2" name="Title 1">
+            <a:extLst>
+              <a:ext uri="{FF2B5EF4-FFF2-40B4-BE49-F238E27FC236}">
                 <a16:creationId xmlns:a16="http://schemas.microsoft.com/office/drawing/2014/main" id="{84FA4894-EC48-0C4A-82A9-81E82F73A42B}"/>
               </a:ext>
             </a:extLst>
@@ -4104,7 +4213,7 @@
 </p:sld>
 </file>
 
-<file path=ppt/slides/slide11.xml><?xml version="1.0" encoding="utf-8"?>
+<file path=ppt/slides/slide12.xml><?xml version="1.0" encoding="utf-8"?>
 <p:sld xmlns:a="http://schemas.openxmlformats.org/drawingml/2006/main" xmlns:r="http://schemas.openxmlformats.org/officeDocument/2006/relationships" xmlns:p="http://schemas.openxmlformats.org/presentationml/2006/main">
   <p:cSld>
     <p:spTree>
@@ -4298,252 +4407,6 @@
 </p:sld>
 </file>
 
-<file path=ppt/slides/slide12.xml><?xml version="1.0" encoding="utf-8"?>
-<p:sld xmlns:a="http://schemas.openxmlformats.org/drawingml/2006/main" xmlns:r="http://schemas.openxmlformats.org/officeDocument/2006/relationships" xmlns:p="http://schemas.openxmlformats.org/presentationml/2006/main">
-  <p:cSld>
-    <p:spTree>
-      <p:nvGrpSpPr>
-        <p:cNvPr id="1" name=""/>
-        <p:cNvGrpSpPr/>
-        <p:nvPr/>
-      </p:nvGrpSpPr>
-      <p:grpSpPr>
-        <a:xfrm>
-          <a:off x="0" y="0"/>
-          <a:ext cx="0" cy="0"/>
-          <a:chOff x="0" y="0"/>
-          <a:chExt cx="0" cy="0"/>
-        </a:xfrm>
-      </p:grpSpPr>
-      <p:sp>
-        <p:nvSpPr>
-          <p:cNvPr id="2" name="Title 1">
-            <a:extLst>
-              <a:ext uri="{FF2B5EF4-FFF2-40B4-BE49-F238E27FC236}">
-                <a16:creationId xmlns:a16="http://schemas.microsoft.com/office/drawing/2014/main" id="{9003DC3E-7A4E-5D4A-A75F-4A8720C2058C}"/>
-              </a:ext>
-            </a:extLst>
-          </p:cNvPr>
-          <p:cNvSpPr>
-            <a:spLocks noGrp="1"/>
-          </p:cNvSpPr>
-          <p:nvPr>
-            <p:ph type="title"/>
-          </p:nvPr>
-        </p:nvSpPr>
-        <p:spPr/>
-        <p:txBody>
-          <a:bodyPr/>
-          <a:lstStyle/>
-          <a:p>
-            <a:r>
-              <a:rPr lang="en-US" dirty="0"/>
-              <a:t>Literal Determination</a:t>
-            </a:r>
-          </a:p>
-        </p:txBody>
-      </p:sp>
-      <p:sp>
-        <p:nvSpPr>
-          <p:cNvPr id="3" name="Content Placeholder 2">
-            <a:extLst>
-              <a:ext uri="{FF2B5EF4-FFF2-40B4-BE49-F238E27FC236}">
-                <a16:creationId xmlns:a16="http://schemas.microsoft.com/office/drawing/2014/main" id="{911D92FC-4ECD-8444-A037-19D59D869246}"/>
-              </a:ext>
-            </a:extLst>
-          </p:cNvPr>
-          <p:cNvSpPr>
-            <a:spLocks noGrp="1"/>
-          </p:cNvSpPr>
-          <p:nvPr>
-            <p:ph idx="1"/>
-          </p:nvPr>
-        </p:nvSpPr>
-        <p:spPr/>
-        <p:txBody>
-          <a:bodyPr>
-            <a:normAutofit/>
-          </a:bodyPr>
-          <a:lstStyle/>
-          <a:p>
-            <a:pPr marL="0" indent="0">
-              <a:buNone/>
-            </a:pPr>
-            <a:r>
-              <a:rPr lang="en-US" sz="2400" dirty="0"/>
-              <a:t>Fill in variables in query template based on sounds-like-ness</a:t>
-            </a:r>
-          </a:p>
-          <a:p>
-            <a:pPr marL="0" indent="0" algn="ctr">
-              <a:buNone/>
-            </a:pPr>
-            <a:r>
-              <a:rPr lang="en-US" sz="2000" dirty="0">
-                <a:latin typeface="Consolas" panose="020B0609020204030204" pitchFamily="49" charset="0"/>
-                <a:cs typeface="Consolas" panose="020B0609020204030204" pitchFamily="49" charset="0"/>
-              </a:rPr>
-              <a:t>“select first name from employers wear col one two equal </a:t>
-            </a:r>
-            <a:r>
-              <a:rPr lang="en-US" sz="2000" dirty="0" err="1">
-                <a:latin typeface="Consolas" panose="020B0609020204030204" pitchFamily="49" charset="0"/>
-                <a:cs typeface="Consolas" panose="020B0609020204030204" pitchFamily="49" charset="0"/>
-              </a:rPr>
-              <a:t>jon</a:t>
-            </a:r>
-            <a:r>
-              <a:rPr lang="en-US" sz="2000" dirty="0">
-                <a:latin typeface="Consolas" panose="020B0609020204030204" pitchFamily="49" charset="0"/>
-                <a:cs typeface="Consolas" panose="020B0609020204030204" pitchFamily="49" charset="0"/>
-              </a:rPr>
-              <a:t>”</a:t>
-            </a:r>
-          </a:p>
-          <a:p>
-            <a:pPr marL="0" indent="0" algn="ctr">
-              <a:buNone/>
-            </a:pPr>
-            <a:r>
-              <a:rPr lang="en-US" sz="2000" dirty="0">
-                <a:latin typeface="Consolas" panose="020B0609020204030204" pitchFamily="49" charset="0"/>
-                <a:cs typeface="Consolas" panose="020B0609020204030204" pitchFamily="49" charset="0"/>
-              </a:rPr>
-              <a:t>SELECT v1 FROM v2 WHERE v3 = v4</a:t>
-            </a:r>
-          </a:p>
-          <a:p>
-            <a:pPr marL="0" indent="0">
-              <a:buNone/>
-            </a:pPr>
-            <a:endParaRPr lang="en-US" sz="2400" dirty="0"/>
-          </a:p>
-          <a:p>
-            <a:pPr marL="0" indent="0">
-              <a:buNone/>
-            </a:pPr>
-            <a:r>
-              <a:rPr lang="en-US" sz="2400" dirty="0"/>
-              <a:t>Ideas</a:t>
-            </a:r>
-          </a:p>
-          <a:p>
-            <a:pPr marL="514350" indent="-514350">
-              <a:buAutoNum type="arabicPeriod"/>
-            </a:pPr>
-            <a:r>
-              <a:rPr lang="en-US" sz="2400" dirty="0"/>
-              <a:t>Translate all tokens &amp; values into phonemes. </a:t>
-            </a:r>
-            <a:r>
-              <a:rPr lang="en-US" sz="2400" dirty="0">
-                <a:solidFill>
-                  <a:schemeClr val="bg1">
-                    <a:lumMod val="50000"/>
-                  </a:schemeClr>
-                </a:solidFill>
-              </a:rPr>
-              <a:t>Employees </a:t>
-            </a:r>
-            <a:r>
-              <a:rPr lang="en-US" sz="2400" dirty="0">
-                <a:solidFill>
-                  <a:schemeClr val="bg1">
-                    <a:lumMod val="50000"/>
-                  </a:schemeClr>
-                </a:solidFill>
-                <a:sym typeface="Wingdings" pitchFamily="2" charset="2"/>
-              </a:rPr>
-              <a:t> EMPLYS</a:t>
-            </a:r>
-          </a:p>
-          <a:p>
-            <a:pPr marL="514350" indent="-514350">
-              <a:buAutoNum type="arabicPeriod"/>
-            </a:pPr>
-            <a:r>
-              <a:rPr lang="en-US" sz="2400" dirty="0">
-                <a:sym typeface="Wingdings" pitchFamily="2" charset="2"/>
-              </a:rPr>
-              <a:t>Infer variable types from grammar.  </a:t>
-            </a:r>
-            <a:r>
-              <a:rPr lang="en-US" sz="2400" dirty="0">
-                <a:solidFill>
-                  <a:schemeClr val="bg1">
-                    <a:lumMod val="50000"/>
-                  </a:schemeClr>
-                </a:solidFill>
-                <a:sym typeface="Wingdings" pitchFamily="2" charset="2"/>
-              </a:rPr>
-              <a:t>v1 is </a:t>
-            </a:r>
-            <a:r>
-              <a:rPr lang="en-US" sz="2400" dirty="0" err="1">
-                <a:solidFill>
-                  <a:schemeClr val="bg1">
-                    <a:lumMod val="50000"/>
-                  </a:schemeClr>
-                </a:solidFill>
-                <a:sym typeface="Wingdings" pitchFamily="2" charset="2"/>
-              </a:rPr>
-              <a:t>attr</a:t>
-            </a:r>
-            <a:r>
-              <a:rPr lang="en-US" sz="2400" dirty="0">
-                <a:solidFill>
-                  <a:schemeClr val="bg1">
-                    <a:lumMod val="50000"/>
-                  </a:schemeClr>
-                </a:solidFill>
-                <a:sym typeface="Wingdings" pitchFamily="2" charset="2"/>
-              </a:rPr>
-              <a:t>, v2 is table</a:t>
-            </a:r>
-          </a:p>
-          <a:p>
-            <a:pPr marL="514350" indent="-514350">
-              <a:buAutoNum type="arabicPeriod"/>
-            </a:pPr>
-            <a:r>
-              <a:rPr lang="en-US" sz="2400" dirty="0">
-                <a:sym typeface="Wingdings" pitchFamily="2" charset="2"/>
-              </a:rPr>
-              <a:t>Know tokens to variable mappings.  </a:t>
-            </a:r>
-            <a:r>
-              <a:rPr lang="en-US" sz="2400" dirty="0">
-                <a:solidFill>
-                  <a:schemeClr val="bg1">
-                    <a:lumMod val="50000"/>
-                  </a:schemeClr>
-                </a:solidFill>
-                <a:sym typeface="Wingdings" pitchFamily="2" charset="2"/>
-              </a:rPr>
-              <a:t>“first name”  v1</a:t>
-            </a:r>
-          </a:p>
-          <a:p>
-            <a:pPr marL="0" indent="0">
-              <a:buNone/>
-            </a:pPr>
-            <a:endParaRPr lang="en-US" sz="2400" dirty="0"/>
-          </a:p>
-        </p:txBody>
-      </p:sp>
-    </p:spTree>
-    <p:extLst>
-      <p:ext uri="{BB962C8B-B14F-4D97-AF65-F5344CB8AC3E}">
-        <p14:creationId xmlns:p14="http://schemas.microsoft.com/office/powerpoint/2010/main" val="2033292324"/>
-      </p:ext>
-    </p:extLst>
-  </p:cSld>
-  <p:clrMapOvr>
-    <a:masterClrMapping/>
-  </p:clrMapOvr>
-</p:sld>
-</file>
-
 <file path=ppt/slides/slide13.xml><?xml version="1.0" encoding="utf-8"?>
 <p:sld xmlns:a="http://schemas.openxmlformats.org/drawingml/2006/main" xmlns:r="http://schemas.openxmlformats.org/officeDocument/2006/relationships" xmlns:p="http://schemas.openxmlformats.org/presentationml/2006/main">
   <p:cSld>
@@ -4566,6 +4429,252 @@
           <p:cNvPr id="2" name="Title 1">
             <a:extLst>
               <a:ext uri="{FF2B5EF4-FFF2-40B4-BE49-F238E27FC236}">
+                <a16:creationId xmlns:a16="http://schemas.microsoft.com/office/drawing/2014/main" id="{9003DC3E-7A4E-5D4A-A75F-4A8720C2058C}"/>
+              </a:ext>
+            </a:extLst>
+          </p:cNvPr>
+          <p:cNvSpPr>
+            <a:spLocks noGrp="1"/>
+          </p:cNvSpPr>
+          <p:nvPr>
+            <p:ph type="title"/>
+          </p:nvPr>
+        </p:nvSpPr>
+        <p:spPr/>
+        <p:txBody>
+          <a:bodyPr/>
+          <a:lstStyle/>
+          <a:p>
+            <a:r>
+              <a:rPr lang="en-US" dirty="0"/>
+              <a:t>Literal Determination</a:t>
+            </a:r>
+          </a:p>
+        </p:txBody>
+      </p:sp>
+      <p:sp>
+        <p:nvSpPr>
+          <p:cNvPr id="3" name="Content Placeholder 2">
+            <a:extLst>
+              <a:ext uri="{FF2B5EF4-FFF2-40B4-BE49-F238E27FC236}">
+                <a16:creationId xmlns:a16="http://schemas.microsoft.com/office/drawing/2014/main" id="{911D92FC-4ECD-8444-A037-19D59D869246}"/>
+              </a:ext>
+            </a:extLst>
+          </p:cNvPr>
+          <p:cNvSpPr>
+            <a:spLocks noGrp="1"/>
+          </p:cNvSpPr>
+          <p:nvPr>
+            <p:ph idx="1"/>
+          </p:nvPr>
+        </p:nvSpPr>
+        <p:spPr/>
+        <p:txBody>
+          <a:bodyPr>
+            <a:normAutofit/>
+          </a:bodyPr>
+          <a:lstStyle/>
+          <a:p>
+            <a:pPr marL="0" indent="0">
+              <a:buNone/>
+            </a:pPr>
+            <a:r>
+              <a:rPr lang="en-US" sz="2400" dirty="0"/>
+              <a:t>Fill in variables in query template based on sounds-like-ness</a:t>
+            </a:r>
+          </a:p>
+          <a:p>
+            <a:pPr marL="0" indent="0" algn="ctr">
+              <a:buNone/>
+            </a:pPr>
+            <a:r>
+              <a:rPr lang="en-US" sz="2000" dirty="0">
+                <a:latin typeface="Consolas" panose="020B0609020204030204" pitchFamily="49" charset="0"/>
+                <a:cs typeface="Consolas" panose="020B0609020204030204" pitchFamily="49" charset="0"/>
+              </a:rPr>
+              <a:t>“select first name from employers wear col one two equal </a:t>
+            </a:r>
+            <a:r>
+              <a:rPr lang="en-US" sz="2000" dirty="0" err="1">
+                <a:latin typeface="Consolas" panose="020B0609020204030204" pitchFamily="49" charset="0"/>
+                <a:cs typeface="Consolas" panose="020B0609020204030204" pitchFamily="49" charset="0"/>
+              </a:rPr>
+              <a:t>jon</a:t>
+            </a:r>
+            <a:r>
+              <a:rPr lang="en-US" sz="2000" dirty="0">
+                <a:latin typeface="Consolas" panose="020B0609020204030204" pitchFamily="49" charset="0"/>
+                <a:cs typeface="Consolas" panose="020B0609020204030204" pitchFamily="49" charset="0"/>
+              </a:rPr>
+              <a:t>”</a:t>
+            </a:r>
+          </a:p>
+          <a:p>
+            <a:pPr marL="0" indent="0" algn="ctr">
+              <a:buNone/>
+            </a:pPr>
+            <a:r>
+              <a:rPr lang="en-US" sz="2000" dirty="0">
+                <a:latin typeface="Consolas" panose="020B0609020204030204" pitchFamily="49" charset="0"/>
+                <a:cs typeface="Consolas" panose="020B0609020204030204" pitchFamily="49" charset="0"/>
+              </a:rPr>
+              <a:t>SELECT v1 FROM v2 WHERE v3 = v4</a:t>
+            </a:r>
+          </a:p>
+          <a:p>
+            <a:pPr marL="0" indent="0">
+              <a:buNone/>
+            </a:pPr>
+            <a:endParaRPr lang="en-US" sz="2400" dirty="0"/>
+          </a:p>
+          <a:p>
+            <a:pPr marL="0" indent="0">
+              <a:buNone/>
+            </a:pPr>
+            <a:r>
+              <a:rPr lang="en-US" sz="2400" dirty="0"/>
+              <a:t>Ideas</a:t>
+            </a:r>
+          </a:p>
+          <a:p>
+            <a:pPr marL="514350" indent="-514350">
+              <a:buAutoNum type="arabicPeriod"/>
+            </a:pPr>
+            <a:r>
+              <a:rPr lang="en-US" sz="2400" dirty="0"/>
+              <a:t>Translate all tokens &amp; values into phonemes. </a:t>
+            </a:r>
+            <a:r>
+              <a:rPr lang="en-US" sz="2400" dirty="0">
+                <a:solidFill>
+                  <a:schemeClr val="bg1">
+                    <a:lumMod val="50000"/>
+                  </a:schemeClr>
+                </a:solidFill>
+              </a:rPr>
+              <a:t>Employees </a:t>
+            </a:r>
+            <a:r>
+              <a:rPr lang="en-US" sz="2400" dirty="0">
+                <a:solidFill>
+                  <a:schemeClr val="bg1">
+                    <a:lumMod val="50000"/>
+                  </a:schemeClr>
+                </a:solidFill>
+                <a:sym typeface="Wingdings" pitchFamily="2" charset="2"/>
+              </a:rPr>
+              <a:t> EMPLYS</a:t>
+            </a:r>
+          </a:p>
+          <a:p>
+            <a:pPr marL="514350" indent="-514350">
+              <a:buAutoNum type="arabicPeriod"/>
+            </a:pPr>
+            <a:r>
+              <a:rPr lang="en-US" sz="2400" dirty="0">
+                <a:sym typeface="Wingdings" pitchFamily="2" charset="2"/>
+              </a:rPr>
+              <a:t>Infer variable types from grammar.  </a:t>
+            </a:r>
+            <a:r>
+              <a:rPr lang="en-US" sz="2400" dirty="0">
+                <a:solidFill>
+                  <a:schemeClr val="bg1">
+                    <a:lumMod val="50000"/>
+                  </a:schemeClr>
+                </a:solidFill>
+                <a:sym typeface="Wingdings" pitchFamily="2" charset="2"/>
+              </a:rPr>
+              <a:t>v1 is </a:t>
+            </a:r>
+            <a:r>
+              <a:rPr lang="en-US" sz="2400" dirty="0" err="1">
+                <a:solidFill>
+                  <a:schemeClr val="bg1">
+                    <a:lumMod val="50000"/>
+                  </a:schemeClr>
+                </a:solidFill>
+                <a:sym typeface="Wingdings" pitchFamily="2" charset="2"/>
+              </a:rPr>
+              <a:t>attr</a:t>
+            </a:r>
+            <a:r>
+              <a:rPr lang="en-US" sz="2400" dirty="0">
+                <a:solidFill>
+                  <a:schemeClr val="bg1">
+                    <a:lumMod val="50000"/>
+                  </a:schemeClr>
+                </a:solidFill>
+                <a:sym typeface="Wingdings" pitchFamily="2" charset="2"/>
+              </a:rPr>
+              <a:t>, v2 is table</a:t>
+            </a:r>
+          </a:p>
+          <a:p>
+            <a:pPr marL="514350" indent="-514350">
+              <a:buAutoNum type="arabicPeriod"/>
+            </a:pPr>
+            <a:r>
+              <a:rPr lang="en-US" sz="2400" dirty="0">
+                <a:sym typeface="Wingdings" pitchFamily="2" charset="2"/>
+              </a:rPr>
+              <a:t>Know tokens to variable mappings.  </a:t>
+            </a:r>
+            <a:r>
+              <a:rPr lang="en-US" sz="2400" dirty="0">
+                <a:solidFill>
+                  <a:schemeClr val="bg1">
+                    <a:lumMod val="50000"/>
+                  </a:schemeClr>
+                </a:solidFill>
+                <a:sym typeface="Wingdings" pitchFamily="2" charset="2"/>
+              </a:rPr>
+              <a:t>“first name”  v1</a:t>
+            </a:r>
+          </a:p>
+          <a:p>
+            <a:pPr marL="0" indent="0">
+              <a:buNone/>
+            </a:pPr>
+            <a:endParaRPr lang="en-US" sz="2400" dirty="0"/>
+          </a:p>
+        </p:txBody>
+      </p:sp>
+    </p:spTree>
+    <p:extLst>
+      <p:ext uri="{BB962C8B-B14F-4D97-AF65-F5344CB8AC3E}">
+        <p14:creationId xmlns:p14="http://schemas.microsoft.com/office/powerpoint/2010/main" val="2033292324"/>
+      </p:ext>
+    </p:extLst>
+  </p:cSld>
+  <p:clrMapOvr>
+    <a:masterClrMapping/>
+  </p:clrMapOvr>
+</p:sld>
+</file>
+
+<file path=ppt/slides/slide14.xml><?xml version="1.0" encoding="utf-8"?>
+<p:sld xmlns:a="http://schemas.openxmlformats.org/drawingml/2006/main" xmlns:r="http://schemas.openxmlformats.org/officeDocument/2006/relationships" xmlns:p="http://schemas.openxmlformats.org/presentationml/2006/main">
+  <p:cSld>
+    <p:spTree>
+      <p:nvGrpSpPr>
+        <p:cNvPr id="1" name=""/>
+        <p:cNvGrpSpPr/>
+        <p:nvPr/>
+      </p:nvGrpSpPr>
+      <p:grpSpPr>
+        <a:xfrm>
+          <a:off x="0" y="0"/>
+          <a:ext cx="0" cy="0"/>
+          <a:chOff x="0" y="0"/>
+          <a:chExt cx="0" cy="0"/>
+        </a:xfrm>
+      </p:grpSpPr>
+      <p:sp>
+        <p:nvSpPr>
+          <p:cNvPr id="2" name="Title 1">
+            <a:extLst>
+              <a:ext uri="{FF2B5EF4-FFF2-40B4-BE49-F238E27FC236}">
                 <a16:creationId xmlns:a16="http://schemas.microsoft.com/office/drawing/2014/main" id="{E06E78FB-10EB-FC42-ABEE-004CDF41B040}"/>
               </a:ext>
             </a:extLst>
@@ -4782,7 +4891,7 @@
 </p:sld>
 </file>
 
-<file path=ppt/slides/slide14.xml><?xml version="1.0" encoding="utf-8"?>
+<file path=ppt/slides/slide15.xml><?xml version="1.0" encoding="utf-8"?>
 <p:sld xmlns:a="http://schemas.openxmlformats.org/drawingml/2006/main" xmlns:r="http://schemas.openxmlformats.org/officeDocument/2006/relationships" xmlns:p="http://schemas.openxmlformats.org/presentationml/2006/main">
   <p:cSld>
     <p:spTree>
@@ -4947,7 +5056,7 @@
 </p:sld>
 </file>
 
-<file path=ppt/slides/slide15.xml><?xml version="1.0" encoding="utf-8"?>
+<file path=ppt/slides/slide16.xml><?xml version="1.0" encoding="utf-8"?>
 <p:sld xmlns:a="http://schemas.openxmlformats.org/drawingml/2006/main" xmlns:r="http://schemas.openxmlformats.org/officeDocument/2006/relationships" xmlns:p="http://schemas.openxmlformats.org/presentationml/2006/main">
   <p:cSld>
     <p:spTree>
@@ -5147,7 +5256,7 @@
 </p:sld>
 </file>
 
-<file path=ppt/slides/slide16.xml><?xml version="1.0" encoding="utf-8"?>
+<file path=ppt/slides/slide17.xml><?xml version="1.0" encoding="utf-8"?>
 <p:sld xmlns:a="http://schemas.openxmlformats.org/drawingml/2006/main" xmlns:r="http://schemas.openxmlformats.org/officeDocument/2006/relationships" xmlns:p="http://schemas.openxmlformats.org/presentationml/2006/main">
   <p:cSld>
     <p:spTree>
@@ -5354,134 +5463,6 @@
 </p:sld>
 </file>
 
-<file path=ppt/slides/slide17.xml><?xml version="1.0" encoding="utf-8"?>
-<p:sld xmlns:a="http://schemas.openxmlformats.org/drawingml/2006/main" xmlns:r="http://schemas.openxmlformats.org/officeDocument/2006/relationships" xmlns:p="http://schemas.openxmlformats.org/presentationml/2006/main">
-  <p:cSld>
-    <p:spTree>
-      <p:nvGrpSpPr>
-        <p:cNvPr id="1" name=""/>
-        <p:cNvGrpSpPr/>
-        <p:nvPr/>
-      </p:nvGrpSpPr>
-      <p:grpSpPr>
-        <a:xfrm>
-          <a:off x="0" y="0"/>
-          <a:ext cx="0" cy="0"/>
-          <a:chOff x="0" y="0"/>
-          <a:chExt cx="0" cy="0"/>
-        </a:xfrm>
-      </p:grpSpPr>
-      <p:sp>
-        <p:nvSpPr>
-          <p:cNvPr id="2" name="Title 1">
-            <a:extLst>
-              <a:ext uri="{FF2B5EF4-FFF2-40B4-BE49-F238E27FC236}">
-                <a16:creationId xmlns:a16="http://schemas.microsoft.com/office/drawing/2014/main" id="{265AFA25-BD29-CE4F-87BA-9ACE2C495EFA}"/>
-              </a:ext>
-            </a:extLst>
-          </p:cNvPr>
-          <p:cNvSpPr>
-            <a:spLocks noGrp="1"/>
-          </p:cNvSpPr>
-          <p:nvPr>
-            <p:ph type="title"/>
-          </p:nvPr>
-        </p:nvSpPr>
-        <p:spPr/>
-        <p:txBody>
-          <a:bodyPr/>
-          <a:lstStyle/>
-          <a:p>
-            <a:r>
-              <a:rPr lang="en-US" dirty="0"/>
-              <a:t>Conclusions</a:t>
-            </a:r>
-          </a:p>
-        </p:txBody>
-      </p:sp>
-      <p:sp>
-        <p:nvSpPr>
-          <p:cNvPr id="3" name="Content Placeholder 2">
-            <a:extLst>
-              <a:ext uri="{FF2B5EF4-FFF2-40B4-BE49-F238E27FC236}">
-                <a16:creationId xmlns:a16="http://schemas.microsoft.com/office/drawing/2014/main" id="{ED688E06-46D7-3B4F-B191-D10136816594}"/>
-              </a:ext>
-            </a:extLst>
-          </p:cNvPr>
-          <p:cNvSpPr>
-            <a:spLocks noGrp="1"/>
-          </p:cNvSpPr>
-          <p:nvPr>
-            <p:ph idx="1"/>
-          </p:nvPr>
-        </p:nvSpPr>
-        <p:spPr/>
-        <p:txBody>
-          <a:bodyPr/>
-          <a:lstStyle/>
-          <a:p>
-            <a:pPr marL="0" indent="0">
-              <a:buNone/>
-            </a:pPr>
-            <a:r>
-              <a:rPr lang="en-US" dirty="0" err="1"/>
-              <a:t>SpeakQL</a:t>
-            </a:r>
-            <a:r>
-              <a:rPr lang="en-US" dirty="0"/>
-              <a:t> works</a:t>
-            </a:r>
-          </a:p>
-          <a:p>
-            <a:pPr marL="0" indent="0">
-              <a:buNone/>
-            </a:pPr>
-            <a:r>
-              <a:rPr lang="en-US" dirty="0"/>
-              <a:t>Hard to compose entire query at once.  Users think in “clauses”</a:t>
-            </a:r>
-          </a:p>
-          <a:p>
-            <a:pPr marL="0" indent="0">
-              <a:buNone/>
-            </a:pPr>
-            <a:r>
-              <a:rPr lang="en-US" dirty="0"/>
-              <a:t>Hard to disambiguate values – </a:t>
-            </a:r>
-            <a:r>
-              <a:rPr lang="en-US" dirty="0" err="1"/>
-              <a:t>esp</a:t>
-            </a:r>
-            <a:r>
-              <a:rPr lang="en-US" dirty="0"/>
-              <a:t> numbers and dates</a:t>
-            </a:r>
-          </a:p>
-          <a:p>
-            <a:pPr marL="0" indent="0">
-              <a:buNone/>
-            </a:pPr>
-            <a:r>
-              <a:rPr lang="en-US" dirty="0"/>
-              <a:t>Better than mobile keyboard typing.  </a:t>
-            </a:r>
-          </a:p>
-        </p:txBody>
-      </p:sp>
-    </p:spTree>
-    <p:extLst>
-      <p:ext uri="{BB962C8B-B14F-4D97-AF65-F5344CB8AC3E}">
-        <p14:creationId xmlns:p14="http://schemas.microsoft.com/office/powerpoint/2010/main" val="45419394"/>
-      </p:ext>
-    </p:extLst>
-  </p:cSld>
-  <p:clrMapOvr>
-    <a:masterClrMapping/>
-  </p:clrMapOvr>
-</p:sld>
-</file>
-
 <file path=ppt/slides/slide18.xml><?xml version="1.0" encoding="utf-8"?>
 <p:sld xmlns:a="http://schemas.openxmlformats.org/drawingml/2006/main" xmlns:r="http://schemas.openxmlformats.org/officeDocument/2006/relationships" xmlns:p="http://schemas.openxmlformats.org/presentationml/2006/main">
   <p:cSld>
@@ -5501,56 +5482,106 @@
       </p:grpSpPr>
       <p:sp>
         <p:nvSpPr>
-          <p:cNvPr id="4" name="Title 3"/>
-          <p:cNvSpPr>
-            <a:spLocks noGrp="1"/>
-          </p:cNvSpPr>
-          <p:nvPr>
-            <p:ph type="ctrTitle"/>
-          </p:nvPr>
-        </p:nvSpPr>
-        <p:spPr/>
-        <p:txBody>
-          <a:bodyPr/>
-          <a:lstStyle/>
-          <a:p>
+          <p:cNvPr id="2" name="Title 1">
+            <a:extLst>
+              <a:ext uri="{FF2B5EF4-FFF2-40B4-BE49-F238E27FC236}">
+                <a16:creationId xmlns:a16="http://schemas.microsoft.com/office/drawing/2014/main" id="{265AFA25-BD29-CE4F-87BA-9ACE2C495EFA}"/>
+              </a:ext>
+            </a:extLst>
+          </p:cNvPr>
+          <p:cNvSpPr>
+            <a:spLocks noGrp="1"/>
+          </p:cNvSpPr>
+          <p:nvPr>
+            <p:ph type="title"/>
+          </p:nvPr>
+        </p:nvSpPr>
+        <p:spPr/>
+        <p:txBody>
+          <a:bodyPr/>
+          <a:lstStyle/>
+          <a:p>
+            <a:r>
+              <a:rPr lang="en-US" dirty="0"/>
+              <a:t>Conclusions</a:t>
+            </a:r>
+          </a:p>
+        </p:txBody>
+      </p:sp>
+      <p:sp>
+        <p:nvSpPr>
+          <p:cNvPr id="3" name="Content Placeholder 2">
+            <a:extLst>
+              <a:ext uri="{FF2B5EF4-FFF2-40B4-BE49-F238E27FC236}">
+                <a16:creationId xmlns:a16="http://schemas.microsoft.com/office/drawing/2014/main" id="{ED688E06-46D7-3B4F-B191-D10136816594}"/>
+              </a:ext>
+            </a:extLst>
+          </p:cNvPr>
+          <p:cNvSpPr>
+            <a:spLocks noGrp="1"/>
+          </p:cNvSpPr>
+          <p:nvPr>
+            <p:ph idx="1"/>
+          </p:nvPr>
+        </p:nvSpPr>
+        <p:spPr/>
+        <p:txBody>
+          <a:bodyPr/>
+          <a:lstStyle/>
+          <a:p>
+            <a:pPr marL="0" indent="0">
+              <a:buNone/>
+            </a:pPr>
             <a:r>
               <a:rPr lang="en-US" dirty="0" err="1"/>
               <a:t>SpeakQL</a:t>
             </a:r>
-            <a:br>
-              <a:rPr lang="en-US" dirty="0"/>
-            </a:br>
-            <a:r>
-              <a:rPr lang="en-US" dirty="0"/>
-              <a:t>Discussion</a:t>
-            </a:r>
-          </a:p>
-        </p:txBody>
-      </p:sp>
-      <p:sp>
-        <p:nvSpPr>
-          <p:cNvPr id="5" name="Subtitle 4"/>
-          <p:cNvSpPr>
-            <a:spLocks noGrp="1"/>
-          </p:cNvSpPr>
-          <p:nvPr>
-            <p:ph type="subTitle" idx="1"/>
-          </p:nvPr>
-        </p:nvSpPr>
-        <p:spPr/>
-        <p:txBody>
-          <a:bodyPr/>
-          <a:lstStyle/>
-          <a:p>
-            <a:endParaRPr lang="en-US"/>
+            <a:r>
+              <a:rPr lang="en-US" dirty="0"/>
+              <a:t> works</a:t>
+            </a:r>
+          </a:p>
+          <a:p>
+            <a:pPr marL="0" indent="0">
+              <a:buNone/>
+            </a:pPr>
+            <a:r>
+              <a:rPr lang="en-US" dirty="0"/>
+              <a:t>Hard to compose entire query at once.  Users think in “clauses”</a:t>
+            </a:r>
+          </a:p>
+          <a:p>
+            <a:pPr marL="0" indent="0">
+              <a:buNone/>
+            </a:pPr>
+            <a:r>
+              <a:rPr lang="en-US" dirty="0"/>
+              <a:t>Hard to disambiguate values – </a:t>
+            </a:r>
+            <a:r>
+              <a:rPr lang="en-US" dirty="0" err="1"/>
+              <a:t>esp</a:t>
+            </a:r>
+            <a:r>
+              <a:rPr lang="en-US" dirty="0"/>
+              <a:t> numbers and dates</a:t>
+            </a:r>
+          </a:p>
+          <a:p>
+            <a:pPr marL="0" indent="0">
+              <a:buNone/>
+            </a:pPr>
+            <a:r>
+              <a:rPr lang="en-US" dirty="0"/>
+              <a:t>Better than mobile keyboard typing.  </a:t>
+            </a:r>
           </a:p>
         </p:txBody>
       </p:sp>
     </p:spTree>
     <p:extLst>
       <p:ext uri="{BB962C8B-B14F-4D97-AF65-F5344CB8AC3E}">
-        <p14:creationId xmlns:p14="http://schemas.microsoft.com/office/powerpoint/2010/main" val="3587159258"/>
+        <p14:creationId xmlns:p14="http://schemas.microsoft.com/office/powerpoint/2010/main" val="45419394"/>
       </p:ext>
     </p:extLst>
   </p:cSld>
@@ -5579,191 +5610,56 @@
       </p:grpSpPr>
       <p:sp>
         <p:nvSpPr>
-          <p:cNvPr id="2" name="Title 1"/>
-          <p:cNvSpPr>
-            <a:spLocks noGrp="1"/>
-          </p:cNvSpPr>
-          <p:nvPr>
-            <p:ph type="title"/>
-          </p:nvPr>
-        </p:nvSpPr>
-        <p:spPr/>
-        <p:txBody>
-          <a:bodyPr/>
-          <a:lstStyle/>
-          <a:p>
-            <a:r>
-              <a:rPr lang="en-US" dirty="0"/>
-              <a:t>4 classes of questions</a:t>
-            </a:r>
-          </a:p>
-        </p:txBody>
-      </p:sp>
-      <p:pic>
-        <p:nvPicPr>
-          <p:cNvPr id="4" name="Content Placeholder 3"/>
-          <p:cNvPicPr>
-            <a:picLocks noGrp="1" noChangeAspect="1"/>
-          </p:cNvPicPr>
-          <p:nvPr>
-            <p:ph idx="1"/>
-          </p:nvPr>
-        </p:nvPicPr>
-        <p:blipFill>
-          <a:blip r:embed="rId3"/>
-          <a:stretch>
-            <a:fillRect/>
-          </a:stretch>
-        </p:blipFill>
-        <p:spPr>
-          <a:xfrm>
-            <a:off x="77442" y="1778972"/>
-            <a:ext cx="6264635" cy="4351338"/>
-          </a:xfrm>
-          <a:prstGeom prst="rect">
-            <a:avLst/>
-          </a:prstGeom>
-        </p:spPr>
-      </p:pic>
-      <p:sp>
-        <p:nvSpPr>
-          <p:cNvPr id="5" name="TextBox 4"/>
-          <p:cNvSpPr txBox="1"/>
-          <p:nvPr/>
-        </p:nvSpPr>
-        <p:spPr>
-          <a:xfrm>
-            <a:off x="6719198" y="2136710"/>
-            <a:ext cx="4668907" cy="369332"/>
-          </a:xfrm>
-          <a:prstGeom prst="rect">
-            <a:avLst/>
-          </a:prstGeom>
-          <a:noFill/>
-        </p:spPr>
-        <p:txBody>
-          <a:bodyPr wrap="none" rtlCol="0">
-            <a:spAutoFit/>
-          </a:bodyPr>
-          <a:lstStyle/>
-          <a:p>
-            <a:r>
-              <a:rPr lang="en-US" dirty="0">
-                <a:latin typeface="Arial" panose="020B0604020202020204" pitchFamily="34" charset="0"/>
-                <a:cs typeface="Arial" panose="020B0604020202020204" pitchFamily="34" charset="0"/>
-              </a:rPr>
-              <a:t>Wrong problem.  Misunderstood user needs</a:t>
-            </a:r>
-          </a:p>
-        </p:txBody>
-      </p:sp>
-      <p:sp>
-        <p:nvSpPr>
-          <p:cNvPr id="6" name="TextBox 5"/>
-          <p:cNvSpPr txBox="1"/>
-          <p:nvPr/>
-        </p:nvSpPr>
-        <p:spPr>
-          <a:xfrm>
-            <a:off x="6719198" y="2910349"/>
-            <a:ext cx="5073734" cy="369332"/>
-          </a:xfrm>
-          <a:prstGeom prst="rect">
-            <a:avLst/>
-          </a:prstGeom>
-          <a:noFill/>
-        </p:spPr>
-        <p:txBody>
-          <a:bodyPr wrap="square" rtlCol="0">
-            <a:spAutoFit/>
-          </a:bodyPr>
-          <a:lstStyle/>
-          <a:p>
-            <a:pPr algn="l"/>
-            <a:r>
-              <a:rPr lang="en-US" dirty="0">
-                <a:latin typeface="Arial" panose="020B0604020202020204" pitchFamily="34" charset="0"/>
-                <a:cs typeface="Arial" panose="020B0604020202020204" pitchFamily="34" charset="0"/>
-              </a:rPr>
-              <a:t>Wrong abstraction.  Showing the wrong thing</a:t>
-            </a:r>
-          </a:p>
-        </p:txBody>
-      </p:sp>
-      <p:sp>
-        <p:nvSpPr>
-          <p:cNvPr id="7" name="TextBox 6"/>
-          <p:cNvSpPr txBox="1"/>
-          <p:nvPr/>
-        </p:nvSpPr>
-        <p:spPr>
-          <a:xfrm>
-            <a:off x="6712786" y="3638748"/>
-            <a:ext cx="3758401" cy="369332"/>
-          </a:xfrm>
-          <a:prstGeom prst="rect">
-            <a:avLst/>
-          </a:prstGeom>
-          <a:noFill/>
-        </p:spPr>
-        <p:txBody>
-          <a:bodyPr wrap="none" rtlCol="0">
-            <a:spAutoFit/>
-          </a:bodyPr>
-          <a:lstStyle/>
-          <a:p>
-            <a:pPr algn="l"/>
-            <a:r>
-              <a:rPr lang="en-US" dirty="0">
-                <a:latin typeface="Arial" panose="020B0604020202020204" pitchFamily="34" charset="0"/>
-                <a:cs typeface="Arial" panose="020B0604020202020204" pitchFamily="34" charset="0"/>
-              </a:rPr>
-              <a:t>The way to show data is ineffective</a:t>
-            </a:r>
-            <a:endParaRPr lang="en-US" i="1" dirty="0">
-              <a:latin typeface="Arial" panose="020B0604020202020204" pitchFamily="34" charset="0"/>
-              <a:cs typeface="Arial" panose="020B0604020202020204" pitchFamily="34" charset="0"/>
-            </a:endParaRPr>
-          </a:p>
-        </p:txBody>
-      </p:sp>
-      <p:sp>
-        <p:nvSpPr>
-          <p:cNvPr id="8" name="TextBox 7"/>
-          <p:cNvSpPr txBox="1"/>
-          <p:nvPr/>
-        </p:nvSpPr>
-        <p:spPr>
-          <a:xfrm>
-            <a:off x="6712786" y="4331551"/>
-            <a:ext cx="2185214" cy="369332"/>
-          </a:xfrm>
-          <a:prstGeom prst="rect">
-            <a:avLst/>
-          </a:prstGeom>
-          <a:noFill/>
-        </p:spPr>
-        <p:txBody>
-          <a:bodyPr wrap="none" rtlCol="0">
-            <a:spAutoFit/>
-          </a:bodyPr>
-          <a:lstStyle/>
-          <a:p>
-            <a:pPr algn="l"/>
-            <a:r>
-              <a:rPr lang="en-US" dirty="0">
-                <a:latin typeface="Arial" panose="020B0604020202020204" pitchFamily="34" charset="0"/>
-                <a:cs typeface="Arial" panose="020B0604020202020204" pitchFamily="34" charset="0"/>
-              </a:rPr>
-              <a:t>Code is slow/buggy</a:t>
-            </a:r>
+          <p:cNvPr id="4" name="Title 3"/>
+          <p:cNvSpPr>
+            <a:spLocks noGrp="1"/>
+          </p:cNvSpPr>
+          <p:nvPr>
+            <p:ph type="ctrTitle"/>
+          </p:nvPr>
+        </p:nvSpPr>
+        <p:spPr/>
+        <p:txBody>
+          <a:bodyPr/>
+          <a:lstStyle/>
+          <a:p>
+            <a:r>
+              <a:rPr lang="en-US" dirty="0" err="1"/>
+              <a:t>SpeakQL</a:t>
+            </a:r>
+            <a:br>
+              <a:rPr lang="en-US" dirty="0"/>
+            </a:br>
+            <a:r>
+              <a:rPr lang="en-US" dirty="0"/>
+              <a:t>Discussion</a:t>
+            </a:r>
+          </a:p>
+        </p:txBody>
+      </p:sp>
+      <p:sp>
+        <p:nvSpPr>
+          <p:cNvPr id="5" name="Subtitle 4"/>
+          <p:cNvSpPr>
+            <a:spLocks noGrp="1"/>
+          </p:cNvSpPr>
+          <p:nvPr>
+            <p:ph type="subTitle" idx="1"/>
+          </p:nvPr>
+        </p:nvSpPr>
+        <p:spPr/>
+        <p:txBody>
+          <a:bodyPr/>
+          <a:lstStyle/>
+          <a:p>
+            <a:endParaRPr lang="en-US"/>
           </a:p>
         </p:txBody>
       </p:sp>
     </p:spTree>
     <p:extLst>
       <p:ext uri="{BB962C8B-B14F-4D97-AF65-F5344CB8AC3E}">
-        <p14:creationId xmlns:p14="http://schemas.microsoft.com/office/powerpoint/2010/main" val="1192279575"/>
+        <p14:creationId xmlns:p14="http://schemas.microsoft.com/office/powerpoint/2010/main" val="3587159258"/>
       </p:ext>
     </p:extLst>
   </p:cSld>
@@ -5864,13 +5760,7 @@
       </p:grpSpPr>
       <p:sp>
         <p:nvSpPr>
-          <p:cNvPr id="2" name="Title 1">
-            <a:extLst>
-              <a:ext uri="{FF2B5EF4-FFF2-40B4-BE49-F238E27FC236}">
-                <a16:creationId xmlns:a16="http://schemas.microsoft.com/office/drawing/2014/main" id="{26AD56F2-CFA3-8C4D-9E3C-71D30B60BC69}"/>
-              </a:ext>
-            </a:extLst>
-          </p:cNvPr>
+          <p:cNvPr id="2" name="Title 1"/>
           <p:cNvSpPr>
             <a:spLocks noGrp="1"/>
           </p:cNvSpPr>
@@ -5885,97 +5775,176 @@
           <a:p>
             <a:r>
               <a:rPr lang="en-US" dirty="0"/>
-              <a:t>Thoughts on problem &amp; abstraction?</a:t>
-            </a:r>
-          </a:p>
-        </p:txBody>
-      </p:sp>
-      <p:sp>
-        <p:nvSpPr>
-          <p:cNvPr id="3" name="Content Placeholder 2">
-            <a:extLst>
-              <a:ext uri="{FF2B5EF4-FFF2-40B4-BE49-F238E27FC236}">
-                <a16:creationId xmlns:a16="http://schemas.microsoft.com/office/drawing/2014/main" id="{1291255F-522E-8643-B521-7C2FF9D092AA}"/>
-              </a:ext>
-            </a:extLst>
-          </p:cNvPr>
-          <p:cNvSpPr>
-            <a:spLocks noGrp="1"/>
-          </p:cNvSpPr>
+              <a:t>4 classes of questions</a:t>
+            </a:r>
+          </a:p>
+        </p:txBody>
+      </p:sp>
+      <p:pic>
+        <p:nvPicPr>
+          <p:cNvPr id="4" name="Content Placeholder 3"/>
+          <p:cNvPicPr>
+            <a:picLocks noGrp="1" noChangeAspect="1"/>
+          </p:cNvPicPr>
           <p:nvPr>
             <p:ph idx="1"/>
           </p:nvPr>
-        </p:nvSpPr>
-        <p:spPr/>
-        <p:txBody>
-          <a:bodyPr/>
-          <a:lstStyle/>
-          <a:p>
-            <a:pPr marL="0" indent="0">
-              <a:buNone/>
-            </a:pPr>
-            <a:r>
-              <a:rPr lang="en-US" dirty="0"/>
-              <a:t>Use case: </a:t>
-            </a:r>
-          </a:p>
-          <a:p>
-            <a:r>
-              <a:rPr lang="en-US" dirty="0"/>
-              <a:t>what do people want when querying data on-the-go?</a:t>
-            </a:r>
-          </a:p>
-          <a:p>
-            <a:pPr marL="0" indent="0">
-              <a:buNone/>
-            </a:pPr>
-            <a:endParaRPr lang="en-US" dirty="0"/>
-          </a:p>
-          <a:p>
-            <a:pPr marL="0" indent="0">
-              <a:buNone/>
-            </a:pPr>
-            <a:r>
-              <a:rPr lang="en-US" dirty="0"/>
-              <a:t>Is speaking SQL the best way to query on-the-go?</a:t>
-            </a:r>
-          </a:p>
-          <a:p>
-            <a:pPr marL="0" indent="0">
-              <a:buNone/>
-            </a:pPr>
-            <a:endParaRPr lang="en-US" dirty="0"/>
-          </a:p>
-          <a:p>
-            <a:pPr marL="0" indent="0">
-              <a:buNone/>
-            </a:pPr>
-            <a:r>
-              <a:rPr lang="en-US" dirty="0"/>
-              <a:t>Improvements/Alternatives?</a:t>
-            </a:r>
-          </a:p>
-          <a:p>
-            <a:r>
-              <a:rPr lang="en-US" dirty="0"/>
-              <a:t>Mobile-friendly SQL keyboard?</a:t>
-            </a:r>
-          </a:p>
-          <a:p>
-            <a:r>
-              <a:rPr lang="en-US" dirty="0"/>
-              <a:t>Custom app/visual analytics</a:t>
-            </a:r>
-          </a:p>
-          <a:p>
-            <a:endParaRPr lang="en-US" dirty="0"/>
+        </p:nvPicPr>
+        <p:blipFill>
+          <a:blip r:embed="rId3"/>
+          <a:stretch>
+            <a:fillRect/>
+          </a:stretch>
+        </p:blipFill>
+        <p:spPr>
+          <a:xfrm>
+            <a:off x="77442" y="1778972"/>
+            <a:ext cx="6264635" cy="4351338"/>
+          </a:xfrm>
+          <a:prstGeom prst="rect">
+            <a:avLst/>
+          </a:prstGeom>
+        </p:spPr>
+      </p:pic>
+      <p:sp>
+        <p:nvSpPr>
+          <p:cNvPr id="5" name="TextBox 4"/>
+          <p:cNvSpPr txBox="1"/>
+          <p:nvPr/>
+        </p:nvSpPr>
+        <p:spPr>
+          <a:xfrm>
+            <a:off x="6719198" y="2136710"/>
+            <a:ext cx="4668907" cy="369332"/>
+          </a:xfrm>
+          <a:prstGeom prst="rect">
+            <a:avLst/>
+          </a:prstGeom>
+          <a:noFill/>
+        </p:spPr>
+        <p:txBody>
+          <a:bodyPr wrap="none" rtlCol="0">
+            <a:spAutoFit/>
+          </a:bodyPr>
+          <a:lstStyle/>
+          <a:p>
+            <a:r>
+              <a:rPr lang="en-US" dirty="0">
+                <a:latin typeface="Arial" panose="020B0604020202020204" pitchFamily="34" charset="0"/>
+                <a:cs typeface="Arial" panose="020B0604020202020204" pitchFamily="34" charset="0"/>
+              </a:rPr>
+              <a:t>Wrong problem.  Misunderstood user needs</a:t>
+            </a:r>
+          </a:p>
+        </p:txBody>
+      </p:sp>
+      <p:sp>
+        <p:nvSpPr>
+          <p:cNvPr id="6" name="TextBox 5"/>
+          <p:cNvSpPr txBox="1"/>
+          <p:nvPr/>
+        </p:nvSpPr>
+        <p:spPr>
+          <a:xfrm>
+            <a:off x="6719198" y="2910349"/>
+            <a:ext cx="5073734" cy="369332"/>
+          </a:xfrm>
+          <a:prstGeom prst="rect">
+            <a:avLst/>
+          </a:prstGeom>
+          <a:noFill/>
+        </p:spPr>
+        <p:txBody>
+          <a:bodyPr wrap="square" rtlCol="0">
+            <a:spAutoFit/>
+          </a:bodyPr>
+          <a:lstStyle/>
+          <a:p>
+            <a:pPr algn="l"/>
+            <a:r>
+              <a:rPr lang="en-US" dirty="0">
+                <a:latin typeface="Arial" panose="020B0604020202020204" pitchFamily="34" charset="0"/>
+                <a:cs typeface="Arial" panose="020B0604020202020204" pitchFamily="34" charset="0"/>
+              </a:rPr>
+              <a:t>Wrong abstraction.  Showing the wrong thing</a:t>
+            </a:r>
+          </a:p>
+        </p:txBody>
+      </p:sp>
+      <p:sp>
+        <p:nvSpPr>
+          <p:cNvPr id="7" name="TextBox 6"/>
+          <p:cNvSpPr txBox="1"/>
+          <p:nvPr/>
+        </p:nvSpPr>
+        <p:spPr>
+          <a:xfrm>
+            <a:off x="6712786" y="3638748"/>
+            <a:ext cx="3758401" cy="369332"/>
+          </a:xfrm>
+          <a:prstGeom prst="rect">
+            <a:avLst/>
+          </a:prstGeom>
+          <a:noFill/>
+        </p:spPr>
+        <p:txBody>
+          <a:bodyPr wrap="none" rtlCol="0">
+            <a:spAutoFit/>
+          </a:bodyPr>
+          <a:lstStyle/>
+          <a:p>
+            <a:pPr algn="l"/>
+            <a:r>
+              <a:rPr lang="en-US" dirty="0">
+                <a:latin typeface="Arial" panose="020B0604020202020204" pitchFamily="34" charset="0"/>
+                <a:cs typeface="Arial" panose="020B0604020202020204" pitchFamily="34" charset="0"/>
+              </a:rPr>
+              <a:t>The way to show data is ineffective</a:t>
+            </a:r>
+            <a:endParaRPr lang="en-US" i="1" dirty="0">
+              <a:latin typeface="Arial" panose="020B0604020202020204" pitchFamily="34" charset="0"/>
+              <a:cs typeface="Arial" panose="020B0604020202020204" pitchFamily="34" charset="0"/>
+            </a:endParaRPr>
+          </a:p>
+        </p:txBody>
+      </p:sp>
+      <p:sp>
+        <p:nvSpPr>
+          <p:cNvPr id="8" name="TextBox 7"/>
+          <p:cNvSpPr txBox="1"/>
+          <p:nvPr/>
+        </p:nvSpPr>
+        <p:spPr>
+          <a:xfrm>
+            <a:off x="6712786" y="4331551"/>
+            <a:ext cx="2185214" cy="369332"/>
+          </a:xfrm>
+          <a:prstGeom prst="rect">
+            <a:avLst/>
+          </a:prstGeom>
+          <a:noFill/>
+        </p:spPr>
+        <p:txBody>
+          <a:bodyPr wrap="none" rtlCol="0">
+            <a:spAutoFit/>
+          </a:bodyPr>
+          <a:lstStyle/>
+          <a:p>
+            <a:pPr algn="l"/>
+            <a:r>
+              <a:rPr lang="en-US" dirty="0">
+                <a:latin typeface="Arial" panose="020B0604020202020204" pitchFamily="34" charset="0"/>
+                <a:cs typeface="Arial" panose="020B0604020202020204" pitchFamily="34" charset="0"/>
+              </a:rPr>
+              <a:t>Code is slow/buggy</a:t>
+            </a:r>
           </a:p>
         </p:txBody>
       </p:sp>
     </p:spTree>
     <p:extLst>
       <p:ext uri="{BB962C8B-B14F-4D97-AF65-F5344CB8AC3E}">
-        <p14:creationId xmlns:p14="http://schemas.microsoft.com/office/powerpoint/2010/main" val="2392439923"/>
+        <p14:creationId xmlns:p14="http://schemas.microsoft.com/office/powerpoint/2010/main" val="1192279575"/>
       </p:ext>
     </p:extLst>
   </p:cSld>
@@ -6007,7 +5976,7 @@
           <p:cNvPr id="2" name="Title 1">
             <a:extLst>
               <a:ext uri="{FF2B5EF4-FFF2-40B4-BE49-F238E27FC236}">
-                <a16:creationId xmlns:a16="http://schemas.microsoft.com/office/drawing/2014/main" id="{F1DA22FF-F88B-264C-80F2-DA4D5E1B8563}"/>
+                <a16:creationId xmlns:a16="http://schemas.microsoft.com/office/drawing/2014/main" id="{26AD56F2-CFA3-8C4D-9E3C-71D30B60BC69}"/>
               </a:ext>
             </a:extLst>
           </p:cNvPr>
@@ -6025,179 +5994,97 @@
           <a:p>
             <a:r>
               <a:rPr lang="en-US" dirty="0"/>
-              <a:t>Issues with </a:t>
-            </a:r>
-            <a:r>
-              <a:rPr lang="en-US" dirty="0" err="1"/>
-              <a:t>SpeakQL</a:t>
-            </a:r>
+              <a:t>Thoughts on problem &amp; abstraction?</a:t>
+            </a:r>
+          </a:p>
+        </p:txBody>
+      </p:sp>
+      <p:sp>
+        <p:nvSpPr>
+          <p:cNvPr id="3" name="Content Placeholder 2">
+            <a:extLst>
+              <a:ext uri="{FF2B5EF4-FFF2-40B4-BE49-F238E27FC236}">
+                <a16:creationId xmlns:a16="http://schemas.microsoft.com/office/drawing/2014/main" id="{1291255F-522E-8643-B521-7C2FF9D092AA}"/>
+              </a:ext>
+            </a:extLst>
+          </p:cNvPr>
+          <p:cNvSpPr>
+            <a:spLocks noGrp="1"/>
+          </p:cNvSpPr>
+          <p:nvPr>
+            <p:ph idx="1"/>
+          </p:nvPr>
+        </p:nvSpPr>
+        <p:spPr/>
+        <p:txBody>
+          <a:bodyPr/>
+          <a:lstStyle/>
+          <a:p>
+            <a:pPr marL="0" indent="0">
+              <a:buNone/>
+            </a:pPr>
+            <a:r>
+              <a:rPr lang="en-US" dirty="0"/>
+              <a:t>Use case: </a:t>
+            </a:r>
+          </a:p>
+          <a:p>
+            <a:r>
+              <a:rPr lang="en-US" dirty="0"/>
+              <a:t>what do people want when querying data on-the-go?</a:t>
+            </a:r>
+          </a:p>
+          <a:p>
+            <a:pPr marL="0" indent="0">
+              <a:buNone/>
+            </a:pPr>
             <a:endParaRPr lang="en-US" dirty="0"/>
           </a:p>
-        </p:txBody>
-      </p:sp>
-      <p:sp>
-        <p:nvSpPr>
-          <p:cNvPr id="3" name="Content Placeholder 2">
-            <a:extLst>
-              <a:ext uri="{FF2B5EF4-FFF2-40B4-BE49-F238E27FC236}">
-                <a16:creationId xmlns:a16="http://schemas.microsoft.com/office/drawing/2014/main" id="{E4F9C65B-5D94-F142-8581-48EB1A4A232C}"/>
-              </a:ext>
-            </a:extLst>
-          </p:cNvPr>
-          <p:cNvSpPr>
-            <a:spLocks noGrp="1"/>
-          </p:cNvSpPr>
-          <p:nvPr>
-            <p:ph idx="1"/>
-          </p:nvPr>
-        </p:nvSpPr>
-        <p:spPr/>
-        <p:txBody>
-          <a:bodyPr>
-            <a:normAutofit/>
-          </a:bodyPr>
-          <a:lstStyle/>
           <a:p>
             <a:pPr marL="0" indent="0">
               <a:buNone/>
             </a:pPr>
             <a:r>
-              <a:rPr lang="en-US" sz="2400" dirty="0"/>
-              <a:t>Expressiveness</a:t>
-            </a:r>
-          </a:p>
-          <a:p>
-            <a:r>
-              <a:rPr lang="en-US" sz="2400" dirty="0"/>
-              <a:t>Select-Project-Join-Aggregate (up to 50 tokens)</a:t>
-            </a:r>
-          </a:p>
-          <a:p>
-            <a:r>
-              <a:rPr lang="en-US" sz="2400" dirty="0"/>
-              <a:t>Challenges if richer language?</a:t>
-            </a:r>
-          </a:p>
-          <a:p>
-            <a:pPr lvl="1"/>
-            <a:r>
-              <a:rPr lang="en-US" sz="2000" dirty="0"/>
-              <a:t>debugging query structure harder if nesting is wrong</a:t>
+              <a:rPr lang="en-US" dirty="0"/>
+              <a:t>Is speaking SQL the best way to query on-the-go?</a:t>
             </a:r>
           </a:p>
           <a:p>
             <a:pPr marL="0" indent="0">
               <a:buNone/>
             </a:pPr>
-            <a:endParaRPr lang="en-US" sz="2400" dirty="0"/>
+            <a:endParaRPr lang="en-US" dirty="0"/>
           </a:p>
           <a:p>
             <a:pPr marL="0" indent="0">
               <a:buNone/>
             </a:pPr>
             <a:r>
-              <a:rPr lang="en-US" sz="2400" dirty="0"/>
-              <a:t>Intuitiveness</a:t>
-            </a:r>
-          </a:p>
-          <a:p>
-            <a:r>
-              <a:rPr lang="en-US" sz="2400" dirty="0"/>
-              <a:t>Easy to “debug” query?</a:t>
-            </a:r>
-          </a:p>
-          <a:p>
-            <a:r>
-              <a:rPr lang="en-US" sz="2400" dirty="0"/>
-              <a:t>Need to say “comma” in “SELECT a, b”</a:t>
-            </a:r>
-          </a:p>
-          <a:p>
-            <a:pPr marL="0" indent="0">
-              <a:buNone/>
-            </a:pPr>
-            <a:endParaRPr lang="en-US" sz="2400" dirty="0"/>
-          </a:p>
-          <a:p>
-            <a:pPr marL="0" indent="0">
-              <a:buNone/>
-            </a:pPr>
-            <a:endParaRPr lang="en-US" sz="2400" dirty="0"/>
-          </a:p>
-        </p:txBody>
-      </p:sp>
-      <p:pic>
-        <p:nvPicPr>
-          <p:cNvPr id="4" name="Picture 3">
-            <a:extLst>
-              <a:ext uri="{FF2B5EF4-FFF2-40B4-BE49-F238E27FC236}">
-                <a16:creationId xmlns:a16="http://schemas.microsoft.com/office/drawing/2014/main" id="{5DDAC664-B095-5844-851D-DCA999A048B8}"/>
-              </a:ext>
-            </a:extLst>
-          </p:cNvPr>
-          <p:cNvPicPr>
-            <a:picLocks noChangeAspect="1"/>
-          </p:cNvPicPr>
-          <p:nvPr/>
-        </p:nvPicPr>
-        <p:blipFill rotWithShape="1">
-          <a:blip r:embed="rId2"/>
-          <a:srcRect l="10027"/>
-          <a:stretch/>
-        </p:blipFill>
-        <p:spPr>
-          <a:xfrm>
-            <a:off x="8204022" y="3429000"/>
-            <a:ext cx="3876286" cy="3277731"/>
-          </a:xfrm>
-          <a:prstGeom prst="rect">
-            <a:avLst/>
-          </a:prstGeom>
-        </p:spPr>
-      </p:pic>
-      <p:sp>
-        <p:nvSpPr>
-          <p:cNvPr id="5" name="TextBox 4">
-            <a:extLst>
-              <a:ext uri="{FF2B5EF4-FFF2-40B4-BE49-F238E27FC236}">
-                <a16:creationId xmlns:a16="http://schemas.microsoft.com/office/drawing/2014/main" id="{705D16F0-3C0C-0743-AE3B-9FE0F1DFC382}"/>
-              </a:ext>
-            </a:extLst>
-          </p:cNvPr>
-          <p:cNvSpPr txBox="1"/>
-          <p:nvPr/>
-        </p:nvSpPr>
-        <p:spPr>
-          <a:xfrm>
-            <a:off x="8606280" y="3094008"/>
-            <a:ext cx="3474028" cy="400110"/>
-          </a:xfrm>
-          <a:prstGeom prst="rect">
-            <a:avLst/>
-          </a:prstGeom>
-          <a:noFill/>
-        </p:spPr>
-        <p:txBody>
-          <a:bodyPr wrap="none" rtlCol="0">
-            <a:spAutoFit/>
-          </a:bodyPr>
-          <a:lstStyle/>
-          <a:p>
-            <a:pPr algn="l"/>
-            <a:r>
-              <a:rPr lang="en-US" sz="2000" dirty="0">
-                <a:latin typeface="Arial" panose="020B0604020202020204" pitchFamily="34" charset="0"/>
-                <a:cs typeface="Arial" panose="020B0604020202020204" pitchFamily="34" charset="0"/>
-              </a:rPr>
-              <a:t>% time spent using keyboard</a:t>
-            </a:r>
+              <a:rPr lang="en-US" dirty="0"/>
+              <a:t>Improvements/Alternatives?</a:t>
+            </a:r>
+          </a:p>
+          <a:p>
+            <a:r>
+              <a:rPr lang="en-US" dirty="0"/>
+              <a:t>Mobile-friendly SQL keyboard?</a:t>
+            </a:r>
+          </a:p>
+          <a:p>
+            <a:r>
+              <a:rPr lang="en-US" dirty="0"/>
+              <a:t>Custom app/visual analytics</a:t>
+            </a:r>
+          </a:p>
+          <a:p>
+            <a:endParaRPr lang="en-US" dirty="0"/>
           </a:p>
         </p:txBody>
       </p:sp>
     </p:spTree>
     <p:extLst>
       <p:ext uri="{BB962C8B-B14F-4D97-AF65-F5344CB8AC3E}">
-        <p14:creationId xmlns:p14="http://schemas.microsoft.com/office/powerpoint/2010/main" val="2218323273"/>
+        <p14:creationId xmlns:p14="http://schemas.microsoft.com/office/powerpoint/2010/main" val="2392439923"/>
       </p:ext>
     </p:extLst>
   </p:cSld>
@@ -6229,6 +6116,228 @@
           <p:cNvPr id="2" name="Title 1">
             <a:extLst>
               <a:ext uri="{FF2B5EF4-FFF2-40B4-BE49-F238E27FC236}">
+                <a16:creationId xmlns:a16="http://schemas.microsoft.com/office/drawing/2014/main" id="{F1DA22FF-F88B-264C-80F2-DA4D5E1B8563}"/>
+              </a:ext>
+            </a:extLst>
+          </p:cNvPr>
+          <p:cNvSpPr>
+            <a:spLocks noGrp="1"/>
+          </p:cNvSpPr>
+          <p:nvPr>
+            <p:ph type="title"/>
+          </p:nvPr>
+        </p:nvSpPr>
+        <p:spPr/>
+        <p:txBody>
+          <a:bodyPr/>
+          <a:lstStyle/>
+          <a:p>
+            <a:r>
+              <a:rPr lang="en-US" dirty="0"/>
+              <a:t>Issues with </a:t>
+            </a:r>
+            <a:r>
+              <a:rPr lang="en-US" dirty="0" err="1"/>
+              <a:t>SpeakQL</a:t>
+            </a:r>
+            <a:endParaRPr lang="en-US" dirty="0"/>
+          </a:p>
+        </p:txBody>
+      </p:sp>
+      <p:sp>
+        <p:nvSpPr>
+          <p:cNvPr id="3" name="Content Placeholder 2">
+            <a:extLst>
+              <a:ext uri="{FF2B5EF4-FFF2-40B4-BE49-F238E27FC236}">
+                <a16:creationId xmlns:a16="http://schemas.microsoft.com/office/drawing/2014/main" id="{E4F9C65B-5D94-F142-8581-48EB1A4A232C}"/>
+              </a:ext>
+            </a:extLst>
+          </p:cNvPr>
+          <p:cNvSpPr>
+            <a:spLocks noGrp="1"/>
+          </p:cNvSpPr>
+          <p:nvPr>
+            <p:ph idx="1"/>
+          </p:nvPr>
+        </p:nvSpPr>
+        <p:spPr/>
+        <p:txBody>
+          <a:bodyPr>
+            <a:normAutofit/>
+          </a:bodyPr>
+          <a:lstStyle/>
+          <a:p>
+            <a:pPr marL="0" indent="0">
+              <a:buNone/>
+            </a:pPr>
+            <a:r>
+              <a:rPr lang="en-US" sz="2400" dirty="0"/>
+              <a:t>Expressiveness</a:t>
+            </a:r>
+          </a:p>
+          <a:p>
+            <a:r>
+              <a:rPr lang="en-US" sz="2400" dirty="0"/>
+              <a:t>Select-Project-Join-Aggregate (up to 50 tokens)</a:t>
+            </a:r>
+          </a:p>
+          <a:p>
+            <a:r>
+              <a:rPr lang="en-US" sz="2400" dirty="0"/>
+              <a:t>Challenges if richer language?</a:t>
+            </a:r>
+          </a:p>
+          <a:p>
+            <a:pPr lvl="1"/>
+            <a:r>
+              <a:rPr lang="en-US" sz="2000" dirty="0"/>
+              <a:t>debugging query structure harder if nesting is wrong</a:t>
+            </a:r>
+          </a:p>
+          <a:p>
+            <a:pPr marL="0" indent="0">
+              <a:buNone/>
+            </a:pPr>
+            <a:endParaRPr lang="en-US" sz="2400" dirty="0"/>
+          </a:p>
+          <a:p>
+            <a:pPr marL="0" indent="0">
+              <a:buNone/>
+            </a:pPr>
+            <a:r>
+              <a:rPr lang="en-US" sz="2400" dirty="0"/>
+              <a:t>Intuitiveness</a:t>
+            </a:r>
+          </a:p>
+          <a:p>
+            <a:r>
+              <a:rPr lang="en-US" sz="2400" dirty="0"/>
+              <a:t>Easy to “debug” query?</a:t>
+            </a:r>
+          </a:p>
+          <a:p>
+            <a:r>
+              <a:rPr lang="en-US" sz="2400" dirty="0"/>
+              <a:t>Need to say “comma” in “SELECT a, b”</a:t>
+            </a:r>
+          </a:p>
+          <a:p>
+            <a:pPr marL="0" indent="0">
+              <a:buNone/>
+            </a:pPr>
+            <a:endParaRPr lang="en-US" sz="2400" dirty="0"/>
+          </a:p>
+          <a:p>
+            <a:pPr marL="0" indent="0">
+              <a:buNone/>
+            </a:pPr>
+            <a:endParaRPr lang="en-US" sz="2400" dirty="0"/>
+          </a:p>
+        </p:txBody>
+      </p:sp>
+      <p:pic>
+        <p:nvPicPr>
+          <p:cNvPr id="4" name="Picture 3">
+            <a:extLst>
+              <a:ext uri="{FF2B5EF4-FFF2-40B4-BE49-F238E27FC236}">
+                <a16:creationId xmlns:a16="http://schemas.microsoft.com/office/drawing/2014/main" id="{5DDAC664-B095-5844-851D-DCA999A048B8}"/>
+              </a:ext>
+            </a:extLst>
+          </p:cNvPr>
+          <p:cNvPicPr>
+            <a:picLocks noChangeAspect="1"/>
+          </p:cNvPicPr>
+          <p:nvPr/>
+        </p:nvPicPr>
+        <p:blipFill rotWithShape="1">
+          <a:blip r:embed="rId2"/>
+          <a:srcRect l="10027"/>
+          <a:stretch/>
+        </p:blipFill>
+        <p:spPr>
+          <a:xfrm>
+            <a:off x="8204022" y="3429000"/>
+            <a:ext cx="3876286" cy="3277731"/>
+          </a:xfrm>
+          <a:prstGeom prst="rect">
+            <a:avLst/>
+          </a:prstGeom>
+        </p:spPr>
+      </p:pic>
+      <p:sp>
+        <p:nvSpPr>
+          <p:cNvPr id="5" name="TextBox 4">
+            <a:extLst>
+              <a:ext uri="{FF2B5EF4-FFF2-40B4-BE49-F238E27FC236}">
+                <a16:creationId xmlns:a16="http://schemas.microsoft.com/office/drawing/2014/main" id="{705D16F0-3C0C-0743-AE3B-9FE0F1DFC382}"/>
+              </a:ext>
+            </a:extLst>
+          </p:cNvPr>
+          <p:cNvSpPr txBox="1"/>
+          <p:nvPr/>
+        </p:nvSpPr>
+        <p:spPr>
+          <a:xfrm>
+            <a:off x="8606280" y="3094008"/>
+            <a:ext cx="3474028" cy="400110"/>
+          </a:xfrm>
+          <a:prstGeom prst="rect">
+            <a:avLst/>
+          </a:prstGeom>
+          <a:noFill/>
+        </p:spPr>
+        <p:txBody>
+          <a:bodyPr wrap="none" rtlCol="0">
+            <a:spAutoFit/>
+          </a:bodyPr>
+          <a:lstStyle/>
+          <a:p>
+            <a:pPr algn="l"/>
+            <a:r>
+              <a:rPr lang="en-US" sz="2000" dirty="0">
+                <a:latin typeface="Arial" panose="020B0604020202020204" pitchFamily="34" charset="0"/>
+                <a:cs typeface="Arial" panose="020B0604020202020204" pitchFamily="34" charset="0"/>
+              </a:rPr>
+              <a:t>% time spent using keyboard</a:t>
+            </a:r>
+          </a:p>
+        </p:txBody>
+      </p:sp>
+    </p:spTree>
+    <p:extLst>
+      <p:ext uri="{BB962C8B-B14F-4D97-AF65-F5344CB8AC3E}">
+        <p14:creationId xmlns:p14="http://schemas.microsoft.com/office/powerpoint/2010/main" val="2218323273"/>
+      </p:ext>
+    </p:extLst>
+  </p:cSld>
+  <p:clrMapOvr>
+    <a:masterClrMapping/>
+  </p:clrMapOvr>
+</p:sld>
+</file>
+
+<file path=ppt/slides/slide23.xml><?xml version="1.0" encoding="utf-8"?>
+<p:sld xmlns:a="http://schemas.openxmlformats.org/drawingml/2006/main" xmlns:r="http://schemas.openxmlformats.org/officeDocument/2006/relationships" xmlns:p="http://schemas.openxmlformats.org/presentationml/2006/main">
+  <p:cSld>
+    <p:spTree>
+      <p:nvGrpSpPr>
+        <p:cNvPr id="1" name=""/>
+        <p:cNvGrpSpPr/>
+        <p:nvPr/>
+      </p:nvGrpSpPr>
+      <p:grpSpPr>
+        <a:xfrm>
+          <a:off x="0" y="0"/>
+          <a:ext cx="0" cy="0"/>
+          <a:chOff x="0" y="0"/>
+          <a:chExt cx="0" cy="0"/>
+        </a:xfrm>
+      </p:grpSpPr>
+      <p:sp>
+        <p:nvSpPr>
+          <p:cNvPr id="2" name="Title 1">
+            <a:extLst>
+              <a:ext uri="{FF2B5EF4-FFF2-40B4-BE49-F238E27FC236}">
                 <a16:creationId xmlns:a16="http://schemas.microsoft.com/office/drawing/2014/main" id="{BF2B8CB8-398D-1242-8468-5B36737ECCE5}"/>
               </a:ext>
             </a:extLst>
@@ -6314,6 +6423,178 @@
     <p:extLst>
       <p:ext uri="{BB962C8B-B14F-4D97-AF65-F5344CB8AC3E}">
         <p14:creationId xmlns:p14="http://schemas.microsoft.com/office/powerpoint/2010/main" val="422553386"/>
+      </p:ext>
+    </p:extLst>
+  </p:cSld>
+  <p:clrMapOvr>
+    <a:masterClrMapping/>
+  </p:clrMapOvr>
+</p:sld>
+</file>
+
+<file path=ppt/slides/slide24.xml><?xml version="1.0" encoding="utf-8"?>
+<p:sld xmlns:a="http://schemas.openxmlformats.org/drawingml/2006/main" xmlns:r="http://schemas.openxmlformats.org/officeDocument/2006/relationships" xmlns:p="http://schemas.openxmlformats.org/presentationml/2006/main">
+  <p:cSld>
+    <p:spTree>
+      <p:nvGrpSpPr>
+        <p:cNvPr id="1" name=""/>
+        <p:cNvGrpSpPr/>
+        <p:nvPr/>
+      </p:nvGrpSpPr>
+      <p:grpSpPr>
+        <a:xfrm>
+          <a:off x="0" y="0"/>
+          <a:ext cx="0" cy="0"/>
+          <a:chOff x="0" y="0"/>
+          <a:chExt cx="0" cy="0"/>
+        </a:xfrm>
+      </p:grpSpPr>
+      <p:sp>
+        <p:nvSpPr>
+          <p:cNvPr id="2" name="Title 1">
+            <a:extLst>
+              <a:ext uri="{FF2B5EF4-FFF2-40B4-BE49-F238E27FC236}">
+                <a16:creationId xmlns:a16="http://schemas.microsoft.com/office/drawing/2014/main" id="{DBC06354-BA2C-E04C-BA41-7982413A545E}"/>
+              </a:ext>
+            </a:extLst>
+          </p:cNvPr>
+          <p:cNvSpPr>
+            <a:spLocks noGrp="1"/>
+          </p:cNvSpPr>
+          <p:nvPr>
+            <p:ph type="title"/>
+          </p:nvPr>
+        </p:nvSpPr>
+        <p:spPr/>
+        <p:txBody>
+          <a:bodyPr/>
+          <a:lstStyle/>
+          <a:p>
+            <a:r>
+              <a:rPr lang="en-US" dirty="0" err="1"/>
+              <a:t>GestureQuery</a:t>
+            </a:r>
+            <a:r>
+              <a:rPr lang="en-US" dirty="0"/>
+              <a:t>, </a:t>
+            </a:r>
+            <a:r>
+              <a:rPr lang="en-US" dirty="0" err="1"/>
+              <a:t>SpeakQL</a:t>
+            </a:r>
+            <a:r>
+              <a:rPr lang="en-US" dirty="0"/>
+              <a:t>  </a:t>
+            </a:r>
+          </a:p>
+        </p:txBody>
+      </p:sp>
+      <p:sp>
+        <p:nvSpPr>
+          <p:cNvPr id="3" name="Content Placeholder 2">
+            <a:extLst>
+              <a:ext uri="{FF2B5EF4-FFF2-40B4-BE49-F238E27FC236}">
+                <a16:creationId xmlns:a16="http://schemas.microsoft.com/office/drawing/2014/main" id="{D059E54E-6B31-1146-8134-AF2C0260679B}"/>
+              </a:ext>
+            </a:extLst>
+          </p:cNvPr>
+          <p:cNvSpPr>
+            <a:spLocks noGrp="1"/>
+          </p:cNvSpPr>
+          <p:nvPr>
+            <p:ph idx="1"/>
+          </p:nvPr>
+        </p:nvSpPr>
+        <p:spPr/>
+        <p:txBody>
+          <a:bodyPr>
+            <a:normAutofit fontScale="92500" lnSpcReduction="20000"/>
+          </a:bodyPr>
+          <a:lstStyle/>
+          <a:p>
+            <a:pPr marL="0" indent="0">
+              <a:buNone/>
+            </a:pPr>
+            <a:r>
+              <a:rPr lang="en-US" dirty="0"/>
+              <a:t>Both are for simple queries.  </a:t>
+            </a:r>
+          </a:p>
+          <a:p>
+            <a:r>
+              <a:rPr lang="en-US" dirty="0" err="1"/>
+              <a:t>GestureQuery</a:t>
+            </a:r>
+            <a:r>
+              <a:rPr lang="en-US" dirty="0"/>
+              <a:t> for novices, </a:t>
+            </a:r>
+            <a:r>
+              <a:rPr lang="en-US" dirty="0" err="1"/>
+              <a:t>SpeakQL</a:t>
+            </a:r>
+            <a:r>
+              <a:rPr lang="en-US" dirty="0"/>
+              <a:t> for “experts”</a:t>
+            </a:r>
+          </a:p>
+          <a:p>
+            <a:endParaRPr lang="en-US" dirty="0"/>
+          </a:p>
+          <a:p>
+            <a:pPr marL="0" indent="0">
+              <a:buNone/>
+            </a:pPr>
+            <a:r>
+              <a:rPr lang="en-US" dirty="0"/>
+              <a:t>Compare with Tableau</a:t>
+            </a:r>
+          </a:p>
+          <a:p>
+            <a:r>
+              <a:rPr lang="en-US" dirty="0"/>
+              <a:t>Tableau good at visual analytics and filter/aggregation</a:t>
+            </a:r>
+          </a:p>
+          <a:p>
+            <a:r>
+              <a:rPr lang="en-US" dirty="0"/>
+              <a:t>Less good at joins, selection</a:t>
+            </a:r>
+          </a:p>
+          <a:p>
+            <a:endParaRPr lang="en-US" dirty="0"/>
+          </a:p>
+          <a:p>
+            <a:pPr marL="0" indent="0">
+              <a:buNone/>
+            </a:pPr>
+            <a:r>
+              <a:rPr lang="en-US" dirty="0"/>
+              <a:t>Compare with Excel</a:t>
+            </a:r>
+          </a:p>
+          <a:p>
+            <a:r>
+              <a:rPr lang="en-US" dirty="0"/>
+              <a:t>Excel good at projection, simple filters, sort</a:t>
+            </a:r>
+          </a:p>
+          <a:p>
+            <a:r>
+              <a:rPr lang="en-US" dirty="0"/>
+              <a:t>Less good at Joins, complex predicates, aggregation</a:t>
+            </a:r>
+          </a:p>
+          <a:p>
+            <a:endParaRPr lang="en-US" dirty="0"/>
+          </a:p>
+        </p:txBody>
+      </p:sp>
+    </p:spTree>
+    <p:extLst>
+      <p:ext uri="{BB962C8B-B14F-4D97-AF65-F5344CB8AC3E}">
+        <p14:creationId xmlns:p14="http://schemas.microsoft.com/office/powerpoint/2010/main" val="3423473600"/>
       </p:ext>
     </p:extLst>
   </p:cSld>
@@ -6420,50 +6701,84 @@
       </p:grpSpPr>
       <p:sp>
         <p:nvSpPr>
-          <p:cNvPr id="4" name="Title 3"/>
-          <p:cNvSpPr>
-            <a:spLocks noGrp="1"/>
-          </p:cNvSpPr>
-          <p:nvPr>
-            <p:ph type="ctrTitle"/>
-          </p:nvPr>
-        </p:nvSpPr>
-        <p:spPr/>
-        <p:txBody>
-          <a:bodyPr/>
-          <a:lstStyle/>
-          <a:p>
-            <a:r>
-              <a:rPr lang="en-US" dirty="0" err="1"/>
-              <a:t>SpeakQL</a:t>
+          <p:cNvPr id="2" name="Title 1">
+            <a:extLst>
+              <a:ext uri="{FF2B5EF4-FFF2-40B4-BE49-F238E27FC236}">
+                <a16:creationId xmlns:a16="http://schemas.microsoft.com/office/drawing/2014/main" id="{8E4D8CA6-7307-CB47-B0A2-6CD199D2D56F}"/>
+              </a:ext>
+            </a:extLst>
+          </p:cNvPr>
+          <p:cNvSpPr>
+            <a:spLocks noGrp="1"/>
+          </p:cNvSpPr>
+          <p:nvPr>
+            <p:ph type="title"/>
+          </p:nvPr>
+        </p:nvSpPr>
+        <p:spPr/>
+        <p:txBody>
+          <a:bodyPr/>
+          <a:lstStyle/>
+          <a:p>
+            <a:r>
+              <a:rPr lang="en-US" dirty="0"/>
+              <a:t>Experiments</a:t>
+            </a:r>
+          </a:p>
+        </p:txBody>
+      </p:sp>
+      <p:sp>
+        <p:nvSpPr>
+          <p:cNvPr id="3" name="Content Placeholder 2">
+            <a:extLst>
+              <a:ext uri="{FF2B5EF4-FFF2-40B4-BE49-F238E27FC236}">
+                <a16:creationId xmlns:a16="http://schemas.microsoft.com/office/drawing/2014/main" id="{42153E80-D273-E944-9B53-947D5C4CF490}"/>
+              </a:ext>
+            </a:extLst>
+          </p:cNvPr>
+          <p:cNvSpPr>
+            <a:spLocks noGrp="1"/>
+          </p:cNvSpPr>
+          <p:nvPr>
+            <p:ph idx="1"/>
+          </p:nvPr>
+        </p:nvSpPr>
+        <p:spPr/>
+        <p:txBody>
+          <a:bodyPr/>
+          <a:lstStyle/>
+          <a:p>
+            <a:pPr marL="0" indent="0">
+              <a:buNone/>
+            </a:pPr>
+            <a:r>
+              <a:rPr lang="en-US" dirty="0"/>
+              <a:t>What questions do you wish they answered?</a:t>
+            </a:r>
+          </a:p>
+          <a:p>
+            <a:r>
+              <a:rPr lang="en-US" dirty="0"/>
+              <a:t>Discoverability</a:t>
+            </a:r>
+          </a:p>
+          <a:p>
+            <a:r>
+              <a:rPr lang="en-US" dirty="0"/>
+              <a:t>Ease to </a:t>
+            </a:r>
+            <a:r>
+              <a:rPr lang="en-US"/>
+              <a:t>compose queries</a:t>
             </a:r>
             <a:endParaRPr lang="en-US" dirty="0"/>
-          </a:p>
-        </p:txBody>
-      </p:sp>
-      <p:sp>
-        <p:nvSpPr>
-          <p:cNvPr id="5" name="Subtitle 4"/>
-          <p:cNvSpPr>
-            <a:spLocks noGrp="1"/>
-          </p:cNvSpPr>
-          <p:nvPr>
-            <p:ph type="subTitle" idx="1"/>
-          </p:nvPr>
-        </p:nvSpPr>
-        <p:spPr/>
-        <p:txBody>
-          <a:bodyPr/>
-          <a:lstStyle/>
-          <a:p>
-            <a:endParaRPr lang="en-US"/>
           </a:p>
         </p:txBody>
       </p:sp>
     </p:spTree>
     <p:extLst>
       <p:ext uri="{BB962C8B-B14F-4D97-AF65-F5344CB8AC3E}">
-        <p14:creationId xmlns:p14="http://schemas.microsoft.com/office/powerpoint/2010/main" val="501767838"/>
+        <p14:creationId xmlns:p14="http://schemas.microsoft.com/office/powerpoint/2010/main" val="3638113361"/>
       </p:ext>
     </p:extLst>
   </p:cSld>
@@ -6492,113 +6807,50 @@
       </p:grpSpPr>
       <p:sp>
         <p:nvSpPr>
-          <p:cNvPr id="2" name="Title 1">
-            <a:extLst>
-              <a:ext uri="{FF2B5EF4-FFF2-40B4-BE49-F238E27FC236}">
-                <a16:creationId xmlns:a16="http://schemas.microsoft.com/office/drawing/2014/main" id="{7284945E-085F-1C4A-908A-89FD303D059E}"/>
-              </a:ext>
-            </a:extLst>
-          </p:cNvPr>
-          <p:cNvSpPr>
-            <a:spLocks noGrp="1"/>
-          </p:cNvSpPr>
-          <p:nvPr>
-            <p:ph type="title"/>
-          </p:nvPr>
-        </p:nvSpPr>
-        <p:spPr/>
-        <p:txBody>
-          <a:bodyPr/>
-          <a:lstStyle/>
-          <a:p>
-            <a:r>
-              <a:rPr lang="en-US" dirty="0"/>
-              <a:t>The </a:t>
-            </a:r>
+          <p:cNvPr id="4" name="Title 3"/>
+          <p:cNvSpPr>
+            <a:spLocks noGrp="1"/>
+          </p:cNvSpPr>
+          <p:nvPr>
+            <p:ph type="ctrTitle"/>
+          </p:nvPr>
+        </p:nvSpPr>
+        <p:spPr/>
+        <p:txBody>
+          <a:bodyPr/>
+          <a:lstStyle/>
+          <a:p>
             <a:r>
               <a:rPr lang="en-US" dirty="0" err="1"/>
               <a:t>SpeakQL</a:t>
             </a:r>
-            <a:r>
-              <a:rPr lang="en-US" dirty="0"/>
-              <a:t> argument</a:t>
-            </a:r>
-          </a:p>
-        </p:txBody>
-      </p:sp>
-      <p:sp>
-        <p:nvSpPr>
-          <p:cNvPr id="3" name="Content Placeholder 2">
-            <a:extLst>
-              <a:ext uri="{FF2B5EF4-FFF2-40B4-BE49-F238E27FC236}">
-                <a16:creationId xmlns:a16="http://schemas.microsoft.com/office/drawing/2014/main" id="{2ED8A43B-A725-FD42-BB9E-332CDD8B572D}"/>
-              </a:ext>
-            </a:extLst>
-          </p:cNvPr>
-          <p:cNvSpPr>
-            <a:spLocks noGrp="1"/>
-          </p:cNvSpPr>
-          <p:nvPr>
-            <p:ph idx="1"/>
-          </p:nvPr>
-        </p:nvSpPr>
-        <p:spPr>
-          <a:xfrm>
-            <a:off x="838200" y="1825625"/>
-            <a:ext cx="6007274" cy="4351338"/>
-          </a:xfrm>
-        </p:spPr>
-        <p:txBody>
-          <a:bodyPr/>
-          <a:lstStyle/>
-          <a:p>
-            <a:pPr marL="0" indent="0">
-              <a:buNone/>
-            </a:pPr>
-            <a:r>
-              <a:rPr lang="en-US" dirty="0"/>
-              <a:t>People</a:t>
-            </a:r>
-          </a:p>
-          <a:p>
-            <a:r>
-              <a:rPr lang="en-US" dirty="0"/>
-              <a:t>know SQL.  May even be experts</a:t>
-            </a:r>
-          </a:p>
-          <a:p>
-            <a:r>
-              <a:rPr lang="en-US" dirty="0"/>
-              <a:t>want to write SQL on-the-go</a:t>
-            </a:r>
-          </a:p>
-          <a:p>
-            <a:r>
-              <a:rPr lang="en-US" dirty="0"/>
-              <a:t>have a phone/tablet</a:t>
-            </a:r>
-          </a:p>
-          <a:p>
-            <a:pPr marL="0" indent="0">
-              <a:buNone/>
-            </a:pPr>
             <a:endParaRPr lang="en-US" dirty="0"/>
           </a:p>
-          <a:p>
-            <a:pPr marL="0" indent="0">
-              <a:buNone/>
-            </a:pPr>
-            <a:r>
-              <a:rPr lang="en-US" dirty="0"/>
-              <a:t>Thus speech interface is best</a:t>
-            </a:r>
+        </p:txBody>
+      </p:sp>
+      <p:sp>
+        <p:nvSpPr>
+          <p:cNvPr id="5" name="Subtitle 4"/>
+          <p:cNvSpPr>
+            <a:spLocks noGrp="1"/>
+          </p:cNvSpPr>
+          <p:nvPr>
+            <p:ph type="subTitle" idx="1"/>
+          </p:nvPr>
+        </p:nvSpPr>
+        <p:spPr/>
+        <p:txBody>
+          <a:bodyPr/>
+          <a:lstStyle/>
+          <a:p>
+            <a:endParaRPr lang="en-US"/>
           </a:p>
         </p:txBody>
       </p:sp>
     </p:spTree>
     <p:extLst>
       <p:ext uri="{BB962C8B-B14F-4D97-AF65-F5344CB8AC3E}">
-        <p14:creationId xmlns:p14="http://schemas.microsoft.com/office/powerpoint/2010/main" val="1886082678"/>
+        <p14:creationId xmlns:p14="http://schemas.microsoft.com/office/powerpoint/2010/main" val="501767838"/>
       </p:ext>
     </p:extLst>
   </p:cSld>
@@ -6630,7 +6882,7 @@
           <p:cNvPr id="2" name="Title 1">
             <a:extLst>
               <a:ext uri="{FF2B5EF4-FFF2-40B4-BE49-F238E27FC236}">
-                <a16:creationId xmlns:a16="http://schemas.microsoft.com/office/drawing/2014/main" id="{A1ACE1D2-B2AA-794C-8741-5AC1339B9E4E}"/>
+                <a16:creationId xmlns:a16="http://schemas.microsoft.com/office/drawing/2014/main" id="{7284945E-085F-1C4A-908A-89FD303D059E}"/>
               </a:ext>
             </a:extLst>
           </p:cNvPr>
@@ -6648,7 +6900,15 @@
           <a:p>
             <a:r>
               <a:rPr lang="en-US" dirty="0"/>
-              <a:t>Use Cases</a:t>
+              <a:t>The </a:t>
+            </a:r>
+            <a:r>
+              <a:rPr lang="en-US" dirty="0" err="1"/>
+              <a:t>SpeakQL</a:t>
+            </a:r>
+            <a:r>
+              <a:rPr lang="en-US" dirty="0"/>
+              <a:t> argument</a:t>
             </a:r>
           </a:p>
         </p:txBody>
@@ -6658,7 +6918,7 @@
           <p:cNvPr id="3" name="Content Placeholder 2">
             <a:extLst>
               <a:ext uri="{FF2B5EF4-FFF2-40B4-BE49-F238E27FC236}">
-                <a16:creationId xmlns:a16="http://schemas.microsoft.com/office/drawing/2014/main" id="{B083CCA7-B6DD-F24F-A434-7CFEA4C14600}"/>
+                <a16:creationId xmlns:a16="http://schemas.microsoft.com/office/drawing/2014/main" id="{2ED8A43B-A725-FD42-BB9E-332CDD8B572D}"/>
               </a:ext>
             </a:extLst>
           </p:cNvPr>
@@ -6669,43 +6929,63 @@
             <p:ph idx="1"/>
           </p:nvPr>
         </p:nvSpPr>
-        <p:spPr/>
-        <p:txBody>
-          <a:bodyPr/>
-          <a:lstStyle/>
-          <a:p>
-            <a:r>
-              <a:rPr lang="en-US" dirty="0"/>
-              <a:t>DBA debugging system while on the road</a:t>
-            </a:r>
-          </a:p>
-          <a:p>
-            <a:r>
-              <a:rPr lang="en-US" dirty="0"/>
-              <a:t>Nurse accesses patient record away from his desk</a:t>
-            </a:r>
-          </a:p>
-          <a:p>
-            <a:r>
-              <a:rPr lang="en-US" dirty="0"/>
-              <a:t>Analyst answers customer sales question in a meeting</a:t>
-            </a:r>
-          </a:p>
-          <a:p>
-            <a:endParaRPr lang="en-US" dirty="0"/>
+        <p:spPr>
+          <a:xfrm>
+            <a:off x="838200" y="1825625"/>
+            <a:ext cx="6007274" cy="4351338"/>
+          </a:xfrm>
+        </p:spPr>
+        <p:txBody>
+          <a:bodyPr/>
+          <a:lstStyle/>
+          <a:p>
+            <a:pPr marL="0" indent="0">
+              <a:buNone/>
+            </a:pPr>
+            <a:r>
+              <a:rPr lang="en-US" dirty="0"/>
+              <a:t>People</a:t>
+            </a:r>
+          </a:p>
+          <a:p>
+            <a:r>
+              <a:rPr lang="en-US" dirty="0"/>
+              <a:t>know SQL.  May even be experts</a:t>
+            </a:r>
+          </a:p>
+          <a:p>
+            <a:r>
+              <a:rPr lang="en-US" dirty="0"/>
+              <a:t>want to write SQL on-the-go</a:t>
+            </a:r>
+          </a:p>
+          <a:p>
+            <a:r>
+              <a:rPr lang="en-US" dirty="0"/>
+              <a:t>have a phone/tablet</a:t>
+            </a:r>
           </a:p>
           <a:p>
             <a:pPr marL="0" indent="0">
               <a:buNone/>
             </a:pPr>
             <a:endParaRPr lang="en-US" dirty="0"/>
+          </a:p>
+          <a:p>
+            <a:pPr marL="0" indent="0">
+              <a:buNone/>
+            </a:pPr>
+            <a:r>
+              <a:rPr lang="en-US" dirty="0"/>
+              <a:t>Thus speech interface is best</a:t>
+            </a:r>
           </a:p>
         </p:txBody>
       </p:sp>
     </p:spTree>
     <p:extLst>
       <p:ext uri="{BB962C8B-B14F-4D97-AF65-F5344CB8AC3E}">
-        <p14:creationId xmlns:p14="http://schemas.microsoft.com/office/powerpoint/2010/main" val="2228590226"/>
+        <p14:creationId xmlns:p14="http://schemas.microsoft.com/office/powerpoint/2010/main" val="1886082678"/>
       </p:ext>
     </p:extLst>
   </p:cSld>
@@ -6737,7 +7017,7 @@
           <p:cNvPr id="2" name="Title 1">
             <a:extLst>
               <a:ext uri="{FF2B5EF4-FFF2-40B4-BE49-F238E27FC236}">
-                <a16:creationId xmlns:a16="http://schemas.microsoft.com/office/drawing/2014/main" id="{08C61B8B-BAD6-3B46-AA47-3499BA6D9C92}"/>
+                <a16:creationId xmlns:a16="http://schemas.microsoft.com/office/drawing/2014/main" id="{A1ACE1D2-B2AA-794C-8741-5AC1339B9E4E}"/>
               </a:ext>
             </a:extLst>
           </p:cNvPr>
@@ -6755,7 +7035,7 @@
           <a:p>
             <a:r>
               <a:rPr lang="en-US" dirty="0"/>
-              <a:t>Why Not Existing Approaches?</a:t>
+              <a:t>Use Cases</a:t>
             </a:r>
           </a:p>
         </p:txBody>
@@ -6765,7 +7045,7 @@
           <p:cNvPr id="3" name="Content Placeholder 2">
             <a:extLst>
               <a:ext uri="{FF2B5EF4-FFF2-40B4-BE49-F238E27FC236}">
-                <a16:creationId xmlns:a16="http://schemas.microsoft.com/office/drawing/2014/main" id="{7AA71E47-024F-B543-903F-C75E727878B4}"/>
+                <a16:creationId xmlns:a16="http://schemas.microsoft.com/office/drawing/2014/main" id="{B083CCA7-B6DD-F24F-A434-7CFEA4C14600}"/>
               </a:ext>
             </a:extLst>
           </p:cNvPr>
@@ -6781,417 +7061,38 @@
           <a:bodyPr/>
           <a:lstStyle/>
           <a:p>
-            <a:pPr marL="0" indent="0">
-              <a:buNone/>
-            </a:pPr>
-            <a:r>
-              <a:rPr lang="en-US" dirty="0"/>
-              <a:t>Natural Language Interfaces (NLI)</a:t>
-            </a:r>
-          </a:p>
-          <a:p>
-            <a:r>
-              <a:rPr lang="en-US" dirty="0"/>
-              <a:t>User speech </a:t>
-            </a:r>
-            <a:r>
-              <a:rPr lang="en-US" dirty="0">
-                <a:sym typeface="Wingdings" pitchFamily="2" charset="2"/>
-              </a:rPr>
-              <a:t> </a:t>
-            </a:r>
-            <a:r>
-              <a:rPr lang="en-US" dirty="0"/>
-              <a:t>ASR </a:t>
-            </a:r>
-            <a:r>
-              <a:rPr lang="en-US" dirty="0">
-                <a:sym typeface="Wingdings" pitchFamily="2" charset="2"/>
-              </a:rPr>
-              <a:t> NLI  SQL  result</a:t>
-            </a:r>
-          </a:p>
-          <a:p>
-            <a:r>
-              <a:rPr lang="en-US" dirty="0">
-                <a:sym typeface="Wingdings" pitchFamily="2" charset="2"/>
-              </a:rPr>
-              <a:t>Errors propagate in each step</a:t>
-            </a:r>
-          </a:p>
-          <a:p>
-            <a:endParaRPr lang="en-US" dirty="0">
-              <a:sym typeface="Wingdings" pitchFamily="2" charset="2"/>
-            </a:endParaRPr>
-          </a:p>
-          <a:p>
-            <a:pPr marL="0" indent="0">
-              <a:buNone/>
-            </a:pPr>
-            <a:r>
-              <a:rPr lang="en-US" dirty="0">
-                <a:sym typeface="Wingdings" pitchFamily="2" charset="2"/>
-              </a:rPr>
-              <a:t>Touch interfaces</a:t>
-            </a:r>
-          </a:p>
-          <a:p>
-            <a:r>
-              <a:rPr lang="en-US" dirty="0">
-                <a:sym typeface="Wingdings" pitchFamily="2" charset="2"/>
-              </a:rPr>
-              <a:t>Paper argues they “obviate” SQL</a:t>
-            </a:r>
-          </a:p>
-          <a:p>
-            <a:endParaRPr lang="en-US" dirty="0">
-              <a:sym typeface="Wingdings" pitchFamily="2" charset="2"/>
-            </a:endParaRPr>
-          </a:p>
-          <a:p>
-            <a:pPr marL="0" indent="0">
-              <a:buNone/>
-            </a:pPr>
-            <a:r>
-              <a:rPr lang="en-US" dirty="0">
-                <a:sym typeface="Wingdings" pitchFamily="2" charset="2"/>
-              </a:rPr>
-              <a:t>Template-based Interfaces </a:t>
-            </a:r>
+            <a:r>
+              <a:rPr lang="en-US" dirty="0"/>
+              <a:t>DBA debugging system while on the road</a:t>
+            </a:r>
+          </a:p>
+          <a:p>
+            <a:r>
+              <a:rPr lang="en-US" dirty="0"/>
+              <a:t>Nurse accesses patient record away from his desk</a:t>
+            </a:r>
+          </a:p>
+          <a:p>
+            <a:r>
+              <a:rPr lang="en-US" dirty="0"/>
+              <a:t>Analyst answers customer sales question in a meeting</a:t>
+            </a:r>
+          </a:p>
+          <a:p>
+            <a:endParaRPr lang="en-US" dirty="0"/>
           </a:p>
           <a:p>
             <a:pPr marL="0" indent="0">
               <a:buNone/>
             </a:pPr>
             <a:endParaRPr lang="en-US" dirty="0"/>
-          </a:p>
-          <a:p>
-            <a:endParaRPr lang="en-US" dirty="0"/>
-          </a:p>
-        </p:txBody>
-      </p:sp>
-      <p:pic>
-        <p:nvPicPr>
-          <p:cNvPr id="4" name="Picture 3">
-            <a:extLst>
-              <a:ext uri="{FF2B5EF4-FFF2-40B4-BE49-F238E27FC236}">
-                <a16:creationId xmlns:a16="http://schemas.microsoft.com/office/drawing/2014/main" id="{B98BBCDD-FDF8-374B-B435-9E48C5586D1E}"/>
-              </a:ext>
-            </a:extLst>
-          </p:cNvPr>
-          <p:cNvPicPr>
-            <a:picLocks noChangeAspect="1"/>
-          </p:cNvPicPr>
-          <p:nvPr/>
-        </p:nvPicPr>
-        <p:blipFill>
-          <a:blip r:embed="rId2"/>
-          <a:stretch>
-            <a:fillRect/>
-          </a:stretch>
-        </p:blipFill>
-        <p:spPr>
-          <a:xfrm>
-            <a:off x="9693670" y="1195089"/>
-            <a:ext cx="2415420" cy="640736"/>
-          </a:xfrm>
-          <a:prstGeom prst="rect">
-            <a:avLst/>
-          </a:prstGeom>
-        </p:spPr>
-      </p:pic>
-      <p:pic>
-        <p:nvPicPr>
-          <p:cNvPr id="5" name="Picture 4">
-            <a:extLst>
-              <a:ext uri="{FF2B5EF4-FFF2-40B4-BE49-F238E27FC236}">
-                <a16:creationId xmlns:a16="http://schemas.microsoft.com/office/drawing/2014/main" id="{30619E84-DD5C-5D4D-B9B7-56B11D1DF4EE}"/>
-              </a:ext>
-            </a:extLst>
-          </p:cNvPr>
-          <p:cNvPicPr>
-            <a:picLocks noChangeAspect="1"/>
-          </p:cNvPicPr>
-          <p:nvPr/>
-        </p:nvPicPr>
-        <p:blipFill>
-          <a:blip r:embed="rId3"/>
-          <a:stretch>
-            <a:fillRect/>
-          </a:stretch>
-        </p:blipFill>
-        <p:spPr>
-          <a:xfrm>
-            <a:off x="9877510" y="2195616"/>
-            <a:ext cx="2079251" cy="808833"/>
-          </a:xfrm>
-          <a:prstGeom prst="rect">
-            <a:avLst/>
-          </a:prstGeom>
-        </p:spPr>
-      </p:pic>
-      <p:sp>
-        <p:nvSpPr>
-          <p:cNvPr id="6" name="TextBox 5">
-            <a:extLst>
-              <a:ext uri="{FF2B5EF4-FFF2-40B4-BE49-F238E27FC236}">
-                <a16:creationId xmlns:a16="http://schemas.microsoft.com/office/drawing/2014/main" id="{C74355A4-E167-714B-97FC-971C8AAB0B5D}"/>
-              </a:ext>
-            </a:extLst>
-          </p:cNvPr>
-          <p:cNvSpPr txBox="1"/>
-          <p:nvPr/>
-        </p:nvSpPr>
-        <p:spPr>
-          <a:xfrm>
-            <a:off x="10308910" y="2935095"/>
-            <a:ext cx="1184940" cy="369332"/>
-          </a:xfrm>
-          <a:prstGeom prst="rect">
-            <a:avLst/>
-          </a:prstGeom>
-          <a:noFill/>
-        </p:spPr>
-        <p:txBody>
-          <a:bodyPr wrap="none" rtlCol="0">
-            <a:spAutoFit/>
-          </a:bodyPr>
-          <a:lstStyle/>
-          <a:p>
-            <a:pPr algn="l"/>
-            <a:r>
-              <a:rPr lang="en-US" dirty="0">
-                <a:latin typeface="Arial" panose="020B0604020202020204" pitchFamily="34" charset="0"/>
-                <a:cs typeface="Arial" panose="020B0604020202020204" pitchFamily="34" charset="0"/>
-              </a:rPr>
-              <a:t>Seq2SQL</a:t>
-            </a:r>
-          </a:p>
-        </p:txBody>
-      </p:sp>
-      <p:pic>
-        <p:nvPicPr>
-          <p:cNvPr id="7" name="Picture 6">
-            <a:extLst>
-              <a:ext uri="{FF2B5EF4-FFF2-40B4-BE49-F238E27FC236}">
-                <a16:creationId xmlns:a16="http://schemas.microsoft.com/office/drawing/2014/main" id="{3D84FA06-E387-114C-8751-7C94BC580F3B}"/>
-              </a:ext>
-            </a:extLst>
-          </p:cNvPr>
-          <p:cNvPicPr>
-            <a:picLocks noChangeAspect="1"/>
-          </p:cNvPicPr>
-          <p:nvPr/>
-        </p:nvPicPr>
-        <p:blipFill>
-          <a:blip r:embed="rId4"/>
-          <a:stretch>
-            <a:fillRect/>
-          </a:stretch>
-        </p:blipFill>
-        <p:spPr>
-          <a:xfrm>
-            <a:off x="10112919" y="3582746"/>
-            <a:ext cx="1848847" cy="1047154"/>
-          </a:xfrm>
-          <a:prstGeom prst="rect">
-            <a:avLst/>
-          </a:prstGeom>
-        </p:spPr>
-      </p:pic>
-      <p:pic>
-        <p:nvPicPr>
-          <p:cNvPr id="8" name="Picture 7">
-            <a:extLst>
-              <a:ext uri="{FF2B5EF4-FFF2-40B4-BE49-F238E27FC236}">
-                <a16:creationId xmlns:a16="http://schemas.microsoft.com/office/drawing/2014/main" id="{27DE0D5C-39BA-BC4C-83CD-49B1EAB78A80}"/>
-              </a:ext>
-            </a:extLst>
-          </p:cNvPr>
-          <p:cNvPicPr>
-            <a:picLocks noChangeAspect="1"/>
-          </p:cNvPicPr>
-          <p:nvPr/>
-        </p:nvPicPr>
-        <p:blipFill>
-          <a:blip r:embed="rId5"/>
-          <a:stretch>
-            <a:fillRect/>
-          </a:stretch>
-        </p:blipFill>
-        <p:spPr>
-          <a:xfrm>
-            <a:off x="8250913" y="3639250"/>
-            <a:ext cx="1771912" cy="934146"/>
-          </a:xfrm>
-          <a:prstGeom prst="rect">
-            <a:avLst/>
-          </a:prstGeom>
-        </p:spPr>
-      </p:pic>
-      <p:sp>
-        <p:nvSpPr>
-          <p:cNvPr id="9" name="TextBox 8">
-            <a:extLst>
-              <a:ext uri="{FF2B5EF4-FFF2-40B4-BE49-F238E27FC236}">
-                <a16:creationId xmlns:a16="http://schemas.microsoft.com/office/drawing/2014/main" id="{4ACE242F-67A6-D84B-A823-315DB0139BEB}"/>
-              </a:ext>
-            </a:extLst>
-          </p:cNvPr>
-          <p:cNvSpPr txBox="1"/>
-          <p:nvPr/>
-        </p:nvSpPr>
-        <p:spPr>
-          <a:xfrm>
-            <a:off x="10271748" y="4631613"/>
-            <a:ext cx="1531188" cy="369332"/>
-          </a:xfrm>
-          <a:prstGeom prst="rect">
-            <a:avLst/>
-          </a:prstGeom>
-          <a:noFill/>
-        </p:spPr>
-        <p:txBody>
-          <a:bodyPr wrap="none" rtlCol="0">
-            <a:spAutoFit/>
-          </a:bodyPr>
-          <a:lstStyle/>
-          <a:p>
-            <a:pPr algn="l"/>
-            <a:r>
-              <a:rPr lang="en-US" dirty="0" err="1">
-                <a:latin typeface="Arial" panose="020B0604020202020204" pitchFamily="34" charset="0"/>
-                <a:cs typeface="Arial" panose="020B0604020202020204" pitchFamily="34" charset="0"/>
-              </a:rPr>
-              <a:t>gesturequery</a:t>
-            </a:r>
-            <a:endParaRPr lang="en-US" dirty="0">
-              <a:latin typeface="Arial" panose="020B0604020202020204" pitchFamily="34" charset="0"/>
-              <a:cs typeface="Arial" panose="020B0604020202020204" pitchFamily="34" charset="0"/>
-            </a:endParaRPr>
-          </a:p>
-        </p:txBody>
-      </p:sp>
-      <p:sp>
-        <p:nvSpPr>
-          <p:cNvPr id="10" name="TextBox 9">
-            <a:extLst>
-              <a:ext uri="{FF2B5EF4-FFF2-40B4-BE49-F238E27FC236}">
-                <a16:creationId xmlns:a16="http://schemas.microsoft.com/office/drawing/2014/main" id="{08E9166E-8B12-B34C-AFCA-07E9A9CE496F}"/>
-              </a:ext>
-            </a:extLst>
-          </p:cNvPr>
-          <p:cNvSpPr txBox="1"/>
-          <p:nvPr/>
-        </p:nvSpPr>
-        <p:spPr>
-          <a:xfrm>
-            <a:off x="8679052" y="4631613"/>
-            <a:ext cx="915635" cy="369332"/>
-          </a:xfrm>
-          <a:prstGeom prst="rect">
-            <a:avLst/>
-          </a:prstGeom>
-          <a:noFill/>
-        </p:spPr>
-        <p:txBody>
-          <a:bodyPr wrap="none" rtlCol="0">
-            <a:spAutoFit/>
-          </a:bodyPr>
-          <a:lstStyle/>
-          <a:p>
-            <a:pPr algn="l"/>
-            <a:r>
-              <a:rPr lang="en-US" dirty="0" err="1">
-                <a:latin typeface="Arial" panose="020B0604020202020204" pitchFamily="34" charset="0"/>
-                <a:cs typeface="Arial" panose="020B0604020202020204" pitchFamily="34" charset="0"/>
-              </a:rPr>
-              <a:t>vizdom</a:t>
-            </a:r>
-            <a:endParaRPr lang="en-US" dirty="0">
-              <a:latin typeface="Arial" panose="020B0604020202020204" pitchFamily="34" charset="0"/>
-              <a:cs typeface="Arial" panose="020B0604020202020204" pitchFamily="34" charset="0"/>
-            </a:endParaRPr>
-          </a:p>
-        </p:txBody>
-      </p:sp>
-      <p:pic>
-        <p:nvPicPr>
-          <p:cNvPr id="11" name="Picture 10">
-            <a:extLst>
-              <a:ext uri="{FF2B5EF4-FFF2-40B4-BE49-F238E27FC236}">
-                <a16:creationId xmlns:a16="http://schemas.microsoft.com/office/drawing/2014/main" id="{D5A28457-40E6-4D40-B5CA-292725A4A891}"/>
-              </a:ext>
-            </a:extLst>
-          </p:cNvPr>
-          <p:cNvPicPr>
-            <a:picLocks noChangeAspect="1"/>
-          </p:cNvPicPr>
-          <p:nvPr/>
-        </p:nvPicPr>
-        <p:blipFill>
-          <a:blip r:embed="rId6"/>
-          <a:stretch>
-            <a:fillRect/>
-          </a:stretch>
-        </p:blipFill>
-        <p:spPr>
-          <a:xfrm>
-            <a:off x="9594687" y="5316004"/>
-            <a:ext cx="2340494" cy="1448968"/>
-          </a:xfrm>
-          <a:prstGeom prst="rect">
-            <a:avLst/>
-          </a:prstGeom>
-        </p:spPr>
-      </p:pic>
-      <p:sp>
-        <p:nvSpPr>
-          <p:cNvPr id="12" name="TextBox 11">
-            <a:extLst>
-              <a:ext uri="{FF2B5EF4-FFF2-40B4-BE49-F238E27FC236}">
-                <a16:creationId xmlns:a16="http://schemas.microsoft.com/office/drawing/2014/main" id="{82A57DC3-3931-4149-9F96-08078598FCB0}"/>
-              </a:ext>
-            </a:extLst>
-          </p:cNvPr>
-          <p:cNvSpPr txBox="1"/>
-          <p:nvPr/>
-        </p:nvSpPr>
-        <p:spPr>
-          <a:xfrm>
-            <a:off x="8407075" y="5840730"/>
-            <a:ext cx="1159292" cy="369332"/>
-          </a:xfrm>
-          <a:prstGeom prst="rect">
-            <a:avLst/>
-          </a:prstGeom>
-          <a:noFill/>
-        </p:spPr>
-        <p:txBody>
-          <a:bodyPr wrap="none" rtlCol="0">
-            <a:spAutoFit/>
-          </a:bodyPr>
-          <a:lstStyle/>
-          <a:p>
-            <a:pPr algn="l"/>
-            <a:r>
-              <a:rPr lang="en-US" dirty="0" err="1">
-                <a:latin typeface="Arial" panose="020B0604020202020204" pitchFamily="34" charset="0"/>
-                <a:cs typeface="Arial" panose="020B0604020202020204" pitchFamily="34" charset="0"/>
-              </a:rPr>
-              <a:t>DataChat</a:t>
-            </a:r>
-            <a:endParaRPr lang="en-US" dirty="0">
-              <a:latin typeface="Arial" panose="020B0604020202020204" pitchFamily="34" charset="0"/>
-              <a:cs typeface="Arial" panose="020B0604020202020204" pitchFamily="34" charset="0"/>
-            </a:endParaRPr>
           </a:p>
         </p:txBody>
       </p:sp>
     </p:spTree>
     <p:extLst>
       <p:ext uri="{BB962C8B-B14F-4D97-AF65-F5344CB8AC3E}">
-        <p14:creationId xmlns:p14="http://schemas.microsoft.com/office/powerpoint/2010/main" val="2790257416"/>
+        <p14:creationId xmlns:p14="http://schemas.microsoft.com/office/powerpoint/2010/main" val="2228590226"/>
       </p:ext>
     </p:extLst>
   </p:cSld>
@@ -7223,7 +7124,7 @@
           <p:cNvPr id="2" name="Title 1">
             <a:extLst>
               <a:ext uri="{FF2B5EF4-FFF2-40B4-BE49-F238E27FC236}">
-                <a16:creationId xmlns:a16="http://schemas.microsoft.com/office/drawing/2014/main" id="{088E6758-0116-5C44-942E-9ECE9E84C815}"/>
+                <a16:creationId xmlns:a16="http://schemas.microsoft.com/office/drawing/2014/main" id="{08C61B8B-BAD6-3B46-AA47-3499BA6D9C92}"/>
               </a:ext>
             </a:extLst>
           </p:cNvPr>
@@ -7241,7 +7142,7 @@
           <a:p>
             <a:r>
               <a:rPr lang="en-US" dirty="0"/>
-              <a:t>Approach Overview</a:t>
+              <a:t>Why Not Existing Approaches?</a:t>
             </a:r>
           </a:p>
         </p:txBody>
@@ -7251,7 +7152,7 @@
           <p:cNvPr id="3" name="Content Placeholder 2">
             <a:extLst>
               <a:ext uri="{FF2B5EF4-FFF2-40B4-BE49-F238E27FC236}">
-                <a16:creationId xmlns:a16="http://schemas.microsoft.com/office/drawing/2014/main" id="{5669DAD4-44D7-534C-A413-EE06B8DC4027}"/>
+                <a16:creationId xmlns:a16="http://schemas.microsoft.com/office/drawing/2014/main" id="{7AA71E47-024F-B543-903F-C75E727878B4}"/>
               </a:ext>
             </a:extLst>
           </p:cNvPr>
@@ -7267,16 +7168,92 @@
           <a:bodyPr/>
           <a:lstStyle/>
           <a:p>
-            <a:r>
-              <a:rPr lang="en-US" dirty="0"/>
-              <a:t>Match speech tokens to SQL template (struct determination)</a:t>
-            </a:r>
-          </a:p>
-          <a:p>
-            <a:r>
-              <a:rPr lang="en-US" dirty="0"/>
-              <a:t>Fill in literals, address homophones (literal determination)</a:t>
-            </a:r>
+            <a:pPr marL="0" indent="0">
+              <a:buNone/>
+            </a:pPr>
+            <a:r>
+              <a:rPr lang="en-US" dirty="0"/>
+              <a:t>Natural Language Interfaces (NLI)</a:t>
+            </a:r>
+          </a:p>
+          <a:p>
+            <a:r>
+              <a:rPr lang="en-US" dirty="0"/>
+              <a:t>User speech </a:t>
+            </a:r>
+            <a:r>
+              <a:rPr lang="en-US" dirty="0">
+                <a:sym typeface="Wingdings" pitchFamily="2" charset="2"/>
+              </a:rPr>
+              <a:t> </a:t>
+            </a:r>
+            <a:r>
+              <a:rPr lang="en-US" dirty="0"/>
+              <a:t>ASR </a:t>
+            </a:r>
+            <a:r>
+              <a:rPr lang="en-US" dirty="0">
+                <a:sym typeface="Wingdings" pitchFamily="2" charset="2"/>
+              </a:rPr>
+              <a:t> NLI  SQL  result</a:t>
+            </a:r>
+          </a:p>
+          <a:p>
+            <a:r>
+              <a:rPr lang="en-US" dirty="0">
+                <a:sym typeface="Wingdings" pitchFamily="2" charset="2"/>
+              </a:rPr>
+              <a:t>Errors propagate in each step</a:t>
+            </a:r>
+          </a:p>
+          <a:p>
+            <a:endParaRPr lang="en-US" dirty="0">
+              <a:sym typeface="Wingdings" pitchFamily="2" charset="2"/>
+            </a:endParaRPr>
+          </a:p>
+          <a:p>
+            <a:pPr marL="0" indent="0">
+              <a:buNone/>
+            </a:pPr>
+            <a:r>
+              <a:rPr lang="en-US" dirty="0">
+                <a:sym typeface="Wingdings" pitchFamily="2" charset="2"/>
+              </a:rPr>
+              <a:t>Touch interfaces</a:t>
+            </a:r>
+          </a:p>
+          <a:p>
+            <a:r>
+              <a:rPr lang="en-US" dirty="0">
+                <a:sym typeface="Wingdings" pitchFamily="2" charset="2"/>
+              </a:rPr>
+              <a:t>Paper argues they “obviate” SQL</a:t>
+            </a:r>
+          </a:p>
+          <a:p>
+            <a:endParaRPr lang="en-US" dirty="0">
+              <a:sym typeface="Wingdings" pitchFamily="2" charset="2"/>
+            </a:endParaRPr>
+          </a:p>
+          <a:p>
+            <a:pPr marL="0" indent="0">
+              <a:buNone/>
+            </a:pPr>
+            <a:r>
+              <a:rPr lang="en-US" dirty="0">
+                <a:sym typeface="Wingdings" pitchFamily="2" charset="2"/>
+              </a:rPr>
+              <a:t>Template-based Interfaces </a:t>
+            </a:r>
+          </a:p>
+          <a:p>
+            <a:pPr marL="0" indent="0">
+              <a:buNone/>
+            </a:pPr>
+            <a:endParaRPr lang="en-US" dirty="0"/>
+          </a:p>
+          <a:p>
+            <a:endParaRPr lang="en-US" dirty="0"/>
           </a:p>
         </p:txBody>
       </p:sp>
@@ -7285,7 +7262,7 @@
           <p:cNvPr id="4" name="Picture 3">
             <a:extLst>
               <a:ext uri="{FF2B5EF4-FFF2-40B4-BE49-F238E27FC236}">
-                <a16:creationId xmlns:a16="http://schemas.microsoft.com/office/drawing/2014/main" id="{2FEF31A9-8774-2347-AED8-CA741B8ACCBE}"/>
+                <a16:creationId xmlns:a16="http://schemas.microsoft.com/office/drawing/2014/main" id="{B98BBCDD-FDF8-374B-B435-9E48C5586D1E}"/>
               </a:ext>
             </a:extLst>
           </p:cNvPr>
@@ -7302,18 +7279,306 @@
         </p:blipFill>
         <p:spPr>
           <a:xfrm>
-            <a:off x="1130474" y="3429000"/>
-            <a:ext cx="9931052" cy="2646516"/>
+            <a:off x="9693670" y="1195089"/>
+            <a:ext cx="2415420" cy="640736"/>
           </a:xfrm>
           <a:prstGeom prst="rect">
             <a:avLst/>
           </a:prstGeom>
         </p:spPr>
       </p:pic>
+      <p:pic>
+        <p:nvPicPr>
+          <p:cNvPr id="5" name="Picture 4">
+            <a:extLst>
+              <a:ext uri="{FF2B5EF4-FFF2-40B4-BE49-F238E27FC236}">
+                <a16:creationId xmlns:a16="http://schemas.microsoft.com/office/drawing/2014/main" id="{30619E84-DD5C-5D4D-B9B7-56B11D1DF4EE}"/>
+              </a:ext>
+            </a:extLst>
+          </p:cNvPr>
+          <p:cNvPicPr>
+            <a:picLocks noChangeAspect="1"/>
+          </p:cNvPicPr>
+          <p:nvPr/>
+        </p:nvPicPr>
+        <p:blipFill>
+          <a:blip r:embed="rId3"/>
+          <a:stretch>
+            <a:fillRect/>
+          </a:stretch>
+        </p:blipFill>
+        <p:spPr>
+          <a:xfrm>
+            <a:off x="9877510" y="2195616"/>
+            <a:ext cx="2079251" cy="808833"/>
+          </a:xfrm>
+          <a:prstGeom prst="rect">
+            <a:avLst/>
+          </a:prstGeom>
+        </p:spPr>
+      </p:pic>
+      <p:sp>
+        <p:nvSpPr>
+          <p:cNvPr id="6" name="TextBox 5">
+            <a:extLst>
+              <a:ext uri="{FF2B5EF4-FFF2-40B4-BE49-F238E27FC236}">
+                <a16:creationId xmlns:a16="http://schemas.microsoft.com/office/drawing/2014/main" id="{C74355A4-E167-714B-97FC-971C8AAB0B5D}"/>
+              </a:ext>
+            </a:extLst>
+          </p:cNvPr>
+          <p:cNvSpPr txBox="1"/>
+          <p:nvPr/>
+        </p:nvSpPr>
+        <p:spPr>
+          <a:xfrm>
+            <a:off x="10308910" y="2935095"/>
+            <a:ext cx="1184940" cy="369332"/>
+          </a:xfrm>
+          <a:prstGeom prst="rect">
+            <a:avLst/>
+          </a:prstGeom>
+          <a:noFill/>
+        </p:spPr>
+        <p:txBody>
+          <a:bodyPr wrap="none" rtlCol="0">
+            <a:spAutoFit/>
+          </a:bodyPr>
+          <a:lstStyle/>
+          <a:p>
+            <a:pPr algn="l"/>
+            <a:r>
+              <a:rPr lang="en-US" dirty="0">
+                <a:latin typeface="Arial" panose="020B0604020202020204" pitchFamily="34" charset="0"/>
+                <a:cs typeface="Arial" panose="020B0604020202020204" pitchFamily="34" charset="0"/>
+              </a:rPr>
+              <a:t>Seq2SQL</a:t>
+            </a:r>
+          </a:p>
+        </p:txBody>
+      </p:sp>
+      <p:pic>
+        <p:nvPicPr>
+          <p:cNvPr id="7" name="Picture 6">
+            <a:extLst>
+              <a:ext uri="{FF2B5EF4-FFF2-40B4-BE49-F238E27FC236}">
+                <a16:creationId xmlns:a16="http://schemas.microsoft.com/office/drawing/2014/main" id="{3D84FA06-E387-114C-8751-7C94BC580F3B}"/>
+              </a:ext>
+            </a:extLst>
+          </p:cNvPr>
+          <p:cNvPicPr>
+            <a:picLocks noChangeAspect="1"/>
+          </p:cNvPicPr>
+          <p:nvPr/>
+        </p:nvPicPr>
+        <p:blipFill>
+          <a:blip r:embed="rId4"/>
+          <a:stretch>
+            <a:fillRect/>
+          </a:stretch>
+        </p:blipFill>
+        <p:spPr>
+          <a:xfrm>
+            <a:off x="10112919" y="3582746"/>
+            <a:ext cx="1848847" cy="1047154"/>
+          </a:xfrm>
+          <a:prstGeom prst="rect">
+            <a:avLst/>
+          </a:prstGeom>
+        </p:spPr>
+      </p:pic>
+      <p:pic>
+        <p:nvPicPr>
+          <p:cNvPr id="8" name="Picture 7">
+            <a:extLst>
+              <a:ext uri="{FF2B5EF4-FFF2-40B4-BE49-F238E27FC236}">
+                <a16:creationId xmlns:a16="http://schemas.microsoft.com/office/drawing/2014/main" id="{27DE0D5C-39BA-BC4C-83CD-49B1EAB78A80}"/>
+              </a:ext>
+            </a:extLst>
+          </p:cNvPr>
+          <p:cNvPicPr>
+            <a:picLocks noChangeAspect="1"/>
+          </p:cNvPicPr>
+          <p:nvPr/>
+        </p:nvPicPr>
+        <p:blipFill>
+          <a:blip r:embed="rId5"/>
+          <a:stretch>
+            <a:fillRect/>
+          </a:stretch>
+        </p:blipFill>
+        <p:spPr>
+          <a:xfrm>
+            <a:off x="8250913" y="3639250"/>
+            <a:ext cx="1771912" cy="934146"/>
+          </a:xfrm>
+          <a:prstGeom prst="rect">
+            <a:avLst/>
+          </a:prstGeom>
+        </p:spPr>
+      </p:pic>
+      <p:sp>
+        <p:nvSpPr>
+          <p:cNvPr id="9" name="TextBox 8">
+            <a:extLst>
+              <a:ext uri="{FF2B5EF4-FFF2-40B4-BE49-F238E27FC236}">
+                <a16:creationId xmlns:a16="http://schemas.microsoft.com/office/drawing/2014/main" id="{4ACE242F-67A6-D84B-A823-315DB0139BEB}"/>
+              </a:ext>
+            </a:extLst>
+          </p:cNvPr>
+          <p:cNvSpPr txBox="1"/>
+          <p:nvPr/>
+        </p:nvSpPr>
+        <p:spPr>
+          <a:xfrm>
+            <a:off x="10271748" y="4631613"/>
+            <a:ext cx="1531188" cy="369332"/>
+          </a:xfrm>
+          <a:prstGeom prst="rect">
+            <a:avLst/>
+          </a:prstGeom>
+          <a:noFill/>
+        </p:spPr>
+        <p:txBody>
+          <a:bodyPr wrap="none" rtlCol="0">
+            <a:spAutoFit/>
+          </a:bodyPr>
+          <a:lstStyle/>
+          <a:p>
+            <a:pPr algn="l"/>
+            <a:r>
+              <a:rPr lang="en-US" dirty="0" err="1">
+                <a:latin typeface="Arial" panose="020B0604020202020204" pitchFamily="34" charset="0"/>
+                <a:cs typeface="Arial" panose="020B0604020202020204" pitchFamily="34" charset="0"/>
+              </a:rPr>
+              <a:t>gesturequery</a:t>
+            </a:r>
+            <a:endParaRPr lang="en-US" dirty="0">
+              <a:latin typeface="Arial" panose="020B0604020202020204" pitchFamily="34" charset="0"/>
+              <a:cs typeface="Arial" panose="020B0604020202020204" pitchFamily="34" charset="0"/>
+            </a:endParaRPr>
+          </a:p>
+        </p:txBody>
+      </p:sp>
+      <p:sp>
+        <p:nvSpPr>
+          <p:cNvPr id="10" name="TextBox 9">
+            <a:extLst>
+              <a:ext uri="{FF2B5EF4-FFF2-40B4-BE49-F238E27FC236}">
+                <a16:creationId xmlns:a16="http://schemas.microsoft.com/office/drawing/2014/main" id="{08E9166E-8B12-B34C-AFCA-07E9A9CE496F}"/>
+              </a:ext>
+            </a:extLst>
+          </p:cNvPr>
+          <p:cNvSpPr txBox="1"/>
+          <p:nvPr/>
+        </p:nvSpPr>
+        <p:spPr>
+          <a:xfrm>
+            <a:off x="8679052" y="4631613"/>
+            <a:ext cx="915635" cy="369332"/>
+          </a:xfrm>
+          <a:prstGeom prst="rect">
+            <a:avLst/>
+          </a:prstGeom>
+          <a:noFill/>
+        </p:spPr>
+        <p:txBody>
+          <a:bodyPr wrap="none" rtlCol="0">
+            <a:spAutoFit/>
+          </a:bodyPr>
+          <a:lstStyle/>
+          <a:p>
+            <a:pPr algn="l"/>
+            <a:r>
+              <a:rPr lang="en-US" dirty="0" err="1">
+                <a:latin typeface="Arial" panose="020B0604020202020204" pitchFamily="34" charset="0"/>
+                <a:cs typeface="Arial" panose="020B0604020202020204" pitchFamily="34" charset="0"/>
+              </a:rPr>
+              <a:t>vizdom</a:t>
+            </a:r>
+            <a:endParaRPr lang="en-US" dirty="0">
+              <a:latin typeface="Arial" panose="020B0604020202020204" pitchFamily="34" charset="0"/>
+              <a:cs typeface="Arial" panose="020B0604020202020204" pitchFamily="34" charset="0"/>
+            </a:endParaRPr>
+          </a:p>
+        </p:txBody>
+      </p:sp>
+      <p:pic>
+        <p:nvPicPr>
+          <p:cNvPr id="11" name="Picture 10">
+            <a:extLst>
+              <a:ext uri="{FF2B5EF4-FFF2-40B4-BE49-F238E27FC236}">
+                <a16:creationId xmlns:a16="http://schemas.microsoft.com/office/drawing/2014/main" id="{D5A28457-40E6-4D40-B5CA-292725A4A891}"/>
+              </a:ext>
+            </a:extLst>
+          </p:cNvPr>
+          <p:cNvPicPr>
+            <a:picLocks noChangeAspect="1"/>
+          </p:cNvPicPr>
+          <p:nvPr/>
+        </p:nvPicPr>
+        <p:blipFill>
+          <a:blip r:embed="rId6"/>
+          <a:stretch>
+            <a:fillRect/>
+          </a:stretch>
+        </p:blipFill>
+        <p:spPr>
+          <a:xfrm>
+            <a:off x="9594687" y="5316004"/>
+            <a:ext cx="2340494" cy="1448968"/>
+          </a:xfrm>
+          <a:prstGeom prst="rect">
+            <a:avLst/>
+          </a:prstGeom>
+        </p:spPr>
+      </p:pic>
+      <p:sp>
+        <p:nvSpPr>
+          <p:cNvPr id="12" name="TextBox 11">
+            <a:extLst>
+              <a:ext uri="{FF2B5EF4-FFF2-40B4-BE49-F238E27FC236}">
+                <a16:creationId xmlns:a16="http://schemas.microsoft.com/office/drawing/2014/main" id="{82A57DC3-3931-4149-9F96-08078598FCB0}"/>
+              </a:ext>
+            </a:extLst>
+          </p:cNvPr>
+          <p:cNvSpPr txBox="1"/>
+          <p:nvPr/>
+        </p:nvSpPr>
+        <p:spPr>
+          <a:xfrm>
+            <a:off x="8407075" y="5840730"/>
+            <a:ext cx="1159292" cy="369332"/>
+          </a:xfrm>
+          <a:prstGeom prst="rect">
+            <a:avLst/>
+          </a:prstGeom>
+          <a:noFill/>
+        </p:spPr>
+        <p:txBody>
+          <a:bodyPr wrap="none" rtlCol="0">
+            <a:spAutoFit/>
+          </a:bodyPr>
+          <a:lstStyle/>
+          <a:p>
+            <a:pPr algn="l"/>
+            <a:r>
+              <a:rPr lang="en-US" dirty="0" err="1">
+                <a:latin typeface="Arial" panose="020B0604020202020204" pitchFamily="34" charset="0"/>
+                <a:cs typeface="Arial" panose="020B0604020202020204" pitchFamily="34" charset="0"/>
+              </a:rPr>
+              <a:t>DataChat</a:t>
+            </a:r>
+            <a:endParaRPr lang="en-US" dirty="0">
+              <a:latin typeface="Arial" panose="020B0604020202020204" pitchFamily="34" charset="0"/>
+              <a:cs typeface="Arial" panose="020B0604020202020204" pitchFamily="34" charset="0"/>
+            </a:endParaRPr>
+          </a:p>
+        </p:txBody>
+      </p:sp>
     </p:spTree>
     <p:extLst>
       <p:ext uri="{BB962C8B-B14F-4D97-AF65-F5344CB8AC3E}">
-        <p14:creationId xmlns:p14="http://schemas.microsoft.com/office/powerpoint/2010/main" val="4193222936"/>
+        <p14:creationId xmlns:p14="http://schemas.microsoft.com/office/powerpoint/2010/main" val="2790257416"/>
       </p:ext>
     </p:extLst>
   </p:cSld>
@@ -7345,7 +7610,7 @@
           <p:cNvPr id="2" name="Title 1">
             <a:extLst>
               <a:ext uri="{FF2B5EF4-FFF2-40B4-BE49-F238E27FC236}">
-                <a16:creationId xmlns:a16="http://schemas.microsoft.com/office/drawing/2014/main" id="{9003DC3E-7A4E-5D4A-A75F-4A8720C2058C}"/>
+                <a16:creationId xmlns:a16="http://schemas.microsoft.com/office/drawing/2014/main" id="{088E6758-0116-5C44-942E-9ECE9E84C815}"/>
               </a:ext>
             </a:extLst>
           </p:cNvPr>
@@ -7363,7 +7628,7 @@
           <a:p>
             <a:r>
               <a:rPr lang="en-US" dirty="0"/>
-              <a:t>Structure Determination</a:t>
+              <a:t>Approach Overview</a:t>
             </a:r>
           </a:p>
         </p:txBody>
@@ -7373,7 +7638,7 @@
           <p:cNvPr id="3" name="Content Placeholder 2">
             <a:extLst>
               <a:ext uri="{FF2B5EF4-FFF2-40B4-BE49-F238E27FC236}">
-                <a16:creationId xmlns:a16="http://schemas.microsoft.com/office/drawing/2014/main" id="{911D92FC-4ECD-8444-A037-19D59D869246}"/>
+                <a16:creationId xmlns:a16="http://schemas.microsoft.com/office/drawing/2014/main" id="{5669DAD4-44D7-534C-A413-EE06B8DC4027}"/>
               </a:ext>
             </a:extLst>
           </p:cNvPr>
@@ -7389,38 +7654,53 @@
           <a:bodyPr/>
           <a:lstStyle/>
           <a:p>
-            <a:pPr marL="0" indent="0">
-              <a:buNone/>
-            </a:pPr>
-            <a:r>
-              <a:rPr lang="en-US" dirty="0"/>
-              <a:t>Goal: find matching query template</a:t>
-            </a:r>
-          </a:p>
-          <a:p>
-            <a:pPr marL="0" indent="0">
-              <a:buNone/>
-            </a:pPr>
-            <a:r>
-              <a:rPr lang="en-US" dirty="0"/>
-              <a:t>Offline: build index of all possible query templates</a:t>
-            </a:r>
-          </a:p>
-          <a:p>
-            <a:pPr marL="0" indent="0">
-              <a:buNone/>
-            </a:pPr>
-            <a:r>
-              <a:rPr lang="en-US" dirty="0"/>
-              <a:t>Online: find minimum edit distance query template</a:t>
-            </a:r>
-          </a:p>
-        </p:txBody>
-      </p:sp>
+            <a:r>
+              <a:rPr lang="en-US" dirty="0"/>
+              <a:t>Match speech tokens to SQL template (struct determination)</a:t>
+            </a:r>
+          </a:p>
+          <a:p>
+            <a:r>
+              <a:rPr lang="en-US" dirty="0"/>
+              <a:t>Fill in literals, address homophones (literal determination)</a:t>
+            </a:r>
+          </a:p>
+        </p:txBody>
+      </p:sp>
+      <p:pic>
+        <p:nvPicPr>
+          <p:cNvPr id="4" name="Picture 3">
+            <a:extLst>
+              <a:ext uri="{FF2B5EF4-FFF2-40B4-BE49-F238E27FC236}">
+                <a16:creationId xmlns:a16="http://schemas.microsoft.com/office/drawing/2014/main" id="{2FEF31A9-8774-2347-AED8-CA741B8ACCBE}"/>
+              </a:ext>
+            </a:extLst>
+          </p:cNvPr>
+          <p:cNvPicPr>
+            <a:picLocks noChangeAspect="1"/>
+          </p:cNvPicPr>
+          <p:nvPr/>
+        </p:nvPicPr>
+        <p:blipFill>
+          <a:blip r:embed="rId2"/>
+          <a:stretch>
+            <a:fillRect/>
+          </a:stretch>
+        </p:blipFill>
+        <p:spPr>
+          <a:xfrm>
+            <a:off x="1130474" y="3429000"/>
+            <a:ext cx="9931052" cy="2646516"/>
+          </a:xfrm>
+          <a:prstGeom prst="rect">
+            <a:avLst/>
+          </a:prstGeom>
+        </p:spPr>
+      </p:pic>
     </p:spTree>
     <p:extLst>
       <p:ext uri="{BB962C8B-B14F-4D97-AF65-F5344CB8AC3E}">
-        <p14:creationId xmlns:p14="http://schemas.microsoft.com/office/powerpoint/2010/main" val="4097716968"/>
+        <p14:creationId xmlns:p14="http://schemas.microsoft.com/office/powerpoint/2010/main" val="4193222936"/>
       </p:ext>
     </p:extLst>
   </p:cSld>

--- a/2020s_w6998/lecs/08_modalities.pptx
+++ b/2020s_w6998/lecs/08_modalities.pptx
@@ -5,33 +5,36 @@
     <p:sldMasterId id="2147483648" r:id="rId1"/>
   </p:sldMasterIdLst>
   <p:notesMasterIdLst>
-    <p:notesMasterId r:id="rId26"/>
+    <p:notesMasterId r:id="rId29"/>
   </p:notesMasterIdLst>
   <p:sldIdLst>
     <p:sldId id="256" r:id="rId2"/>
     <p:sldId id="257" r:id="rId3"/>
     <p:sldId id="259" r:id="rId4"/>
-    <p:sldId id="326" r:id="rId5"/>
-    <p:sldId id="309" r:id="rId6"/>
-    <p:sldId id="308" r:id="rId7"/>
-    <p:sldId id="314" r:id="rId8"/>
-    <p:sldId id="307" r:id="rId9"/>
-    <p:sldId id="311" r:id="rId10"/>
-    <p:sldId id="310" r:id="rId11"/>
-    <p:sldId id="315" r:id="rId12"/>
-    <p:sldId id="316" r:id="rId13"/>
-    <p:sldId id="313" r:id="rId14"/>
-    <p:sldId id="317" r:id="rId15"/>
-    <p:sldId id="312" r:id="rId16"/>
-    <p:sldId id="318" r:id="rId17"/>
-    <p:sldId id="319" r:id="rId18"/>
-    <p:sldId id="324" r:id="rId19"/>
-    <p:sldId id="306" r:id="rId20"/>
-    <p:sldId id="262" r:id="rId21"/>
-    <p:sldId id="320" r:id="rId22"/>
-    <p:sldId id="323" r:id="rId23"/>
-    <p:sldId id="322" r:id="rId24"/>
-    <p:sldId id="325" r:id="rId25"/>
+    <p:sldId id="327" r:id="rId5"/>
+    <p:sldId id="328" r:id="rId6"/>
+    <p:sldId id="326" r:id="rId7"/>
+    <p:sldId id="309" r:id="rId8"/>
+    <p:sldId id="308" r:id="rId9"/>
+    <p:sldId id="314" r:id="rId10"/>
+    <p:sldId id="307" r:id="rId11"/>
+    <p:sldId id="311" r:id="rId12"/>
+    <p:sldId id="310" r:id="rId13"/>
+    <p:sldId id="315" r:id="rId14"/>
+    <p:sldId id="316" r:id="rId15"/>
+    <p:sldId id="313" r:id="rId16"/>
+    <p:sldId id="317" r:id="rId17"/>
+    <p:sldId id="312" r:id="rId18"/>
+    <p:sldId id="318" r:id="rId19"/>
+    <p:sldId id="319" r:id="rId20"/>
+    <p:sldId id="324" r:id="rId21"/>
+    <p:sldId id="306" r:id="rId22"/>
+    <p:sldId id="262" r:id="rId23"/>
+    <p:sldId id="320" r:id="rId24"/>
+    <p:sldId id="323" r:id="rId25"/>
+    <p:sldId id="322" r:id="rId26"/>
+    <p:sldId id="325" r:id="rId27"/>
+    <p:sldId id="329" r:id="rId28"/>
   </p:sldIdLst>
   <p:sldSz cx="12192000" cy="6858000"/>
   <p:notesSz cx="6858000" cy="9144000"/>
@@ -532,6 +535,98 @@
           <a:lstStyle/>
           <a:p>
             <a:r>
+              <a:rPr lang="en-US" dirty="0" smtClean="0"/>
+              <a:t>understand</a:t>
+            </a:r>
+            <a:r>
+              <a:rPr lang="en-US" baseline="0" dirty="0" smtClean="0"/>
+              <a:t> SQL query operators.</a:t>
+            </a:r>
+            <a:endParaRPr lang="en-US" dirty="0"/>
+          </a:p>
+        </p:txBody>
+      </p:sp>
+      <p:sp>
+        <p:nvSpPr>
+          <p:cNvPr id="4" name="Slide Number Placeholder 3"/>
+          <p:cNvSpPr>
+            <a:spLocks noGrp="1"/>
+          </p:cNvSpPr>
+          <p:nvPr>
+            <p:ph type="sldNum" sz="quarter" idx="10"/>
+          </p:nvPr>
+        </p:nvSpPr>
+        <p:spPr/>
+        <p:txBody>
+          <a:bodyPr/>
+          <a:lstStyle/>
+          <a:p>
+            <a:fld id="{2E4A8955-ECBC-A647-A56E-6EF1E83FE798}" type="slidenum">
+              <a:rPr lang="en-US" smtClean="0"/>
+              <a:t>4</a:t>
+            </a:fld>
+            <a:endParaRPr lang="en-US"/>
+          </a:p>
+        </p:txBody>
+      </p:sp>
+    </p:spTree>
+    <p:extLst>
+      <p:ext uri="{BB962C8B-B14F-4D97-AF65-F5344CB8AC3E}">
+        <p14:creationId xmlns:p14="http://schemas.microsoft.com/office/powerpoint/2010/main" val="199695430"/>
+      </p:ext>
+    </p:extLst>
+  </p:cSld>
+  <p:clrMapOvr>
+    <a:masterClrMapping/>
+  </p:clrMapOvr>
+</p:notes>
+</file>
+
+<file path=ppt/notesSlides/notesSlide2.xml><?xml version="1.0" encoding="utf-8"?>
+<p:notes xmlns:a="http://schemas.openxmlformats.org/drawingml/2006/main" xmlns:r="http://schemas.openxmlformats.org/officeDocument/2006/relationships" xmlns:p="http://schemas.openxmlformats.org/presentationml/2006/main">
+  <p:cSld>
+    <p:spTree>
+      <p:nvGrpSpPr>
+        <p:cNvPr id="1" name=""/>
+        <p:cNvGrpSpPr/>
+        <p:nvPr/>
+      </p:nvGrpSpPr>
+      <p:grpSpPr>
+        <a:xfrm>
+          <a:off x="0" y="0"/>
+          <a:ext cx="0" cy="0"/>
+          <a:chOff x="0" y="0"/>
+          <a:chExt cx="0" cy="0"/>
+        </a:xfrm>
+      </p:grpSpPr>
+      <p:sp>
+        <p:nvSpPr>
+          <p:cNvPr id="2" name="Slide Image Placeholder 1"/>
+          <p:cNvSpPr>
+            <a:spLocks noGrp="1" noRot="1" noChangeAspect="1"/>
+          </p:cNvSpPr>
+          <p:nvPr>
+            <p:ph type="sldImg"/>
+          </p:nvPr>
+        </p:nvSpPr>
+        <p:spPr/>
+      </p:sp>
+      <p:sp>
+        <p:nvSpPr>
+          <p:cNvPr id="3" name="Notes Placeholder 2"/>
+          <p:cNvSpPr>
+            <a:spLocks noGrp="1"/>
+          </p:cNvSpPr>
+          <p:nvPr>
+            <p:ph type="body" idx="1"/>
+          </p:nvPr>
+        </p:nvSpPr>
+        <p:spPr/>
+        <p:txBody>
+          <a:bodyPr/>
+          <a:lstStyle/>
+          <a:p>
+            <a:r>
               <a:rPr lang="en-US" dirty="0"/>
               <a:t> * early </a:t>
             </a:r>
@@ -595,7 +690,7 @@
           <a:p>
             <a:fld id="{2E4A8955-ECBC-A647-A56E-6EF1E83FE798}" type="slidenum">
               <a:rPr lang="en-US" smtClean="0"/>
-              <a:t>20</a:t>
+              <a:t>22</a:t>
             </a:fld>
             <a:endParaRPr lang="en-US"/>
           </a:p>
@@ -636,7 +731,7 @@
           <p:cNvPr id="2" name="Title 1">
             <a:extLst>
               <a:ext uri="{FF2B5EF4-FFF2-40B4-BE49-F238E27FC236}">
-                <a16:creationId xmlns:a16="http://schemas.microsoft.com/office/drawing/2014/main" id="{1DCDCD60-9E60-C448-915E-FBC7ED736679}"/>
+                <a16:creationId xmlns:a16="http://schemas.microsoft.com/office/drawing/2014/main" xmlns="" id="{1DCDCD60-9E60-C448-915E-FBC7ED736679}"/>
               </a:ext>
             </a:extLst>
           </p:cNvPr>
@@ -673,7 +768,7 @@
           <p:cNvPr id="3" name="Subtitle 2">
             <a:extLst>
               <a:ext uri="{FF2B5EF4-FFF2-40B4-BE49-F238E27FC236}">
-                <a16:creationId xmlns:a16="http://schemas.microsoft.com/office/drawing/2014/main" id="{D1A45D4A-C54B-9C4B-A96E-A1AB64F53628}"/>
+                <a16:creationId xmlns:a16="http://schemas.microsoft.com/office/drawing/2014/main" xmlns="" id="{D1A45D4A-C54B-9C4B-A96E-A1AB64F53628}"/>
               </a:ext>
             </a:extLst>
           </p:cNvPr>
@@ -743,7 +838,7 @@
           <p:cNvPr id="4" name="Date Placeholder 3">
             <a:extLst>
               <a:ext uri="{FF2B5EF4-FFF2-40B4-BE49-F238E27FC236}">
-                <a16:creationId xmlns:a16="http://schemas.microsoft.com/office/drawing/2014/main" id="{F8E3620A-AC67-FE49-B237-392271075F5B}"/>
+                <a16:creationId xmlns:a16="http://schemas.microsoft.com/office/drawing/2014/main" xmlns="" id="{F8E3620A-AC67-FE49-B237-392271075F5B}"/>
               </a:ext>
             </a:extLst>
           </p:cNvPr>
@@ -772,7 +867,7 @@
           <p:cNvPr id="5" name="Footer Placeholder 4">
             <a:extLst>
               <a:ext uri="{FF2B5EF4-FFF2-40B4-BE49-F238E27FC236}">
-                <a16:creationId xmlns:a16="http://schemas.microsoft.com/office/drawing/2014/main" id="{CDF6CEA1-B544-C041-B80A-318BF2C9A081}"/>
+                <a16:creationId xmlns:a16="http://schemas.microsoft.com/office/drawing/2014/main" xmlns="" id="{CDF6CEA1-B544-C041-B80A-318BF2C9A081}"/>
               </a:ext>
             </a:extLst>
           </p:cNvPr>
@@ -797,7 +892,7 @@
           <p:cNvPr id="6" name="Slide Number Placeholder 5">
             <a:extLst>
               <a:ext uri="{FF2B5EF4-FFF2-40B4-BE49-F238E27FC236}">
-                <a16:creationId xmlns:a16="http://schemas.microsoft.com/office/drawing/2014/main" id="{30423BB5-0371-AD42-AC04-084806084A69}"/>
+                <a16:creationId xmlns:a16="http://schemas.microsoft.com/office/drawing/2014/main" xmlns="" id="{30423BB5-0371-AD42-AC04-084806084A69}"/>
               </a:ext>
             </a:extLst>
           </p:cNvPr>
@@ -856,7 +951,7 @@
           <p:cNvPr id="2" name="Title 1">
             <a:extLst>
               <a:ext uri="{FF2B5EF4-FFF2-40B4-BE49-F238E27FC236}">
-                <a16:creationId xmlns:a16="http://schemas.microsoft.com/office/drawing/2014/main" id="{F75BA00D-6EB1-C749-AD58-39EC70176BE5}"/>
+                <a16:creationId xmlns:a16="http://schemas.microsoft.com/office/drawing/2014/main" xmlns="" id="{F75BA00D-6EB1-C749-AD58-39EC70176BE5}"/>
               </a:ext>
             </a:extLst>
           </p:cNvPr>
@@ -884,7 +979,7 @@
           <p:cNvPr id="3" name="Vertical Text Placeholder 2">
             <a:extLst>
               <a:ext uri="{FF2B5EF4-FFF2-40B4-BE49-F238E27FC236}">
-                <a16:creationId xmlns:a16="http://schemas.microsoft.com/office/drawing/2014/main" id="{AAF0EAFB-2C12-FF49-B2EF-37D5F8094D01}"/>
+                <a16:creationId xmlns:a16="http://schemas.microsoft.com/office/drawing/2014/main" xmlns="" id="{AAF0EAFB-2C12-FF49-B2EF-37D5F8094D01}"/>
               </a:ext>
             </a:extLst>
           </p:cNvPr>
@@ -941,7 +1036,7 @@
           <p:cNvPr id="4" name="Date Placeholder 3">
             <a:extLst>
               <a:ext uri="{FF2B5EF4-FFF2-40B4-BE49-F238E27FC236}">
-                <a16:creationId xmlns:a16="http://schemas.microsoft.com/office/drawing/2014/main" id="{019645EF-6B11-544A-8582-515AB007B180}"/>
+                <a16:creationId xmlns:a16="http://schemas.microsoft.com/office/drawing/2014/main" xmlns="" id="{019645EF-6B11-544A-8582-515AB007B180}"/>
               </a:ext>
             </a:extLst>
           </p:cNvPr>
@@ -970,7 +1065,7 @@
           <p:cNvPr id="5" name="Footer Placeholder 4">
             <a:extLst>
               <a:ext uri="{FF2B5EF4-FFF2-40B4-BE49-F238E27FC236}">
-                <a16:creationId xmlns:a16="http://schemas.microsoft.com/office/drawing/2014/main" id="{BAA01D6E-6C3B-4E44-AE0E-0E0362B79570}"/>
+                <a16:creationId xmlns:a16="http://schemas.microsoft.com/office/drawing/2014/main" xmlns="" id="{BAA01D6E-6C3B-4E44-AE0E-0E0362B79570}"/>
               </a:ext>
             </a:extLst>
           </p:cNvPr>
@@ -995,7 +1090,7 @@
           <p:cNvPr id="6" name="Slide Number Placeholder 5">
             <a:extLst>
               <a:ext uri="{FF2B5EF4-FFF2-40B4-BE49-F238E27FC236}">
-                <a16:creationId xmlns:a16="http://schemas.microsoft.com/office/drawing/2014/main" id="{6521F530-545B-E641-B501-B3CB28D1D80F}"/>
+                <a16:creationId xmlns:a16="http://schemas.microsoft.com/office/drawing/2014/main" xmlns="" id="{6521F530-545B-E641-B501-B3CB28D1D80F}"/>
               </a:ext>
             </a:extLst>
           </p:cNvPr>
@@ -1054,7 +1149,7 @@
           <p:cNvPr id="2" name="Vertical Title 1">
             <a:extLst>
               <a:ext uri="{FF2B5EF4-FFF2-40B4-BE49-F238E27FC236}">
-                <a16:creationId xmlns:a16="http://schemas.microsoft.com/office/drawing/2014/main" id="{4878D5D7-697D-C14D-8D23-DE6CC094834E}"/>
+                <a16:creationId xmlns:a16="http://schemas.microsoft.com/office/drawing/2014/main" xmlns="" id="{4878D5D7-697D-C14D-8D23-DE6CC094834E}"/>
               </a:ext>
             </a:extLst>
           </p:cNvPr>
@@ -1087,7 +1182,7 @@
           <p:cNvPr id="3" name="Vertical Text Placeholder 2">
             <a:extLst>
               <a:ext uri="{FF2B5EF4-FFF2-40B4-BE49-F238E27FC236}">
-                <a16:creationId xmlns:a16="http://schemas.microsoft.com/office/drawing/2014/main" id="{FE3C60F8-2C45-AF46-B40A-B18DA99E7E2A}"/>
+                <a16:creationId xmlns:a16="http://schemas.microsoft.com/office/drawing/2014/main" xmlns="" id="{FE3C60F8-2C45-AF46-B40A-B18DA99E7E2A}"/>
               </a:ext>
             </a:extLst>
           </p:cNvPr>
@@ -1149,7 +1244,7 @@
           <p:cNvPr id="4" name="Date Placeholder 3">
             <a:extLst>
               <a:ext uri="{FF2B5EF4-FFF2-40B4-BE49-F238E27FC236}">
-                <a16:creationId xmlns:a16="http://schemas.microsoft.com/office/drawing/2014/main" id="{A1E76BE2-6214-C94A-802B-8CB5B303EE1F}"/>
+                <a16:creationId xmlns:a16="http://schemas.microsoft.com/office/drawing/2014/main" xmlns="" id="{A1E76BE2-6214-C94A-802B-8CB5B303EE1F}"/>
               </a:ext>
             </a:extLst>
           </p:cNvPr>
@@ -1178,7 +1273,7 @@
           <p:cNvPr id="5" name="Footer Placeholder 4">
             <a:extLst>
               <a:ext uri="{FF2B5EF4-FFF2-40B4-BE49-F238E27FC236}">
-                <a16:creationId xmlns:a16="http://schemas.microsoft.com/office/drawing/2014/main" id="{40C17F0D-101C-E342-A381-66692BBD5635}"/>
+                <a16:creationId xmlns:a16="http://schemas.microsoft.com/office/drawing/2014/main" xmlns="" id="{40C17F0D-101C-E342-A381-66692BBD5635}"/>
               </a:ext>
             </a:extLst>
           </p:cNvPr>
@@ -1203,7 +1298,7 @@
           <p:cNvPr id="6" name="Slide Number Placeholder 5">
             <a:extLst>
               <a:ext uri="{FF2B5EF4-FFF2-40B4-BE49-F238E27FC236}">
-                <a16:creationId xmlns:a16="http://schemas.microsoft.com/office/drawing/2014/main" id="{E5A7A261-9C62-A047-88A0-6BE7F0C19FB3}"/>
+                <a16:creationId xmlns:a16="http://schemas.microsoft.com/office/drawing/2014/main" xmlns="" id="{E5A7A261-9C62-A047-88A0-6BE7F0C19FB3}"/>
               </a:ext>
             </a:extLst>
           </p:cNvPr>
@@ -1262,7 +1357,7 @@
           <p:cNvPr id="2" name="Title 1">
             <a:extLst>
               <a:ext uri="{FF2B5EF4-FFF2-40B4-BE49-F238E27FC236}">
-                <a16:creationId xmlns:a16="http://schemas.microsoft.com/office/drawing/2014/main" id="{5C211BFD-FF17-5A4E-AE20-F3D1193C48FE}"/>
+                <a16:creationId xmlns:a16="http://schemas.microsoft.com/office/drawing/2014/main" xmlns="" id="{5C211BFD-FF17-5A4E-AE20-F3D1193C48FE}"/>
               </a:ext>
             </a:extLst>
           </p:cNvPr>
@@ -1290,7 +1385,7 @@
           <p:cNvPr id="3" name="Content Placeholder 2">
             <a:extLst>
               <a:ext uri="{FF2B5EF4-FFF2-40B4-BE49-F238E27FC236}">
-                <a16:creationId xmlns:a16="http://schemas.microsoft.com/office/drawing/2014/main" id="{AAE8BEEE-6247-3C49-B843-56B76BE22172}"/>
+                <a16:creationId xmlns:a16="http://schemas.microsoft.com/office/drawing/2014/main" xmlns="" id="{AAE8BEEE-6247-3C49-B843-56B76BE22172}"/>
               </a:ext>
             </a:extLst>
           </p:cNvPr>
@@ -1347,7 +1442,7 @@
           <p:cNvPr id="4" name="Date Placeholder 3">
             <a:extLst>
               <a:ext uri="{FF2B5EF4-FFF2-40B4-BE49-F238E27FC236}">
-                <a16:creationId xmlns:a16="http://schemas.microsoft.com/office/drawing/2014/main" id="{7DE03470-9EAC-834F-8D19-2C7D8C878417}"/>
+                <a16:creationId xmlns:a16="http://schemas.microsoft.com/office/drawing/2014/main" xmlns="" id="{7DE03470-9EAC-834F-8D19-2C7D8C878417}"/>
               </a:ext>
             </a:extLst>
           </p:cNvPr>
@@ -1376,7 +1471,7 @@
           <p:cNvPr id="5" name="Footer Placeholder 4">
             <a:extLst>
               <a:ext uri="{FF2B5EF4-FFF2-40B4-BE49-F238E27FC236}">
-                <a16:creationId xmlns:a16="http://schemas.microsoft.com/office/drawing/2014/main" id="{AC836DBB-FDF6-9D4B-9347-DFA9C68CF75A}"/>
+                <a16:creationId xmlns:a16="http://schemas.microsoft.com/office/drawing/2014/main" xmlns="" id="{AC836DBB-FDF6-9D4B-9347-DFA9C68CF75A}"/>
               </a:ext>
             </a:extLst>
           </p:cNvPr>
@@ -1401,7 +1496,7 @@
           <p:cNvPr id="6" name="Slide Number Placeholder 5">
             <a:extLst>
               <a:ext uri="{FF2B5EF4-FFF2-40B4-BE49-F238E27FC236}">
-                <a16:creationId xmlns:a16="http://schemas.microsoft.com/office/drawing/2014/main" id="{6B09C6C7-5FBD-CA45-97FD-A4A2CC9BF2A6}"/>
+                <a16:creationId xmlns:a16="http://schemas.microsoft.com/office/drawing/2014/main" xmlns="" id="{6B09C6C7-5FBD-CA45-97FD-A4A2CC9BF2A6}"/>
               </a:ext>
             </a:extLst>
           </p:cNvPr>
@@ -1460,7 +1555,7 @@
           <p:cNvPr id="2" name="Title 1">
             <a:extLst>
               <a:ext uri="{FF2B5EF4-FFF2-40B4-BE49-F238E27FC236}">
-                <a16:creationId xmlns:a16="http://schemas.microsoft.com/office/drawing/2014/main" id="{0BF83287-1244-044E-8120-ED80A08C7A58}"/>
+                <a16:creationId xmlns:a16="http://schemas.microsoft.com/office/drawing/2014/main" xmlns="" id="{0BF83287-1244-044E-8120-ED80A08C7A58}"/>
               </a:ext>
             </a:extLst>
           </p:cNvPr>
@@ -1497,7 +1592,7 @@
           <p:cNvPr id="3" name="Text Placeholder 2">
             <a:extLst>
               <a:ext uri="{FF2B5EF4-FFF2-40B4-BE49-F238E27FC236}">
-                <a16:creationId xmlns:a16="http://schemas.microsoft.com/office/drawing/2014/main" id="{7D98A47B-E02D-E84C-98CF-0254B4812165}"/>
+                <a16:creationId xmlns:a16="http://schemas.microsoft.com/office/drawing/2014/main" xmlns="" id="{7D98A47B-E02D-E84C-98CF-0254B4812165}"/>
               </a:ext>
             </a:extLst>
           </p:cNvPr>
@@ -1622,7 +1717,7 @@
           <p:cNvPr id="4" name="Date Placeholder 3">
             <a:extLst>
               <a:ext uri="{FF2B5EF4-FFF2-40B4-BE49-F238E27FC236}">
-                <a16:creationId xmlns:a16="http://schemas.microsoft.com/office/drawing/2014/main" id="{5B22D22A-6052-7444-B82B-52568B79FD0D}"/>
+                <a16:creationId xmlns:a16="http://schemas.microsoft.com/office/drawing/2014/main" xmlns="" id="{5B22D22A-6052-7444-B82B-52568B79FD0D}"/>
               </a:ext>
             </a:extLst>
           </p:cNvPr>
@@ -1651,7 +1746,7 @@
           <p:cNvPr id="5" name="Footer Placeholder 4">
             <a:extLst>
               <a:ext uri="{FF2B5EF4-FFF2-40B4-BE49-F238E27FC236}">
-                <a16:creationId xmlns:a16="http://schemas.microsoft.com/office/drawing/2014/main" id="{DD945307-C0A4-8648-A8FC-14FEE716F5A3}"/>
+                <a16:creationId xmlns:a16="http://schemas.microsoft.com/office/drawing/2014/main" xmlns="" id="{DD945307-C0A4-8648-A8FC-14FEE716F5A3}"/>
               </a:ext>
             </a:extLst>
           </p:cNvPr>
@@ -1676,7 +1771,7 @@
           <p:cNvPr id="6" name="Slide Number Placeholder 5">
             <a:extLst>
               <a:ext uri="{FF2B5EF4-FFF2-40B4-BE49-F238E27FC236}">
-                <a16:creationId xmlns:a16="http://schemas.microsoft.com/office/drawing/2014/main" id="{A5E43AAD-8722-CA43-B3C7-0CC5973F2F8A}"/>
+                <a16:creationId xmlns:a16="http://schemas.microsoft.com/office/drawing/2014/main" xmlns="" id="{A5E43AAD-8722-CA43-B3C7-0CC5973F2F8A}"/>
               </a:ext>
             </a:extLst>
           </p:cNvPr>
@@ -1735,7 +1830,7 @@
           <p:cNvPr id="2" name="Title 1">
             <a:extLst>
               <a:ext uri="{FF2B5EF4-FFF2-40B4-BE49-F238E27FC236}">
-                <a16:creationId xmlns:a16="http://schemas.microsoft.com/office/drawing/2014/main" id="{FA623F30-A792-234A-B6C2-9F88BE75D018}"/>
+                <a16:creationId xmlns:a16="http://schemas.microsoft.com/office/drawing/2014/main" xmlns="" id="{FA623F30-A792-234A-B6C2-9F88BE75D018}"/>
               </a:ext>
             </a:extLst>
           </p:cNvPr>
@@ -1763,7 +1858,7 @@
           <p:cNvPr id="3" name="Content Placeholder 2">
             <a:extLst>
               <a:ext uri="{FF2B5EF4-FFF2-40B4-BE49-F238E27FC236}">
-                <a16:creationId xmlns:a16="http://schemas.microsoft.com/office/drawing/2014/main" id="{1CF1C699-781B-5B4C-8CCF-3E9CC6EADBF1}"/>
+                <a16:creationId xmlns:a16="http://schemas.microsoft.com/office/drawing/2014/main" xmlns="" id="{1CF1C699-781B-5B4C-8CCF-3E9CC6EADBF1}"/>
               </a:ext>
             </a:extLst>
           </p:cNvPr>
@@ -1825,7 +1920,7 @@
           <p:cNvPr id="4" name="Content Placeholder 3">
             <a:extLst>
               <a:ext uri="{FF2B5EF4-FFF2-40B4-BE49-F238E27FC236}">
-                <a16:creationId xmlns:a16="http://schemas.microsoft.com/office/drawing/2014/main" id="{A0DB39C2-6990-8F47-BE6D-BC09AF2D758E}"/>
+                <a16:creationId xmlns:a16="http://schemas.microsoft.com/office/drawing/2014/main" xmlns="" id="{A0DB39C2-6990-8F47-BE6D-BC09AF2D758E}"/>
               </a:ext>
             </a:extLst>
           </p:cNvPr>
@@ -1887,7 +1982,7 @@
           <p:cNvPr id="5" name="Date Placeholder 4">
             <a:extLst>
               <a:ext uri="{FF2B5EF4-FFF2-40B4-BE49-F238E27FC236}">
-                <a16:creationId xmlns:a16="http://schemas.microsoft.com/office/drawing/2014/main" id="{D932AC93-0A07-D74A-A41A-3B93FECD4B93}"/>
+                <a16:creationId xmlns:a16="http://schemas.microsoft.com/office/drawing/2014/main" xmlns="" id="{D932AC93-0A07-D74A-A41A-3B93FECD4B93}"/>
               </a:ext>
             </a:extLst>
           </p:cNvPr>
@@ -1916,7 +2011,7 @@
           <p:cNvPr id="6" name="Footer Placeholder 5">
             <a:extLst>
               <a:ext uri="{FF2B5EF4-FFF2-40B4-BE49-F238E27FC236}">
-                <a16:creationId xmlns:a16="http://schemas.microsoft.com/office/drawing/2014/main" id="{1A5CD02F-36D7-7A4A-8319-60F73EB67BEE}"/>
+                <a16:creationId xmlns:a16="http://schemas.microsoft.com/office/drawing/2014/main" xmlns="" id="{1A5CD02F-36D7-7A4A-8319-60F73EB67BEE}"/>
               </a:ext>
             </a:extLst>
           </p:cNvPr>
@@ -1941,7 +2036,7 @@
           <p:cNvPr id="7" name="Slide Number Placeholder 6">
             <a:extLst>
               <a:ext uri="{FF2B5EF4-FFF2-40B4-BE49-F238E27FC236}">
-                <a16:creationId xmlns:a16="http://schemas.microsoft.com/office/drawing/2014/main" id="{D87AA84F-3CEB-7843-8A09-173D6540553F}"/>
+                <a16:creationId xmlns:a16="http://schemas.microsoft.com/office/drawing/2014/main" xmlns="" id="{D87AA84F-3CEB-7843-8A09-173D6540553F}"/>
               </a:ext>
             </a:extLst>
           </p:cNvPr>
@@ -2000,7 +2095,7 @@
           <p:cNvPr id="2" name="Title 1">
             <a:extLst>
               <a:ext uri="{FF2B5EF4-FFF2-40B4-BE49-F238E27FC236}">
-                <a16:creationId xmlns:a16="http://schemas.microsoft.com/office/drawing/2014/main" id="{101C8314-AD71-6A40-A86E-60E2FBA76BDA}"/>
+                <a16:creationId xmlns:a16="http://schemas.microsoft.com/office/drawing/2014/main" xmlns="" id="{101C8314-AD71-6A40-A86E-60E2FBA76BDA}"/>
               </a:ext>
             </a:extLst>
           </p:cNvPr>
@@ -2033,7 +2128,7 @@
           <p:cNvPr id="3" name="Text Placeholder 2">
             <a:extLst>
               <a:ext uri="{FF2B5EF4-FFF2-40B4-BE49-F238E27FC236}">
-                <a16:creationId xmlns:a16="http://schemas.microsoft.com/office/drawing/2014/main" id="{C440BD5C-5FBC-C148-A8DC-8697C8097C5D}"/>
+                <a16:creationId xmlns:a16="http://schemas.microsoft.com/office/drawing/2014/main" xmlns="" id="{C440BD5C-5FBC-C148-A8DC-8697C8097C5D}"/>
               </a:ext>
             </a:extLst>
           </p:cNvPr>
@@ -2104,7 +2199,7 @@
           <p:cNvPr id="4" name="Content Placeholder 3">
             <a:extLst>
               <a:ext uri="{FF2B5EF4-FFF2-40B4-BE49-F238E27FC236}">
-                <a16:creationId xmlns:a16="http://schemas.microsoft.com/office/drawing/2014/main" id="{70C4AF77-B3B6-B24C-8D88-1160A8CC79CC}"/>
+                <a16:creationId xmlns:a16="http://schemas.microsoft.com/office/drawing/2014/main" xmlns="" id="{70C4AF77-B3B6-B24C-8D88-1160A8CC79CC}"/>
               </a:ext>
             </a:extLst>
           </p:cNvPr>
@@ -2166,7 +2261,7 @@
           <p:cNvPr id="5" name="Text Placeholder 4">
             <a:extLst>
               <a:ext uri="{FF2B5EF4-FFF2-40B4-BE49-F238E27FC236}">
-                <a16:creationId xmlns:a16="http://schemas.microsoft.com/office/drawing/2014/main" id="{071DEFE3-0D65-874E-A2DA-70A21099C5A7}"/>
+                <a16:creationId xmlns:a16="http://schemas.microsoft.com/office/drawing/2014/main" xmlns="" id="{071DEFE3-0D65-874E-A2DA-70A21099C5A7}"/>
               </a:ext>
             </a:extLst>
           </p:cNvPr>
@@ -2237,7 +2332,7 @@
           <p:cNvPr id="6" name="Content Placeholder 5">
             <a:extLst>
               <a:ext uri="{FF2B5EF4-FFF2-40B4-BE49-F238E27FC236}">
-                <a16:creationId xmlns:a16="http://schemas.microsoft.com/office/drawing/2014/main" id="{BCAB60CC-4F9E-6444-9A23-ABDE2AF5C0C4}"/>
+                <a16:creationId xmlns:a16="http://schemas.microsoft.com/office/drawing/2014/main" xmlns="" id="{BCAB60CC-4F9E-6444-9A23-ABDE2AF5C0C4}"/>
               </a:ext>
             </a:extLst>
           </p:cNvPr>
@@ -2299,7 +2394,7 @@
           <p:cNvPr id="7" name="Date Placeholder 6">
             <a:extLst>
               <a:ext uri="{FF2B5EF4-FFF2-40B4-BE49-F238E27FC236}">
-                <a16:creationId xmlns:a16="http://schemas.microsoft.com/office/drawing/2014/main" id="{1FCA4962-3B47-E249-A88E-26CBD72383D6}"/>
+                <a16:creationId xmlns:a16="http://schemas.microsoft.com/office/drawing/2014/main" xmlns="" id="{1FCA4962-3B47-E249-A88E-26CBD72383D6}"/>
               </a:ext>
             </a:extLst>
           </p:cNvPr>
@@ -2328,7 +2423,7 @@
           <p:cNvPr id="8" name="Footer Placeholder 7">
             <a:extLst>
               <a:ext uri="{FF2B5EF4-FFF2-40B4-BE49-F238E27FC236}">
-                <a16:creationId xmlns:a16="http://schemas.microsoft.com/office/drawing/2014/main" id="{326B38B4-B67A-1E43-9774-C8825F68D558}"/>
+                <a16:creationId xmlns:a16="http://schemas.microsoft.com/office/drawing/2014/main" xmlns="" id="{326B38B4-B67A-1E43-9774-C8825F68D558}"/>
               </a:ext>
             </a:extLst>
           </p:cNvPr>
@@ -2353,7 +2448,7 @@
           <p:cNvPr id="9" name="Slide Number Placeholder 8">
             <a:extLst>
               <a:ext uri="{FF2B5EF4-FFF2-40B4-BE49-F238E27FC236}">
-                <a16:creationId xmlns:a16="http://schemas.microsoft.com/office/drawing/2014/main" id="{AF3B6F05-3142-5848-AFF8-C5014AE1A9B4}"/>
+                <a16:creationId xmlns:a16="http://schemas.microsoft.com/office/drawing/2014/main" xmlns="" id="{AF3B6F05-3142-5848-AFF8-C5014AE1A9B4}"/>
               </a:ext>
             </a:extLst>
           </p:cNvPr>
@@ -2412,7 +2507,7 @@
           <p:cNvPr id="2" name="Title 1">
             <a:extLst>
               <a:ext uri="{FF2B5EF4-FFF2-40B4-BE49-F238E27FC236}">
-                <a16:creationId xmlns:a16="http://schemas.microsoft.com/office/drawing/2014/main" id="{346A66E1-B824-B548-8B36-6A84BD189E35}"/>
+                <a16:creationId xmlns:a16="http://schemas.microsoft.com/office/drawing/2014/main" xmlns="" id="{346A66E1-B824-B548-8B36-6A84BD189E35}"/>
               </a:ext>
             </a:extLst>
           </p:cNvPr>
@@ -2440,7 +2535,7 @@
           <p:cNvPr id="3" name="Date Placeholder 2">
             <a:extLst>
               <a:ext uri="{FF2B5EF4-FFF2-40B4-BE49-F238E27FC236}">
-                <a16:creationId xmlns:a16="http://schemas.microsoft.com/office/drawing/2014/main" id="{04E49E96-C09D-FC40-87A3-0B1C5E2CCF5E}"/>
+                <a16:creationId xmlns:a16="http://schemas.microsoft.com/office/drawing/2014/main" xmlns="" id="{04E49E96-C09D-FC40-87A3-0B1C5E2CCF5E}"/>
               </a:ext>
             </a:extLst>
           </p:cNvPr>
@@ -2469,7 +2564,7 @@
           <p:cNvPr id="4" name="Footer Placeholder 3">
             <a:extLst>
               <a:ext uri="{FF2B5EF4-FFF2-40B4-BE49-F238E27FC236}">
-                <a16:creationId xmlns:a16="http://schemas.microsoft.com/office/drawing/2014/main" id="{048A9BD2-4F82-9940-8E44-6CD61FFAB429}"/>
+                <a16:creationId xmlns:a16="http://schemas.microsoft.com/office/drawing/2014/main" xmlns="" id="{048A9BD2-4F82-9940-8E44-6CD61FFAB429}"/>
               </a:ext>
             </a:extLst>
           </p:cNvPr>
@@ -2494,7 +2589,7 @@
           <p:cNvPr id="5" name="Slide Number Placeholder 4">
             <a:extLst>
               <a:ext uri="{FF2B5EF4-FFF2-40B4-BE49-F238E27FC236}">
-                <a16:creationId xmlns:a16="http://schemas.microsoft.com/office/drawing/2014/main" id="{9B823D1F-DA49-5A48-8B9F-86527E82FD74}"/>
+                <a16:creationId xmlns:a16="http://schemas.microsoft.com/office/drawing/2014/main" xmlns="" id="{9B823D1F-DA49-5A48-8B9F-86527E82FD74}"/>
               </a:ext>
             </a:extLst>
           </p:cNvPr>
@@ -2553,7 +2648,7 @@
           <p:cNvPr id="2" name="Date Placeholder 1">
             <a:extLst>
               <a:ext uri="{FF2B5EF4-FFF2-40B4-BE49-F238E27FC236}">
-                <a16:creationId xmlns:a16="http://schemas.microsoft.com/office/drawing/2014/main" id="{A1AF27A5-FC94-714B-8A28-F31407E1023A}"/>
+                <a16:creationId xmlns:a16="http://schemas.microsoft.com/office/drawing/2014/main" xmlns="" id="{A1AF27A5-FC94-714B-8A28-F31407E1023A}"/>
               </a:ext>
             </a:extLst>
           </p:cNvPr>
@@ -2582,7 +2677,7 @@
           <p:cNvPr id="3" name="Footer Placeholder 2">
             <a:extLst>
               <a:ext uri="{FF2B5EF4-FFF2-40B4-BE49-F238E27FC236}">
-                <a16:creationId xmlns:a16="http://schemas.microsoft.com/office/drawing/2014/main" id="{E95624B4-E725-A948-B7FF-8E68358D90B8}"/>
+                <a16:creationId xmlns:a16="http://schemas.microsoft.com/office/drawing/2014/main" xmlns="" id="{E95624B4-E725-A948-B7FF-8E68358D90B8}"/>
               </a:ext>
             </a:extLst>
           </p:cNvPr>
@@ -2607,7 +2702,7 @@
           <p:cNvPr id="4" name="Slide Number Placeholder 3">
             <a:extLst>
               <a:ext uri="{FF2B5EF4-FFF2-40B4-BE49-F238E27FC236}">
-                <a16:creationId xmlns:a16="http://schemas.microsoft.com/office/drawing/2014/main" id="{1861EF5D-8F0B-DB4A-B7FA-AD41C3769248}"/>
+                <a16:creationId xmlns:a16="http://schemas.microsoft.com/office/drawing/2014/main" xmlns="" id="{1861EF5D-8F0B-DB4A-B7FA-AD41C3769248}"/>
               </a:ext>
             </a:extLst>
           </p:cNvPr>
@@ -2666,7 +2761,7 @@
           <p:cNvPr id="2" name="Title 1">
             <a:extLst>
               <a:ext uri="{FF2B5EF4-FFF2-40B4-BE49-F238E27FC236}">
-                <a16:creationId xmlns:a16="http://schemas.microsoft.com/office/drawing/2014/main" id="{BD1D7B60-D66C-694D-8C13-D4D9BE9B8579}"/>
+                <a16:creationId xmlns:a16="http://schemas.microsoft.com/office/drawing/2014/main" xmlns="" id="{BD1D7B60-D66C-694D-8C13-D4D9BE9B8579}"/>
               </a:ext>
             </a:extLst>
           </p:cNvPr>
@@ -2703,7 +2798,7 @@
           <p:cNvPr id="3" name="Content Placeholder 2">
             <a:extLst>
               <a:ext uri="{FF2B5EF4-FFF2-40B4-BE49-F238E27FC236}">
-                <a16:creationId xmlns:a16="http://schemas.microsoft.com/office/drawing/2014/main" id="{0A218D0E-2957-D343-B7BC-986182DFF5BB}"/>
+                <a16:creationId xmlns:a16="http://schemas.microsoft.com/office/drawing/2014/main" xmlns="" id="{0A218D0E-2957-D343-B7BC-986182DFF5BB}"/>
               </a:ext>
             </a:extLst>
           </p:cNvPr>
@@ -2793,7 +2888,7 @@
           <p:cNvPr id="4" name="Text Placeholder 3">
             <a:extLst>
               <a:ext uri="{FF2B5EF4-FFF2-40B4-BE49-F238E27FC236}">
-                <a16:creationId xmlns:a16="http://schemas.microsoft.com/office/drawing/2014/main" id="{4FC2370A-39D0-EB4C-8F6B-9C2D45AF1E07}"/>
+                <a16:creationId xmlns:a16="http://schemas.microsoft.com/office/drawing/2014/main" xmlns="" id="{4FC2370A-39D0-EB4C-8F6B-9C2D45AF1E07}"/>
               </a:ext>
             </a:extLst>
           </p:cNvPr>
@@ -2864,7 +2959,7 @@
           <p:cNvPr id="5" name="Date Placeholder 4">
             <a:extLst>
               <a:ext uri="{FF2B5EF4-FFF2-40B4-BE49-F238E27FC236}">
-                <a16:creationId xmlns:a16="http://schemas.microsoft.com/office/drawing/2014/main" id="{D1EA908C-9453-5244-91B6-0C8BA692C7CF}"/>
+                <a16:creationId xmlns:a16="http://schemas.microsoft.com/office/drawing/2014/main" xmlns="" id="{D1EA908C-9453-5244-91B6-0C8BA692C7CF}"/>
               </a:ext>
             </a:extLst>
           </p:cNvPr>
@@ -2893,7 +2988,7 @@
           <p:cNvPr id="6" name="Footer Placeholder 5">
             <a:extLst>
               <a:ext uri="{FF2B5EF4-FFF2-40B4-BE49-F238E27FC236}">
-                <a16:creationId xmlns:a16="http://schemas.microsoft.com/office/drawing/2014/main" id="{37BAA170-5DF6-C041-87B0-985E215317C0}"/>
+                <a16:creationId xmlns:a16="http://schemas.microsoft.com/office/drawing/2014/main" xmlns="" id="{37BAA170-5DF6-C041-87B0-985E215317C0}"/>
               </a:ext>
             </a:extLst>
           </p:cNvPr>
@@ -2918,7 +3013,7 @@
           <p:cNvPr id="7" name="Slide Number Placeholder 6">
             <a:extLst>
               <a:ext uri="{FF2B5EF4-FFF2-40B4-BE49-F238E27FC236}">
-                <a16:creationId xmlns:a16="http://schemas.microsoft.com/office/drawing/2014/main" id="{AEA6F981-DF03-6240-B5DE-9D74A7A8EA72}"/>
+                <a16:creationId xmlns:a16="http://schemas.microsoft.com/office/drawing/2014/main" xmlns="" id="{AEA6F981-DF03-6240-B5DE-9D74A7A8EA72}"/>
               </a:ext>
             </a:extLst>
           </p:cNvPr>
@@ -2977,7 +3072,7 @@
           <p:cNvPr id="2" name="Title 1">
             <a:extLst>
               <a:ext uri="{FF2B5EF4-FFF2-40B4-BE49-F238E27FC236}">
-                <a16:creationId xmlns:a16="http://schemas.microsoft.com/office/drawing/2014/main" id="{60DB9ABC-D3C2-794D-9DC8-9FD53C595724}"/>
+                <a16:creationId xmlns:a16="http://schemas.microsoft.com/office/drawing/2014/main" xmlns="" id="{60DB9ABC-D3C2-794D-9DC8-9FD53C595724}"/>
               </a:ext>
             </a:extLst>
           </p:cNvPr>
@@ -3014,7 +3109,7 @@
           <p:cNvPr id="3" name="Picture Placeholder 2">
             <a:extLst>
               <a:ext uri="{FF2B5EF4-FFF2-40B4-BE49-F238E27FC236}">
-                <a16:creationId xmlns:a16="http://schemas.microsoft.com/office/drawing/2014/main" id="{F892607B-F913-7947-8A23-5A9BA3F4FC17}"/>
+                <a16:creationId xmlns:a16="http://schemas.microsoft.com/office/drawing/2014/main" xmlns="" id="{F892607B-F913-7947-8A23-5A9BA3F4FC17}"/>
               </a:ext>
             </a:extLst>
           </p:cNvPr>
@@ -3084,7 +3179,7 @@
           <p:cNvPr id="4" name="Text Placeholder 3">
             <a:extLst>
               <a:ext uri="{FF2B5EF4-FFF2-40B4-BE49-F238E27FC236}">
-                <a16:creationId xmlns:a16="http://schemas.microsoft.com/office/drawing/2014/main" id="{F6D90B26-3497-564A-8F0E-1707498D251F}"/>
+                <a16:creationId xmlns:a16="http://schemas.microsoft.com/office/drawing/2014/main" xmlns="" id="{F6D90B26-3497-564A-8F0E-1707498D251F}"/>
               </a:ext>
             </a:extLst>
           </p:cNvPr>
@@ -3155,7 +3250,7 @@
           <p:cNvPr id="5" name="Date Placeholder 4">
             <a:extLst>
               <a:ext uri="{FF2B5EF4-FFF2-40B4-BE49-F238E27FC236}">
-                <a16:creationId xmlns:a16="http://schemas.microsoft.com/office/drawing/2014/main" id="{9F692668-87E2-F449-A810-D4B9C2CA4C92}"/>
+                <a16:creationId xmlns:a16="http://schemas.microsoft.com/office/drawing/2014/main" xmlns="" id="{9F692668-87E2-F449-A810-D4B9C2CA4C92}"/>
               </a:ext>
             </a:extLst>
           </p:cNvPr>
@@ -3184,7 +3279,7 @@
           <p:cNvPr id="6" name="Footer Placeholder 5">
             <a:extLst>
               <a:ext uri="{FF2B5EF4-FFF2-40B4-BE49-F238E27FC236}">
-                <a16:creationId xmlns:a16="http://schemas.microsoft.com/office/drawing/2014/main" id="{2B0E0325-3993-EE43-AF3A-8CF0BA651A06}"/>
+                <a16:creationId xmlns:a16="http://schemas.microsoft.com/office/drawing/2014/main" xmlns="" id="{2B0E0325-3993-EE43-AF3A-8CF0BA651A06}"/>
               </a:ext>
             </a:extLst>
           </p:cNvPr>
@@ -3209,7 +3304,7 @@
           <p:cNvPr id="7" name="Slide Number Placeholder 6">
             <a:extLst>
               <a:ext uri="{FF2B5EF4-FFF2-40B4-BE49-F238E27FC236}">
-                <a16:creationId xmlns:a16="http://schemas.microsoft.com/office/drawing/2014/main" id="{821F28AB-58ED-0E49-9D32-444584143DD0}"/>
+                <a16:creationId xmlns:a16="http://schemas.microsoft.com/office/drawing/2014/main" xmlns="" id="{821F28AB-58ED-0E49-9D32-444584143DD0}"/>
               </a:ext>
             </a:extLst>
           </p:cNvPr>
@@ -3273,7 +3368,7 @@
           <p:cNvPr id="2" name="Title Placeholder 1">
             <a:extLst>
               <a:ext uri="{FF2B5EF4-FFF2-40B4-BE49-F238E27FC236}">
-                <a16:creationId xmlns:a16="http://schemas.microsoft.com/office/drawing/2014/main" id="{19A61F12-D1AC-C54E-825B-C25A7E13B83A}"/>
+                <a16:creationId xmlns:a16="http://schemas.microsoft.com/office/drawing/2014/main" xmlns="" id="{19A61F12-D1AC-C54E-825B-C25A7E13B83A}"/>
               </a:ext>
             </a:extLst>
           </p:cNvPr>
@@ -3311,7 +3406,7 @@
           <p:cNvPr id="3" name="Text Placeholder 2">
             <a:extLst>
               <a:ext uri="{FF2B5EF4-FFF2-40B4-BE49-F238E27FC236}">
-                <a16:creationId xmlns:a16="http://schemas.microsoft.com/office/drawing/2014/main" id="{E834A889-F310-2146-AD59-D6E632E1F435}"/>
+                <a16:creationId xmlns:a16="http://schemas.microsoft.com/office/drawing/2014/main" xmlns="" id="{E834A889-F310-2146-AD59-D6E632E1F435}"/>
               </a:ext>
             </a:extLst>
           </p:cNvPr>
@@ -3378,7 +3473,7 @@
           <p:cNvPr id="4" name="Date Placeholder 3">
             <a:extLst>
               <a:ext uri="{FF2B5EF4-FFF2-40B4-BE49-F238E27FC236}">
-                <a16:creationId xmlns:a16="http://schemas.microsoft.com/office/drawing/2014/main" id="{E81E2B63-5226-0748-9584-E2CB45BF059C}"/>
+                <a16:creationId xmlns:a16="http://schemas.microsoft.com/office/drawing/2014/main" xmlns="" id="{E81E2B63-5226-0748-9584-E2CB45BF059C}"/>
               </a:ext>
             </a:extLst>
           </p:cNvPr>
@@ -3428,7 +3523,7 @@
           <p:cNvPr id="5" name="Footer Placeholder 4">
             <a:extLst>
               <a:ext uri="{FF2B5EF4-FFF2-40B4-BE49-F238E27FC236}">
-                <a16:creationId xmlns:a16="http://schemas.microsoft.com/office/drawing/2014/main" id="{831DCCF8-404C-6148-8B45-A4FDF75D6067}"/>
+                <a16:creationId xmlns:a16="http://schemas.microsoft.com/office/drawing/2014/main" xmlns="" id="{831DCCF8-404C-6148-8B45-A4FDF75D6067}"/>
               </a:ext>
             </a:extLst>
           </p:cNvPr>
@@ -3473,7 +3568,7 @@
           <p:cNvPr id="6" name="Slide Number Placeholder 5">
             <a:extLst>
               <a:ext uri="{FF2B5EF4-FFF2-40B4-BE49-F238E27FC236}">
-                <a16:creationId xmlns:a16="http://schemas.microsoft.com/office/drawing/2014/main" id="{EF403BB2-2095-B349-ADC5-3F1C09D04D57}"/>
+                <a16:creationId xmlns:a16="http://schemas.microsoft.com/office/drawing/2014/main" xmlns="" id="{EF403BB2-2095-B349-ADC5-3F1C09D04D57}"/>
               </a:ext>
             </a:extLst>
           </p:cNvPr>
@@ -3844,7 +3939,7 @@
           <p:cNvPr id="2" name="Title 1">
             <a:extLst>
               <a:ext uri="{FF2B5EF4-FFF2-40B4-BE49-F238E27FC236}">
-                <a16:creationId xmlns:a16="http://schemas.microsoft.com/office/drawing/2014/main" id="{C2AC4D71-B1F5-DF48-8478-3A205D0E7FAC}"/>
+                <a16:creationId xmlns:a16="http://schemas.microsoft.com/office/drawing/2014/main" xmlns="" id="{C2AC4D71-B1F5-DF48-8478-3A205D0E7FAC}"/>
               </a:ext>
             </a:extLst>
           </p:cNvPr>
@@ -3879,7 +3974,7 @@
           <p:cNvPr id="3" name="Subtitle 2">
             <a:extLst>
               <a:ext uri="{FF2B5EF4-FFF2-40B4-BE49-F238E27FC236}">
-                <a16:creationId xmlns:a16="http://schemas.microsoft.com/office/drawing/2014/main" id="{0EDF655F-40C3-604E-B880-86E5243461B8}"/>
+                <a16:creationId xmlns:a16="http://schemas.microsoft.com/office/drawing/2014/main" xmlns="" id="{0EDF655F-40C3-604E-B880-86E5243461B8}"/>
               </a:ext>
             </a:extLst>
           </p:cNvPr>
@@ -3934,7 +4029,7 @@
           <p:cNvPr id="2" name="Title 1">
             <a:extLst>
               <a:ext uri="{FF2B5EF4-FFF2-40B4-BE49-F238E27FC236}">
-                <a16:creationId xmlns:a16="http://schemas.microsoft.com/office/drawing/2014/main" id="{9003DC3E-7A4E-5D4A-A75F-4A8720C2058C}"/>
+                <a16:creationId xmlns:a16="http://schemas.microsoft.com/office/drawing/2014/main" xmlns="" id="{08C61B8B-BAD6-3B46-AA47-3499BA6D9C92}"/>
               </a:ext>
             </a:extLst>
           </p:cNvPr>
@@ -3952,7 +4047,7 @@
           <a:p>
             <a:r>
               <a:rPr lang="en-US" dirty="0"/>
-              <a:t>Structure Determination</a:t>
+              <a:t>Why Not Existing Approaches?</a:t>
             </a:r>
           </a:p>
         </p:txBody>
@@ -3962,7 +4057,7 @@
           <p:cNvPr id="3" name="Content Placeholder 2">
             <a:extLst>
               <a:ext uri="{FF2B5EF4-FFF2-40B4-BE49-F238E27FC236}">
-                <a16:creationId xmlns:a16="http://schemas.microsoft.com/office/drawing/2014/main" id="{911D92FC-4ECD-8444-A037-19D59D869246}"/>
+                <a16:creationId xmlns:a16="http://schemas.microsoft.com/office/drawing/2014/main" xmlns="" id="{7AA71E47-024F-B543-903F-C75E727878B4}"/>
               </a:ext>
             </a:extLst>
           </p:cNvPr>
@@ -3983,33 +4078,412 @@
             </a:pPr>
             <a:r>
               <a:rPr lang="en-US" dirty="0"/>
-              <a:t>Goal: find matching query template</a:t>
-            </a:r>
+              <a:t>Natural Language Interfaces (NLI)</a:t>
+            </a:r>
+          </a:p>
+          <a:p>
+            <a:r>
+              <a:rPr lang="en-US" dirty="0"/>
+              <a:t>User speech </a:t>
+            </a:r>
+            <a:r>
+              <a:rPr lang="en-US" dirty="0">
+                <a:sym typeface="Wingdings" pitchFamily="2" charset="2"/>
+              </a:rPr>
+              <a:t> </a:t>
+            </a:r>
+            <a:r>
+              <a:rPr lang="en-US" dirty="0"/>
+              <a:t>ASR </a:t>
+            </a:r>
+            <a:r>
+              <a:rPr lang="en-US" dirty="0">
+                <a:sym typeface="Wingdings" pitchFamily="2" charset="2"/>
+              </a:rPr>
+              <a:t> NLI  SQL  result</a:t>
+            </a:r>
+          </a:p>
+          <a:p>
+            <a:r>
+              <a:rPr lang="en-US" dirty="0">
+                <a:sym typeface="Wingdings" pitchFamily="2" charset="2"/>
+              </a:rPr>
+              <a:t>Errors propagate in each step</a:t>
+            </a:r>
+          </a:p>
+          <a:p>
+            <a:endParaRPr lang="en-US" dirty="0">
+              <a:sym typeface="Wingdings" pitchFamily="2" charset="2"/>
+            </a:endParaRPr>
           </a:p>
           <a:p>
             <a:pPr marL="0" indent="0">
               <a:buNone/>
             </a:pPr>
             <a:r>
-              <a:rPr lang="en-US" dirty="0"/>
-              <a:t>Offline: build index of all possible query templates</a:t>
-            </a:r>
+              <a:rPr lang="en-US" dirty="0">
+                <a:sym typeface="Wingdings" pitchFamily="2" charset="2"/>
+              </a:rPr>
+              <a:t>Touch interfaces</a:t>
+            </a:r>
+          </a:p>
+          <a:p>
+            <a:r>
+              <a:rPr lang="en-US" dirty="0">
+                <a:sym typeface="Wingdings" pitchFamily="2" charset="2"/>
+              </a:rPr>
+              <a:t>Paper argues they “obviate” SQL</a:t>
+            </a:r>
+          </a:p>
+          <a:p>
+            <a:endParaRPr lang="en-US" dirty="0">
+              <a:sym typeface="Wingdings" pitchFamily="2" charset="2"/>
+            </a:endParaRPr>
           </a:p>
           <a:p>
             <a:pPr marL="0" indent="0">
               <a:buNone/>
             </a:pPr>
             <a:r>
-              <a:rPr lang="en-US" dirty="0"/>
-              <a:t>Online: find minimum edit distance query template</a:t>
-            </a:r>
+              <a:rPr lang="en-US" dirty="0">
+                <a:sym typeface="Wingdings" pitchFamily="2" charset="2"/>
+              </a:rPr>
+              <a:t>Template-based Interfaces </a:t>
+            </a:r>
+          </a:p>
+          <a:p>
+            <a:pPr marL="0" indent="0">
+              <a:buNone/>
+            </a:pPr>
+            <a:endParaRPr lang="en-US" dirty="0"/>
+          </a:p>
+          <a:p>
+            <a:endParaRPr lang="en-US" dirty="0"/>
+          </a:p>
+        </p:txBody>
+      </p:sp>
+      <p:pic>
+        <p:nvPicPr>
+          <p:cNvPr id="4" name="Picture 3">
+            <a:extLst>
+              <a:ext uri="{FF2B5EF4-FFF2-40B4-BE49-F238E27FC236}">
+                <a16:creationId xmlns:a16="http://schemas.microsoft.com/office/drawing/2014/main" xmlns="" id="{B98BBCDD-FDF8-374B-B435-9E48C5586D1E}"/>
+              </a:ext>
+            </a:extLst>
+          </p:cNvPr>
+          <p:cNvPicPr>
+            <a:picLocks noChangeAspect="1"/>
+          </p:cNvPicPr>
+          <p:nvPr/>
+        </p:nvPicPr>
+        <p:blipFill>
+          <a:blip r:embed="rId2"/>
+          <a:stretch>
+            <a:fillRect/>
+          </a:stretch>
+        </p:blipFill>
+        <p:spPr>
+          <a:xfrm>
+            <a:off x="9693670" y="1195089"/>
+            <a:ext cx="2415420" cy="640736"/>
+          </a:xfrm>
+          <a:prstGeom prst="rect">
+            <a:avLst/>
+          </a:prstGeom>
+        </p:spPr>
+      </p:pic>
+      <p:pic>
+        <p:nvPicPr>
+          <p:cNvPr id="5" name="Picture 4">
+            <a:extLst>
+              <a:ext uri="{FF2B5EF4-FFF2-40B4-BE49-F238E27FC236}">
+                <a16:creationId xmlns:a16="http://schemas.microsoft.com/office/drawing/2014/main" xmlns="" id="{30619E84-DD5C-5D4D-B9B7-56B11D1DF4EE}"/>
+              </a:ext>
+            </a:extLst>
+          </p:cNvPr>
+          <p:cNvPicPr>
+            <a:picLocks noChangeAspect="1"/>
+          </p:cNvPicPr>
+          <p:nvPr/>
+        </p:nvPicPr>
+        <p:blipFill>
+          <a:blip r:embed="rId3"/>
+          <a:stretch>
+            <a:fillRect/>
+          </a:stretch>
+        </p:blipFill>
+        <p:spPr>
+          <a:xfrm>
+            <a:off x="9877510" y="2195616"/>
+            <a:ext cx="2079251" cy="808833"/>
+          </a:xfrm>
+          <a:prstGeom prst="rect">
+            <a:avLst/>
+          </a:prstGeom>
+        </p:spPr>
+      </p:pic>
+      <p:sp>
+        <p:nvSpPr>
+          <p:cNvPr id="6" name="TextBox 5">
+            <a:extLst>
+              <a:ext uri="{FF2B5EF4-FFF2-40B4-BE49-F238E27FC236}">
+                <a16:creationId xmlns:a16="http://schemas.microsoft.com/office/drawing/2014/main" xmlns="" id="{C74355A4-E167-714B-97FC-971C8AAB0B5D}"/>
+              </a:ext>
+            </a:extLst>
+          </p:cNvPr>
+          <p:cNvSpPr txBox="1"/>
+          <p:nvPr/>
+        </p:nvSpPr>
+        <p:spPr>
+          <a:xfrm>
+            <a:off x="10308910" y="2935095"/>
+            <a:ext cx="1184940" cy="369332"/>
+          </a:xfrm>
+          <a:prstGeom prst="rect">
+            <a:avLst/>
+          </a:prstGeom>
+          <a:noFill/>
+        </p:spPr>
+        <p:txBody>
+          <a:bodyPr wrap="none" rtlCol="0">
+            <a:spAutoFit/>
+          </a:bodyPr>
+          <a:lstStyle/>
+          <a:p>
+            <a:pPr algn="l"/>
+            <a:r>
+              <a:rPr lang="en-US" dirty="0">
+                <a:latin typeface="Arial" panose="020B0604020202020204" pitchFamily="34" charset="0"/>
+                <a:cs typeface="Arial" panose="020B0604020202020204" pitchFamily="34" charset="0"/>
+              </a:rPr>
+              <a:t>Seq2SQL</a:t>
+            </a:r>
+          </a:p>
+        </p:txBody>
+      </p:sp>
+      <p:pic>
+        <p:nvPicPr>
+          <p:cNvPr id="7" name="Picture 6">
+            <a:extLst>
+              <a:ext uri="{FF2B5EF4-FFF2-40B4-BE49-F238E27FC236}">
+                <a16:creationId xmlns:a16="http://schemas.microsoft.com/office/drawing/2014/main" xmlns="" id="{3D84FA06-E387-114C-8751-7C94BC580F3B}"/>
+              </a:ext>
+            </a:extLst>
+          </p:cNvPr>
+          <p:cNvPicPr>
+            <a:picLocks noChangeAspect="1"/>
+          </p:cNvPicPr>
+          <p:nvPr/>
+        </p:nvPicPr>
+        <p:blipFill>
+          <a:blip r:embed="rId4"/>
+          <a:stretch>
+            <a:fillRect/>
+          </a:stretch>
+        </p:blipFill>
+        <p:spPr>
+          <a:xfrm>
+            <a:off x="10112919" y="3582746"/>
+            <a:ext cx="1848847" cy="1047154"/>
+          </a:xfrm>
+          <a:prstGeom prst="rect">
+            <a:avLst/>
+          </a:prstGeom>
+        </p:spPr>
+      </p:pic>
+      <p:pic>
+        <p:nvPicPr>
+          <p:cNvPr id="8" name="Picture 7">
+            <a:extLst>
+              <a:ext uri="{FF2B5EF4-FFF2-40B4-BE49-F238E27FC236}">
+                <a16:creationId xmlns:a16="http://schemas.microsoft.com/office/drawing/2014/main" xmlns="" id="{27DE0D5C-39BA-BC4C-83CD-49B1EAB78A80}"/>
+              </a:ext>
+            </a:extLst>
+          </p:cNvPr>
+          <p:cNvPicPr>
+            <a:picLocks noChangeAspect="1"/>
+          </p:cNvPicPr>
+          <p:nvPr/>
+        </p:nvPicPr>
+        <p:blipFill>
+          <a:blip r:embed="rId5"/>
+          <a:stretch>
+            <a:fillRect/>
+          </a:stretch>
+        </p:blipFill>
+        <p:spPr>
+          <a:xfrm>
+            <a:off x="8250913" y="3639250"/>
+            <a:ext cx="1771912" cy="934146"/>
+          </a:xfrm>
+          <a:prstGeom prst="rect">
+            <a:avLst/>
+          </a:prstGeom>
+        </p:spPr>
+      </p:pic>
+      <p:sp>
+        <p:nvSpPr>
+          <p:cNvPr id="9" name="TextBox 8">
+            <a:extLst>
+              <a:ext uri="{FF2B5EF4-FFF2-40B4-BE49-F238E27FC236}">
+                <a16:creationId xmlns:a16="http://schemas.microsoft.com/office/drawing/2014/main" xmlns="" id="{4ACE242F-67A6-D84B-A823-315DB0139BEB}"/>
+              </a:ext>
+            </a:extLst>
+          </p:cNvPr>
+          <p:cNvSpPr txBox="1"/>
+          <p:nvPr/>
+        </p:nvSpPr>
+        <p:spPr>
+          <a:xfrm>
+            <a:off x="10271748" y="4631613"/>
+            <a:ext cx="1531188" cy="369332"/>
+          </a:xfrm>
+          <a:prstGeom prst="rect">
+            <a:avLst/>
+          </a:prstGeom>
+          <a:noFill/>
+        </p:spPr>
+        <p:txBody>
+          <a:bodyPr wrap="none" rtlCol="0">
+            <a:spAutoFit/>
+          </a:bodyPr>
+          <a:lstStyle/>
+          <a:p>
+            <a:pPr algn="l"/>
+            <a:r>
+              <a:rPr lang="en-US" dirty="0" err="1">
+                <a:latin typeface="Arial" panose="020B0604020202020204" pitchFamily="34" charset="0"/>
+                <a:cs typeface="Arial" panose="020B0604020202020204" pitchFamily="34" charset="0"/>
+              </a:rPr>
+              <a:t>gesturequery</a:t>
+            </a:r>
+            <a:endParaRPr lang="en-US" dirty="0">
+              <a:latin typeface="Arial" panose="020B0604020202020204" pitchFamily="34" charset="0"/>
+              <a:cs typeface="Arial" panose="020B0604020202020204" pitchFamily="34" charset="0"/>
+            </a:endParaRPr>
+          </a:p>
+        </p:txBody>
+      </p:sp>
+      <p:sp>
+        <p:nvSpPr>
+          <p:cNvPr id="10" name="TextBox 9">
+            <a:extLst>
+              <a:ext uri="{FF2B5EF4-FFF2-40B4-BE49-F238E27FC236}">
+                <a16:creationId xmlns:a16="http://schemas.microsoft.com/office/drawing/2014/main" xmlns="" id="{08E9166E-8B12-B34C-AFCA-07E9A9CE496F}"/>
+              </a:ext>
+            </a:extLst>
+          </p:cNvPr>
+          <p:cNvSpPr txBox="1"/>
+          <p:nvPr/>
+        </p:nvSpPr>
+        <p:spPr>
+          <a:xfrm>
+            <a:off x="8679052" y="4631613"/>
+            <a:ext cx="915635" cy="369332"/>
+          </a:xfrm>
+          <a:prstGeom prst="rect">
+            <a:avLst/>
+          </a:prstGeom>
+          <a:noFill/>
+        </p:spPr>
+        <p:txBody>
+          <a:bodyPr wrap="none" rtlCol="0">
+            <a:spAutoFit/>
+          </a:bodyPr>
+          <a:lstStyle/>
+          <a:p>
+            <a:pPr algn="l"/>
+            <a:r>
+              <a:rPr lang="en-US" dirty="0" err="1">
+                <a:latin typeface="Arial" panose="020B0604020202020204" pitchFamily="34" charset="0"/>
+                <a:cs typeface="Arial" panose="020B0604020202020204" pitchFamily="34" charset="0"/>
+              </a:rPr>
+              <a:t>vizdom</a:t>
+            </a:r>
+            <a:endParaRPr lang="en-US" dirty="0">
+              <a:latin typeface="Arial" panose="020B0604020202020204" pitchFamily="34" charset="0"/>
+              <a:cs typeface="Arial" panose="020B0604020202020204" pitchFamily="34" charset="0"/>
+            </a:endParaRPr>
+          </a:p>
+        </p:txBody>
+      </p:sp>
+      <p:pic>
+        <p:nvPicPr>
+          <p:cNvPr id="11" name="Picture 10">
+            <a:extLst>
+              <a:ext uri="{FF2B5EF4-FFF2-40B4-BE49-F238E27FC236}">
+                <a16:creationId xmlns:a16="http://schemas.microsoft.com/office/drawing/2014/main" xmlns="" id="{D5A28457-40E6-4D40-B5CA-292725A4A891}"/>
+              </a:ext>
+            </a:extLst>
+          </p:cNvPr>
+          <p:cNvPicPr>
+            <a:picLocks noChangeAspect="1"/>
+          </p:cNvPicPr>
+          <p:nvPr/>
+        </p:nvPicPr>
+        <p:blipFill>
+          <a:blip r:embed="rId6"/>
+          <a:stretch>
+            <a:fillRect/>
+          </a:stretch>
+        </p:blipFill>
+        <p:spPr>
+          <a:xfrm>
+            <a:off x="9594687" y="5316004"/>
+            <a:ext cx="2340494" cy="1448968"/>
+          </a:xfrm>
+          <a:prstGeom prst="rect">
+            <a:avLst/>
+          </a:prstGeom>
+        </p:spPr>
+      </p:pic>
+      <p:sp>
+        <p:nvSpPr>
+          <p:cNvPr id="12" name="TextBox 11">
+            <a:extLst>
+              <a:ext uri="{FF2B5EF4-FFF2-40B4-BE49-F238E27FC236}">
+                <a16:creationId xmlns:a16="http://schemas.microsoft.com/office/drawing/2014/main" xmlns="" id="{82A57DC3-3931-4149-9F96-08078598FCB0}"/>
+              </a:ext>
+            </a:extLst>
+          </p:cNvPr>
+          <p:cNvSpPr txBox="1"/>
+          <p:nvPr/>
+        </p:nvSpPr>
+        <p:spPr>
+          <a:xfrm>
+            <a:off x="8407075" y="5840730"/>
+            <a:ext cx="1159292" cy="369332"/>
+          </a:xfrm>
+          <a:prstGeom prst="rect">
+            <a:avLst/>
+          </a:prstGeom>
+          <a:noFill/>
+        </p:spPr>
+        <p:txBody>
+          <a:bodyPr wrap="none" rtlCol="0">
+            <a:spAutoFit/>
+          </a:bodyPr>
+          <a:lstStyle/>
+          <a:p>
+            <a:pPr algn="l"/>
+            <a:r>
+              <a:rPr lang="en-US" dirty="0" err="1">
+                <a:latin typeface="Arial" panose="020B0604020202020204" pitchFamily="34" charset="0"/>
+                <a:cs typeface="Arial" panose="020B0604020202020204" pitchFamily="34" charset="0"/>
+              </a:rPr>
+              <a:t>DataChat</a:t>
+            </a:r>
+            <a:endParaRPr lang="en-US" dirty="0">
+              <a:latin typeface="Arial" panose="020B0604020202020204" pitchFamily="34" charset="0"/>
+              <a:cs typeface="Arial" panose="020B0604020202020204" pitchFamily="34" charset="0"/>
+            </a:endParaRPr>
           </a:p>
         </p:txBody>
       </p:sp>
     </p:spTree>
     <p:extLst>
       <p:ext uri="{BB962C8B-B14F-4D97-AF65-F5344CB8AC3E}">
-        <p14:creationId xmlns:p14="http://schemas.microsoft.com/office/powerpoint/2010/main" val="4097716968"/>
+        <p14:creationId xmlns:p14="http://schemas.microsoft.com/office/powerpoint/2010/main" val="2790257416"/>
       </p:ext>
     </p:extLst>
   </p:cSld>
@@ -4041,7 +4515,7 @@
           <p:cNvPr id="2" name="Title 1">
             <a:extLst>
               <a:ext uri="{FF2B5EF4-FFF2-40B4-BE49-F238E27FC236}">
-                <a16:creationId xmlns:a16="http://schemas.microsoft.com/office/drawing/2014/main" id="{84FA4894-EC48-0C4A-82A9-81E82F73A42B}"/>
+                <a16:creationId xmlns:a16="http://schemas.microsoft.com/office/drawing/2014/main" xmlns="" id="{088E6758-0116-5C44-942E-9ECE9E84C815}"/>
               </a:ext>
             </a:extLst>
           </p:cNvPr>
@@ -4059,7 +4533,7 @@
           <a:p>
             <a:r>
               <a:rPr lang="en-US" dirty="0"/>
-              <a:t>Offline</a:t>
+              <a:t>Approach Overview</a:t>
             </a:r>
           </a:p>
         </p:txBody>
@@ -4069,7 +4543,7 @@
           <p:cNvPr id="3" name="Content Placeholder 2">
             <a:extLst>
               <a:ext uri="{FF2B5EF4-FFF2-40B4-BE49-F238E27FC236}">
-                <a16:creationId xmlns:a16="http://schemas.microsoft.com/office/drawing/2014/main" id="{C9646EBB-5AAF-2840-8CA8-B49B71313979}"/>
+                <a16:creationId xmlns:a16="http://schemas.microsoft.com/office/drawing/2014/main" xmlns="" id="{5669DAD4-44D7-534C-A413-EE06B8DC4027}"/>
               </a:ext>
             </a:extLst>
           </p:cNvPr>
@@ -4085,36 +4559,16 @@
           <a:bodyPr/>
           <a:lstStyle/>
           <a:p>
-            <a:pPr marL="0" indent="0">
-              <a:buNone/>
-            </a:pPr>
-            <a:r>
-              <a:rPr lang="en-US" dirty="0"/>
-              <a:t>Generate all queries &lt;=50 tokens</a:t>
-            </a:r>
-          </a:p>
-          <a:p>
-            <a:pPr marL="0" indent="0">
-              <a:buNone/>
-            </a:pPr>
-            <a:r>
-              <a:rPr lang="en-US" dirty="0"/>
-              <a:t>Build </a:t>
-            </a:r>
-            <a:r>
-              <a:rPr lang="en-US" dirty="0" err="1"/>
-              <a:t>trie</a:t>
-            </a:r>
-            <a:r>
-              <a:rPr lang="en-US" dirty="0"/>
-              <a:t> for queries of same length</a:t>
-            </a:r>
-          </a:p>
-          <a:p>
-            <a:pPr marL="0" indent="0">
-              <a:buNone/>
-            </a:pPr>
-            <a:endParaRPr lang="en-US" dirty="0"/>
+            <a:r>
+              <a:rPr lang="en-US" dirty="0"/>
+              <a:t>Match speech tokens to SQL template (struct determination)</a:t>
+            </a:r>
+          </a:p>
+          <a:p>
+            <a:r>
+              <a:rPr lang="en-US" dirty="0"/>
+              <a:t>Fill in literals, address homophones (literal determination)</a:t>
+            </a:r>
           </a:p>
         </p:txBody>
       </p:sp>
@@ -4123,7 +4577,256 @@
           <p:cNvPr id="4" name="Picture 3">
             <a:extLst>
               <a:ext uri="{FF2B5EF4-FFF2-40B4-BE49-F238E27FC236}">
-                <a16:creationId xmlns:a16="http://schemas.microsoft.com/office/drawing/2014/main" id="{24AA7DF4-D14C-5741-B69B-71425D551A98}"/>
+                <a16:creationId xmlns:a16="http://schemas.microsoft.com/office/drawing/2014/main" xmlns="" id="{2FEF31A9-8774-2347-AED8-CA741B8ACCBE}"/>
+              </a:ext>
+            </a:extLst>
+          </p:cNvPr>
+          <p:cNvPicPr>
+            <a:picLocks noChangeAspect="1"/>
+          </p:cNvPicPr>
+          <p:nvPr/>
+        </p:nvPicPr>
+        <p:blipFill>
+          <a:blip r:embed="rId2"/>
+          <a:stretch>
+            <a:fillRect/>
+          </a:stretch>
+        </p:blipFill>
+        <p:spPr>
+          <a:xfrm>
+            <a:off x="1130474" y="3429000"/>
+            <a:ext cx="9931052" cy="2646516"/>
+          </a:xfrm>
+          <a:prstGeom prst="rect">
+            <a:avLst/>
+          </a:prstGeom>
+        </p:spPr>
+      </p:pic>
+    </p:spTree>
+    <p:extLst>
+      <p:ext uri="{BB962C8B-B14F-4D97-AF65-F5344CB8AC3E}">
+        <p14:creationId xmlns:p14="http://schemas.microsoft.com/office/powerpoint/2010/main" val="4193222936"/>
+      </p:ext>
+    </p:extLst>
+  </p:cSld>
+  <p:clrMapOvr>
+    <a:masterClrMapping/>
+  </p:clrMapOvr>
+</p:sld>
+</file>
+
+<file path=ppt/slides/slide12.xml><?xml version="1.0" encoding="utf-8"?>
+<p:sld xmlns:a="http://schemas.openxmlformats.org/drawingml/2006/main" xmlns:r="http://schemas.openxmlformats.org/officeDocument/2006/relationships" xmlns:p="http://schemas.openxmlformats.org/presentationml/2006/main">
+  <p:cSld>
+    <p:spTree>
+      <p:nvGrpSpPr>
+        <p:cNvPr id="1" name=""/>
+        <p:cNvGrpSpPr/>
+        <p:nvPr/>
+      </p:nvGrpSpPr>
+      <p:grpSpPr>
+        <a:xfrm>
+          <a:off x="0" y="0"/>
+          <a:ext cx="0" cy="0"/>
+          <a:chOff x="0" y="0"/>
+          <a:chExt cx="0" cy="0"/>
+        </a:xfrm>
+      </p:grpSpPr>
+      <p:sp>
+        <p:nvSpPr>
+          <p:cNvPr id="2" name="Title 1">
+            <a:extLst>
+              <a:ext uri="{FF2B5EF4-FFF2-40B4-BE49-F238E27FC236}">
+                <a16:creationId xmlns:a16="http://schemas.microsoft.com/office/drawing/2014/main" xmlns="" id="{9003DC3E-7A4E-5D4A-A75F-4A8720C2058C}"/>
+              </a:ext>
+            </a:extLst>
+          </p:cNvPr>
+          <p:cNvSpPr>
+            <a:spLocks noGrp="1"/>
+          </p:cNvSpPr>
+          <p:nvPr>
+            <p:ph type="title"/>
+          </p:nvPr>
+        </p:nvSpPr>
+        <p:spPr/>
+        <p:txBody>
+          <a:bodyPr/>
+          <a:lstStyle/>
+          <a:p>
+            <a:r>
+              <a:rPr lang="en-US" dirty="0"/>
+              <a:t>Structure Determination</a:t>
+            </a:r>
+          </a:p>
+        </p:txBody>
+      </p:sp>
+      <p:sp>
+        <p:nvSpPr>
+          <p:cNvPr id="3" name="Content Placeholder 2">
+            <a:extLst>
+              <a:ext uri="{FF2B5EF4-FFF2-40B4-BE49-F238E27FC236}">
+                <a16:creationId xmlns:a16="http://schemas.microsoft.com/office/drawing/2014/main" xmlns="" id="{911D92FC-4ECD-8444-A037-19D59D869246}"/>
+              </a:ext>
+            </a:extLst>
+          </p:cNvPr>
+          <p:cNvSpPr>
+            <a:spLocks noGrp="1"/>
+          </p:cNvSpPr>
+          <p:nvPr>
+            <p:ph idx="1"/>
+          </p:nvPr>
+        </p:nvSpPr>
+        <p:spPr/>
+        <p:txBody>
+          <a:bodyPr/>
+          <a:lstStyle/>
+          <a:p>
+            <a:pPr marL="0" indent="0">
+              <a:buNone/>
+            </a:pPr>
+            <a:r>
+              <a:rPr lang="en-US" dirty="0"/>
+              <a:t>Goal: find matching query template</a:t>
+            </a:r>
+          </a:p>
+          <a:p>
+            <a:pPr marL="0" indent="0">
+              <a:buNone/>
+            </a:pPr>
+            <a:r>
+              <a:rPr lang="en-US" dirty="0"/>
+              <a:t>Offline: build index of all possible query templates</a:t>
+            </a:r>
+          </a:p>
+          <a:p>
+            <a:pPr marL="0" indent="0">
+              <a:buNone/>
+            </a:pPr>
+            <a:r>
+              <a:rPr lang="en-US" dirty="0"/>
+              <a:t>Online: find minimum edit distance query template</a:t>
+            </a:r>
+          </a:p>
+        </p:txBody>
+      </p:sp>
+    </p:spTree>
+    <p:extLst>
+      <p:ext uri="{BB962C8B-B14F-4D97-AF65-F5344CB8AC3E}">
+        <p14:creationId xmlns:p14="http://schemas.microsoft.com/office/powerpoint/2010/main" val="4097716968"/>
+      </p:ext>
+    </p:extLst>
+  </p:cSld>
+  <p:clrMapOvr>
+    <a:masterClrMapping/>
+  </p:clrMapOvr>
+</p:sld>
+</file>
+
+<file path=ppt/slides/slide13.xml><?xml version="1.0" encoding="utf-8"?>
+<p:sld xmlns:a="http://schemas.openxmlformats.org/drawingml/2006/main" xmlns:r="http://schemas.openxmlformats.org/officeDocument/2006/relationships" xmlns:p="http://schemas.openxmlformats.org/presentationml/2006/main">
+  <p:cSld>
+    <p:spTree>
+      <p:nvGrpSpPr>
+        <p:cNvPr id="1" name=""/>
+        <p:cNvGrpSpPr/>
+        <p:nvPr/>
+      </p:nvGrpSpPr>
+      <p:grpSpPr>
+        <a:xfrm>
+          <a:off x="0" y="0"/>
+          <a:ext cx="0" cy="0"/>
+          <a:chOff x="0" y="0"/>
+          <a:chExt cx="0" cy="0"/>
+        </a:xfrm>
+      </p:grpSpPr>
+      <p:sp>
+        <p:nvSpPr>
+          <p:cNvPr id="2" name="Title 1">
+            <a:extLst>
+              <a:ext uri="{FF2B5EF4-FFF2-40B4-BE49-F238E27FC236}">
+                <a16:creationId xmlns:a16="http://schemas.microsoft.com/office/drawing/2014/main" xmlns="" id="{84FA4894-EC48-0C4A-82A9-81E82F73A42B}"/>
+              </a:ext>
+            </a:extLst>
+          </p:cNvPr>
+          <p:cNvSpPr>
+            <a:spLocks noGrp="1"/>
+          </p:cNvSpPr>
+          <p:nvPr>
+            <p:ph type="title"/>
+          </p:nvPr>
+        </p:nvSpPr>
+        <p:spPr/>
+        <p:txBody>
+          <a:bodyPr/>
+          <a:lstStyle/>
+          <a:p>
+            <a:r>
+              <a:rPr lang="en-US" dirty="0"/>
+              <a:t>Offline</a:t>
+            </a:r>
+          </a:p>
+        </p:txBody>
+      </p:sp>
+      <p:sp>
+        <p:nvSpPr>
+          <p:cNvPr id="3" name="Content Placeholder 2">
+            <a:extLst>
+              <a:ext uri="{FF2B5EF4-FFF2-40B4-BE49-F238E27FC236}">
+                <a16:creationId xmlns:a16="http://schemas.microsoft.com/office/drawing/2014/main" xmlns="" id="{C9646EBB-5AAF-2840-8CA8-B49B71313979}"/>
+              </a:ext>
+            </a:extLst>
+          </p:cNvPr>
+          <p:cNvSpPr>
+            <a:spLocks noGrp="1"/>
+          </p:cNvSpPr>
+          <p:nvPr>
+            <p:ph idx="1"/>
+          </p:nvPr>
+        </p:nvSpPr>
+        <p:spPr/>
+        <p:txBody>
+          <a:bodyPr/>
+          <a:lstStyle/>
+          <a:p>
+            <a:pPr marL="0" indent="0">
+              <a:buNone/>
+            </a:pPr>
+            <a:r>
+              <a:rPr lang="en-US" dirty="0"/>
+              <a:t>Generate all queries &lt;=50 tokens</a:t>
+            </a:r>
+          </a:p>
+          <a:p>
+            <a:pPr marL="0" indent="0">
+              <a:buNone/>
+            </a:pPr>
+            <a:r>
+              <a:rPr lang="en-US" dirty="0"/>
+              <a:t>Build </a:t>
+            </a:r>
+            <a:r>
+              <a:rPr lang="en-US" dirty="0" err="1"/>
+              <a:t>trie</a:t>
+            </a:r>
+            <a:r>
+              <a:rPr lang="en-US" dirty="0"/>
+              <a:t> for queries of same length</a:t>
+            </a:r>
+          </a:p>
+          <a:p>
+            <a:pPr marL="0" indent="0">
+              <a:buNone/>
+            </a:pPr>
+            <a:endParaRPr lang="en-US" dirty="0"/>
+          </a:p>
+        </p:txBody>
+      </p:sp>
+      <p:pic>
+        <p:nvPicPr>
+          <p:cNvPr id="4" name="Picture 3">
+            <a:extLst>
+              <a:ext uri="{FF2B5EF4-FFF2-40B4-BE49-F238E27FC236}">
+                <a16:creationId xmlns:a16="http://schemas.microsoft.com/office/drawing/2014/main" xmlns="" id="{24AA7DF4-D14C-5741-B69B-71425D551A98}"/>
               </a:ext>
             </a:extLst>
           </p:cNvPr>
@@ -4153,7 +4856,7 @@
           <p:cNvPr id="5" name="Rectangle 4">
             <a:extLst>
               <a:ext uri="{FF2B5EF4-FFF2-40B4-BE49-F238E27FC236}">
-                <a16:creationId xmlns:a16="http://schemas.microsoft.com/office/drawing/2014/main" id="{EC20C855-4C84-8544-897A-03CA437C0BEA}"/>
+                <a16:creationId xmlns:a16="http://schemas.microsoft.com/office/drawing/2014/main" xmlns="" id="{EC20C855-4C84-8544-897A-03CA437C0BEA}"/>
               </a:ext>
             </a:extLst>
           </p:cNvPr>
@@ -4213,7 +4916,7 @@
 </p:sld>
 </file>
 
-<file path=ppt/slides/slide12.xml><?xml version="1.0" encoding="utf-8"?>
+<file path=ppt/slides/slide14.xml><?xml version="1.0" encoding="utf-8"?>
 <p:sld xmlns:a="http://schemas.openxmlformats.org/drawingml/2006/main" xmlns:r="http://schemas.openxmlformats.org/officeDocument/2006/relationships" xmlns:p="http://schemas.openxmlformats.org/presentationml/2006/main">
   <p:cSld>
     <p:spTree>
@@ -4235,7 +4938,7 @@
           <p:cNvPr id="2" name="Title 1">
             <a:extLst>
               <a:ext uri="{FF2B5EF4-FFF2-40B4-BE49-F238E27FC236}">
-                <a16:creationId xmlns:a16="http://schemas.microsoft.com/office/drawing/2014/main" id="{1E87F607-37ED-5142-931E-FE2C83DA84BA}"/>
+                <a16:creationId xmlns:a16="http://schemas.microsoft.com/office/drawing/2014/main" xmlns="" id="{1E87F607-37ED-5142-931E-FE2C83DA84BA}"/>
               </a:ext>
             </a:extLst>
           </p:cNvPr>
@@ -4263,7 +4966,7 @@
           <p:cNvPr id="3" name="Content Placeholder 2">
             <a:extLst>
               <a:ext uri="{FF2B5EF4-FFF2-40B4-BE49-F238E27FC236}">
-                <a16:creationId xmlns:a16="http://schemas.microsoft.com/office/drawing/2014/main" id="{6F897CB9-91EF-C640-988D-73D01459A535}"/>
+                <a16:creationId xmlns:a16="http://schemas.microsoft.com/office/drawing/2014/main" xmlns="" id="{6F897CB9-91EF-C640-988D-73D01459A535}"/>
               </a:ext>
             </a:extLst>
           </p:cNvPr>
@@ -4369,7 +5072,7 @@
           <p:cNvPr id="4" name="Picture 3">
             <a:extLst>
               <a:ext uri="{FF2B5EF4-FFF2-40B4-BE49-F238E27FC236}">
-                <a16:creationId xmlns:a16="http://schemas.microsoft.com/office/drawing/2014/main" id="{6F3446F1-DFA7-3746-8B82-A7A8DC6CFACF}"/>
+                <a16:creationId xmlns:a16="http://schemas.microsoft.com/office/drawing/2014/main" xmlns="" id="{6F3446F1-DFA7-3746-8B82-A7A8DC6CFACF}"/>
               </a:ext>
             </a:extLst>
           </p:cNvPr>
@@ -4407,490 +5110,6 @@
 </p:sld>
 </file>
 
-<file path=ppt/slides/slide13.xml><?xml version="1.0" encoding="utf-8"?>
-<p:sld xmlns:a="http://schemas.openxmlformats.org/drawingml/2006/main" xmlns:r="http://schemas.openxmlformats.org/officeDocument/2006/relationships" xmlns:p="http://schemas.openxmlformats.org/presentationml/2006/main">
-  <p:cSld>
-    <p:spTree>
-      <p:nvGrpSpPr>
-        <p:cNvPr id="1" name=""/>
-        <p:cNvGrpSpPr/>
-        <p:nvPr/>
-      </p:nvGrpSpPr>
-      <p:grpSpPr>
-        <a:xfrm>
-          <a:off x="0" y="0"/>
-          <a:ext cx="0" cy="0"/>
-          <a:chOff x="0" y="0"/>
-          <a:chExt cx="0" cy="0"/>
-        </a:xfrm>
-      </p:grpSpPr>
-      <p:sp>
-        <p:nvSpPr>
-          <p:cNvPr id="2" name="Title 1">
-            <a:extLst>
-              <a:ext uri="{FF2B5EF4-FFF2-40B4-BE49-F238E27FC236}">
-                <a16:creationId xmlns:a16="http://schemas.microsoft.com/office/drawing/2014/main" id="{9003DC3E-7A4E-5D4A-A75F-4A8720C2058C}"/>
-              </a:ext>
-            </a:extLst>
-          </p:cNvPr>
-          <p:cNvSpPr>
-            <a:spLocks noGrp="1"/>
-          </p:cNvSpPr>
-          <p:nvPr>
-            <p:ph type="title"/>
-          </p:nvPr>
-        </p:nvSpPr>
-        <p:spPr/>
-        <p:txBody>
-          <a:bodyPr/>
-          <a:lstStyle/>
-          <a:p>
-            <a:r>
-              <a:rPr lang="en-US" dirty="0"/>
-              <a:t>Literal Determination</a:t>
-            </a:r>
-          </a:p>
-        </p:txBody>
-      </p:sp>
-      <p:sp>
-        <p:nvSpPr>
-          <p:cNvPr id="3" name="Content Placeholder 2">
-            <a:extLst>
-              <a:ext uri="{FF2B5EF4-FFF2-40B4-BE49-F238E27FC236}">
-                <a16:creationId xmlns:a16="http://schemas.microsoft.com/office/drawing/2014/main" id="{911D92FC-4ECD-8444-A037-19D59D869246}"/>
-              </a:ext>
-            </a:extLst>
-          </p:cNvPr>
-          <p:cNvSpPr>
-            <a:spLocks noGrp="1"/>
-          </p:cNvSpPr>
-          <p:nvPr>
-            <p:ph idx="1"/>
-          </p:nvPr>
-        </p:nvSpPr>
-        <p:spPr/>
-        <p:txBody>
-          <a:bodyPr>
-            <a:normAutofit/>
-          </a:bodyPr>
-          <a:lstStyle/>
-          <a:p>
-            <a:pPr marL="0" indent="0">
-              <a:buNone/>
-            </a:pPr>
-            <a:r>
-              <a:rPr lang="en-US" sz="2400" dirty="0"/>
-              <a:t>Fill in variables in query template based on sounds-like-ness</a:t>
-            </a:r>
-          </a:p>
-          <a:p>
-            <a:pPr marL="0" indent="0" algn="ctr">
-              <a:buNone/>
-            </a:pPr>
-            <a:r>
-              <a:rPr lang="en-US" sz="2000" dirty="0">
-                <a:latin typeface="Consolas" panose="020B0609020204030204" pitchFamily="49" charset="0"/>
-                <a:cs typeface="Consolas" panose="020B0609020204030204" pitchFamily="49" charset="0"/>
-              </a:rPr>
-              <a:t>“select first name from employers wear col one two equal </a:t>
-            </a:r>
-            <a:r>
-              <a:rPr lang="en-US" sz="2000" dirty="0" err="1">
-                <a:latin typeface="Consolas" panose="020B0609020204030204" pitchFamily="49" charset="0"/>
-                <a:cs typeface="Consolas" panose="020B0609020204030204" pitchFamily="49" charset="0"/>
-              </a:rPr>
-              <a:t>jon</a:t>
-            </a:r>
-            <a:r>
-              <a:rPr lang="en-US" sz="2000" dirty="0">
-                <a:latin typeface="Consolas" panose="020B0609020204030204" pitchFamily="49" charset="0"/>
-                <a:cs typeface="Consolas" panose="020B0609020204030204" pitchFamily="49" charset="0"/>
-              </a:rPr>
-              <a:t>”</a:t>
-            </a:r>
-          </a:p>
-          <a:p>
-            <a:pPr marL="0" indent="0" algn="ctr">
-              <a:buNone/>
-            </a:pPr>
-            <a:r>
-              <a:rPr lang="en-US" sz="2000" dirty="0">
-                <a:latin typeface="Consolas" panose="020B0609020204030204" pitchFamily="49" charset="0"/>
-                <a:cs typeface="Consolas" panose="020B0609020204030204" pitchFamily="49" charset="0"/>
-              </a:rPr>
-              <a:t>SELECT v1 FROM v2 WHERE v3 = v4</a:t>
-            </a:r>
-          </a:p>
-          <a:p>
-            <a:pPr marL="0" indent="0">
-              <a:buNone/>
-            </a:pPr>
-            <a:endParaRPr lang="en-US" sz="2400" dirty="0"/>
-          </a:p>
-          <a:p>
-            <a:pPr marL="0" indent="0">
-              <a:buNone/>
-            </a:pPr>
-            <a:r>
-              <a:rPr lang="en-US" sz="2400" dirty="0"/>
-              <a:t>Ideas</a:t>
-            </a:r>
-          </a:p>
-          <a:p>
-            <a:pPr marL="514350" indent="-514350">
-              <a:buAutoNum type="arabicPeriod"/>
-            </a:pPr>
-            <a:r>
-              <a:rPr lang="en-US" sz="2400" dirty="0"/>
-              <a:t>Translate all tokens &amp; values into phonemes. </a:t>
-            </a:r>
-            <a:r>
-              <a:rPr lang="en-US" sz="2400" dirty="0">
-                <a:solidFill>
-                  <a:schemeClr val="bg1">
-                    <a:lumMod val="50000"/>
-                  </a:schemeClr>
-                </a:solidFill>
-              </a:rPr>
-              <a:t>Employees </a:t>
-            </a:r>
-            <a:r>
-              <a:rPr lang="en-US" sz="2400" dirty="0">
-                <a:solidFill>
-                  <a:schemeClr val="bg1">
-                    <a:lumMod val="50000"/>
-                  </a:schemeClr>
-                </a:solidFill>
-                <a:sym typeface="Wingdings" pitchFamily="2" charset="2"/>
-              </a:rPr>
-              <a:t> EMPLYS</a:t>
-            </a:r>
-          </a:p>
-          <a:p>
-            <a:pPr marL="514350" indent="-514350">
-              <a:buAutoNum type="arabicPeriod"/>
-            </a:pPr>
-            <a:r>
-              <a:rPr lang="en-US" sz="2400" dirty="0">
-                <a:sym typeface="Wingdings" pitchFamily="2" charset="2"/>
-              </a:rPr>
-              <a:t>Infer variable types from grammar.  </a:t>
-            </a:r>
-            <a:r>
-              <a:rPr lang="en-US" sz="2400" dirty="0">
-                <a:solidFill>
-                  <a:schemeClr val="bg1">
-                    <a:lumMod val="50000"/>
-                  </a:schemeClr>
-                </a:solidFill>
-                <a:sym typeface="Wingdings" pitchFamily="2" charset="2"/>
-              </a:rPr>
-              <a:t>v1 is </a:t>
-            </a:r>
-            <a:r>
-              <a:rPr lang="en-US" sz="2400" dirty="0" err="1">
-                <a:solidFill>
-                  <a:schemeClr val="bg1">
-                    <a:lumMod val="50000"/>
-                  </a:schemeClr>
-                </a:solidFill>
-                <a:sym typeface="Wingdings" pitchFamily="2" charset="2"/>
-              </a:rPr>
-              <a:t>attr</a:t>
-            </a:r>
-            <a:r>
-              <a:rPr lang="en-US" sz="2400" dirty="0">
-                <a:solidFill>
-                  <a:schemeClr val="bg1">
-                    <a:lumMod val="50000"/>
-                  </a:schemeClr>
-                </a:solidFill>
-                <a:sym typeface="Wingdings" pitchFamily="2" charset="2"/>
-              </a:rPr>
-              <a:t>, v2 is table</a:t>
-            </a:r>
-          </a:p>
-          <a:p>
-            <a:pPr marL="514350" indent="-514350">
-              <a:buAutoNum type="arabicPeriod"/>
-            </a:pPr>
-            <a:r>
-              <a:rPr lang="en-US" sz="2400" dirty="0">
-                <a:sym typeface="Wingdings" pitchFamily="2" charset="2"/>
-              </a:rPr>
-              <a:t>Know tokens to variable mappings.  </a:t>
-            </a:r>
-            <a:r>
-              <a:rPr lang="en-US" sz="2400" dirty="0">
-                <a:solidFill>
-                  <a:schemeClr val="bg1">
-                    <a:lumMod val="50000"/>
-                  </a:schemeClr>
-                </a:solidFill>
-                <a:sym typeface="Wingdings" pitchFamily="2" charset="2"/>
-              </a:rPr>
-              <a:t>“first name”  v1</a:t>
-            </a:r>
-          </a:p>
-          <a:p>
-            <a:pPr marL="0" indent="0">
-              <a:buNone/>
-            </a:pPr>
-            <a:endParaRPr lang="en-US" sz="2400" dirty="0"/>
-          </a:p>
-        </p:txBody>
-      </p:sp>
-    </p:spTree>
-    <p:extLst>
-      <p:ext uri="{BB962C8B-B14F-4D97-AF65-F5344CB8AC3E}">
-        <p14:creationId xmlns:p14="http://schemas.microsoft.com/office/powerpoint/2010/main" val="2033292324"/>
-      </p:ext>
-    </p:extLst>
-  </p:cSld>
-  <p:clrMapOvr>
-    <a:masterClrMapping/>
-  </p:clrMapOvr>
-</p:sld>
-</file>
-
-<file path=ppt/slides/slide14.xml><?xml version="1.0" encoding="utf-8"?>
-<p:sld xmlns:a="http://schemas.openxmlformats.org/drawingml/2006/main" xmlns:r="http://schemas.openxmlformats.org/officeDocument/2006/relationships" xmlns:p="http://schemas.openxmlformats.org/presentationml/2006/main">
-  <p:cSld>
-    <p:spTree>
-      <p:nvGrpSpPr>
-        <p:cNvPr id="1" name=""/>
-        <p:cNvGrpSpPr/>
-        <p:nvPr/>
-      </p:nvGrpSpPr>
-      <p:grpSpPr>
-        <a:xfrm>
-          <a:off x="0" y="0"/>
-          <a:ext cx="0" cy="0"/>
-          <a:chOff x="0" y="0"/>
-          <a:chExt cx="0" cy="0"/>
-        </a:xfrm>
-      </p:grpSpPr>
-      <p:sp>
-        <p:nvSpPr>
-          <p:cNvPr id="2" name="Title 1">
-            <a:extLst>
-              <a:ext uri="{FF2B5EF4-FFF2-40B4-BE49-F238E27FC236}">
-                <a16:creationId xmlns:a16="http://schemas.microsoft.com/office/drawing/2014/main" id="{E06E78FB-10EB-FC42-ABEE-004CDF41B040}"/>
-              </a:ext>
-            </a:extLst>
-          </p:cNvPr>
-          <p:cNvSpPr>
-            <a:spLocks noGrp="1"/>
-          </p:cNvSpPr>
-          <p:nvPr>
-            <p:ph type="title"/>
-          </p:nvPr>
-        </p:nvSpPr>
-        <p:spPr/>
-        <p:txBody>
-          <a:bodyPr/>
-          <a:lstStyle/>
-          <a:p>
-            <a:r>
-              <a:rPr lang="en-US" dirty="0"/>
-              <a:t>Literal Determination</a:t>
-            </a:r>
-          </a:p>
-        </p:txBody>
-      </p:sp>
-      <p:sp>
-        <p:nvSpPr>
-          <p:cNvPr id="3" name="Content Placeholder 2">
-            <a:extLst>
-              <a:ext uri="{FF2B5EF4-FFF2-40B4-BE49-F238E27FC236}">
-                <a16:creationId xmlns:a16="http://schemas.microsoft.com/office/drawing/2014/main" id="{7305FDB0-BAF6-6C41-8942-B987D7FE5988}"/>
-              </a:ext>
-            </a:extLst>
-          </p:cNvPr>
-          <p:cNvSpPr>
-            <a:spLocks noGrp="1"/>
-          </p:cNvSpPr>
-          <p:nvPr>
-            <p:ph idx="1"/>
-          </p:nvPr>
-        </p:nvSpPr>
-        <p:spPr/>
-        <p:txBody>
-          <a:bodyPr>
-            <a:normAutofit fontScale="92500" lnSpcReduction="20000"/>
-          </a:bodyPr>
-          <a:lstStyle/>
-          <a:p>
-            <a:pPr marL="0" indent="0">
-              <a:buNone/>
-            </a:pPr>
-            <a:r>
-              <a:rPr lang="en-US" dirty="0"/>
-              <a:t>Tricky part: picking the attribute name/values</a:t>
-            </a:r>
-          </a:p>
-          <a:p>
-            <a:r>
-              <a:rPr lang="en-US" dirty="0"/>
-              <a:t>“first name” </a:t>
-            </a:r>
-            <a:r>
-              <a:rPr lang="en-US" dirty="0">
-                <a:sym typeface="Wingdings" pitchFamily="2" charset="2"/>
-              </a:rPr>
-              <a:t> “</a:t>
-            </a:r>
-            <a:r>
-              <a:rPr lang="en-US" dirty="0" err="1">
-                <a:sym typeface="Wingdings" pitchFamily="2" charset="2"/>
-              </a:rPr>
-              <a:t>firstname</a:t>
-            </a:r>
-            <a:r>
-              <a:rPr lang="en-US" dirty="0">
-                <a:sym typeface="Wingdings" pitchFamily="2" charset="2"/>
-              </a:rPr>
-              <a:t>”</a:t>
-            </a:r>
-            <a:endParaRPr lang="en-US" dirty="0"/>
-          </a:p>
-          <a:p>
-            <a:r>
-              <a:rPr lang="en-US" dirty="0"/>
-              <a:t>“col one two” </a:t>
-            </a:r>
-            <a:r>
-              <a:rPr lang="en-US" dirty="0">
-                <a:sym typeface="Wingdings" pitchFamily="2" charset="2"/>
-              </a:rPr>
-              <a:t> “col_12”</a:t>
-            </a:r>
-          </a:p>
-          <a:p>
-            <a:pPr marL="0" indent="0">
-              <a:buNone/>
-            </a:pPr>
-            <a:endParaRPr lang="en-US" dirty="0">
-              <a:sym typeface="Wingdings" pitchFamily="2" charset="2"/>
-            </a:endParaRPr>
-          </a:p>
-          <a:p>
-            <a:pPr marL="0" indent="0">
-              <a:buNone/>
-            </a:pPr>
-            <a:r>
-              <a:rPr lang="en-US" dirty="0">
-                <a:sym typeface="Wingdings" pitchFamily="2" charset="2"/>
-              </a:rPr>
-              <a:t>What </a:t>
-            </a:r>
-            <a:r>
-              <a:rPr lang="en-US" dirty="0" err="1">
-                <a:sym typeface="Wingdings" pitchFamily="2" charset="2"/>
-              </a:rPr>
-              <a:t>SpeakQL</a:t>
-            </a:r>
-            <a:r>
-              <a:rPr lang="en-US" dirty="0">
-                <a:sym typeface="Wingdings" pitchFamily="2" charset="2"/>
-              </a:rPr>
-              <a:t> does</a:t>
-            </a:r>
-          </a:p>
-          <a:p>
-            <a:r>
-              <a:rPr lang="en-US" dirty="0">
-                <a:sym typeface="Wingdings" pitchFamily="2" charset="2"/>
-              </a:rPr>
-              <a:t>Enumerate all concatenations of tokens: ”first” “name” “</a:t>
-            </a:r>
-            <a:r>
-              <a:rPr lang="en-US" dirty="0" err="1">
-                <a:sym typeface="Wingdings" pitchFamily="2" charset="2"/>
-              </a:rPr>
-              <a:t>firstname</a:t>
-            </a:r>
-            <a:r>
-              <a:rPr lang="en-US" dirty="0">
-                <a:sym typeface="Wingdings" pitchFamily="2" charset="2"/>
-              </a:rPr>
-              <a:t>”</a:t>
-            </a:r>
-          </a:p>
-          <a:p>
-            <a:r>
-              <a:rPr lang="en-US" dirty="0">
-                <a:sym typeface="Wingdings" pitchFamily="2" charset="2"/>
-              </a:rPr>
-              <a:t>Compute phoneme distance with attributes “</a:t>
-            </a:r>
-            <a:r>
-              <a:rPr lang="en-US" dirty="0" err="1">
-                <a:sym typeface="Wingdings" pitchFamily="2" charset="2"/>
-              </a:rPr>
-              <a:t>firstname</a:t>
-            </a:r>
-            <a:r>
-              <a:rPr lang="en-US" dirty="0">
-                <a:sym typeface="Wingdings" pitchFamily="2" charset="2"/>
-              </a:rPr>
-              <a:t>”, “</a:t>
-            </a:r>
-            <a:r>
-              <a:rPr lang="en-US" dirty="0" err="1">
-                <a:sym typeface="Wingdings" pitchFamily="2" charset="2"/>
-              </a:rPr>
-              <a:t>forestname</a:t>
-            </a:r>
-            <a:r>
-              <a:rPr lang="en-US" dirty="0">
-                <a:sym typeface="Wingdings" pitchFamily="2" charset="2"/>
-              </a:rPr>
-              <a:t>”</a:t>
-            </a:r>
-          </a:p>
-          <a:p>
-            <a:r>
-              <a:rPr lang="en-US" dirty="0">
-                <a:sym typeface="Wingdings" pitchFamily="2" charset="2"/>
-              </a:rPr>
-              <a:t>All tokens get a “vote”</a:t>
-            </a:r>
-          </a:p>
-          <a:p>
-            <a:pPr marL="0" indent="0">
-              <a:buNone/>
-            </a:pPr>
-            <a:endParaRPr lang="en-US" dirty="0">
-              <a:sym typeface="Wingdings" pitchFamily="2" charset="2"/>
-            </a:endParaRPr>
-          </a:p>
-          <a:p>
-            <a:pPr marL="0" indent="0">
-              <a:buNone/>
-            </a:pPr>
-            <a:r>
-              <a:rPr lang="en-US" dirty="0">
-                <a:sym typeface="Wingdings" pitchFamily="2" charset="2"/>
-              </a:rPr>
-              <a:t>Thoughts on their method?</a:t>
-            </a:r>
-          </a:p>
-        </p:txBody>
-      </p:sp>
-    </p:spTree>
-    <p:extLst>
-      <p:ext uri="{BB962C8B-B14F-4D97-AF65-F5344CB8AC3E}">
-        <p14:creationId xmlns:p14="http://schemas.microsoft.com/office/powerpoint/2010/main" val="1877404889"/>
-      </p:ext>
-    </p:extLst>
-  </p:cSld>
-  <p:clrMapOvr>
-    <a:masterClrMapping/>
-  </p:clrMapOvr>
-</p:sld>
-</file>
-
 <file path=ppt/slides/slide15.xml><?xml version="1.0" encoding="utf-8"?>
 <p:sld xmlns:a="http://schemas.openxmlformats.org/drawingml/2006/main" xmlns:r="http://schemas.openxmlformats.org/officeDocument/2006/relationships" xmlns:p="http://schemas.openxmlformats.org/presentationml/2006/main">
   <p:cSld>
@@ -4913,7 +5132,7 @@
           <p:cNvPr id="2" name="Title 1">
             <a:extLst>
               <a:ext uri="{FF2B5EF4-FFF2-40B4-BE49-F238E27FC236}">
-                <a16:creationId xmlns:a16="http://schemas.microsoft.com/office/drawing/2014/main" id="{E19B0345-EA7F-4347-804C-EFA7DDA9625F}"/>
+                <a16:creationId xmlns:a16="http://schemas.microsoft.com/office/drawing/2014/main" xmlns="" id="{9003DC3E-7A4E-5D4A-A75F-4A8720C2058C}"/>
               </a:ext>
             </a:extLst>
           </p:cNvPr>
@@ -4931,6 +5150,490 @@
           <a:p>
             <a:r>
               <a:rPr lang="en-US" dirty="0"/>
+              <a:t>Literal Determination</a:t>
+            </a:r>
+          </a:p>
+        </p:txBody>
+      </p:sp>
+      <p:sp>
+        <p:nvSpPr>
+          <p:cNvPr id="3" name="Content Placeholder 2">
+            <a:extLst>
+              <a:ext uri="{FF2B5EF4-FFF2-40B4-BE49-F238E27FC236}">
+                <a16:creationId xmlns:a16="http://schemas.microsoft.com/office/drawing/2014/main" xmlns="" id="{911D92FC-4ECD-8444-A037-19D59D869246}"/>
+              </a:ext>
+            </a:extLst>
+          </p:cNvPr>
+          <p:cNvSpPr>
+            <a:spLocks noGrp="1"/>
+          </p:cNvSpPr>
+          <p:nvPr>
+            <p:ph idx="1"/>
+          </p:nvPr>
+        </p:nvSpPr>
+        <p:spPr/>
+        <p:txBody>
+          <a:bodyPr>
+            <a:normAutofit/>
+          </a:bodyPr>
+          <a:lstStyle/>
+          <a:p>
+            <a:pPr marL="0" indent="0">
+              <a:buNone/>
+            </a:pPr>
+            <a:r>
+              <a:rPr lang="en-US" sz="2400" dirty="0"/>
+              <a:t>Fill in variables in query template based on sounds-like-ness</a:t>
+            </a:r>
+          </a:p>
+          <a:p>
+            <a:pPr marL="0" indent="0" algn="ctr">
+              <a:buNone/>
+            </a:pPr>
+            <a:r>
+              <a:rPr lang="en-US" sz="2000" dirty="0">
+                <a:latin typeface="Consolas" panose="020B0609020204030204" pitchFamily="49" charset="0"/>
+                <a:cs typeface="Consolas" panose="020B0609020204030204" pitchFamily="49" charset="0"/>
+              </a:rPr>
+              <a:t>“select first name from employers wear col one two equal </a:t>
+            </a:r>
+            <a:r>
+              <a:rPr lang="en-US" sz="2000" dirty="0" err="1">
+                <a:latin typeface="Consolas" panose="020B0609020204030204" pitchFamily="49" charset="0"/>
+                <a:cs typeface="Consolas" panose="020B0609020204030204" pitchFamily="49" charset="0"/>
+              </a:rPr>
+              <a:t>jon</a:t>
+            </a:r>
+            <a:r>
+              <a:rPr lang="en-US" sz="2000" dirty="0">
+                <a:latin typeface="Consolas" panose="020B0609020204030204" pitchFamily="49" charset="0"/>
+                <a:cs typeface="Consolas" panose="020B0609020204030204" pitchFamily="49" charset="0"/>
+              </a:rPr>
+              <a:t>”</a:t>
+            </a:r>
+          </a:p>
+          <a:p>
+            <a:pPr marL="0" indent="0" algn="ctr">
+              <a:buNone/>
+            </a:pPr>
+            <a:r>
+              <a:rPr lang="en-US" sz="2000" dirty="0">
+                <a:latin typeface="Consolas" panose="020B0609020204030204" pitchFamily="49" charset="0"/>
+                <a:cs typeface="Consolas" panose="020B0609020204030204" pitchFamily="49" charset="0"/>
+              </a:rPr>
+              <a:t>SELECT v1 FROM v2 WHERE v3 = v4</a:t>
+            </a:r>
+          </a:p>
+          <a:p>
+            <a:pPr marL="0" indent="0">
+              <a:buNone/>
+            </a:pPr>
+            <a:endParaRPr lang="en-US" sz="2400" dirty="0"/>
+          </a:p>
+          <a:p>
+            <a:pPr marL="0" indent="0">
+              <a:buNone/>
+            </a:pPr>
+            <a:r>
+              <a:rPr lang="en-US" sz="2400" dirty="0"/>
+              <a:t>Ideas</a:t>
+            </a:r>
+          </a:p>
+          <a:p>
+            <a:pPr marL="514350" indent="-514350">
+              <a:buAutoNum type="arabicPeriod"/>
+            </a:pPr>
+            <a:r>
+              <a:rPr lang="en-US" sz="2400" dirty="0"/>
+              <a:t>Translate all tokens &amp; values into phonemes. </a:t>
+            </a:r>
+            <a:r>
+              <a:rPr lang="en-US" sz="2400" dirty="0">
+                <a:solidFill>
+                  <a:schemeClr val="bg1">
+                    <a:lumMod val="50000"/>
+                  </a:schemeClr>
+                </a:solidFill>
+              </a:rPr>
+              <a:t>Employees </a:t>
+            </a:r>
+            <a:r>
+              <a:rPr lang="en-US" sz="2400" dirty="0">
+                <a:solidFill>
+                  <a:schemeClr val="bg1">
+                    <a:lumMod val="50000"/>
+                  </a:schemeClr>
+                </a:solidFill>
+                <a:sym typeface="Wingdings" pitchFamily="2" charset="2"/>
+              </a:rPr>
+              <a:t> EMPLYS</a:t>
+            </a:r>
+          </a:p>
+          <a:p>
+            <a:pPr marL="514350" indent="-514350">
+              <a:buAutoNum type="arabicPeriod"/>
+            </a:pPr>
+            <a:r>
+              <a:rPr lang="en-US" sz="2400" dirty="0">
+                <a:sym typeface="Wingdings" pitchFamily="2" charset="2"/>
+              </a:rPr>
+              <a:t>Infer variable types from grammar.  </a:t>
+            </a:r>
+            <a:r>
+              <a:rPr lang="en-US" sz="2400" dirty="0">
+                <a:solidFill>
+                  <a:schemeClr val="bg1">
+                    <a:lumMod val="50000"/>
+                  </a:schemeClr>
+                </a:solidFill>
+                <a:sym typeface="Wingdings" pitchFamily="2" charset="2"/>
+              </a:rPr>
+              <a:t>v1 is </a:t>
+            </a:r>
+            <a:r>
+              <a:rPr lang="en-US" sz="2400" dirty="0" err="1">
+                <a:solidFill>
+                  <a:schemeClr val="bg1">
+                    <a:lumMod val="50000"/>
+                  </a:schemeClr>
+                </a:solidFill>
+                <a:sym typeface="Wingdings" pitchFamily="2" charset="2"/>
+              </a:rPr>
+              <a:t>attr</a:t>
+            </a:r>
+            <a:r>
+              <a:rPr lang="en-US" sz="2400" dirty="0">
+                <a:solidFill>
+                  <a:schemeClr val="bg1">
+                    <a:lumMod val="50000"/>
+                  </a:schemeClr>
+                </a:solidFill>
+                <a:sym typeface="Wingdings" pitchFamily="2" charset="2"/>
+              </a:rPr>
+              <a:t>, v2 is table</a:t>
+            </a:r>
+          </a:p>
+          <a:p>
+            <a:pPr marL="514350" indent="-514350">
+              <a:buAutoNum type="arabicPeriod"/>
+            </a:pPr>
+            <a:r>
+              <a:rPr lang="en-US" sz="2400" dirty="0">
+                <a:sym typeface="Wingdings" pitchFamily="2" charset="2"/>
+              </a:rPr>
+              <a:t>Know tokens to variable mappings.  </a:t>
+            </a:r>
+            <a:r>
+              <a:rPr lang="en-US" sz="2400" dirty="0">
+                <a:solidFill>
+                  <a:schemeClr val="bg1">
+                    <a:lumMod val="50000"/>
+                  </a:schemeClr>
+                </a:solidFill>
+                <a:sym typeface="Wingdings" pitchFamily="2" charset="2"/>
+              </a:rPr>
+              <a:t>“first name”  v1</a:t>
+            </a:r>
+          </a:p>
+          <a:p>
+            <a:pPr marL="0" indent="0">
+              <a:buNone/>
+            </a:pPr>
+            <a:endParaRPr lang="en-US" sz="2400" dirty="0"/>
+          </a:p>
+        </p:txBody>
+      </p:sp>
+    </p:spTree>
+    <p:extLst>
+      <p:ext uri="{BB962C8B-B14F-4D97-AF65-F5344CB8AC3E}">
+        <p14:creationId xmlns:p14="http://schemas.microsoft.com/office/powerpoint/2010/main" val="2033292324"/>
+      </p:ext>
+    </p:extLst>
+  </p:cSld>
+  <p:clrMapOvr>
+    <a:masterClrMapping/>
+  </p:clrMapOvr>
+</p:sld>
+</file>
+
+<file path=ppt/slides/slide16.xml><?xml version="1.0" encoding="utf-8"?>
+<p:sld xmlns:a="http://schemas.openxmlformats.org/drawingml/2006/main" xmlns:r="http://schemas.openxmlformats.org/officeDocument/2006/relationships" xmlns:p="http://schemas.openxmlformats.org/presentationml/2006/main">
+  <p:cSld>
+    <p:spTree>
+      <p:nvGrpSpPr>
+        <p:cNvPr id="1" name=""/>
+        <p:cNvGrpSpPr/>
+        <p:nvPr/>
+      </p:nvGrpSpPr>
+      <p:grpSpPr>
+        <a:xfrm>
+          <a:off x="0" y="0"/>
+          <a:ext cx="0" cy="0"/>
+          <a:chOff x="0" y="0"/>
+          <a:chExt cx="0" cy="0"/>
+        </a:xfrm>
+      </p:grpSpPr>
+      <p:sp>
+        <p:nvSpPr>
+          <p:cNvPr id="2" name="Title 1">
+            <a:extLst>
+              <a:ext uri="{FF2B5EF4-FFF2-40B4-BE49-F238E27FC236}">
+                <a16:creationId xmlns:a16="http://schemas.microsoft.com/office/drawing/2014/main" xmlns="" id="{E06E78FB-10EB-FC42-ABEE-004CDF41B040}"/>
+              </a:ext>
+            </a:extLst>
+          </p:cNvPr>
+          <p:cNvSpPr>
+            <a:spLocks noGrp="1"/>
+          </p:cNvSpPr>
+          <p:nvPr>
+            <p:ph type="title"/>
+          </p:nvPr>
+        </p:nvSpPr>
+        <p:spPr/>
+        <p:txBody>
+          <a:bodyPr/>
+          <a:lstStyle/>
+          <a:p>
+            <a:r>
+              <a:rPr lang="en-US" dirty="0"/>
+              <a:t>Literal Determination</a:t>
+            </a:r>
+          </a:p>
+        </p:txBody>
+      </p:sp>
+      <p:sp>
+        <p:nvSpPr>
+          <p:cNvPr id="3" name="Content Placeholder 2">
+            <a:extLst>
+              <a:ext uri="{FF2B5EF4-FFF2-40B4-BE49-F238E27FC236}">
+                <a16:creationId xmlns:a16="http://schemas.microsoft.com/office/drawing/2014/main" xmlns="" id="{7305FDB0-BAF6-6C41-8942-B987D7FE5988}"/>
+              </a:ext>
+            </a:extLst>
+          </p:cNvPr>
+          <p:cNvSpPr>
+            <a:spLocks noGrp="1"/>
+          </p:cNvSpPr>
+          <p:nvPr>
+            <p:ph idx="1"/>
+          </p:nvPr>
+        </p:nvSpPr>
+        <p:spPr/>
+        <p:txBody>
+          <a:bodyPr>
+            <a:normAutofit fontScale="92500" lnSpcReduction="20000"/>
+          </a:bodyPr>
+          <a:lstStyle/>
+          <a:p>
+            <a:pPr marL="0" indent="0">
+              <a:buNone/>
+            </a:pPr>
+            <a:r>
+              <a:rPr lang="en-US" dirty="0"/>
+              <a:t>Tricky part: picking the attribute name/values</a:t>
+            </a:r>
+          </a:p>
+          <a:p>
+            <a:r>
+              <a:rPr lang="en-US" dirty="0"/>
+              <a:t>“first name” </a:t>
+            </a:r>
+            <a:r>
+              <a:rPr lang="en-US" dirty="0">
+                <a:sym typeface="Wingdings" pitchFamily="2" charset="2"/>
+              </a:rPr>
+              <a:t> “</a:t>
+            </a:r>
+            <a:r>
+              <a:rPr lang="en-US" dirty="0" err="1">
+                <a:sym typeface="Wingdings" pitchFamily="2" charset="2"/>
+              </a:rPr>
+              <a:t>firstname</a:t>
+            </a:r>
+            <a:r>
+              <a:rPr lang="en-US" dirty="0">
+                <a:sym typeface="Wingdings" pitchFamily="2" charset="2"/>
+              </a:rPr>
+              <a:t>”</a:t>
+            </a:r>
+            <a:endParaRPr lang="en-US" dirty="0"/>
+          </a:p>
+          <a:p>
+            <a:r>
+              <a:rPr lang="en-US" dirty="0"/>
+              <a:t>“col one two” </a:t>
+            </a:r>
+            <a:r>
+              <a:rPr lang="en-US" dirty="0">
+                <a:sym typeface="Wingdings" pitchFamily="2" charset="2"/>
+              </a:rPr>
+              <a:t> “col_12”</a:t>
+            </a:r>
+          </a:p>
+          <a:p>
+            <a:pPr marL="0" indent="0">
+              <a:buNone/>
+            </a:pPr>
+            <a:endParaRPr lang="en-US" dirty="0">
+              <a:sym typeface="Wingdings" pitchFamily="2" charset="2"/>
+            </a:endParaRPr>
+          </a:p>
+          <a:p>
+            <a:pPr marL="0" indent="0">
+              <a:buNone/>
+            </a:pPr>
+            <a:r>
+              <a:rPr lang="en-US" dirty="0">
+                <a:sym typeface="Wingdings" pitchFamily="2" charset="2"/>
+              </a:rPr>
+              <a:t>What </a:t>
+            </a:r>
+            <a:r>
+              <a:rPr lang="en-US" dirty="0" err="1">
+                <a:sym typeface="Wingdings" pitchFamily="2" charset="2"/>
+              </a:rPr>
+              <a:t>SpeakQL</a:t>
+            </a:r>
+            <a:r>
+              <a:rPr lang="en-US" dirty="0">
+                <a:sym typeface="Wingdings" pitchFamily="2" charset="2"/>
+              </a:rPr>
+              <a:t> does</a:t>
+            </a:r>
+          </a:p>
+          <a:p>
+            <a:r>
+              <a:rPr lang="en-US" dirty="0">
+                <a:sym typeface="Wingdings" pitchFamily="2" charset="2"/>
+              </a:rPr>
+              <a:t>Enumerate all concatenations of tokens: ”first” “name” “</a:t>
+            </a:r>
+            <a:r>
+              <a:rPr lang="en-US" dirty="0" err="1">
+                <a:sym typeface="Wingdings" pitchFamily="2" charset="2"/>
+              </a:rPr>
+              <a:t>firstname</a:t>
+            </a:r>
+            <a:r>
+              <a:rPr lang="en-US" dirty="0">
+                <a:sym typeface="Wingdings" pitchFamily="2" charset="2"/>
+              </a:rPr>
+              <a:t>”</a:t>
+            </a:r>
+          </a:p>
+          <a:p>
+            <a:r>
+              <a:rPr lang="en-US" dirty="0">
+                <a:sym typeface="Wingdings" pitchFamily="2" charset="2"/>
+              </a:rPr>
+              <a:t>Compute phoneme distance with attributes “</a:t>
+            </a:r>
+            <a:r>
+              <a:rPr lang="en-US" dirty="0" err="1">
+                <a:sym typeface="Wingdings" pitchFamily="2" charset="2"/>
+              </a:rPr>
+              <a:t>firstname</a:t>
+            </a:r>
+            <a:r>
+              <a:rPr lang="en-US" dirty="0">
+                <a:sym typeface="Wingdings" pitchFamily="2" charset="2"/>
+              </a:rPr>
+              <a:t>”, “</a:t>
+            </a:r>
+            <a:r>
+              <a:rPr lang="en-US" dirty="0" err="1">
+                <a:sym typeface="Wingdings" pitchFamily="2" charset="2"/>
+              </a:rPr>
+              <a:t>forestname</a:t>
+            </a:r>
+            <a:r>
+              <a:rPr lang="en-US" dirty="0">
+                <a:sym typeface="Wingdings" pitchFamily="2" charset="2"/>
+              </a:rPr>
+              <a:t>”</a:t>
+            </a:r>
+          </a:p>
+          <a:p>
+            <a:r>
+              <a:rPr lang="en-US" dirty="0">
+                <a:sym typeface="Wingdings" pitchFamily="2" charset="2"/>
+              </a:rPr>
+              <a:t>All tokens get a “vote”</a:t>
+            </a:r>
+          </a:p>
+          <a:p>
+            <a:pPr marL="0" indent="0">
+              <a:buNone/>
+            </a:pPr>
+            <a:endParaRPr lang="en-US" dirty="0">
+              <a:sym typeface="Wingdings" pitchFamily="2" charset="2"/>
+            </a:endParaRPr>
+          </a:p>
+          <a:p>
+            <a:pPr marL="0" indent="0">
+              <a:buNone/>
+            </a:pPr>
+            <a:r>
+              <a:rPr lang="en-US" dirty="0">
+                <a:sym typeface="Wingdings" pitchFamily="2" charset="2"/>
+              </a:rPr>
+              <a:t>Thoughts on their method?</a:t>
+            </a:r>
+          </a:p>
+        </p:txBody>
+      </p:sp>
+    </p:spTree>
+    <p:extLst>
+      <p:ext uri="{BB962C8B-B14F-4D97-AF65-F5344CB8AC3E}">
+        <p14:creationId xmlns:p14="http://schemas.microsoft.com/office/powerpoint/2010/main" val="1877404889"/>
+      </p:ext>
+    </p:extLst>
+  </p:cSld>
+  <p:clrMapOvr>
+    <a:masterClrMapping/>
+  </p:clrMapOvr>
+</p:sld>
+</file>
+
+<file path=ppt/slides/slide17.xml><?xml version="1.0" encoding="utf-8"?>
+<p:sld xmlns:a="http://schemas.openxmlformats.org/drawingml/2006/main" xmlns:r="http://schemas.openxmlformats.org/officeDocument/2006/relationships" xmlns:p="http://schemas.openxmlformats.org/presentationml/2006/main">
+  <p:cSld>
+    <p:spTree>
+      <p:nvGrpSpPr>
+        <p:cNvPr id="1" name=""/>
+        <p:cNvGrpSpPr/>
+        <p:nvPr/>
+      </p:nvGrpSpPr>
+      <p:grpSpPr>
+        <a:xfrm>
+          <a:off x="0" y="0"/>
+          <a:ext cx="0" cy="0"/>
+          <a:chOff x="0" y="0"/>
+          <a:chExt cx="0" cy="0"/>
+        </a:xfrm>
+      </p:grpSpPr>
+      <p:sp>
+        <p:nvSpPr>
+          <p:cNvPr id="2" name="Title 1">
+            <a:extLst>
+              <a:ext uri="{FF2B5EF4-FFF2-40B4-BE49-F238E27FC236}">
+                <a16:creationId xmlns:a16="http://schemas.microsoft.com/office/drawing/2014/main" xmlns="" id="{E19B0345-EA7F-4347-804C-EFA7DDA9625F}"/>
+              </a:ext>
+            </a:extLst>
+          </p:cNvPr>
+          <p:cNvSpPr>
+            <a:spLocks noGrp="1"/>
+          </p:cNvSpPr>
+          <p:nvPr>
+            <p:ph type="title"/>
+          </p:nvPr>
+        </p:nvSpPr>
+        <p:spPr/>
+        <p:txBody>
+          <a:bodyPr/>
+          <a:lstStyle/>
+          <a:p>
+            <a:r>
+              <a:rPr lang="en-US" dirty="0"/>
               <a:t>Experiments</a:t>
             </a:r>
           </a:p>
@@ -4941,7 +5644,7 @@
           <p:cNvPr id="3" name="Content Placeholder 2">
             <a:extLst>
               <a:ext uri="{FF2B5EF4-FFF2-40B4-BE49-F238E27FC236}">
-                <a16:creationId xmlns:a16="http://schemas.microsoft.com/office/drawing/2014/main" id="{746470B6-78D0-064D-8851-E00263A31ECF}"/>
+                <a16:creationId xmlns:a16="http://schemas.microsoft.com/office/drawing/2014/main" xmlns="" id="{746470B6-78D0-064D-8851-E00263A31ECF}"/>
               </a:ext>
             </a:extLst>
           </p:cNvPr>
@@ -5018,7 +5721,7 @@
           <p:cNvPr id="4" name="Picture 3">
             <a:extLst>
               <a:ext uri="{FF2B5EF4-FFF2-40B4-BE49-F238E27FC236}">
-                <a16:creationId xmlns:a16="http://schemas.microsoft.com/office/drawing/2014/main" id="{45732DB6-4ED8-F147-BA56-2897EEE50AE5}"/>
+                <a16:creationId xmlns:a16="http://schemas.microsoft.com/office/drawing/2014/main" xmlns="" id="{45732DB6-4ED8-F147-BA56-2897EEE50AE5}"/>
               </a:ext>
             </a:extLst>
           </p:cNvPr>
@@ -5056,7 +5759,7 @@
 </p:sld>
 </file>
 
-<file path=ppt/slides/slide16.xml><?xml version="1.0" encoding="utf-8"?>
+<file path=ppt/slides/slide18.xml><?xml version="1.0" encoding="utf-8"?>
 <p:sld xmlns:a="http://schemas.openxmlformats.org/drawingml/2006/main" xmlns:r="http://schemas.openxmlformats.org/officeDocument/2006/relationships" xmlns:p="http://schemas.openxmlformats.org/presentationml/2006/main">
   <p:cSld>
     <p:spTree>
@@ -5078,7 +5781,7 @@
           <p:cNvPr id="2" name="Title 1">
             <a:extLst>
               <a:ext uri="{FF2B5EF4-FFF2-40B4-BE49-F238E27FC236}">
-                <a16:creationId xmlns:a16="http://schemas.microsoft.com/office/drawing/2014/main" id="{C043B376-104B-0D40-81DF-A09D07675E69}"/>
+                <a16:creationId xmlns:a16="http://schemas.microsoft.com/office/drawing/2014/main" xmlns="" id="{C043B376-104B-0D40-81DF-A09D07675E69}"/>
               </a:ext>
             </a:extLst>
           </p:cNvPr>
@@ -5106,7 +5809,7 @@
           <p:cNvPr id="3" name="Content Placeholder 2">
             <a:extLst>
               <a:ext uri="{FF2B5EF4-FFF2-40B4-BE49-F238E27FC236}">
-                <a16:creationId xmlns:a16="http://schemas.microsoft.com/office/drawing/2014/main" id="{B4B17E19-A2CC-DD44-960C-008FCE10514F}"/>
+                <a16:creationId xmlns:a16="http://schemas.microsoft.com/office/drawing/2014/main" xmlns="" id="{B4B17E19-A2CC-DD44-960C-008FCE10514F}"/>
               </a:ext>
             </a:extLst>
           </p:cNvPr>
@@ -5188,7 +5891,7 @@
           <p:cNvPr id="5" name="Picture 4">
             <a:extLst>
               <a:ext uri="{FF2B5EF4-FFF2-40B4-BE49-F238E27FC236}">
-                <a16:creationId xmlns:a16="http://schemas.microsoft.com/office/drawing/2014/main" id="{1C3C25D1-B4CF-C543-BB16-C0A5ED4D5C21}"/>
+                <a16:creationId xmlns:a16="http://schemas.microsoft.com/office/drawing/2014/main" xmlns="" id="{1C3C25D1-B4CF-C543-BB16-C0A5ED4D5C21}"/>
               </a:ext>
             </a:extLst>
           </p:cNvPr>
@@ -5218,7 +5921,7 @@
           <p:cNvPr id="6" name="Picture 5">
             <a:extLst>
               <a:ext uri="{FF2B5EF4-FFF2-40B4-BE49-F238E27FC236}">
-                <a16:creationId xmlns:a16="http://schemas.microsoft.com/office/drawing/2014/main" id="{B8E9FE36-1D85-2244-BA48-4FFCAC020379}"/>
+                <a16:creationId xmlns:a16="http://schemas.microsoft.com/office/drawing/2014/main" xmlns="" id="{B8E9FE36-1D85-2244-BA48-4FFCAC020379}"/>
               </a:ext>
             </a:extLst>
           </p:cNvPr>
@@ -5256,7 +5959,7 @@
 </p:sld>
 </file>
 
-<file path=ppt/slides/slide17.xml><?xml version="1.0" encoding="utf-8"?>
+<file path=ppt/slides/slide19.xml><?xml version="1.0" encoding="utf-8"?>
 <p:sld xmlns:a="http://schemas.openxmlformats.org/drawingml/2006/main" xmlns:r="http://schemas.openxmlformats.org/officeDocument/2006/relationships" xmlns:p="http://schemas.openxmlformats.org/presentationml/2006/main">
   <p:cSld>
     <p:spTree>
@@ -5278,7 +5981,7 @@
           <p:cNvPr id="2" name="Title 1">
             <a:extLst>
               <a:ext uri="{FF2B5EF4-FFF2-40B4-BE49-F238E27FC236}">
-                <a16:creationId xmlns:a16="http://schemas.microsoft.com/office/drawing/2014/main" id="{4D89B7E8-87F0-B84A-A406-12A4A8B47866}"/>
+                <a16:creationId xmlns:a16="http://schemas.microsoft.com/office/drawing/2014/main" xmlns="" id="{4D89B7E8-87F0-B84A-A406-12A4A8B47866}"/>
               </a:ext>
             </a:extLst>
           </p:cNvPr>
@@ -5306,7 +6009,7 @@
           <p:cNvPr id="3" name="Content Placeholder 2">
             <a:extLst>
               <a:ext uri="{FF2B5EF4-FFF2-40B4-BE49-F238E27FC236}">
-                <a16:creationId xmlns:a16="http://schemas.microsoft.com/office/drawing/2014/main" id="{78C77DF0-49D3-A246-AAB8-AF4F5BCFD75A}"/>
+                <a16:creationId xmlns:a16="http://schemas.microsoft.com/office/drawing/2014/main" xmlns="" id="{78C77DF0-49D3-A246-AAB8-AF4F5BCFD75A}"/>
               </a:ext>
             </a:extLst>
           </p:cNvPr>
@@ -5380,7 +6083,7 @@
           <p:cNvPr id="4" name="Picture 3">
             <a:extLst>
               <a:ext uri="{FF2B5EF4-FFF2-40B4-BE49-F238E27FC236}">
-                <a16:creationId xmlns:a16="http://schemas.microsoft.com/office/drawing/2014/main" id="{2537344A-AB5B-DC48-A65C-3A9578222EA4}"/>
+                <a16:creationId xmlns:a16="http://schemas.microsoft.com/office/drawing/2014/main" xmlns="" id="{2537344A-AB5B-DC48-A65C-3A9578222EA4}"/>
               </a:ext>
             </a:extLst>
           </p:cNvPr>
@@ -5410,7 +6113,7 @@
           <p:cNvPr id="6" name="Straight Connector 5">
             <a:extLst>
               <a:ext uri="{FF2B5EF4-FFF2-40B4-BE49-F238E27FC236}">
-                <a16:creationId xmlns:a16="http://schemas.microsoft.com/office/drawing/2014/main" id="{B7F6AF65-724C-E640-8A98-1DC107CF59E5}"/>
+                <a16:creationId xmlns:a16="http://schemas.microsoft.com/office/drawing/2014/main" xmlns="" id="{B7F6AF65-724C-E640-8A98-1DC107CF59E5}"/>
               </a:ext>
             </a:extLst>
           </p:cNvPr>
@@ -5463,212 +6166,6 @@
 </p:sld>
 </file>
 
-<file path=ppt/slides/slide18.xml><?xml version="1.0" encoding="utf-8"?>
-<p:sld xmlns:a="http://schemas.openxmlformats.org/drawingml/2006/main" xmlns:r="http://schemas.openxmlformats.org/officeDocument/2006/relationships" xmlns:p="http://schemas.openxmlformats.org/presentationml/2006/main">
-  <p:cSld>
-    <p:spTree>
-      <p:nvGrpSpPr>
-        <p:cNvPr id="1" name=""/>
-        <p:cNvGrpSpPr/>
-        <p:nvPr/>
-      </p:nvGrpSpPr>
-      <p:grpSpPr>
-        <a:xfrm>
-          <a:off x="0" y="0"/>
-          <a:ext cx="0" cy="0"/>
-          <a:chOff x="0" y="0"/>
-          <a:chExt cx="0" cy="0"/>
-        </a:xfrm>
-      </p:grpSpPr>
-      <p:sp>
-        <p:nvSpPr>
-          <p:cNvPr id="2" name="Title 1">
-            <a:extLst>
-              <a:ext uri="{FF2B5EF4-FFF2-40B4-BE49-F238E27FC236}">
-                <a16:creationId xmlns:a16="http://schemas.microsoft.com/office/drawing/2014/main" id="{265AFA25-BD29-CE4F-87BA-9ACE2C495EFA}"/>
-              </a:ext>
-            </a:extLst>
-          </p:cNvPr>
-          <p:cNvSpPr>
-            <a:spLocks noGrp="1"/>
-          </p:cNvSpPr>
-          <p:nvPr>
-            <p:ph type="title"/>
-          </p:nvPr>
-        </p:nvSpPr>
-        <p:spPr/>
-        <p:txBody>
-          <a:bodyPr/>
-          <a:lstStyle/>
-          <a:p>
-            <a:r>
-              <a:rPr lang="en-US" dirty="0"/>
-              <a:t>Conclusions</a:t>
-            </a:r>
-          </a:p>
-        </p:txBody>
-      </p:sp>
-      <p:sp>
-        <p:nvSpPr>
-          <p:cNvPr id="3" name="Content Placeholder 2">
-            <a:extLst>
-              <a:ext uri="{FF2B5EF4-FFF2-40B4-BE49-F238E27FC236}">
-                <a16:creationId xmlns:a16="http://schemas.microsoft.com/office/drawing/2014/main" id="{ED688E06-46D7-3B4F-B191-D10136816594}"/>
-              </a:ext>
-            </a:extLst>
-          </p:cNvPr>
-          <p:cNvSpPr>
-            <a:spLocks noGrp="1"/>
-          </p:cNvSpPr>
-          <p:nvPr>
-            <p:ph idx="1"/>
-          </p:nvPr>
-        </p:nvSpPr>
-        <p:spPr/>
-        <p:txBody>
-          <a:bodyPr/>
-          <a:lstStyle/>
-          <a:p>
-            <a:pPr marL="0" indent="0">
-              <a:buNone/>
-            </a:pPr>
-            <a:r>
-              <a:rPr lang="en-US" dirty="0" err="1"/>
-              <a:t>SpeakQL</a:t>
-            </a:r>
-            <a:r>
-              <a:rPr lang="en-US" dirty="0"/>
-              <a:t> works</a:t>
-            </a:r>
-          </a:p>
-          <a:p>
-            <a:pPr marL="0" indent="0">
-              <a:buNone/>
-            </a:pPr>
-            <a:r>
-              <a:rPr lang="en-US" dirty="0"/>
-              <a:t>Hard to compose entire query at once.  Users think in “clauses”</a:t>
-            </a:r>
-          </a:p>
-          <a:p>
-            <a:pPr marL="0" indent="0">
-              <a:buNone/>
-            </a:pPr>
-            <a:r>
-              <a:rPr lang="en-US" dirty="0"/>
-              <a:t>Hard to disambiguate values – </a:t>
-            </a:r>
-            <a:r>
-              <a:rPr lang="en-US" dirty="0" err="1"/>
-              <a:t>esp</a:t>
-            </a:r>
-            <a:r>
-              <a:rPr lang="en-US" dirty="0"/>
-              <a:t> numbers and dates</a:t>
-            </a:r>
-          </a:p>
-          <a:p>
-            <a:pPr marL="0" indent="0">
-              <a:buNone/>
-            </a:pPr>
-            <a:r>
-              <a:rPr lang="en-US" dirty="0"/>
-              <a:t>Better than mobile keyboard typing.  </a:t>
-            </a:r>
-          </a:p>
-        </p:txBody>
-      </p:sp>
-    </p:spTree>
-    <p:extLst>
-      <p:ext uri="{BB962C8B-B14F-4D97-AF65-F5344CB8AC3E}">
-        <p14:creationId xmlns:p14="http://schemas.microsoft.com/office/powerpoint/2010/main" val="45419394"/>
-      </p:ext>
-    </p:extLst>
-  </p:cSld>
-  <p:clrMapOvr>
-    <a:masterClrMapping/>
-  </p:clrMapOvr>
-</p:sld>
-</file>
-
-<file path=ppt/slides/slide19.xml><?xml version="1.0" encoding="utf-8"?>
-<p:sld xmlns:a="http://schemas.openxmlformats.org/drawingml/2006/main" xmlns:r="http://schemas.openxmlformats.org/officeDocument/2006/relationships" xmlns:p="http://schemas.openxmlformats.org/presentationml/2006/main">
-  <p:cSld>
-    <p:spTree>
-      <p:nvGrpSpPr>
-        <p:cNvPr id="1" name=""/>
-        <p:cNvGrpSpPr/>
-        <p:nvPr/>
-      </p:nvGrpSpPr>
-      <p:grpSpPr>
-        <a:xfrm>
-          <a:off x="0" y="0"/>
-          <a:ext cx="0" cy="0"/>
-          <a:chOff x="0" y="0"/>
-          <a:chExt cx="0" cy="0"/>
-        </a:xfrm>
-      </p:grpSpPr>
-      <p:sp>
-        <p:nvSpPr>
-          <p:cNvPr id="4" name="Title 3"/>
-          <p:cNvSpPr>
-            <a:spLocks noGrp="1"/>
-          </p:cNvSpPr>
-          <p:nvPr>
-            <p:ph type="ctrTitle"/>
-          </p:nvPr>
-        </p:nvSpPr>
-        <p:spPr/>
-        <p:txBody>
-          <a:bodyPr/>
-          <a:lstStyle/>
-          <a:p>
-            <a:r>
-              <a:rPr lang="en-US" dirty="0" err="1"/>
-              <a:t>SpeakQL</a:t>
-            </a:r>
-            <a:br>
-              <a:rPr lang="en-US" dirty="0"/>
-            </a:br>
-            <a:r>
-              <a:rPr lang="en-US" dirty="0"/>
-              <a:t>Discussion</a:t>
-            </a:r>
-          </a:p>
-        </p:txBody>
-      </p:sp>
-      <p:sp>
-        <p:nvSpPr>
-          <p:cNvPr id="5" name="Subtitle 4"/>
-          <p:cNvSpPr>
-            <a:spLocks noGrp="1"/>
-          </p:cNvSpPr>
-          <p:nvPr>
-            <p:ph type="subTitle" idx="1"/>
-          </p:nvPr>
-        </p:nvSpPr>
-        <p:spPr/>
-        <p:txBody>
-          <a:bodyPr/>
-          <a:lstStyle/>
-          <a:p>
-            <a:endParaRPr lang="en-US"/>
-          </a:p>
-        </p:txBody>
-      </p:sp>
-    </p:spTree>
-    <p:extLst>
-      <p:ext uri="{BB962C8B-B14F-4D97-AF65-F5344CB8AC3E}">
-        <p14:creationId xmlns:p14="http://schemas.microsoft.com/office/powerpoint/2010/main" val="3587159258"/>
-      </p:ext>
-    </p:extLst>
-  </p:cSld>
-  <p:clrMapOvr>
-    <a:masterClrMapping/>
-  </p:clrMapOvr>
-</p:sld>
-</file>
-
 <file path=ppt/slides/slide2.xml><?xml version="1.0" encoding="utf-8"?>
 <p:sld xmlns:a="http://schemas.openxmlformats.org/drawingml/2006/main" xmlns:r="http://schemas.openxmlformats.org/officeDocument/2006/relationships" xmlns:p="http://schemas.openxmlformats.org/presentationml/2006/main">
   <p:cSld>
@@ -5760,7 +6257,13 @@
       </p:grpSpPr>
       <p:sp>
         <p:nvSpPr>
-          <p:cNvPr id="2" name="Title 1"/>
+          <p:cNvPr id="2" name="Title 1">
+            <a:extLst>
+              <a:ext uri="{FF2B5EF4-FFF2-40B4-BE49-F238E27FC236}">
+                <a16:creationId xmlns:a16="http://schemas.microsoft.com/office/drawing/2014/main" xmlns="" id="{265AFA25-BD29-CE4F-87BA-9ACE2C495EFA}"/>
+              </a:ext>
+            </a:extLst>
+          </p:cNvPr>
           <p:cNvSpPr>
             <a:spLocks noGrp="1"/>
           </p:cNvSpPr>
@@ -5775,168 +6278,77 @@
           <a:p>
             <a:r>
               <a:rPr lang="en-US" dirty="0"/>
-              <a:t>4 classes of questions</a:t>
-            </a:r>
-          </a:p>
-        </p:txBody>
-      </p:sp>
-      <p:pic>
-        <p:nvPicPr>
-          <p:cNvPr id="4" name="Content Placeholder 3"/>
-          <p:cNvPicPr>
-            <a:picLocks noGrp="1" noChangeAspect="1"/>
-          </p:cNvPicPr>
+              <a:t>Conclusions</a:t>
+            </a:r>
+          </a:p>
+        </p:txBody>
+      </p:sp>
+      <p:sp>
+        <p:nvSpPr>
+          <p:cNvPr id="3" name="Content Placeholder 2">
+            <a:extLst>
+              <a:ext uri="{FF2B5EF4-FFF2-40B4-BE49-F238E27FC236}">
+                <a16:creationId xmlns:a16="http://schemas.microsoft.com/office/drawing/2014/main" xmlns="" id="{ED688E06-46D7-3B4F-B191-D10136816594}"/>
+              </a:ext>
+            </a:extLst>
+          </p:cNvPr>
+          <p:cNvSpPr>
+            <a:spLocks noGrp="1"/>
+          </p:cNvSpPr>
           <p:nvPr>
             <p:ph idx="1"/>
           </p:nvPr>
-        </p:nvPicPr>
-        <p:blipFill>
-          <a:blip r:embed="rId3"/>
-          <a:stretch>
-            <a:fillRect/>
-          </a:stretch>
-        </p:blipFill>
-        <p:spPr>
-          <a:xfrm>
-            <a:off x="77442" y="1778972"/>
-            <a:ext cx="6264635" cy="4351338"/>
-          </a:xfrm>
-          <a:prstGeom prst="rect">
-            <a:avLst/>
-          </a:prstGeom>
-        </p:spPr>
-      </p:pic>
-      <p:sp>
-        <p:nvSpPr>
-          <p:cNvPr id="5" name="TextBox 4"/>
-          <p:cNvSpPr txBox="1"/>
-          <p:nvPr/>
-        </p:nvSpPr>
-        <p:spPr>
-          <a:xfrm>
-            <a:off x="6719198" y="2136710"/>
-            <a:ext cx="4668907" cy="369332"/>
-          </a:xfrm>
-          <a:prstGeom prst="rect">
-            <a:avLst/>
-          </a:prstGeom>
-          <a:noFill/>
-        </p:spPr>
-        <p:txBody>
-          <a:bodyPr wrap="none" rtlCol="0">
-            <a:spAutoFit/>
-          </a:bodyPr>
-          <a:lstStyle/>
-          <a:p>
-            <a:r>
-              <a:rPr lang="en-US" dirty="0">
-                <a:latin typeface="Arial" panose="020B0604020202020204" pitchFamily="34" charset="0"/>
-                <a:cs typeface="Arial" panose="020B0604020202020204" pitchFamily="34" charset="0"/>
-              </a:rPr>
-              <a:t>Wrong problem.  Misunderstood user needs</a:t>
-            </a:r>
-          </a:p>
-        </p:txBody>
-      </p:sp>
-      <p:sp>
-        <p:nvSpPr>
-          <p:cNvPr id="6" name="TextBox 5"/>
-          <p:cNvSpPr txBox="1"/>
-          <p:nvPr/>
-        </p:nvSpPr>
-        <p:spPr>
-          <a:xfrm>
-            <a:off x="6719198" y="2910349"/>
-            <a:ext cx="5073734" cy="369332"/>
-          </a:xfrm>
-          <a:prstGeom prst="rect">
-            <a:avLst/>
-          </a:prstGeom>
-          <a:noFill/>
-        </p:spPr>
-        <p:txBody>
-          <a:bodyPr wrap="square" rtlCol="0">
-            <a:spAutoFit/>
-          </a:bodyPr>
-          <a:lstStyle/>
-          <a:p>
-            <a:pPr algn="l"/>
-            <a:r>
-              <a:rPr lang="en-US" dirty="0">
-                <a:latin typeface="Arial" panose="020B0604020202020204" pitchFamily="34" charset="0"/>
-                <a:cs typeface="Arial" panose="020B0604020202020204" pitchFamily="34" charset="0"/>
-              </a:rPr>
-              <a:t>Wrong abstraction.  Showing the wrong thing</a:t>
-            </a:r>
-          </a:p>
-        </p:txBody>
-      </p:sp>
-      <p:sp>
-        <p:nvSpPr>
-          <p:cNvPr id="7" name="TextBox 6"/>
-          <p:cNvSpPr txBox="1"/>
-          <p:nvPr/>
-        </p:nvSpPr>
-        <p:spPr>
-          <a:xfrm>
-            <a:off x="6712786" y="3638748"/>
-            <a:ext cx="3758401" cy="369332"/>
-          </a:xfrm>
-          <a:prstGeom prst="rect">
-            <a:avLst/>
-          </a:prstGeom>
-          <a:noFill/>
-        </p:spPr>
-        <p:txBody>
-          <a:bodyPr wrap="none" rtlCol="0">
-            <a:spAutoFit/>
-          </a:bodyPr>
-          <a:lstStyle/>
-          <a:p>
-            <a:pPr algn="l"/>
-            <a:r>
-              <a:rPr lang="en-US" dirty="0">
-                <a:latin typeface="Arial" panose="020B0604020202020204" pitchFamily="34" charset="0"/>
-                <a:cs typeface="Arial" panose="020B0604020202020204" pitchFamily="34" charset="0"/>
-              </a:rPr>
-              <a:t>The way to show data is ineffective</a:t>
-            </a:r>
-            <a:endParaRPr lang="en-US" i="1" dirty="0">
-              <a:latin typeface="Arial" panose="020B0604020202020204" pitchFamily="34" charset="0"/>
-              <a:cs typeface="Arial" panose="020B0604020202020204" pitchFamily="34" charset="0"/>
-            </a:endParaRPr>
-          </a:p>
-        </p:txBody>
-      </p:sp>
-      <p:sp>
-        <p:nvSpPr>
-          <p:cNvPr id="8" name="TextBox 7"/>
-          <p:cNvSpPr txBox="1"/>
-          <p:nvPr/>
-        </p:nvSpPr>
-        <p:spPr>
-          <a:xfrm>
-            <a:off x="6712786" y="4331551"/>
-            <a:ext cx="2185214" cy="369332"/>
-          </a:xfrm>
-          <a:prstGeom prst="rect">
-            <a:avLst/>
-          </a:prstGeom>
-          <a:noFill/>
-        </p:spPr>
-        <p:txBody>
-          <a:bodyPr wrap="none" rtlCol="0">
-            <a:spAutoFit/>
-          </a:bodyPr>
-          <a:lstStyle/>
-          <a:p>
-            <a:pPr algn="l"/>
-            <a:r>
-              <a:rPr lang="en-US" dirty="0">
-                <a:latin typeface="Arial" panose="020B0604020202020204" pitchFamily="34" charset="0"/>
-                <a:cs typeface="Arial" panose="020B0604020202020204" pitchFamily="34" charset="0"/>
-              </a:rPr>
-              <a:t>Code is slow/buggy</a:t>
+        </p:nvSpPr>
+        <p:spPr/>
+        <p:txBody>
+          <a:bodyPr/>
+          <a:lstStyle/>
+          <a:p>
+            <a:pPr marL="0" indent="0">
+              <a:buNone/>
+            </a:pPr>
+            <a:r>
+              <a:rPr lang="en-US" dirty="0" err="1"/>
+              <a:t>SpeakQL</a:t>
+            </a:r>
+            <a:r>
+              <a:rPr lang="en-US" dirty="0"/>
+              <a:t> works</a:t>
+            </a:r>
+          </a:p>
+          <a:p>
+            <a:pPr marL="0" indent="0">
+              <a:buNone/>
+            </a:pPr>
+            <a:r>
+              <a:rPr lang="en-US" dirty="0"/>
+              <a:t>Hard to compose entire query at once.  Users think in “clauses”</a:t>
+            </a:r>
+          </a:p>
+          <a:p>
+            <a:pPr marL="0" indent="0">
+              <a:buNone/>
+            </a:pPr>
+            <a:r>
+              <a:rPr lang="en-US" dirty="0"/>
+              <a:t>Hard to disambiguate values – </a:t>
+            </a:r>
+            <a:r>
+              <a:rPr lang="en-US" dirty="0" err="1"/>
+              <a:t>esp</a:t>
+            </a:r>
+            <a:r>
+              <a:rPr lang="en-US" dirty="0"/>
+              <a:t> numbers and dates</a:t>
+            </a:r>
+          </a:p>
+          <a:p>
+            <a:pPr marL="0" indent="0">
+              <a:buNone/>
+            </a:pPr>
+            <a:r>
+              <a:rPr lang="en-US" dirty="0"/>
+              <a:t>Better than mobile keyboard typing.  </a:t>
             </a:r>
           </a:p>
         </p:txBody>
@@ -5944,7 +6356,7 @@
     </p:spTree>
     <p:extLst>
       <p:ext uri="{BB962C8B-B14F-4D97-AF65-F5344CB8AC3E}">
-        <p14:creationId xmlns:p14="http://schemas.microsoft.com/office/powerpoint/2010/main" val="1192279575"/>
+        <p14:creationId xmlns:p14="http://schemas.microsoft.com/office/powerpoint/2010/main" val="45419394"/>
       </p:ext>
     </p:extLst>
   </p:cSld>
@@ -5973,118 +6385,60 @@
       </p:grpSpPr>
       <p:sp>
         <p:nvSpPr>
-          <p:cNvPr id="2" name="Title 1">
-            <a:extLst>
-              <a:ext uri="{FF2B5EF4-FFF2-40B4-BE49-F238E27FC236}">
-                <a16:creationId xmlns:a16="http://schemas.microsoft.com/office/drawing/2014/main" id="{26AD56F2-CFA3-8C4D-9E3C-71D30B60BC69}"/>
-              </a:ext>
-            </a:extLst>
-          </p:cNvPr>
-          <p:cNvSpPr>
-            <a:spLocks noGrp="1"/>
-          </p:cNvSpPr>
-          <p:nvPr>
-            <p:ph type="title"/>
-          </p:nvPr>
-        </p:nvSpPr>
-        <p:spPr/>
-        <p:txBody>
-          <a:bodyPr/>
-          <a:lstStyle/>
-          <a:p>
-            <a:r>
-              <a:rPr lang="en-US" dirty="0"/>
-              <a:t>Thoughts on problem &amp; abstraction?</a:t>
-            </a:r>
-          </a:p>
-        </p:txBody>
-      </p:sp>
-      <p:sp>
-        <p:nvSpPr>
-          <p:cNvPr id="3" name="Content Placeholder 2">
-            <a:extLst>
-              <a:ext uri="{FF2B5EF4-FFF2-40B4-BE49-F238E27FC236}">
-                <a16:creationId xmlns:a16="http://schemas.microsoft.com/office/drawing/2014/main" id="{1291255F-522E-8643-B521-7C2FF9D092AA}"/>
-              </a:ext>
-            </a:extLst>
-          </p:cNvPr>
-          <p:cNvSpPr>
-            <a:spLocks noGrp="1"/>
-          </p:cNvSpPr>
-          <p:nvPr>
-            <p:ph idx="1"/>
-          </p:nvPr>
-        </p:nvSpPr>
-        <p:spPr/>
-        <p:txBody>
-          <a:bodyPr/>
-          <a:lstStyle/>
-          <a:p>
-            <a:pPr marL="0" indent="0">
-              <a:buNone/>
-            </a:pPr>
-            <a:r>
-              <a:rPr lang="en-US" dirty="0"/>
-              <a:t>Use case: </a:t>
-            </a:r>
-          </a:p>
-          <a:p>
-            <a:r>
-              <a:rPr lang="en-US" dirty="0"/>
-              <a:t>what do people want when querying data on-the-go?</a:t>
-            </a:r>
-          </a:p>
-          <a:p>
-            <a:pPr marL="0" indent="0">
-              <a:buNone/>
-            </a:pPr>
-            <a:endParaRPr lang="en-US" dirty="0"/>
-          </a:p>
-          <a:p>
-            <a:pPr marL="0" indent="0">
-              <a:buNone/>
-            </a:pPr>
-            <a:r>
-              <a:rPr lang="en-US" dirty="0"/>
-              <a:t>Is speaking SQL the best way to query on-the-go?</a:t>
-            </a:r>
-          </a:p>
-          <a:p>
-            <a:pPr marL="0" indent="0">
-              <a:buNone/>
-            </a:pPr>
-            <a:endParaRPr lang="en-US" dirty="0"/>
-          </a:p>
-          <a:p>
-            <a:pPr marL="0" indent="0">
-              <a:buNone/>
-            </a:pPr>
-            <a:r>
-              <a:rPr lang="en-US" dirty="0"/>
-              <a:t>Improvements/Alternatives?</a:t>
-            </a:r>
-          </a:p>
-          <a:p>
-            <a:r>
-              <a:rPr lang="en-US" dirty="0"/>
-              <a:t>Mobile-friendly SQL keyboard?</a:t>
-            </a:r>
-          </a:p>
-          <a:p>
-            <a:r>
-              <a:rPr lang="en-US" dirty="0"/>
-              <a:t>Custom app/visual analytics</a:t>
-            </a:r>
-          </a:p>
-          <a:p>
-            <a:endParaRPr lang="en-US" dirty="0"/>
+          <p:cNvPr id="4" name="Title 3"/>
+          <p:cNvSpPr>
+            <a:spLocks noGrp="1"/>
+          </p:cNvSpPr>
+          <p:nvPr>
+            <p:ph type="ctrTitle"/>
+          </p:nvPr>
+        </p:nvSpPr>
+        <p:spPr/>
+        <p:txBody>
+          <a:bodyPr/>
+          <a:lstStyle/>
+          <a:p>
+            <a:r>
+              <a:rPr lang="en-US" dirty="0" err="1"/>
+              <a:t>SpeakQL</a:t>
+            </a:r>
+            <a:r>
+              <a:rPr lang="en-US" dirty="0"/>
+              <a:t/>
+            </a:r>
+            <a:br>
+              <a:rPr lang="en-US" dirty="0"/>
+            </a:br>
+            <a:r>
+              <a:rPr lang="en-US" dirty="0"/>
+              <a:t>Discussion</a:t>
+            </a:r>
+          </a:p>
+        </p:txBody>
+      </p:sp>
+      <p:sp>
+        <p:nvSpPr>
+          <p:cNvPr id="5" name="Subtitle 4"/>
+          <p:cNvSpPr>
+            <a:spLocks noGrp="1"/>
+          </p:cNvSpPr>
+          <p:nvPr>
+            <p:ph type="subTitle" idx="1"/>
+          </p:nvPr>
+        </p:nvSpPr>
+        <p:spPr/>
+        <p:txBody>
+          <a:bodyPr/>
+          <a:lstStyle/>
+          <a:p>
+            <a:endParaRPr lang="en-US"/>
           </a:p>
         </p:txBody>
       </p:sp>
     </p:spTree>
     <p:extLst>
       <p:ext uri="{BB962C8B-B14F-4D97-AF65-F5344CB8AC3E}">
-        <p14:creationId xmlns:p14="http://schemas.microsoft.com/office/powerpoint/2010/main" val="2392439923"/>
+        <p14:creationId xmlns:p14="http://schemas.microsoft.com/office/powerpoint/2010/main" val="3587159258"/>
       </p:ext>
     </p:extLst>
   </p:cSld>
@@ -6113,13 +6467,7 @@
       </p:grpSpPr>
       <p:sp>
         <p:nvSpPr>
-          <p:cNvPr id="2" name="Title 1">
-            <a:extLst>
-              <a:ext uri="{FF2B5EF4-FFF2-40B4-BE49-F238E27FC236}">
-                <a16:creationId xmlns:a16="http://schemas.microsoft.com/office/drawing/2014/main" id="{F1DA22FF-F88B-264C-80F2-DA4D5E1B8563}"/>
-              </a:ext>
-            </a:extLst>
-          </p:cNvPr>
+          <p:cNvPr id="2" name="Title 1"/>
           <p:cNvSpPr>
             <a:spLocks noGrp="1"/>
           </p:cNvSpPr>
@@ -6134,130 +6482,31 @@
           <a:p>
             <a:r>
               <a:rPr lang="en-US" dirty="0"/>
-              <a:t>Issues with </a:t>
-            </a:r>
-            <a:r>
-              <a:rPr lang="en-US" dirty="0" err="1"/>
-              <a:t>SpeakQL</a:t>
-            </a:r>
-            <a:endParaRPr lang="en-US" dirty="0"/>
-          </a:p>
-        </p:txBody>
-      </p:sp>
-      <p:sp>
-        <p:nvSpPr>
-          <p:cNvPr id="3" name="Content Placeholder 2">
-            <a:extLst>
-              <a:ext uri="{FF2B5EF4-FFF2-40B4-BE49-F238E27FC236}">
-                <a16:creationId xmlns:a16="http://schemas.microsoft.com/office/drawing/2014/main" id="{E4F9C65B-5D94-F142-8581-48EB1A4A232C}"/>
-              </a:ext>
-            </a:extLst>
-          </p:cNvPr>
-          <p:cNvSpPr>
-            <a:spLocks noGrp="1"/>
-          </p:cNvSpPr>
-          <p:nvPr>
-            <p:ph idx="1"/>
-          </p:nvPr>
-        </p:nvSpPr>
-        <p:spPr/>
-        <p:txBody>
-          <a:bodyPr>
-            <a:normAutofit/>
-          </a:bodyPr>
-          <a:lstStyle/>
-          <a:p>
-            <a:pPr marL="0" indent="0">
-              <a:buNone/>
-            </a:pPr>
-            <a:r>
-              <a:rPr lang="en-US" sz="2400" dirty="0"/>
-              <a:t>Expressiveness</a:t>
-            </a:r>
-          </a:p>
-          <a:p>
-            <a:r>
-              <a:rPr lang="en-US" sz="2400" dirty="0"/>
-              <a:t>Select-Project-Join-Aggregate (up to 50 tokens)</a:t>
-            </a:r>
-          </a:p>
-          <a:p>
-            <a:r>
-              <a:rPr lang="en-US" sz="2400" dirty="0"/>
-              <a:t>Challenges if richer language?</a:t>
-            </a:r>
-          </a:p>
-          <a:p>
-            <a:pPr lvl="1"/>
-            <a:r>
-              <a:rPr lang="en-US" sz="2000" dirty="0"/>
-              <a:t>debugging query structure harder if nesting is wrong</a:t>
-            </a:r>
-          </a:p>
-          <a:p>
-            <a:pPr marL="0" indent="0">
-              <a:buNone/>
-            </a:pPr>
-            <a:endParaRPr lang="en-US" sz="2400" dirty="0"/>
-          </a:p>
-          <a:p>
-            <a:pPr marL="0" indent="0">
-              <a:buNone/>
-            </a:pPr>
-            <a:r>
-              <a:rPr lang="en-US" sz="2400" dirty="0"/>
-              <a:t>Intuitiveness</a:t>
-            </a:r>
-          </a:p>
-          <a:p>
-            <a:r>
-              <a:rPr lang="en-US" sz="2400" dirty="0"/>
-              <a:t>Easy to “debug” query?</a:t>
-            </a:r>
-          </a:p>
-          <a:p>
-            <a:r>
-              <a:rPr lang="en-US" sz="2400" dirty="0"/>
-              <a:t>Need to say “comma” in “SELECT a, b”</a:t>
-            </a:r>
-          </a:p>
-          <a:p>
-            <a:pPr marL="0" indent="0">
-              <a:buNone/>
-            </a:pPr>
-            <a:endParaRPr lang="en-US" sz="2400" dirty="0"/>
-          </a:p>
-          <a:p>
-            <a:pPr marL="0" indent="0">
-              <a:buNone/>
-            </a:pPr>
-            <a:endParaRPr lang="en-US" sz="2400" dirty="0"/>
+              <a:t>4 classes of questions</a:t>
+            </a:r>
           </a:p>
         </p:txBody>
       </p:sp>
       <p:pic>
         <p:nvPicPr>
-          <p:cNvPr id="4" name="Picture 3">
-            <a:extLst>
-              <a:ext uri="{FF2B5EF4-FFF2-40B4-BE49-F238E27FC236}">
-                <a16:creationId xmlns:a16="http://schemas.microsoft.com/office/drawing/2014/main" id="{5DDAC664-B095-5844-851D-DCA999A048B8}"/>
-              </a:ext>
-            </a:extLst>
-          </p:cNvPr>
+          <p:cNvPr id="4" name="Content Placeholder 3"/>
           <p:cNvPicPr>
-            <a:picLocks noChangeAspect="1"/>
+            <a:picLocks noGrp="1" noChangeAspect="1"/>
           </p:cNvPicPr>
-          <p:nvPr/>
+          <p:nvPr>
+            <p:ph idx="1"/>
+          </p:nvPr>
         </p:nvPicPr>
-        <p:blipFill rotWithShape="1">
-          <a:blip r:embed="rId2"/>
-          <a:srcRect l="10027"/>
-          <a:stretch/>
+        <p:blipFill>
+          <a:blip r:embed="rId3"/>
+          <a:stretch>
+            <a:fillRect/>
+          </a:stretch>
         </p:blipFill>
         <p:spPr>
           <a:xfrm>
-            <a:off x="8204022" y="3429000"/>
-            <a:ext cx="3876286" cy="3277731"/>
+            <a:off x="77442" y="1778972"/>
+            <a:ext cx="6264635" cy="4351338"/>
           </a:xfrm>
           <a:prstGeom prst="rect">
             <a:avLst/>
@@ -6266,20 +6515,14 @@
       </p:pic>
       <p:sp>
         <p:nvSpPr>
-          <p:cNvPr id="5" name="TextBox 4">
-            <a:extLst>
-              <a:ext uri="{FF2B5EF4-FFF2-40B4-BE49-F238E27FC236}">
-                <a16:creationId xmlns:a16="http://schemas.microsoft.com/office/drawing/2014/main" id="{705D16F0-3C0C-0743-AE3B-9FE0F1DFC382}"/>
-              </a:ext>
-            </a:extLst>
-          </p:cNvPr>
+          <p:cNvPr id="5" name="TextBox 4"/>
           <p:cNvSpPr txBox="1"/>
           <p:nvPr/>
         </p:nvSpPr>
         <p:spPr>
           <a:xfrm>
-            <a:off x="8606280" y="3094008"/>
-            <a:ext cx="3474028" cy="400110"/>
+            <a:off x="6719198" y="2136710"/>
+            <a:ext cx="4668907" cy="369332"/>
           </a:xfrm>
           <a:prstGeom prst="rect">
             <a:avLst/>
@@ -6292,13 +6535,115 @@
           </a:bodyPr>
           <a:lstStyle/>
           <a:p>
-            <a:pPr algn="l"/>
-            <a:r>
-              <a:rPr lang="en-US" sz="2000" dirty="0">
+            <a:r>
+              <a:rPr lang="en-US" dirty="0">
                 <a:latin typeface="Arial" panose="020B0604020202020204" pitchFamily="34" charset="0"/>
                 <a:cs typeface="Arial" panose="020B0604020202020204" pitchFamily="34" charset="0"/>
               </a:rPr>
-              <a:t>% time spent using keyboard</a:t>
+              <a:t>Wrong problem.  Misunderstood user needs</a:t>
+            </a:r>
+          </a:p>
+        </p:txBody>
+      </p:sp>
+      <p:sp>
+        <p:nvSpPr>
+          <p:cNvPr id="6" name="TextBox 5"/>
+          <p:cNvSpPr txBox="1"/>
+          <p:nvPr/>
+        </p:nvSpPr>
+        <p:spPr>
+          <a:xfrm>
+            <a:off x="6719198" y="2910349"/>
+            <a:ext cx="5073734" cy="369332"/>
+          </a:xfrm>
+          <a:prstGeom prst="rect">
+            <a:avLst/>
+          </a:prstGeom>
+          <a:noFill/>
+        </p:spPr>
+        <p:txBody>
+          <a:bodyPr wrap="square" rtlCol="0">
+            <a:spAutoFit/>
+          </a:bodyPr>
+          <a:lstStyle/>
+          <a:p>
+            <a:pPr algn="l"/>
+            <a:r>
+              <a:rPr lang="en-US" dirty="0">
+                <a:latin typeface="Arial" panose="020B0604020202020204" pitchFamily="34" charset="0"/>
+                <a:cs typeface="Arial" panose="020B0604020202020204" pitchFamily="34" charset="0"/>
+              </a:rPr>
+              <a:t>Wrong abstraction.  Showing the wrong thing</a:t>
+            </a:r>
+          </a:p>
+        </p:txBody>
+      </p:sp>
+      <p:sp>
+        <p:nvSpPr>
+          <p:cNvPr id="7" name="TextBox 6"/>
+          <p:cNvSpPr txBox="1"/>
+          <p:nvPr/>
+        </p:nvSpPr>
+        <p:spPr>
+          <a:xfrm>
+            <a:off x="6712786" y="3638748"/>
+            <a:ext cx="3758401" cy="369332"/>
+          </a:xfrm>
+          <a:prstGeom prst="rect">
+            <a:avLst/>
+          </a:prstGeom>
+          <a:noFill/>
+        </p:spPr>
+        <p:txBody>
+          <a:bodyPr wrap="none" rtlCol="0">
+            <a:spAutoFit/>
+          </a:bodyPr>
+          <a:lstStyle/>
+          <a:p>
+            <a:pPr algn="l"/>
+            <a:r>
+              <a:rPr lang="en-US" dirty="0">
+                <a:latin typeface="Arial" panose="020B0604020202020204" pitchFamily="34" charset="0"/>
+                <a:cs typeface="Arial" panose="020B0604020202020204" pitchFamily="34" charset="0"/>
+              </a:rPr>
+              <a:t>The way to show data is ineffective</a:t>
+            </a:r>
+            <a:endParaRPr lang="en-US" i="1" dirty="0">
+              <a:latin typeface="Arial" panose="020B0604020202020204" pitchFamily="34" charset="0"/>
+              <a:cs typeface="Arial" panose="020B0604020202020204" pitchFamily="34" charset="0"/>
+            </a:endParaRPr>
+          </a:p>
+        </p:txBody>
+      </p:sp>
+      <p:sp>
+        <p:nvSpPr>
+          <p:cNvPr id="8" name="TextBox 7"/>
+          <p:cNvSpPr txBox="1"/>
+          <p:nvPr/>
+        </p:nvSpPr>
+        <p:spPr>
+          <a:xfrm>
+            <a:off x="6712786" y="4331551"/>
+            <a:ext cx="2185214" cy="369332"/>
+          </a:xfrm>
+          <a:prstGeom prst="rect">
+            <a:avLst/>
+          </a:prstGeom>
+          <a:noFill/>
+        </p:spPr>
+        <p:txBody>
+          <a:bodyPr wrap="none" rtlCol="0">
+            <a:spAutoFit/>
+          </a:bodyPr>
+          <a:lstStyle/>
+          <a:p>
+            <a:pPr algn="l"/>
+            <a:r>
+              <a:rPr lang="en-US" dirty="0">
+                <a:latin typeface="Arial" panose="020B0604020202020204" pitchFamily="34" charset="0"/>
+                <a:cs typeface="Arial" panose="020B0604020202020204" pitchFamily="34" charset="0"/>
+              </a:rPr>
+              <a:t>Code is slow/buggy</a:t>
             </a:r>
           </a:p>
         </p:txBody>
@@ -6306,7 +6651,7 @@
     </p:spTree>
     <p:extLst>
       <p:ext uri="{BB962C8B-B14F-4D97-AF65-F5344CB8AC3E}">
-        <p14:creationId xmlns:p14="http://schemas.microsoft.com/office/powerpoint/2010/main" val="2218323273"/>
+        <p14:creationId xmlns:p14="http://schemas.microsoft.com/office/powerpoint/2010/main" val="1192279575"/>
       </p:ext>
     </p:extLst>
   </p:cSld>
@@ -6338,7 +6683,7 @@
           <p:cNvPr id="2" name="Title 1">
             <a:extLst>
               <a:ext uri="{FF2B5EF4-FFF2-40B4-BE49-F238E27FC236}">
-                <a16:creationId xmlns:a16="http://schemas.microsoft.com/office/drawing/2014/main" id="{BF2B8CB8-398D-1242-8468-5B36737ECCE5}"/>
+                <a16:creationId xmlns:a16="http://schemas.microsoft.com/office/drawing/2014/main" xmlns="" id="{26AD56F2-CFA3-8C4D-9E3C-71D30B60BC69}"/>
               </a:ext>
             </a:extLst>
           </p:cNvPr>
@@ -6356,7 +6701,7 @@
           <a:p>
             <a:r>
               <a:rPr lang="en-US" dirty="0"/>
-              <a:t>Experiments</a:t>
+              <a:t>Thoughts on problem &amp; abstraction?</a:t>
             </a:r>
           </a:p>
         </p:txBody>
@@ -6366,7 +6711,7 @@
           <p:cNvPr id="3" name="Content Placeholder 2">
             <a:extLst>
               <a:ext uri="{FF2B5EF4-FFF2-40B4-BE49-F238E27FC236}">
-                <a16:creationId xmlns:a16="http://schemas.microsoft.com/office/drawing/2014/main" id="{CEEF0D17-0EB9-8941-9855-0B82E7E15612}"/>
+                <a16:creationId xmlns:a16="http://schemas.microsoft.com/office/drawing/2014/main" xmlns="" id="{1291255F-522E-8643-B521-7C2FF9D092AA}"/>
               </a:ext>
             </a:extLst>
           </p:cNvPr>
@@ -6387,34 +6732,58 @@
             </a:pPr>
             <a:r>
               <a:rPr lang="en-US" dirty="0"/>
-              <a:t>Were the experiments “fair”?</a:t>
-            </a:r>
-          </a:p>
-          <a:p>
-            <a:r>
-              <a:rPr lang="en-US" dirty="0"/>
-              <a:t>Ran a pilot study – good idea!</a:t>
-            </a:r>
-          </a:p>
-          <a:p>
-            <a:r>
-              <a:rPr lang="en-US" dirty="0"/>
-              <a:t>Not clear what queries/tasks are evaluated</a:t>
-            </a:r>
-          </a:p>
-          <a:p>
-            <a:r>
-              <a:rPr lang="en-US" dirty="0"/>
-              <a:t>Type SQL using phone keyboard (hard!)</a:t>
-            </a:r>
-          </a:p>
-          <a:p>
+              <a:t>Use case: </a:t>
+            </a:r>
+          </a:p>
+          <a:p>
+            <a:r>
+              <a:rPr lang="en-US" dirty="0"/>
+              <a:t>what do people want when querying data on-the-go?</a:t>
+            </a:r>
+          </a:p>
+          <a:p>
+            <a:pPr marL="0" indent="0">
+              <a:buNone/>
+            </a:pPr>
             <a:endParaRPr lang="en-US" dirty="0"/>
           </a:p>
           <a:p>
             <a:pPr marL="0" indent="0">
               <a:buNone/>
             </a:pPr>
+            <a:r>
+              <a:rPr lang="en-US" dirty="0"/>
+              <a:t>Is speaking SQL the best way to query on-the-go?</a:t>
+            </a:r>
+          </a:p>
+          <a:p>
+            <a:pPr marL="0" indent="0">
+              <a:buNone/>
+            </a:pPr>
+            <a:endParaRPr lang="en-US" dirty="0"/>
+          </a:p>
+          <a:p>
+            <a:pPr marL="0" indent="0">
+              <a:buNone/>
+            </a:pPr>
+            <a:r>
+              <a:rPr lang="en-US" dirty="0"/>
+              <a:t>Improvements/Alternatives?</a:t>
+            </a:r>
+          </a:p>
+          <a:p>
+            <a:r>
+              <a:rPr lang="en-US" dirty="0"/>
+              <a:t>Mobile-friendly SQL keyboard?</a:t>
+            </a:r>
+          </a:p>
+          <a:p>
+            <a:r>
+              <a:rPr lang="en-US" dirty="0"/>
+              <a:t>Custom app/visual analytics</a:t>
+            </a:r>
+          </a:p>
+          <a:p>
             <a:endParaRPr lang="en-US" dirty="0"/>
           </a:p>
         </p:txBody>
@@ -6422,7 +6791,7 @@
     </p:spTree>
     <p:extLst>
       <p:ext uri="{BB962C8B-B14F-4D97-AF65-F5344CB8AC3E}">
-        <p14:creationId xmlns:p14="http://schemas.microsoft.com/office/powerpoint/2010/main" val="422553386"/>
+        <p14:creationId xmlns:p14="http://schemas.microsoft.com/office/powerpoint/2010/main" val="2392439923"/>
       </p:ext>
     </p:extLst>
   </p:cSld>
@@ -6454,7 +6823,7 @@
           <p:cNvPr id="2" name="Title 1">
             <a:extLst>
               <a:ext uri="{FF2B5EF4-FFF2-40B4-BE49-F238E27FC236}">
-                <a16:creationId xmlns:a16="http://schemas.microsoft.com/office/drawing/2014/main" id="{DBC06354-BA2C-E04C-BA41-7982413A545E}"/>
+                <a16:creationId xmlns:a16="http://schemas.microsoft.com/office/drawing/2014/main" xmlns="" id="{F1DA22FF-F88B-264C-80F2-DA4D5E1B8563}"/>
               </a:ext>
             </a:extLst>
           </p:cNvPr>
@@ -6471,21 +6840,14 @@
           <a:lstStyle/>
           <a:p>
             <a:r>
-              <a:rPr lang="en-US" dirty="0" err="1"/>
-              <a:t>GestureQuery</a:t>
-            </a:r>
-            <a:r>
-              <a:rPr lang="en-US" dirty="0"/>
-              <a:t>, </a:t>
+              <a:rPr lang="en-US" dirty="0"/>
+              <a:t>Issues with </a:t>
             </a:r>
             <a:r>
               <a:rPr lang="en-US" dirty="0" err="1"/>
               <a:t>SpeakQL</a:t>
             </a:r>
-            <a:r>
-              <a:rPr lang="en-US" dirty="0"/>
-              <a:t>  </a:t>
-            </a:r>
+            <a:endParaRPr lang="en-US" dirty="0"/>
           </a:p>
         </p:txBody>
       </p:sp>
@@ -6494,7 +6856,7 @@
           <p:cNvPr id="3" name="Content Placeholder 2">
             <a:extLst>
               <a:ext uri="{FF2B5EF4-FFF2-40B4-BE49-F238E27FC236}">
-                <a16:creationId xmlns:a16="http://schemas.microsoft.com/office/drawing/2014/main" id="{D059E54E-6B31-1146-8134-AF2C0260679B}"/>
+                <a16:creationId xmlns:a16="http://schemas.microsoft.com/office/drawing/2014/main" xmlns="" id="{E4F9C65B-5D94-F142-8581-48EB1A4A232C}"/>
               </a:ext>
             </a:extLst>
           </p:cNvPr>
@@ -6508,7 +6870,7 @@
         <p:spPr/>
         <p:txBody>
           <a:bodyPr>
-            <a:normAutofit fontScale="92500" lnSpcReduction="20000"/>
+            <a:normAutofit/>
           </a:bodyPr>
           <a:lstStyle/>
           <a:p>
@@ -6516,29 +6878,371 @@
               <a:buNone/>
             </a:pPr>
             <a:r>
-              <a:rPr lang="en-US" dirty="0"/>
-              <a:t>Both are for simple queries.  </a:t>
-            </a:r>
-          </a:p>
-          <a:p>
-            <a:r>
-              <a:rPr lang="en-US" dirty="0" err="1"/>
+              <a:rPr lang="en-US" sz="2400" dirty="0"/>
+              <a:t>Expressiveness</a:t>
+            </a:r>
+          </a:p>
+          <a:p>
+            <a:r>
+              <a:rPr lang="en-US" sz="2400" dirty="0"/>
+              <a:t>Select-Project-Join-Aggregate (up to 50 tokens)</a:t>
+            </a:r>
+          </a:p>
+          <a:p>
+            <a:r>
+              <a:rPr lang="en-US" sz="2400" dirty="0"/>
+              <a:t>Challenges if richer language?</a:t>
+            </a:r>
+          </a:p>
+          <a:p>
+            <a:pPr lvl="1"/>
+            <a:r>
+              <a:rPr lang="en-US" sz="2000" dirty="0"/>
+              <a:t>debugging query structure harder if nesting is wrong</a:t>
+            </a:r>
+          </a:p>
+          <a:p>
+            <a:pPr marL="0" indent="0">
+              <a:buNone/>
+            </a:pPr>
+            <a:endParaRPr lang="en-US" sz="2400" dirty="0"/>
+          </a:p>
+          <a:p>
+            <a:pPr marL="0" indent="0">
+              <a:buNone/>
+            </a:pPr>
+            <a:r>
+              <a:rPr lang="en-US" sz="2400" dirty="0"/>
+              <a:t>Intuitiveness</a:t>
+            </a:r>
+          </a:p>
+          <a:p>
+            <a:r>
+              <a:rPr lang="en-US" sz="2400" dirty="0"/>
+              <a:t>Easy to “debug” query?</a:t>
+            </a:r>
+          </a:p>
+          <a:p>
+            <a:r>
+              <a:rPr lang="en-US" sz="2400" dirty="0"/>
+              <a:t>Need to say “comma” in “SELECT a, b”</a:t>
+            </a:r>
+          </a:p>
+          <a:p>
+            <a:pPr marL="0" indent="0">
+              <a:buNone/>
+            </a:pPr>
+            <a:endParaRPr lang="en-US" sz="2400" dirty="0"/>
+          </a:p>
+          <a:p>
+            <a:pPr marL="0" indent="0">
+              <a:buNone/>
+            </a:pPr>
+            <a:endParaRPr lang="en-US" sz="2400" dirty="0"/>
+          </a:p>
+        </p:txBody>
+      </p:sp>
+      <p:pic>
+        <p:nvPicPr>
+          <p:cNvPr id="4" name="Picture 3">
+            <a:extLst>
+              <a:ext uri="{FF2B5EF4-FFF2-40B4-BE49-F238E27FC236}">
+                <a16:creationId xmlns:a16="http://schemas.microsoft.com/office/drawing/2014/main" xmlns="" id="{5DDAC664-B095-5844-851D-DCA999A048B8}"/>
+              </a:ext>
+            </a:extLst>
+          </p:cNvPr>
+          <p:cNvPicPr>
+            <a:picLocks noChangeAspect="1"/>
+          </p:cNvPicPr>
+          <p:nvPr/>
+        </p:nvPicPr>
+        <p:blipFill rotWithShape="1">
+          <a:blip r:embed="rId2"/>
+          <a:srcRect l="10027"/>
+          <a:stretch/>
+        </p:blipFill>
+        <p:spPr>
+          <a:xfrm>
+            <a:off x="8204022" y="3429000"/>
+            <a:ext cx="3876286" cy="3277731"/>
+          </a:xfrm>
+          <a:prstGeom prst="rect">
+            <a:avLst/>
+          </a:prstGeom>
+        </p:spPr>
+      </p:pic>
+      <p:sp>
+        <p:nvSpPr>
+          <p:cNvPr id="5" name="TextBox 4">
+            <a:extLst>
+              <a:ext uri="{FF2B5EF4-FFF2-40B4-BE49-F238E27FC236}">
+                <a16:creationId xmlns:a16="http://schemas.microsoft.com/office/drawing/2014/main" xmlns="" id="{705D16F0-3C0C-0743-AE3B-9FE0F1DFC382}"/>
+              </a:ext>
+            </a:extLst>
+          </p:cNvPr>
+          <p:cNvSpPr txBox="1"/>
+          <p:nvPr/>
+        </p:nvSpPr>
+        <p:spPr>
+          <a:xfrm>
+            <a:off x="8606280" y="3094008"/>
+            <a:ext cx="3474028" cy="400110"/>
+          </a:xfrm>
+          <a:prstGeom prst="rect">
+            <a:avLst/>
+          </a:prstGeom>
+          <a:noFill/>
+        </p:spPr>
+        <p:txBody>
+          <a:bodyPr wrap="none" rtlCol="0">
+            <a:spAutoFit/>
+          </a:bodyPr>
+          <a:lstStyle/>
+          <a:p>
+            <a:pPr algn="l"/>
+            <a:r>
+              <a:rPr lang="en-US" sz="2000" dirty="0">
+                <a:latin typeface="Arial" panose="020B0604020202020204" pitchFamily="34" charset="0"/>
+                <a:cs typeface="Arial" panose="020B0604020202020204" pitchFamily="34" charset="0"/>
+              </a:rPr>
+              <a:t>% time spent using keyboard</a:t>
+            </a:r>
+          </a:p>
+        </p:txBody>
+      </p:sp>
+    </p:spTree>
+    <p:extLst>
+      <p:ext uri="{BB962C8B-B14F-4D97-AF65-F5344CB8AC3E}">
+        <p14:creationId xmlns:p14="http://schemas.microsoft.com/office/powerpoint/2010/main" val="2218323273"/>
+      </p:ext>
+    </p:extLst>
+  </p:cSld>
+  <p:clrMapOvr>
+    <a:masterClrMapping/>
+  </p:clrMapOvr>
+</p:sld>
+</file>
+
+<file path=ppt/slides/slide25.xml><?xml version="1.0" encoding="utf-8"?>
+<p:sld xmlns:a="http://schemas.openxmlformats.org/drawingml/2006/main" xmlns:r="http://schemas.openxmlformats.org/officeDocument/2006/relationships" xmlns:p="http://schemas.openxmlformats.org/presentationml/2006/main">
+  <p:cSld>
+    <p:spTree>
+      <p:nvGrpSpPr>
+        <p:cNvPr id="1" name=""/>
+        <p:cNvGrpSpPr/>
+        <p:nvPr/>
+      </p:nvGrpSpPr>
+      <p:grpSpPr>
+        <a:xfrm>
+          <a:off x="0" y="0"/>
+          <a:ext cx="0" cy="0"/>
+          <a:chOff x="0" y="0"/>
+          <a:chExt cx="0" cy="0"/>
+        </a:xfrm>
+      </p:grpSpPr>
+      <p:sp>
+        <p:nvSpPr>
+          <p:cNvPr id="2" name="Title 1">
+            <a:extLst>
+              <a:ext uri="{FF2B5EF4-FFF2-40B4-BE49-F238E27FC236}">
+                <a16:creationId xmlns:a16="http://schemas.microsoft.com/office/drawing/2014/main" xmlns="" id="{BF2B8CB8-398D-1242-8468-5B36737ECCE5}"/>
+              </a:ext>
+            </a:extLst>
+          </p:cNvPr>
+          <p:cNvSpPr>
+            <a:spLocks noGrp="1"/>
+          </p:cNvSpPr>
+          <p:nvPr>
+            <p:ph type="title"/>
+          </p:nvPr>
+        </p:nvSpPr>
+        <p:spPr/>
+        <p:txBody>
+          <a:bodyPr/>
+          <a:lstStyle/>
+          <a:p>
+            <a:r>
+              <a:rPr lang="en-US" dirty="0"/>
+              <a:t>Experiments</a:t>
+            </a:r>
+          </a:p>
+        </p:txBody>
+      </p:sp>
+      <p:sp>
+        <p:nvSpPr>
+          <p:cNvPr id="3" name="Content Placeholder 2">
+            <a:extLst>
+              <a:ext uri="{FF2B5EF4-FFF2-40B4-BE49-F238E27FC236}">
+                <a16:creationId xmlns:a16="http://schemas.microsoft.com/office/drawing/2014/main" xmlns="" id="{CEEF0D17-0EB9-8941-9855-0B82E7E15612}"/>
+              </a:ext>
+            </a:extLst>
+          </p:cNvPr>
+          <p:cNvSpPr>
+            <a:spLocks noGrp="1"/>
+          </p:cNvSpPr>
+          <p:nvPr>
+            <p:ph idx="1"/>
+          </p:nvPr>
+        </p:nvSpPr>
+        <p:spPr/>
+        <p:txBody>
+          <a:bodyPr/>
+          <a:lstStyle/>
+          <a:p>
+            <a:pPr marL="0" indent="0">
+              <a:buNone/>
+            </a:pPr>
+            <a:r>
+              <a:rPr lang="en-US" dirty="0"/>
+              <a:t>Were the experiments “fair”?</a:t>
+            </a:r>
+          </a:p>
+          <a:p>
+            <a:r>
+              <a:rPr lang="en-US" dirty="0"/>
+              <a:t>Ran a pilot study – good idea!</a:t>
+            </a:r>
+          </a:p>
+          <a:p>
+            <a:r>
+              <a:rPr lang="en-US" dirty="0"/>
+              <a:t>Not clear what queries/tasks are evaluated</a:t>
+            </a:r>
+          </a:p>
+          <a:p>
+            <a:r>
+              <a:rPr lang="en-US" dirty="0"/>
+              <a:t>Type SQL using phone keyboard (hard!)</a:t>
+            </a:r>
+          </a:p>
+          <a:p>
+            <a:endParaRPr lang="en-US" dirty="0"/>
+          </a:p>
+          <a:p>
+            <a:pPr marL="0" indent="0">
+              <a:buNone/>
+            </a:pPr>
+            <a:endParaRPr lang="en-US" dirty="0"/>
+          </a:p>
+        </p:txBody>
+      </p:sp>
+    </p:spTree>
+    <p:extLst>
+      <p:ext uri="{BB962C8B-B14F-4D97-AF65-F5344CB8AC3E}">
+        <p14:creationId xmlns:p14="http://schemas.microsoft.com/office/powerpoint/2010/main" val="422553386"/>
+      </p:ext>
+    </p:extLst>
+  </p:cSld>
+  <p:clrMapOvr>
+    <a:masterClrMapping/>
+  </p:clrMapOvr>
+</p:sld>
+</file>
+
+<file path=ppt/slides/slide26.xml><?xml version="1.0" encoding="utf-8"?>
+<p:sld xmlns:a="http://schemas.openxmlformats.org/drawingml/2006/main" xmlns:r="http://schemas.openxmlformats.org/officeDocument/2006/relationships" xmlns:p="http://schemas.openxmlformats.org/presentationml/2006/main">
+  <p:cSld>
+    <p:spTree>
+      <p:nvGrpSpPr>
+        <p:cNvPr id="1" name=""/>
+        <p:cNvGrpSpPr/>
+        <p:nvPr/>
+      </p:nvGrpSpPr>
+      <p:grpSpPr>
+        <a:xfrm>
+          <a:off x="0" y="0"/>
+          <a:ext cx="0" cy="0"/>
+          <a:chOff x="0" y="0"/>
+          <a:chExt cx="0" cy="0"/>
+        </a:xfrm>
+      </p:grpSpPr>
+      <p:sp>
+        <p:nvSpPr>
+          <p:cNvPr id="2" name="Title 1">
+            <a:extLst>
+              <a:ext uri="{FF2B5EF4-FFF2-40B4-BE49-F238E27FC236}">
+                <a16:creationId xmlns:a16="http://schemas.microsoft.com/office/drawing/2014/main" xmlns="" id="{DBC06354-BA2C-E04C-BA41-7982413A545E}"/>
+              </a:ext>
+            </a:extLst>
+          </p:cNvPr>
+          <p:cNvSpPr>
+            <a:spLocks noGrp="1"/>
+          </p:cNvSpPr>
+          <p:nvPr>
+            <p:ph type="title"/>
+          </p:nvPr>
+        </p:nvSpPr>
+        <p:spPr/>
+        <p:txBody>
+          <a:bodyPr/>
+          <a:lstStyle/>
+          <a:p>
+            <a:r>
+              <a:rPr lang="en-US" dirty="0" smtClean="0"/>
+              <a:t>Comparing the Two Papers</a:t>
+            </a:r>
+            <a:endParaRPr lang="en-US" dirty="0"/>
+          </a:p>
+        </p:txBody>
+      </p:sp>
+      <p:sp>
+        <p:nvSpPr>
+          <p:cNvPr id="3" name="Content Placeholder 2">
+            <a:extLst>
+              <a:ext uri="{FF2B5EF4-FFF2-40B4-BE49-F238E27FC236}">
+                <a16:creationId xmlns:a16="http://schemas.microsoft.com/office/drawing/2014/main" xmlns="" id="{D059E54E-6B31-1146-8134-AF2C0260679B}"/>
+              </a:ext>
+            </a:extLst>
+          </p:cNvPr>
+          <p:cNvSpPr>
+            <a:spLocks noGrp="1"/>
+          </p:cNvSpPr>
+          <p:nvPr>
+            <p:ph idx="1"/>
+          </p:nvPr>
+        </p:nvSpPr>
+        <p:spPr/>
+        <p:txBody>
+          <a:bodyPr>
+            <a:normAutofit/>
+          </a:bodyPr>
+          <a:lstStyle/>
+          <a:p>
+            <a:pPr marL="0" indent="0">
+              <a:buNone/>
+            </a:pPr>
+            <a:r>
+              <a:rPr lang="en-US" dirty="0" err="1" smtClean="0"/>
               <a:t>GestureQuery</a:t>
             </a:r>
             <a:r>
-              <a:rPr lang="en-US" dirty="0"/>
-              <a:t> for novices, </a:t>
-            </a:r>
-            <a:r>
-              <a:rPr lang="en-US" dirty="0" err="1"/>
+              <a:rPr lang="en-US" dirty="0" smtClean="0"/>
+              <a:t>: novices on tablets</a:t>
+            </a:r>
+          </a:p>
+          <a:p>
+            <a:pPr marL="0" indent="0">
+              <a:buNone/>
+            </a:pPr>
+            <a:endParaRPr lang="en-US" dirty="0"/>
+          </a:p>
+          <a:p>
+            <a:pPr marL="0" indent="0">
+              <a:buNone/>
+            </a:pPr>
+            <a:r>
+              <a:rPr lang="en-US" dirty="0" err="1" smtClean="0"/>
               <a:t>SpeakQL</a:t>
             </a:r>
             <a:r>
-              <a:rPr lang="en-US" dirty="0"/>
-              <a:t> for “experts”</a:t>
-            </a:r>
-          </a:p>
-          <a:p>
+              <a:rPr lang="en-US" dirty="0" smtClean="0"/>
+              <a:t>: experts on phones</a:t>
+            </a:r>
+          </a:p>
+          <a:p>
+            <a:pPr marL="0" indent="0">
+              <a:buNone/>
+            </a:pPr>
             <a:endParaRPr lang="en-US" dirty="0"/>
           </a:p>
           <a:p>
@@ -6546,47 +7250,29 @@
               <a:buNone/>
             </a:pPr>
             <a:r>
-              <a:rPr lang="en-US" dirty="0"/>
-              <a:t>Compare with Tableau</a:t>
-            </a:r>
-          </a:p>
-          <a:p>
-            <a:r>
-              <a:rPr lang="en-US" dirty="0"/>
-              <a:t>Tableau good at visual analytics and filter/aggregation</a:t>
-            </a:r>
-          </a:p>
-          <a:p>
-            <a:r>
-              <a:rPr lang="en-US" dirty="0"/>
-              <a:t>Less good at joins, selection</a:t>
-            </a:r>
-          </a:p>
-          <a:p>
-            <a:endParaRPr lang="en-US" dirty="0"/>
-          </a:p>
-          <a:p>
-            <a:pPr marL="0" indent="0">
-              <a:buNone/>
-            </a:pPr>
-            <a:r>
-              <a:rPr lang="en-US" dirty="0"/>
-              <a:t>Compare with Excel</a:t>
-            </a:r>
-          </a:p>
-          <a:p>
-            <a:r>
-              <a:rPr lang="en-US" dirty="0"/>
-              <a:t>Excel good at projection, simple filters, sort</a:t>
-            </a:r>
-          </a:p>
-          <a:p>
-            <a:r>
-              <a:rPr lang="en-US" dirty="0"/>
-              <a:t>Less good at Joins, complex predicates, aggregation</a:t>
-            </a:r>
-          </a:p>
-          <a:p>
+              <a:rPr lang="en-US" dirty="0" smtClean="0"/>
+              <a:t>What are other users &amp; settings ripe for interface development?</a:t>
+            </a:r>
+          </a:p>
+          <a:p>
+            <a:r>
+              <a:rPr lang="en-US" dirty="0" smtClean="0"/>
+              <a:t>Users: SQL novices, SQL experts, ...?</a:t>
+            </a:r>
+          </a:p>
+          <a:p>
+            <a:r>
+              <a:rPr lang="en-US" dirty="0" smtClean="0"/>
+              <a:t>Settings: exploration, </a:t>
+            </a:r>
+            <a:r>
+              <a:rPr lang="en-US" dirty="0" err="1" smtClean="0"/>
+              <a:t>adhoc</a:t>
+            </a:r>
+            <a:r>
+              <a:rPr lang="en-US" dirty="0" smtClean="0"/>
+              <a:t> queries, ...?</a:t>
+            </a:r>
             <a:endParaRPr lang="en-US" dirty="0"/>
           </a:p>
         </p:txBody>
@@ -6595,6 +7281,144 @@
     <p:extLst>
       <p:ext uri="{BB962C8B-B14F-4D97-AF65-F5344CB8AC3E}">
         <p14:creationId xmlns:p14="http://schemas.microsoft.com/office/powerpoint/2010/main" val="3423473600"/>
+      </p:ext>
+    </p:extLst>
+  </p:cSld>
+  <p:clrMapOvr>
+    <a:masterClrMapping/>
+  </p:clrMapOvr>
+</p:sld>
+</file>
+
+<file path=ppt/slides/slide27.xml><?xml version="1.0" encoding="utf-8"?>
+<p:sld xmlns:a="http://schemas.openxmlformats.org/drawingml/2006/main" xmlns:r="http://schemas.openxmlformats.org/officeDocument/2006/relationships" xmlns:p="http://schemas.openxmlformats.org/presentationml/2006/main">
+  <p:cSld>
+    <p:spTree>
+      <p:nvGrpSpPr>
+        <p:cNvPr id="1" name=""/>
+        <p:cNvGrpSpPr/>
+        <p:nvPr/>
+      </p:nvGrpSpPr>
+      <p:grpSpPr>
+        <a:xfrm>
+          <a:off x="0" y="0"/>
+          <a:ext cx="0" cy="0"/>
+          <a:chOff x="0" y="0"/>
+          <a:chExt cx="0" cy="0"/>
+        </a:xfrm>
+      </p:grpSpPr>
+      <p:sp>
+        <p:nvSpPr>
+          <p:cNvPr id="2" name="Title 1">
+            <a:extLst>
+              <a:ext uri="{FF2B5EF4-FFF2-40B4-BE49-F238E27FC236}">
+                <a16:creationId xmlns:a16="http://schemas.microsoft.com/office/drawing/2014/main" xmlns="" id="{DBC06354-BA2C-E04C-BA41-7982413A545E}"/>
+              </a:ext>
+            </a:extLst>
+          </p:cNvPr>
+          <p:cNvSpPr>
+            <a:spLocks noGrp="1"/>
+          </p:cNvSpPr>
+          <p:nvPr>
+            <p:ph type="title"/>
+          </p:nvPr>
+        </p:nvSpPr>
+        <p:spPr/>
+        <p:txBody>
+          <a:bodyPr/>
+          <a:lstStyle/>
+          <a:p>
+            <a:r>
+              <a:rPr lang="en-US" dirty="0"/>
+              <a:t>Comparing the Two Papers</a:t>
+            </a:r>
+            <a:endParaRPr lang="en-US" dirty="0"/>
+          </a:p>
+        </p:txBody>
+      </p:sp>
+      <p:sp>
+        <p:nvSpPr>
+          <p:cNvPr id="3" name="Content Placeholder 2">
+            <a:extLst>
+              <a:ext uri="{FF2B5EF4-FFF2-40B4-BE49-F238E27FC236}">
+                <a16:creationId xmlns:a16="http://schemas.microsoft.com/office/drawing/2014/main" xmlns="" id="{D059E54E-6B31-1146-8134-AF2C0260679B}"/>
+              </a:ext>
+            </a:extLst>
+          </p:cNvPr>
+          <p:cNvSpPr>
+            <a:spLocks noGrp="1"/>
+          </p:cNvSpPr>
+          <p:nvPr>
+            <p:ph idx="1"/>
+          </p:nvPr>
+        </p:nvSpPr>
+        <p:spPr/>
+        <p:txBody>
+          <a:bodyPr>
+            <a:normAutofit/>
+          </a:bodyPr>
+          <a:lstStyle/>
+          <a:p>
+            <a:pPr marL="0" indent="0">
+              <a:buNone/>
+            </a:pPr>
+            <a:r>
+              <a:rPr lang="en-US" smtClean="0"/>
+              <a:t>Compare </a:t>
+            </a:r>
+            <a:r>
+              <a:rPr lang="en-US" dirty="0"/>
+              <a:t>with Tableau</a:t>
+            </a:r>
+          </a:p>
+          <a:p>
+            <a:r>
+              <a:rPr lang="en-US" dirty="0"/>
+              <a:t>Tableau good at visual analytics and filter/aggregation</a:t>
+            </a:r>
+          </a:p>
+          <a:p>
+            <a:r>
+              <a:rPr lang="en-US" dirty="0"/>
+              <a:t>Less good at joins, selection</a:t>
+            </a:r>
+          </a:p>
+          <a:p>
+            <a:endParaRPr lang="en-US" smtClean="0"/>
+          </a:p>
+          <a:p>
+            <a:endParaRPr lang="en-US" dirty="0"/>
+          </a:p>
+          <a:p>
+            <a:pPr marL="0" indent="0">
+              <a:buNone/>
+            </a:pPr>
+            <a:r>
+              <a:rPr lang="en-US" dirty="0"/>
+              <a:t>Compare with Excel</a:t>
+            </a:r>
+          </a:p>
+          <a:p>
+            <a:r>
+              <a:rPr lang="en-US" dirty="0"/>
+              <a:t>Excel good at projection, simple filters, sort</a:t>
+            </a:r>
+          </a:p>
+          <a:p>
+            <a:r>
+              <a:rPr lang="en-US" dirty="0"/>
+              <a:t>Less good at Joins, complex predicates, aggregation</a:t>
+            </a:r>
+          </a:p>
+          <a:p>
+            <a:endParaRPr lang="en-US" dirty="0"/>
+          </a:p>
+        </p:txBody>
+      </p:sp>
+    </p:spTree>
+    <p:extLst>
+      <p:ext uri="{BB962C8B-B14F-4D97-AF65-F5344CB8AC3E}">
+        <p14:creationId xmlns:p14="http://schemas.microsoft.com/office/powerpoint/2010/main" val="728684066"/>
       </p:ext>
     </p:extLst>
   </p:cSld>
@@ -6639,6 +7463,10 @@
             <a:r>
               <a:rPr lang="en-US" dirty="0" err="1"/>
               <a:t>GestureQuery</a:t>
+            </a:r>
+            <a:r>
+              <a:rPr lang="en-US" dirty="0"/>
+              <a:t/>
             </a:r>
             <a:br>
               <a:rPr lang="en-US" dirty="0"/>
@@ -6701,13 +7529,7 @@
       </p:grpSpPr>
       <p:sp>
         <p:nvSpPr>
-          <p:cNvPr id="2" name="Title 1">
-            <a:extLst>
-              <a:ext uri="{FF2B5EF4-FFF2-40B4-BE49-F238E27FC236}">
-                <a16:creationId xmlns:a16="http://schemas.microsoft.com/office/drawing/2014/main" id="{8E4D8CA6-7307-CB47-B0A2-6CD199D2D56F}"/>
-              </a:ext>
-            </a:extLst>
-          </p:cNvPr>
+          <p:cNvPr id="2" name="Title 1"/>
           <p:cNvSpPr>
             <a:spLocks noGrp="1"/>
           </p:cNvSpPr>
@@ -6721,21 +7543,16 @@
           <a:lstStyle/>
           <a:p>
             <a:r>
-              <a:rPr lang="en-US" dirty="0"/>
-              <a:t>Experiments</a:t>
-            </a:r>
-          </a:p>
-        </p:txBody>
-      </p:sp>
-      <p:sp>
-        <p:nvSpPr>
-          <p:cNvPr id="3" name="Content Placeholder 2">
-            <a:extLst>
-              <a:ext uri="{FF2B5EF4-FFF2-40B4-BE49-F238E27FC236}">
-                <a16:creationId xmlns:a16="http://schemas.microsoft.com/office/drawing/2014/main" id="{42153E80-D273-E944-9B53-947D5C4CF490}"/>
-              </a:ext>
-            </a:extLst>
-          </p:cNvPr>
+              <a:rPr lang="en-US" dirty="0" smtClean="0"/>
+              <a:t>Student Questions</a:t>
+            </a:r>
+            <a:endParaRPr lang="en-US" dirty="0"/>
+          </a:p>
+        </p:txBody>
+      </p:sp>
+      <p:sp>
+        <p:nvSpPr>
+          <p:cNvPr id="3" name="Content Placeholder 2"/>
           <p:cNvSpPr>
             <a:spLocks noGrp="1"/>
           </p:cNvSpPr>
@@ -6748,28 +7565,29 @@
           <a:bodyPr/>
           <a:lstStyle/>
           <a:p>
-            <a:pPr marL="0" indent="0">
-              <a:buNone/>
-            </a:pPr>
-            <a:r>
-              <a:rPr lang="en-US" dirty="0"/>
-              <a:t>What questions do you wish they answered?</a:t>
-            </a:r>
-          </a:p>
-          <a:p>
-            <a:r>
-              <a:rPr lang="en-US" dirty="0"/>
-              <a:t>Discoverability</a:t>
-            </a:r>
-          </a:p>
-          <a:p>
-            <a:r>
-              <a:rPr lang="en-US" dirty="0"/>
-              <a:t>Ease to </a:t>
-            </a:r>
-            <a:r>
-              <a:rPr lang="en-US"/>
-              <a:t>compose queries</a:t>
+            <a:r>
+              <a:rPr lang="en-US" dirty="0" smtClean="0"/>
+              <a:t>What gestures does Gesture Query start with?  </a:t>
+            </a:r>
+          </a:p>
+          <a:p>
+            <a:r>
+              <a:rPr lang="en-US" dirty="0" smtClean="0"/>
+              <a:t>Are they intuitive?  </a:t>
+            </a:r>
+          </a:p>
+          <a:p>
+            <a:r>
+              <a:rPr lang="en-US" dirty="0" smtClean="0"/>
+              <a:t>What do they assume about users that use </a:t>
+            </a:r>
+            <a:r>
+              <a:rPr lang="en-US" dirty="0" err="1" smtClean="0"/>
+              <a:t>GestureQuery</a:t>
+            </a:r>
+            <a:r>
+              <a:rPr lang="en-US" dirty="0" smtClean="0"/>
+              <a:t>?</a:t>
             </a:r>
             <a:endParaRPr lang="en-US" dirty="0"/>
           </a:p>
@@ -6778,7 +7596,7 @@
     </p:spTree>
     <p:extLst>
       <p:ext uri="{BB962C8B-B14F-4D97-AF65-F5344CB8AC3E}">
-        <p14:creationId xmlns:p14="http://schemas.microsoft.com/office/powerpoint/2010/main" val="3638113361"/>
+        <p14:creationId xmlns:p14="http://schemas.microsoft.com/office/powerpoint/2010/main" val="1280088653"/>
       </p:ext>
     </p:extLst>
   </p:cSld>
@@ -6807,22 +7625,26 @@
       </p:grpSpPr>
       <p:sp>
         <p:nvSpPr>
-          <p:cNvPr id="4" name="Title 3"/>
-          <p:cNvSpPr>
-            <a:spLocks noGrp="1"/>
-          </p:cNvSpPr>
-          <p:nvPr>
-            <p:ph type="ctrTitle"/>
-          </p:nvPr>
-        </p:nvSpPr>
-        <p:spPr/>
-        <p:txBody>
-          <a:bodyPr/>
-          <a:lstStyle/>
-          <a:p>
-            <a:r>
-              <a:rPr lang="en-US" dirty="0" err="1"/>
-              <a:t>SpeakQL</a:t>
+          <p:cNvPr id="2" name="Title 1"/>
+          <p:cNvSpPr>
+            <a:spLocks noGrp="1"/>
+          </p:cNvSpPr>
+          <p:nvPr>
+            <p:ph type="title"/>
+          </p:nvPr>
+        </p:nvSpPr>
+        <p:spPr/>
+        <p:txBody>
+          <a:bodyPr/>
+          <a:lstStyle/>
+          <a:p>
+            <a:r>
+              <a:rPr lang="en-US" dirty="0" smtClean="0"/>
+              <a:t>Issues with </a:t>
+            </a:r>
+            <a:r>
+              <a:rPr lang="en-US" dirty="0" err="1" smtClean="0"/>
+              <a:t>GestureQuery</a:t>
             </a:r>
             <a:endParaRPr lang="en-US" dirty="0"/>
           </a:p>
@@ -6830,27 +7652,109 @@
       </p:sp>
       <p:sp>
         <p:nvSpPr>
-          <p:cNvPr id="5" name="Subtitle 4"/>
-          <p:cNvSpPr>
-            <a:spLocks noGrp="1"/>
-          </p:cNvSpPr>
-          <p:nvPr>
-            <p:ph type="subTitle" idx="1"/>
-          </p:nvPr>
-        </p:nvSpPr>
-        <p:spPr/>
-        <p:txBody>
-          <a:bodyPr/>
-          <a:lstStyle/>
-          <a:p>
-            <a:endParaRPr lang="en-US"/>
+          <p:cNvPr id="3" name="Content Placeholder 2"/>
+          <p:cNvSpPr>
+            <a:spLocks noGrp="1"/>
+          </p:cNvSpPr>
+          <p:nvPr>
+            <p:ph idx="1"/>
+          </p:nvPr>
+        </p:nvSpPr>
+        <p:spPr/>
+        <p:txBody>
+          <a:bodyPr/>
+          <a:lstStyle/>
+          <a:p>
+            <a:pPr marL="0" marR="0" lvl="0" indent="0" defTabSz="914400" eaLnBrk="1" fontAlgn="auto" latinLnBrk="0" hangingPunct="1">
+              <a:lnSpc>
+                <a:spcPct val="100000"/>
+              </a:lnSpc>
+              <a:spcBef>
+                <a:spcPts val="0"/>
+              </a:spcBef>
+              <a:spcAft>
+                <a:spcPts val="0"/>
+              </a:spcAft>
+              <a:buClrTx/>
+              <a:buSzTx/>
+              <a:buFontTx/>
+              <a:buNone/>
+              <a:tabLst/>
+              <a:defRPr/>
+            </a:pPr>
+            <a:r>
+              <a:rPr lang="en-US" dirty="0" smtClean="0"/>
+              <a:t>When do gestures make querying harder?</a:t>
+            </a:r>
+          </a:p>
+          <a:p>
+            <a:pPr>
+              <a:lnSpc>
+                <a:spcPct val="100000"/>
+              </a:lnSpc>
+              <a:spcBef>
+                <a:spcPts val="0"/>
+              </a:spcBef>
+            </a:pPr>
+            <a:r>
+              <a:rPr lang="en-US" dirty="0" smtClean="0"/>
+              <a:t>Bigger schemas, larger tables.</a:t>
+            </a:r>
+          </a:p>
+          <a:p>
+            <a:pPr>
+              <a:lnSpc>
+                <a:spcPct val="100000"/>
+              </a:lnSpc>
+              <a:spcBef>
+                <a:spcPts val="0"/>
+              </a:spcBef>
+            </a:pPr>
+            <a:r>
+              <a:rPr lang="en-US" dirty="0" smtClean="0"/>
+              <a:t>Modal inputs better for values/</a:t>
+            </a:r>
+            <a:r>
+              <a:rPr lang="en-US" dirty="0" err="1" smtClean="0"/>
+              <a:t>params</a:t>
+            </a:r>
+            <a:endParaRPr lang="en-US" dirty="0" smtClean="0"/>
+          </a:p>
+          <a:p>
+            <a:pPr>
+              <a:lnSpc>
+                <a:spcPct val="100000"/>
+              </a:lnSpc>
+              <a:spcBef>
+                <a:spcPts val="0"/>
+              </a:spcBef>
+            </a:pPr>
+            <a:r>
+              <a:rPr lang="en-US" dirty="0" smtClean="0"/>
+              <a:t>Complex queries</a:t>
+            </a:r>
+          </a:p>
+          <a:p>
+            <a:pPr>
+              <a:lnSpc>
+                <a:spcPct val="100000"/>
+              </a:lnSpc>
+              <a:spcBef>
+                <a:spcPts val="0"/>
+              </a:spcBef>
+            </a:pPr>
+            <a:r>
+              <a:rPr lang="en-US" dirty="0" smtClean="0"/>
+              <a:t>Advanced users liked visual query builder</a:t>
+            </a:r>
+            <a:endParaRPr lang="en-US" dirty="0"/>
           </a:p>
         </p:txBody>
       </p:sp>
     </p:spTree>
     <p:extLst>
       <p:ext uri="{BB962C8B-B14F-4D97-AF65-F5344CB8AC3E}">
-        <p14:creationId xmlns:p14="http://schemas.microsoft.com/office/powerpoint/2010/main" val="501767838"/>
+        <p14:creationId xmlns:p14="http://schemas.microsoft.com/office/powerpoint/2010/main" val="1825999478"/>
       </p:ext>
     </p:extLst>
   </p:cSld>
@@ -6882,7 +7786,7 @@
           <p:cNvPr id="2" name="Title 1">
             <a:extLst>
               <a:ext uri="{FF2B5EF4-FFF2-40B4-BE49-F238E27FC236}">
-                <a16:creationId xmlns:a16="http://schemas.microsoft.com/office/drawing/2014/main" id="{7284945E-085F-1C4A-908A-89FD303D059E}"/>
+                <a16:creationId xmlns:a16="http://schemas.microsoft.com/office/drawing/2014/main" xmlns="" id="{8E4D8CA6-7307-CB47-B0A2-6CD199D2D56F}"/>
               </a:ext>
             </a:extLst>
           </p:cNvPr>
@@ -6900,15 +7804,7 @@
           <a:p>
             <a:r>
               <a:rPr lang="en-US" dirty="0"/>
-              <a:t>The </a:t>
-            </a:r>
-            <a:r>
-              <a:rPr lang="en-US" dirty="0" err="1"/>
-              <a:t>SpeakQL</a:t>
-            </a:r>
-            <a:r>
-              <a:rPr lang="en-US" dirty="0"/>
-              <a:t> argument</a:t>
+              <a:t>Experiments</a:t>
             </a:r>
           </a:p>
         </p:txBody>
@@ -6918,7 +7814,7 @@
           <p:cNvPr id="3" name="Content Placeholder 2">
             <a:extLst>
               <a:ext uri="{FF2B5EF4-FFF2-40B4-BE49-F238E27FC236}">
-                <a16:creationId xmlns:a16="http://schemas.microsoft.com/office/drawing/2014/main" id="{2ED8A43B-A725-FD42-BB9E-332CDD8B572D}"/>
+                <a16:creationId xmlns:a16="http://schemas.microsoft.com/office/drawing/2014/main" xmlns="" id="{42153E80-D273-E944-9B53-947D5C4CF490}"/>
               </a:ext>
             </a:extLst>
           </p:cNvPr>
@@ -6929,12 +7825,7 @@
             <p:ph idx="1"/>
           </p:nvPr>
         </p:nvSpPr>
-        <p:spPr>
-          <a:xfrm>
-            <a:off x="838200" y="1825625"/>
-            <a:ext cx="6007274" cy="4351338"/>
-          </a:xfrm>
-        </p:spPr>
+        <p:spPr/>
         <p:txBody>
           <a:bodyPr/>
           <a:lstStyle/>
@@ -6944,40 +7835,19 @@
             </a:pPr>
             <a:r>
               <a:rPr lang="en-US" dirty="0"/>
-              <a:t>People</a:t>
-            </a:r>
-          </a:p>
-          <a:p>
-            <a:r>
-              <a:rPr lang="en-US" dirty="0"/>
-              <a:t>know SQL.  May even be experts</a:t>
-            </a:r>
-          </a:p>
-          <a:p>
-            <a:r>
-              <a:rPr lang="en-US" dirty="0"/>
-              <a:t>want to write SQL on-the-go</a:t>
-            </a:r>
-          </a:p>
-          <a:p>
-            <a:r>
-              <a:rPr lang="en-US" dirty="0"/>
-              <a:t>have a phone/tablet</a:t>
-            </a:r>
-          </a:p>
-          <a:p>
-            <a:pPr marL="0" indent="0">
-              <a:buNone/>
-            </a:pPr>
-            <a:endParaRPr lang="en-US" dirty="0"/>
-          </a:p>
-          <a:p>
-            <a:pPr marL="0" indent="0">
-              <a:buNone/>
-            </a:pPr>
-            <a:r>
-              <a:rPr lang="en-US" dirty="0"/>
-              <a:t>Thus speech interface is best</a:t>
+              <a:t>What questions do you wish they answered?</a:t>
+            </a:r>
+          </a:p>
+          <a:p>
+            <a:r>
+              <a:rPr lang="en-US" dirty="0"/>
+              <a:t>Discoverability</a:t>
+            </a:r>
+          </a:p>
+          <a:p>
+            <a:r>
+              <a:rPr lang="en-US" dirty="0"/>
+              <a:t>Ease to compose queries</a:t>
             </a:r>
           </a:p>
         </p:txBody>
@@ -6985,7 +7855,7 @@
     </p:spTree>
     <p:extLst>
       <p:ext uri="{BB962C8B-B14F-4D97-AF65-F5344CB8AC3E}">
-        <p14:creationId xmlns:p14="http://schemas.microsoft.com/office/powerpoint/2010/main" val="1886082678"/>
+        <p14:creationId xmlns:p14="http://schemas.microsoft.com/office/powerpoint/2010/main" val="3638113361"/>
       </p:ext>
     </p:extLst>
   </p:cSld>
@@ -7014,85 +7884,50 @@
       </p:grpSpPr>
       <p:sp>
         <p:nvSpPr>
-          <p:cNvPr id="2" name="Title 1">
-            <a:extLst>
-              <a:ext uri="{FF2B5EF4-FFF2-40B4-BE49-F238E27FC236}">
-                <a16:creationId xmlns:a16="http://schemas.microsoft.com/office/drawing/2014/main" id="{A1ACE1D2-B2AA-794C-8741-5AC1339B9E4E}"/>
-              </a:ext>
-            </a:extLst>
-          </p:cNvPr>
-          <p:cNvSpPr>
-            <a:spLocks noGrp="1"/>
-          </p:cNvSpPr>
-          <p:nvPr>
-            <p:ph type="title"/>
-          </p:nvPr>
-        </p:nvSpPr>
-        <p:spPr/>
-        <p:txBody>
-          <a:bodyPr/>
-          <a:lstStyle/>
-          <a:p>
-            <a:r>
-              <a:rPr lang="en-US" dirty="0"/>
-              <a:t>Use Cases</a:t>
-            </a:r>
-          </a:p>
-        </p:txBody>
-      </p:sp>
-      <p:sp>
-        <p:nvSpPr>
-          <p:cNvPr id="3" name="Content Placeholder 2">
-            <a:extLst>
-              <a:ext uri="{FF2B5EF4-FFF2-40B4-BE49-F238E27FC236}">
-                <a16:creationId xmlns:a16="http://schemas.microsoft.com/office/drawing/2014/main" id="{B083CCA7-B6DD-F24F-A434-7CFEA4C14600}"/>
-              </a:ext>
-            </a:extLst>
-          </p:cNvPr>
-          <p:cNvSpPr>
-            <a:spLocks noGrp="1"/>
-          </p:cNvSpPr>
-          <p:nvPr>
-            <p:ph idx="1"/>
-          </p:nvPr>
-        </p:nvSpPr>
-        <p:spPr/>
-        <p:txBody>
-          <a:bodyPr/>
-          <a:lstStyle/>
-          <a:p>
-            <a:r>
-              <a:rPr lang="en-US" dirty="0"/>
-              <a:t>DBA debugging system while on the road</a:t>
-            </a:r>
-          </a:p>
-          <a:p>
-            <a:r>
-              <a:rPr lang="en-US" dirty="0"/>
-              <a:t>Nurse accesses patient record away from his desk</a:t>
-            </a:r>
-          </a:p>
-          <a:p>
-            <a:r>
-              <a:rPr lang="en-US" dirty="0"/>
-              <a:t>Analyst answers customer sales question in a meeting</a:t>
-            </a:r>
-          </a:p>
-          <a:p>
+          <p:cNvPr id="4" name="Title 3"/>
+          <p:cNvSpPr>
+            <a:spLocks noGrp="1"/>
+          </p:cNvSpPr>
+          <p:nvPr>
+            <p:ph type="ctrTitle"/>
+          </p:nvPr>
+        </p:nvSpPr>
+        <p:spPr/>
+        <p:txBody>
+          <a:bodyPr/>
+          <a:lstStyle/>
+          <a:p>
+            <a:r>
+              <a:rPr lang="en-US" dirty="0" err="1"/>
+              <a:t>SpeakQL</a:t>
+            </a:r>
             <a:endParaRPr lang="en-US" dirty="0"/>
           </a:p>
-          <a:p>
-            <a:pPr marL="0" indent="0">
-              <a:buNone/>
-            </a:pPr>
-            <a:endParaRPr lang="en-US" dirty="0"/>
+        </p:txBody>
+      </p:sp>
+      <p:sp>
+        <p:nvSpPr>
+          <p:cNvPr id="5" name="Subtitle 4"/>
+          <p:cNvSpPr>
+            <a:spLocks noGrp="1"/>
+          </p:cNvSpPr>
+          <p:nvPr>
+            <p:ph type="subTitle" idx="1"/>
+          </p:nvPr>
+        </p:nvSpPr>
+        <p:spPr/>
+        <p:txBody>
+          <a:bodyPr/>
+          <a:lstStyle/>
+          <a:p>
+            <a:endParaRPr lang="en-US"/>
           </a:p>
         </p:txBody>
       </p:sp>
     </p:spTree>
     <p:extLst>
       <p:ext uri="{BB962C8B-B14F-4D97-AF65-F5344CB8AC3E}">
-        <p14:creationId xmlns:p14="http://schemas.microsoft.com/office/powerpoint/2010/main" val="2228590226"/>
+        <p14:creationId xmlns:p14="http://schemas.microsoft.com/office/powerpoint/2010/main" val="501767838"/>
       </p:ext>
     </p:extLst>
   </p:cSld>
@@ -7124,7 +7959,7 @@
           <p:cNvPr id="2" name="Title 1">
             <a:extLst>
               <a:ext uri="{FF2B5EF4-FFF2-40B4-BE49-F238E27FC236}">
-                <a16:creationId xmlns:a16="http://schemas.microsoft.com/office/drawing/2014/main" id="{08C61B8B-BAD6-3B46-AA47-3499BA6D9C92}"/>
+                <a16:creationId xmlns:a16="http://schemas.microsoft.com/office/drawing/2014/main" xmlns="" id="{7284945E-085F-1C4A-908A-89FD303D059E}"/>
               </a:ext>
             </a:extLst>
           </p:cNvPr>
@@ -7142,7 +7977,15 @@
           <a:p>
             <a:r>
               <a:rPr lang="en-US" dirty="0"/>
-              <a:t>Why Not Existing Approaches?</a:t>
+              <a:t>The </a:t>
+            </a:r>
+            <a:r>
+              <a:rPr lang="en-US" dirty="0" err="1"/>
+              <a:t>SpeakQL</a:t>
+            </a:r>
+            <a:r>
+              <a:rPr lang="en-US" dirty="0"/>
+              <a:t> argument</a:t>
             </a:r>
           </a:p>
         </p:txBody>
@@ -7152,7 +7995,7 @@
           <p:cNvPr id="3" name="Content Placeholder 2">
             <a:extLst>
               <a:ext uri="{FF2B5EF4-FFF2-40B4-BE49-F238E27FC236}">
-                <a16:creationId xmlns:a16="http://schemas.microsoft.com/office/drawing/2014/main" id="{7AA71E47-024F-B543-903F-C75E727878B4}"/>
+                <a16:creationId xmlns:a16="http://schemas.microsoft.com/office/drawing/2014/main" xmlns="" id="{2ED8A43B-A725-FD42-BB9E-332CDD8B572D}"/>
               </a:ext>
             </a:extLst>
           </p:cNvPr>
@@ -7163,7 +8006,12 @@
             <p:ph idx="1"/>
           </p:nvPr>
         </p:nvSpPr>
-        <p:spPr/>
+        <p:spPr>
+          <a:xfrm>
+            <a:off x="838200" y="1825625"/>
+            <a:ext cx="6007274" cy="4351338"/>
+          </a:xfrm>
+        </p:spPr>
         <p:txBody>
           <a:bodyPr/>
           <a:lstStyle/>
@@ -7173,77 +8021,25 @@
             </a:pPr>
             <a:r>
               <a:rPr lang="en-US" dirty="0"/>
-              <a:t>Natural Language Interfaces (NLI)</a:t>
-            </a:r>
-          </a:p>
-          <a:p>
-            <a:r>
-              <a:rPr lang="en-US" dirty="0"/>
-              <a:t>User speech </a:t>
-            </a:r>
-            <a:r>
-              <a:rPr lang="en-US" dirty="0">
-                <a:sym typeface="Wingdings" pitchFamily="2" charset="2"/>
-              </a:rPr>
-              <a:t> </a:t>
-            </a:r>
-            <a:r>
-              <a:rPr lang="en-US" dirty="0"/>
-              <a:t>ASR </a:t>
-            </a:r>
-            <a:r>
-              <a:rPr lang="en-US" dirty="0">
-                <a:sym typeface="Wingdings" pitchFamily="2" charset="2"/>
-              </a:rPr>
-              <a:t> NLI  SQL  result</a:t>
-            </a:r>
-          </a:p>
-          <a:p>
-            <a:r>
-              <a:rPr lang="en-US" dirty="0">
-                <a:sym typeface="Wingdings" pitchFamily="2" charset="2"/>
-              </a:rPr>
-              <a:t>Errors propagate in each step</a:t>
-            </a:r>
-          </a:p>
-          <a:p>
-            <a:endParaRPr lang="en-US" dirty="0">
-              <a:sym typeface="Wingdings" pitchFamily="2" charset="2"/>
-            </a:endParaRPr>
-          </a:p>
-          <a:p>
-            <a:pPr marL="0" indent="0">
-              <a:buNone/>
-            </a:pPr>
-            <a:r>
-              <a:rPr lang="en-US" dirty="0">
-                <a:sym typeface="Wingdings" pitchFamily="2" charset="2"/>
-              </a:rPr>
-              <a:t>Touch interfaces</a:t>
-            </a:r>
-          </a:p>
-          <a:p>
-            <a:r>
-              <a:rPr lang="en-US" dirty="0">
-                <a:sym typeface="Wingdings" pitchFamily="2" charset="2"/>
-              </a:rPr>
-              <a:t>Paper argues they “obviate” SQL</a:t>
-            </a:r>
-          </a:p>
-          <a:p>
-            <a:endParaRPr lang="en-US" dirty="0">
-              <a:sym typeface="Wingdings" pitchFamily="2" charset="2"/>
-            </a:endParaRPr>
-          </a:p>
-          <a:p>
-            <a:pPr marL="0" indent="0">
-              <a:buNone/>
-            </a:pPr>
-            <a:r>
-              <a:rPr lang="en-US" dirty="0">
-                <a:sym typeface="Wingdings" pitchFamily="2" charset="2"/>
-              </a:rPr>
-              <a:t>Template-based Interfaces </a:t>
+              <a:t>People</a:t>
+            </a:r>
+          </a:p>
+          <a:p>
+            <a:r>
+              <a:rPr lang="en-US" dirty="0"/>
+              <a:t>know SQL.  May even be experts</a:t>
+            </a:r>
+          </a:p>
+          <a:p>
+            <a:r>
+              <a:rPr lang="en-US" dirty="0"/>
+              <a:t>want to write SQL on-the-go</a:t>
+            </a:r>
+          </a:p>
+          <a:p>
+            <a:r>
+              <a:rPr lang="en-US" dirty="0"/>
+              <a:t>have a phone/tablet</a:t>
             </a:r>
           </a:p>
           <a:p>
@@ -7253,332 +8049,20 @@
             <a:endParaRPr lang="en-US" dirty="0"/>
           </a:p>
           <a:p>
-            <a:endParaRPr lang="en-US" dirty="0"/>
-          </a:p>
-        </p:txBody>
-      </p:sp>
-      <p:pic>
-        <p:nvPicPr>
-          <p:cNvPr id="4" name="Picture 3">
-            <a:extLst>
-              <a:ext uri="{FF2B5EF4-FFF2-40B4-BE49-F238E27FC236}">
-                <a16:creationId xmlns:a16="http://schemas.microsoft.com/office/drawing/2014/main" id="{B98BBCDD-FDF8-374B-B435-9E48C5586D1E}"/>
-              </a:ext>
-            </a:extLst>
-          </p:cNvPr>
-          <p:cNvPicPr>
-            <a:picLocks noChangeAspect="1"/>
-          </p:cNvPicPr>
-          <p:nvPr/>
-        </p:nvPicPr>
-        <p:blipFill>
-          <a:blip r:embed="rId2"/>
-          <a:stretch>
-            <a:fillRect/>
-          </a:stretch>
-        </p:blipFill>
-        <p:spPr>
-          <a:xfrm>
-            <a:off x="9693670" y="1195089"/>
-            <a:ext cx="2415420" cy="640736"/>
-          </a:xfrm>
-          <a:prstGeom prst="rect">
-            <a:avLst/>
-          </a:prstGeom>
-        </p:spPr>
-      </p:pic>
-      <p:pic>
-        <p:nvPicPr>
-          <p:cNvPr id="5" name="Picture 4">
-            <a:extLst>
-              <a:ext uri="{FF2B5EF4-FFF2-40B4-BE49-F238E27FC236}">
-                <a16:creationId xmlns:a16="http://schemas.microsoft.com/office/drawing/2014/main" id="{30619E84-DD5C-5D4D-B9B7-56B11D1DF4EE}"/>
-              </a:ext>
-            </a:extLst>
-          </p:cNvPr>
-          <p:cNvPicPr>
-            <a:picLocks noChangeAspect="1"/>
-          </p:cNvPicPr>
-          <p:nvPr/>
-        </p:nvPicPr>
-        <p:blipFill>
-          <a:blip r:embed="rId3"/>
-          <a:stretch>
-            <a:fillRect/>
-          </a:stretch>
-        </p:blipFill>
-        <p:spPr>
-          <a:xfrm>
-            <a:off x="9877510" y="2195616"/>
-            <a:ext cx="2079251" cy="808833"/>
-          </a:xfrm>
-          <a:prstGeom prst="rect">
-            <a:avLst/>
-          </a:prstGeom>
-        </p:spPr>
-      </p:pic>
-      <p:sp>
-        <p:nvSpPr>
-          <p:cNvPr id="6" name="TextBox 5">
-            <a:extLst>
-              <a:ext uri="{FF2B5EF4-FFF2-40B4-BE49-F238E27FC236}">
-                <a16:creationId xmlns:a16="http://schemas.microsoft.com/office/drawing/2014/main" id="{C74355A4-E167-714B-97FC-971C8AAB0B5D}"/>
-              </a:ext>
-            </a:extLst>
-          </p:cNvPr>
-          <p:cNvSpPr txBox="1"/>
-          <p:nvPr/>
-        </p:nvSpPr>
-        <p:spPr>
-          <a:xfrm>
-            <a:off x="10308910" y="2935095"/>
-            <a:ext cx="1184940" cy="369332"/>
-          </a:xfrm>
-          <a:prstGeom prst="rect">
-            <a:avLst/>
-          </a:prstGeom>
-          <a:noFill/>
-        </p:spPr>
-        <p:txBody>
-          <a:bodyPr wrap="none" rtlCol="0">
-            <a:spAutoFit/>
-          </a:bodyPr>
-          <a:lstStyle/>
-          <a:p>
-            <a:pPr algn="l"/>
-            <a:r>
-              <a:rPr lang="en-US" dirty="0">
-                <a:latin typeface="Arial" panose="020B0604020202020204" pitchFamily="34" charset="0"/>
-                <a:cs typeface="Arial" panose="020B0604020202020204" pitchFamily="34" charset="0"/>
-              </a:rPr>
-              <a:t>Seq2SQL</a:t>
-            </a:r>
-          </a:p>
-        </p:txBody>
-      </p:sp>
-      <p:pic>
-        <p:nvPicPr>
-          <p:cNvPr id="7" name="Picture 6">
-            <a:extLst>
-              <a:ext uri="{FF2B5EF4-FFF2-40B4-BE49-F238E27FC236}">
-                <a16:creationId xmlns:a16="http://schemas.microsoft.com/office/drawing/2014/main" id="{3D84FA06-E387-114C-8751-7C94BC580F3B}"/>
-              </a:ext>
-            </a:extLst>
-          </p:cNvPr>
-          <p:cNvPicPr>
-            <a:picLocks noChangeAspect="1"/>
-          </p:cNvPicPr>
-          <p:nvPr/>
-        </p:nvPicPr>
-        <p:blipFill>
-          <a:blip r:embed="rId4"/>
-          <a:stretch>
-            <a:fillRect/>
-          </a:stretch>
-        </p:blipFill>
-        <p:spPr>
-          <a:xfrm>
-            <a:off x="10112919" y="3582746"/>
-            <a:ext cx="1848847" cy="1047154"/>
-          </a:xfrm>
-          <a:prstGeom prst="rect">
-            <a:avLst/>
-          </a:prstGeom>
-        </p:spPr>
-      </p:pic>
-      <p:pic>
-        <p:nvPicPr>
-          <p:cNvPr id="8" name="Picture 7">
-            <a:extLst>
-              <a:ext uri="{FF2B5EF4-FFF2-40B4-BE49-F238E27FC236}">
-                <a16:creationId xmlns:a16="http://schemas.microsoft.com/office/drawing/2014/main" id="{27DE0D5C-39BA-BC4C-83CD-49B1EAB78A80}"/>
-              </a:ext>
-            </a:extLst>
-          </p:cNvPr>
-          <p:cNvPicPr>
-            <a:picLocks noChangeAspect="1"/>
-          </p:cNvPicPr>
-          <p:nvPr/>
-        </p:nvPicPr>
-        <p:blipFill>
-          <a:blip r:embed="rId5"/>
-          <a:stretch>
-            <a:fillRect/>
-          </a:stretch>
-        </p:blipFill>
-        <p:spPr>
-          <a:xfrm>
-            <a:off x="8250913" y="3639250"/>
-            <a:ext cx="1771912" cy="934146"/>
-          </a:xfrm>
-          <a:prstGeom prst="rect">
-            <a:avLst/>
-          </a:prstGeom>
-        </p:spPr>
-      </p:pic>
-      <p:sp>
-        <p:nvSpPr>
-          <p:cNvPr id="9" name="TextBox 8">
-            <a:extLst>
-              <a:ext uri="{FF2B5EF4-FFF2-40B4-BE49-F238E27FC236}">
-                <a16:creationId xmlns:a16="http://schemas.microsoft.com/office/drawing/2014/main" id="{4ACE242F-67A6-D84B-A823-315DB0139BEB}"/>
-              </a:ext>
-            </a:extLst>
-          </p:cNvPr>
-          <p:cNvSpPr txBox="1"/>
-          <p:nvPr/>
-        </p:nvSpPr>
-        <p:spPr>
-          <a:xfrm>
-            <a:off x="10271748" y="4631613"/>
-            <a:ext cx="1531188" cy="369332"/>
-          </a:xfrm>
-          <a:prstGeom prst="rect">
-            <a:avLst/>
-          </a:prstGeom>
-          <a:noFill/>
-        </p:spPr>
-        <p:txBody>
-          <a:bodyPr wrap="none" rtlCol="0">
-            <a:spAutoFit/>
-          </a:bodyPr>
-          <a:lstStyle/>
-          <a:p>
-            <a:pPr algn="l"/>
-            <a:r>
-              <a:rPr lang="en-US" dirty="0" err="1">
-                <a:latin typeface="Arial" panose="020B0604020202020204" pitchFamily="34" charset="0"/>
-                <a:cs typeface="Arial" panose="020B0604020202020204" pitchFamily="34" charset="0"/>
-              </a:rPr>
-              <a:t>gesturequery</a:t>
-            </a:r>
-            <a:endParaRPr lang="en-US" dirty="0">
-              <a:latin typeface="Arial" panose="020B0604020202020204" pitchFamily="34" charset="0"/>
-              <a:cs typeface="Arial" panose="020B0604020202020204" pitchFamily="34" charset="0"/>
-            </a:endParaRPr>
-          </a:p>
-        </p:txBody>
-      </p:sp>
-      <p:sp>
-        <p:nvSpPr>
-          <p:cNvPr id="10" name="TextBox 9">
-            <a:extLst>
-              <a:ext uri="{FF2B5EF4-FFF2-40B4-BE49-F238E27FC236}">
-                <a16:creationId xmlns:a16="http://schemas.microsoft.com/office/drawing/2014/main" id="{08E9166E-8B12-B34C-AFCA-07E9A9CE496F}"/>
-              </a:ext>
-            </a:extLst>
-          </p:cNvPr>
-          <p:cNvSpPr txBox="1"/>
-          <p:nvPr/>
-        </p:nvSpPr>
-        <p:spPr>
-          <a:xfrm>
-            <a:off x="8679052" y="4631613"/>
-            <a:ext cx="915635" cy="369332"/>
-          </a:xfrm>
-          <a:prstGeom prst="rect">
-            <a:avLst/>
-          </a:prstGeom>
-          <a:noFill/>
-        </p:spPr>
-        <p:txBody>
-          <a:bodyPr wrap="none" rtlCol="0">
-            <a:spAutoFit/>
-          </a:bodyPr>
-          <a:lstStyle/>
-          <a:p>
-            <a:pPr algn="l"/>
-            <a:r>
-              <a:rPr lang="en-US" dirty="0" err="1">
-                <a:latin typeface="Arial" panose="020B0604020202020204" pitchFamily="34" charset="0"/>
-                <a:cs typeface="Arial" panose="020B0604020202020204" pitchFamily="34" charset="0"/>
-              </a:rPr>
-              <a:t>vizdom</a:t>
-            </a:r>
-            <a:endParaRPr lang="en-US" dirty="0">
-              <a:latin typeface="Arial" panose="020B0604020202020204" pitchFamily="34" charset="0"/>
-              <a:cs typeface="Arial" panose="020B0604020202020204" pitchFamily="34" charset="0"/>
-            </a:endParaRPr>
-          </a:p>
-        </p:txBody>
-      </p:sp>
-      <p:pic>
-        <p:nvPicPr>
-          <p:cNvPr id="11" name="Picture 10">
-            <a:extLst>
-              <a:ext uri="{FF2B5EF4-FFF2-40B4-BE49-F238E27FC236}">
-                <a16:creationId xmlns:a16="http://schemas.microsoft.com/office/drawing/2014/main" id="{D5A28457-40E6-4D40-B5CA-292725A4A891}"/>
-              </a:ext>
-            </a:extLst>
-          </p:cNvPr>
-          <p:cNvPicPr>
-            <a:picLocks noChangeAspect="1"/>
-          </p:cNvPicPr>
-          <p:nvPr/>
-        </p:nvPicPr>
-        <p:blipFill>
-          <a:blip r:embed="rId6"/>
-          <a:stretch>
-            <a:fillRect/>
-          </a:stretch>
-        </p:blipFill>
-        <p:spPr>
-          <a:xfrm>
-            <a:off x="9594687" y="5316004"/>
-            <a:ext cx="2340494" cy="1448968"/>
-          </a:xfrm>
-          <a:prstGeom prst="rect">
-            <a:avLst/>
-          </a:prstGeom>
-        </p:spPr>
-      </p:pic>
-      <p:sp>
-        <p:nvSpPr>
-          <p:cNvPr id="12" name="TextBox 11">
-            <a:extLst>
-              <a:ext uri="{FF2B5EF4-FFF2-40B4-BE49-F238E27FC236}">
-                <a16:creationId xmlns:a16="http://schemas.microsoft.com/office/drawing/2014/main" id="{82A57DC3-3931-4149-9F96-08078598FCB0}"/>
-              </a:ext>
-            </a:extLst>
-          </p:cNvPr>
-          <p:cNvSpPr txBox="1"/>
-          <p:nvPr/>
-        </p:nvSpPr>
-        <p:spPr>
-          <a:xfrm>
-            <a:off x="8407075" y="5840730"/>
-            <a:ext cx="1159292" cy="369332"/>
-          </a:xfrm>
-          <a:prstGeom prst="rect">
-            <a:avLst/>
-          </a:prstGeom>
-          <a:noFill/>
-        </p:spPr>
-        <p:txBody>
-          <a:bodyPr wrap="none" rtlCol="0">
-            <a:spAutoFit/>
-          </a:bodyPr>
-          <a:lstStyle/>
-          <a:p>
-            <a:pPr algn="l"/>
-            <a:r>
-              <a:rPr lang="en-US" dirty="0" err="1">
-                <a:latin typeface="Arial" panose="020B0604020202020204" pitchFamily="34" charset="0"/>
-                <a:cs typeface="Arial" panose="020B0604020202020204" pitchFamily="34" charset="0"/>
-              </a:rPr>
-              <a:t>DataChat</a:t>
-            </a:r>
-            <a:endParaRPr lang="en-US" dirty="0">
-              <a:latin typeface="Arial" panose="020B0604020202020204" pitchFamily="34" charset="0"/>
-              <a:cs typeface="Arial" panose="020B0604020202020204" pitchFamily="34" charset="0"/>
-            </a:endParaRPr>
+            <a:pPr marL="0" indent="0">
+              <a:buNone/>
+            </a:pPr>
+            <a:r>
+              <a:rPr lang="en-US" dirty="0"/>
+              <a:t>Thus speech interface is best</a:t>
+            </a:r>
           </a:p>
         </p:txBody>
       </p:sp>
     </p:spTree>
     <p:extLst>
       <p:ext uri="{BB962C8B-B14F-4D97-AF65-F5344CB8AC3E}">
-        <p14:creationId xmlns:p14="http://schemas.microsoft.com/office/powerpoint/2010/main" val="2790257416"/>
+        <p14:creationId xmlns:p14="http://schemas.microsoft.com/office/powerpoint/2010/main" val="1886082678"/>
       </p:ext>
     </p:extLst>
   </p:cSld>
@@ -7610,7 +8094,7 @@
           <p:cNvPr id="2" name="Title 1">
             <a:extLst>
               <a:ext uri="{FF2B5EF4-FFF2-40B4-BE49-F238E27FC236}">
-                <a16:creationId xmlns:a16="http://schemas.microsoft.com/office/drawing/2014/main" id="{088E6758-0116-5C44-942E-9ECE9E84C815}"/>
+                <a16:creationId xmlns:a16="http://schemas.microsoft.com/office/drawing/2014/main" xmlns="" id="{A1ACE1D2-B2AA-794C-8741-5AC1339B9E4E}"/>
               </a:ext>
             </a:extLst>
           </p:cNvPr>
@@ -7628,7 +8112,7 @@
           <a:p>
             <a:r>
               <a:rPr lang="en-US" dirty="0"/>
-              <a:t>Approach Overview</a:t>
+              <a:t>Use Cases</a:t>
             </a:r>
           </a:p>
         </p:txBody>
@@ -7638,7 +8122,7 @@
           <p:cNvPr id="3" name="Content Placeholder 2">
             <a:extLst>
               <a:ext uri="{FF2B5EF4-FFF2-40B4-BE49-F238E27FC236}">
-                <a16:creationId xmlns:a16="http://schemas.microsoft.com/office/drawing/2014/main" id="{5669DAD4-44D7-534C-A413-EE06B8DC4027}"/>
+                <a16:creationId xmlns:a16="http://schemas.microsoft.com/office/drawing/2014/main" xmlns="" id="{B083CCA7-B6DD-F24F-A434-7CFEA4C14600}"/>
               </a:ext>
             </a:extLst>
           </p:cNvPr>
@@ -7656,51 +8140,36 @@
           <a:p>
             <a:r>
               <a:rPr lang="en-US" dirty="0"/>
-              <a:t>Match speech tokens to SQL template (struct determination)</a:t>
-            </a:r>
-          </a:p>
-          <a:p>
-            <a:r>
-              <a:rPr lang="en-US" dirty="0"/>
-              <a:t>Fill in literals, address homophones (literal determination)</a:t>
-            </a:r>
-          </a:p>
-        </p:txBody>
-      </p:sp>
-      <p:pic>
-        <p:nvPicPr>
-          <p:cNvPr id="4" name="Picture 3">
-            <a:extLst>
-              <a:ext uri="{FF2B5EF4-FFF2-40B4-BE49-F238E27FC236}">
-                <a16:creationId xmlns:a16="http://schemas.microsoft.com/office/drawing/2014/main" id="{2FEF31A9-8774-2347-AED8-CA741B8ACCBE}"/>
-              </a:ext>
-            </a:extLst>
-          </p:cNvPr>
-          <p:cNvPicPr>
-            <a:picLocks noChangeAspect="1"/>
-          </p:cNvPicPr>
-          <p:nvPr/>
-        </p:nvPicPr>
-        <p:blipFill>
-          <a:blip r:embed="rId2"/>
-          <a:stretch>
-            <a:fillRect/>
-          </a:stretch>
-        </p:blipFill>
-        <p:spPr>
-          <a:xfrm>
-            <a:off x="1130474" y="3429000"/>
-            <a:ext cx="9931052" cy="2646516"/>
-          </a:xfrm>
-          <a:prstGeom prst="rect">
-            <a:avLst/>
-          </a:prstGeom>
-        </p:spPr>
-      </p:pic>
+              <a:t>DBA debugging system while on the road</a:t>
+            </a:r>
+          </a:p>
+          <a:p>
+            <a:r>
+              <a:rPr lang="en-US" dirty="0"/>
+              <a:t>Nurse accesses patient record away from his desk</a:t>
+            </a:r>
+          </a:p>
+          <a:p>
+            <a:r>
+              <a:rPr lang="en-US" dirty="0"/>
+              <a:t>Analyst answers customer sales question in a meeting</a:t>
+            </a:r>
+          </a:p>
+          <a:p>
+            <a:endParaRPr lang="en-US" dirty="0"/>
+          </a:p>
+          <a:p>
+            <a:pPr marL="0" indent="0">
+              <a:buNone/>
+            </a:pPr>
+            <a:endParaRPr lang="en-US" dirty="0"/>
+          </a:p>
+        </p:txBody>
+      </p:sp>
     </p:spTree>
     <p:extLst>
       <p:ext uri="{BB962C8B-B14F-4D97-AF65-F5344CB8AC3E}">
-        <p14:creationId xmlns:p14="http://schemas.microsoft.com/office/powerpoint/2010/main" val="4193222936"/>
+        <p14:creationId xmlns:p14="http://schemas.microsoft.com/office/powerpoint/2010/main" val="2228590226"/>
       </p:ext>
     </p:extLst>
   </p:cSld>
